--- a/companion-website/public/files/20. Jesus didn't claim to be God.pptx
+++ b/companion-website/public/files/20. Jesus didn't claim to be God.pptx
@@ -5,16 +5,27 @@
     <p:sldMasterId id="2147483648" r:id="rId1"/>
   </p:sldMasterIdLst>
   <p:notesMasterIdLst>
-    <p:notesMasterId r:id="rId9"/>
+    <p:notesMasterId r:id="rId20"/>
   </p:notesMasterIdLst>
   <p:sldIdLst>
     <p:sldId id="275" r:id="rId2"/>
-    <p:sldId id="438" r:id="rId3"/>
-    <p:sldId id="439" r:id="rId4"/>
-    <p:sldId id="440" r:id="rId5"/>
-    <p:sldId id="441" r:id="rId6"/>
-    <p:sldId id="442" r:id="rId7"/>
-    <p:sldId id="443" r:id="rId8"/>
+    <p:sldId id="466" r:id="rId3"/>
+    <p:sldId id="458" r:id="rId4"/>
+    <p:sldId id="438" r:id="rId5"/>
+    <p:sldId id="457" r:id="rId6"/>
+    <p:sldId id="439" r:id="rId7"/>
+    <p:sldId id="459" r:id="rId8"/>
+    <p:sldId id="460" r:id="rId9"/>
+    <p:sldId id="453" r:id="rId10"/>
+    <p:sldId id="440" r:id="rId11"/>
+    <p:sldId id="441" r:id="rId12"/>
+    <p:sldId id="461" r:id="rId13"/>
+    <p:sldId id="442" r:id="rId14"/>
+    <p:sldId id="443" r:id="rId15"/>
+    <p:sldId id="455" r:id="rId16"/>
+    <p:sldId id="462" r:id="rId17"/>
+    <p:sldId id="464" r:id="rId18"/>
+    <p:sldId id="465" r:id="rId19"/>
   </p:sldIdLst>
   <p:sldSz cx="9144000" cy="6858000" type="screen4x3"/>
   <p:notesSz cx="6858000" cy="9144000"/>
@@ -114,6 +125,36 @@
     </a:lvl9pPr>
   </p:defaultTextStyle>
   <p:extLst>
+    <p:ext uri="{521415D9-36F7-43E2-AB2F-B90AF26B5E84}">
+      <p14:sectionLst xmlns:p14="http://schemas.microsoft.com/office/powerpoint/2010/main">
+        <p14:section name="Default Section" id="{716FEBF0-37B3-9A4E-A789-30F19591D940}">
+          <p14:sldIdLst>
+            <p14:sldId id="275"/>
+            <p14:sldId id="466"/>
+            <p14:sldId id="458"/>
+            <p14:sldId id="438"/>
+            <p14:sldId id="457"/>
+            <p14:sldId id="439"/>
+            <p14:sldId id="459"/>
+            <p14:sldId id="460"/>
+            <p14:sldId id="453"/>
+            <p14:sldId id="440"/>
+            <p14:sldId id="441"/>
+            <p14:sldId id="461"/>
+            <p14:sldId id="442"/>
+            <p14:sldId id="443"/>
+            <p14:sldId id="455"/>
+          </p14:sldIdLst>
+        </p14:section>
+        <p14:section name="SHARPS RULE" id="{AF38EF0B-30FB-354A-9C9B-AB0C8121A74C}">
+          <p14:sldIdLst>
+            <p14:sldId id="462"/>
+            <p14:sldId id="464"/>
+            <p14:sldId id="465"/>
+          </p14:sldIdLst>
+        </p14:section>
+      </p14:sectionLst>
+    </p:ext>
     <p:ext uri="{EFAFB233-063F-42B5-8137-9DF3F51BA10A}">
       <p15:sldGuideLst xmlns:p15="http://schemas.microsoft.com/office/powerpoint/2012/main">
         <p15:guide id="1" orient="horz" pos="2160">
@@ -214,7 +255,7 @@
           <a:p>
             <a:fld id="{8F7EB338-8BB0-B64B-9F79-C87EA24D723F}" type="datetimeFigureOut">
               <a:rPr lang="en-US" smtClean="0"/>
-              <a:t>8/29/20</a:t>
+              <a:t>11/28/20</a:t>
             </a:fld>
             <a:endParaRPr lang="en-US"/>
           </a:p>
@@ -479,6 +520,174 @@
     </a:lvl9pPr>
   </p:notesStyle>
 </p:notesMaster>
+</file>
+
+<file path=ppt/notesSlides/notesSlide1.xml><?xml version="1.0" encoding="utf-8"?>
+<p:notes xmlns:a="http://schemas.openxmlformats.org/drawingml/2006/main" xmlns:r="http://schemas.openxmlformats.org/officeDocument/2006/relationships" xmlns:p="http://schemas.openxmlformats.org/presentationml/2006/main">
+  <p:cSld>
+    <p:spTree>
+      <p:nvGrpSpPr>
+        <p:cNvPr id="1" name=""/>
+        <p:cNvGrpSpPr/>
+        <p:nvPr/>
+      </p:nvGrpSpPr>
+      <p:grpSpPr>
+        <a:xfrm>
+          <a:off x="0" y="0"/>
+          <a:ext cx="0" cy="0"/>
+          <a:chOff x="0" y="0"/>
+          <a:chExt cx="0" cy="0"/>
+        </a:xfrm>
+      </p:grpSpPr>
+      <p:sp>
+        <p:nvSpPr>
+          <p:cNvPr id="2" name="Slide Image Placeholder 1"/>
+          <p:cNvSpPr>
+            <a:spLocks noGrp="1" noRot="1" noChangeAspect="1"/>
+          </p:cNvSpPr>
+          <p:nvPr>
+            <p:ph type="sldImg"/>
+          </p:nvPr>
+        </p:nvSpPr>
+        <p:spPr/>
+      </p:sp>
+      <p:sp>
+        <p:nvSpPr>
+          <p:cNvPr id="3" name="Notes Placeholder 2"/>
+          <p:cNvSpPr>
+            <a:spLocks noGrp="1"/>
+          </p:cNvSpPr>
+          <p:nvPr>
+            <p:ph type="body" idx="1"/>
+          </p:nvPr>
+        </p:nvSpPr>
+        <p:spPr/>
+        <p:txBody>
+          <a:bodyPr/>
+          <a:lstStyle/>
+          <a:p>
+            <a:endParaRPr lang="en-US" dirty="0"/>
+          </a:p>
+        </p:txBody>
+      </p:sp>
+      <p:sp>
+        <p:nvSpPr>
+          <p:cNvPr id="4" name="Slide Number Placeholder 3"/>
+          <p:cNvSpPr>
+            <a:spLocks noGrp="1"/>
+          </p:cNvSpPr>
+          <p:nvPr>
+            <p:ph type="sldNum" sz="quarter" idx="10"/>
+          </p:nvPr>
+        </p:nvSpPr>
+        <p:spPr/>
+        <p:txBody>
+          <a:bodyPr/>
+          <a:lstStyle/>
+          <a:p>
+            <a:fld id="{0A2C3B37-55FA-284F-9E83-751B4EA6E9B4}" type="slidenum">
+              <a:rPr lang="en-US" smtClean="0"/>
+              <a:t>2</a:t>
+            </a:fld>
+            <a:endParaRPr lang="en-US"/>
+          </a:p>
+        </p:txBody>
+      </p:sp>
+    </p:spTree>
+    <p:extLst>
+      <p:ext uri="{BB962C8B-B14F-4D97-AF65-F5344CB8AC3E}">
+        <p14:creationId xmlns:p14="http://schemas.microsoft.com/office/powerpoint/2010/main" val="1391908129"/>
+      </p:ext>
+    </p:extLst>
+  </p:cSld>
+  <p:clrMapOvr>
+    <a:masterClrMapping/>
+  </p:clrMapOvr>
+</p:notes>
+</file>
+
+<file path=ppt/notesSlides/notesSlide2.xml><?xml version="1.0" encoding="utf-8"?>
+<p:notes xmlns:a="http://schemas.openxmlformats.org/drawingml/2006/main" xmlns:r="http://schemas.openxmlformats.org/officeDocument/2006/relationships" xmlns:p="http://schemas.openxmlformats.org/presentationml/2006/main">
+  <p:cSld>
+    <p:spTree>
+      <p:nvGrpSpPr>
+        <p:cNvPr id="1" name=""/>
+        <p:cNvGrpSpPr/>
+        <p:nvPr/>
+      </p:nvGrpSpPr>
+      <p:grpSpPr>
+        <a:xfrm>
+          <a:off x="0" y="0"/>
+          <a:ext cx="0" cy="0"/>
+          <a:chOff x="0" y="0"/>
+          <a:chExt cx="0" cy="0"/>
+        </a:xfrm>
+      </p:grpSpPr>
+      <p:sp>
+        <p:nvSpPr>
+          <p:cNvPr id="2" name="Slide Image Placeholder 1"/>
+          <p:cNvSpPr>
+            <a:spLocks noGrp="1" noRot="1" noChangeAspect="1"/>
+          </p:cNvSpPr>
+          <p:nvPr>
+            <p:ph type="sldImg"/>
+          </p:nvPr>
+        </p:nvSpPr>
+        <p:spPr/>
+      </p:sp>
+      <p:sp>
+        <p:nvSpPr>
+          <p:cNvPr id="3" name="Notes Placeholder 2"/>
+          <p:cNvSpPr>
+            <a:spLocks noGrp="1"/>
+          </p:cNvSpPr>
+          <p:nvPr>
+            <p:ph type="body" idx="1"/>
+          </p:nvPr>
+        </p:nvSpPr>
+        <p:spPr/>
+        <p:txBody>
+          <a:bodyPr/>
+          <a:lstStyle/>
+          <a:p>
+            <a:endParaRPr lang="en-US" dirty="0"/>
+          </a:p>
+        </p:txBody>
+      </p:sp>
+      <p:sp>
+        <p:nvSpPr>
+          <p:cNvPr id="4" name="Slide Number Placeholder 3"/>
+          <p:cNvSpPr>
+            <a:spLocks noGrp="1"/>
+          </p:cNvSpPr>
+          <p:nvPr>
+            <p:ph type="sldNum" sz="quarter" idx="10"/>
+          </p:nvPr>
+        </p:nvSpPr>
+        <p:spPr/>
+        <p:txBody>
+          <a:bodyPr/>
+          <a:lstStyle/>
+          <a:p>
+            <a:fld id="{0A2C3B37-55FA-284F-9E83-751B4EA6E9B4}" type="slidenum">
+              <a:rPr lang="en-US" smtClean="0"/>
+              <a:t>15</a:t>
+            </a:fld>
+            <a:endParaRPr lang="en-US"/>
+          </a:p>
+        </p:txBody>
+      </p:sp>
+    </p:spTree>
+    <p:extLst>
+      <p:ext uri="{BB962C8B-B14F-4D97-AF65-F5344CB8AC3E}">
+        <p14:creationId xmlns:p14="http://schemas.microsoft.com/office/powerpoint/2010/main" val="2445010514"/>
+      </p:ext>
+    </p:extLst>
+  </p:cSld>
+  <p:clrMapOvr>
+    <a:masterClrMapping/>
+  </p:clrMapOvr>
+</p:notes>
 </file>
 
 <file path=ppt/slideLayouts/slideLayout1.xml><?xml version="1.0" encoding="utf-8"?>
@@ -665,7 +874,7 @@
             <a:fld id="{DBE77699-C466-4996-ADED-71C8160E04A2}" type="datetimeFigureOut">
               <a:rPr lang="en-US" smtClean="0"/>
               <a:pPr/>
-              <a:t>8/29/20</a:t>
+              <a:t>11/28/20</a:t>
             </a:fld>
             <a:endParaRPr lang="en-US"/>
           </a:p>
@@ -830,7 +1039,7 @@
             <a:fld id="{DBE77699-C466-4996-ADED-71C8160E04A2}" type="datetimeFigureOut">
               <a:rPr lang="en-US" smtClean="0"/>
               <a:pPr/>
-              <a:t>8/29/20</a:t>
+              <a:t>11/28/20</a:t>
             </a:fld>
             <a:endParaRPr lang="en-US"/>
           </a:p>
@@ -1005,7 +1214,7 @@
             <a:fld id="{DBE77699-C466-4996-ADED-71C8160E04A2}" type="datetimeFigureOut">
               <a:rPr lang="en-US" smtClean="0"/>
               <a:pPr/>
-              <a:t>8/29/20</a:t>
+              <a:t>11/28/20</a:t>
             </a:fld>
             <a:endParaRPr lang="en-US"/>
           </a:p>
@@ -1124,7 +1333,7 @@
             <a:fld id="{DBE77699-C466-4996-ADED-71C8160E04A2}" type="datetimeFigureOut">
               <a:rPr lang="en-US" smtClean="0"/>
               <a:pPr/>
-              <a:t>8/29/20</a:t>
+              <a:t>11/28/20</a:t>
             </a:fld>
             <a:endParaRPr lang="en-US"/>
           </a:p>
@@ -1424,6 +1633,229 @@
 </p:sldLayout>
 </file>
 
+<file path=ppt/slideLayouts/slideLayout13.xml><?xml version="1.0" encoding="utf-8"?>
+<p:sldLayout xmlns:a="http://schemas.openxmlformats.org/drawingml/2006/main" xmlns:r="http://schemas.openxmlformats.org/officeDocument/2006/relationships" xmlns:p="http://schemas.openxmlformats.org/presentationml/2006/main" userDrawn="1">
+  <p:cSld name="1_Title and Content">
+    <p:spTree>
+      <p:nvGrpSpPr>
+        <p:cNvPr id="1" name=""/>
+        <p:cNvGrpSpPr/>
+        <p:nvPr/>
+      </p:nvGrpSpPr>
+      <p:grpSpPr>
+        <a:xfrm>
+          <a:off x="0" y="0"/>
+          <a:ext cx="0" cy="0"/>
+          <a:chOff x="0" y="0"/>
+          <a:chExt cx="0" cy="0"/>
+        </a:xfrm>
+      </p:grpSpPr>
+      <p:sp>
+        <p:nvSpPr>
+          <p:cNvPr id="2" name="Title 1"/>
+          <p:cNvSpPr>
+            <a:spLocks noGrp="1"/>
+          </p:cNvSpPr>
+          <p:nvPr>
+            <p:ph type="title"/>
+          </p:nvPr>
+        </p:nvSpPr>
+        <p:spPr>
+          <a:xfrm>
+            <a:off x="4417" y="0"/>
+            <a:ext cx="9144000" cy="838200"/>
+          </a:xfrm>
+        </p:spPr>
+        <p:txBody>
+          <a:bodyPr/>
+          <a:lstStyle>
+            <a:lvl1pPr>
+              <a:defRPr b="1"/>
+            </a:lvl1pPr>
+          </a:lstStyle>
+          <a:p>
+            <a:r>
+              <a:rPr lang="en-US" dirty="0"/>
+              <a:t>Click to edit Master title style</a:t>
+            </a:r>
+          </a:p>
+        </p:txBody>
+      </p:sp>
+      <p:sp>
+        <p:nvSpPr>
+          <p:cNvPr id="3" name="Content Placeholder 2"/>
+          <p:cNvSpPr>
+            <a:spLocks noGrp="1"/>
+          </p:cNvSpPr>
+          <p:nvPr>
+            <p:ph idx="1"/>
+          </p:nvPr>
+        </p:nvSpPr>
+        <p:spPr>
+          <a:xfrm>
+            <a:off x="0" y="1371600"/>
+            <a:ext cx="9144000" cy="4754563"/>
+          </a:xfrm>
+        </p:spPr>
+        <p:txBody>
+          <a:bodyPr/>
+          <a:lstStyle/>
+          <a:p>
+            <a:pPr lvl="0"/>
+            <a:r>
+              <a:rPr lang="en-US"/>
+              <a:t>Click to edit Master text styles</a:t>
+            </a:r>
+          </a:p>
+          <a:p>
+            <a:pPr lvl="1"/>
+            <a:r>
+              <a:rPr lang="en-US"/>
+              <a:t>Second level</a:t>
+            </a:r>
+          </a:p>
+          <a:p>
+            <a:pPr lvl="2"/>
+            <a:r>
+              <a:rPr lang="en-US"/>
+              <a:t>Third level</a:t>
+            </a:r>
+          </a:p>
+          <a:p>
+            <a:pPr lvl="3"/>
+            <a:r>
+              <a:rPr lang="en-US"/>
+              <a:t>Fourth level</a:t>
+            </a:r>
+          </a:p>
+          <a:p>
+            <a:pPr lvl="4"/>
+            <a:r>
+              <a:rPr lang="en-US"/>
+              <a:t>Fifth level</a:t>
+            </a:r>
+          </a:p>
+        </p:txBody>
+      </p:sp>
+      <p:sp>
+        <p:nvSpPr>
+          <p:cNvPr id="4" name="Date Placeholder 3"/>
+          <p:cNvSpPr>
+            <a:spLocks noGrp="1"/>
+          </p:cNvSpPr>
+          <p:nvPr>
+            <p:ph type="dt" sz="half" idx="10"/>
+          </p:nvPr>
+        </p:nvSpPr>
+        <p:spPr/>
+        <p:txBody>
+          <a:bodyPr/>
+          <a:lstStyle/>
+          <a:p>
+            <a:fld id="{DBE77699-C466-4996-ADED-71C8160E04A2}" type="datetimeFigureOut">
+              <a:rPr lang="en-US" smtClean="0"/>
+              <a:pPr/>
+              <a:t>11/28/20</a:t>
+            </a:fld>
+            <a:endParaRPr lang="en-US"/>
+          </a:p>
+        </p:txBody>
+      </p:sp>
+      <p:sp>
+        <p:nvSpPr>
+          <p:cNvPr id="5" name="Footer Placeholder 4"/>
+          <p:cNvSpPr>
+            <a:spLocks noGrp="1"/>
+          </p:cNvSpPr>
+          <p:nvPr>
+            <p:ph type="ftr" sz="quarter" idx="11"/>
+          </p:nvPr>
+        </p:nvSpPr>
+        <p:spPr/>
+        <p:txBody>
+          <a:bodyPr/>
+          <a:lstStyle/>
+          <a:p>
+            <a:endParaRPr lang="en-US"/>
+          </a:p>
+        </p:txBody>
+      </p:sp>
+      <p:sp>
+        <p:nvSpPr>
+          <p:cNvPr id="6" name="Slide Number Placeholder 5"/>
+          <p:cNvSpPr>
+            <a:spLocks noGrp="1"/>
+          </p:cNvSpPr>
+          <p:nvPr>
+            <p:ph type="sldNum" sz="quarter" idx="12"/>
+          </p:nvPr>
+        </p:nvSpPr>
+        <p:spPr/>
+        <p:txBody>
+          <a:bodyPr/>
+          <a:lstStyle/>
+          <a:p>
+            <a:fld id="{ECD645EE-450D-4102-8FB2-AECCE2D0F3DF}" type="slidenum">
+              <a:rPr lang="en-US" smtClean="0"/>
+              <a:pPr/>
+              <a:t>‹#›</a:t>
+            </a:fld>
+            <a:endParaRPr lang="en-US"/>
+          </a:p>
+        </p:txBody>
+      </p:sp>
+      <p:sp>
+        <p:nvSpPr>
+          <p:cNvPr id="9" name="Text Placeholder 8"/>
+          <p:cNvSpPr>
+            <a:spLocks noGrp="1"/>
+          </p:cNvSpPr>
+          <p:nvPr>
+            <p:ph type="body" sz="quarter" idx="13" hasCustomPrompt="1"/>
+          </p:nvPr>
+        </p:nvSpPr>
+        <p:spPr>
+          <a:xfrm>
+            <a:off x="0" y="838200"/>
+            <a:ext cx="9144000" cy="533400"/>
+          </a:xfrm>
+        </p:spPr>
+        <p:txBody>
+          <a:bodyPr>
+            <a:normAutofit/>
+          </a:bodyPr>
+          <a:lstStyle>
+            <a:lvl1pPr marL="0" indent="0">
+              <a:buNone/>
+              <a:defRPr sz="2400" b="1">
+                <a:solidFill>
+                  <a:srgbClr val="7F7F7F"/>
+                </a:solidFill>
+              </a:defRPr>
+            </a:lvl1pPr>
+          </a:lstStyle>
+          <a:p>
+            <a:pPr lvl="0"/>
+            <a:r>
+              <a:rPr lang="en-US" dirty="0"/>
+              <a:t>Click to edit sub-title</a:t>
+            </a:r>
+          </a:p>
+        </p:txBody>
+      </p:sp>
+    </p:spTree>
+    <p:extLst>
+      <p:ext uri="{BB962C8B-B14F-4D97-AF65-F5344CB8AC3E}">
+        <p14:creationId xmlns:p14="http://schemas.microsoft.com/office/powerpoint/2010/main" val="4105679498"/>
+      </p:ext>
+    </p:extLst>
+  </p:cSld>
+  <p:clrMapOvr>
+    <a:masterClrMapping/>
+  </p:clrMapOvr>
+</p:sldLayout>
+</file>
+
 <file path=ppt/slideLayouts/slideLayout2.xml><?xml version="1.0" encoding="utf-8"?>
 <p:sldLayout xmlns:a="http://schemas.openxmlformats.org/drawingml/2006/main" xmlns:r="http://schemas.openxmlformats.org/officeDocument/2006/relationships" xmlns:p="http://schemas.openxmlformats.org/presentationml/2006/main" type="obj" preserve="1">
   <p:cSld name="Title and Content">
@@ -1532,7 +1964,7 @@
             <a:fld id="{DBE77699-C466-4996-ADED-71C8160E04A2}" type="datetimeFigureOut">
               <a:rPr lang="en-US" smtClean="0"/>
               <a:pPr/>
-              <a:t>8/29/20</a:t>
+              <a:t>11/28/20</a:t>
             </a:fld>
             <a:endParaRPr lang="en-US"/>
           </a:p>
@@ -1774,7 +2206,7 @@
             <a:fld id="{DBE77699-C466-4996-ADED-71C8160E04A2}" type="datetimeFigureOut">
               <a:rPr lang="en-US" smtClean="0"/>
               <a:pPr/>
-              <a:t>8/29/20</a:t>
+              <a:t>11/28/20</a:t>
             </a:fld>
             <a:endParaRPr lang="en-US"/>
           </a:p>
@@ -2056,7 +2488,7 @@
             <a:fld id="{DBE77699-C466-4996-ADED-71C8160E04A2}" type="datetimeFigureOut">
               <a:rPr lang="en-US" smtClean="0"/>
               <a:pPr/>
-              <a:t>8/29/20</a:t>
+              <a:t>11/28/20</a:t>
             </a:fld>
             <a:endParaRPr lang="en-US"/>
           </a:p>
@@ -2472,7 +2904,7 @@
             <a:fld id="{DBE77699-C466-4996-ADED-71C8160E04A2}" type="datetimeFigureOut">
               <a:rPr lang="en-US" smtClean="0"/>
               <a:pPr/>
-              <a:t>8/29/20</a:t>
+              <a:t>11/28/20</a:t>
             </a:fld>
             <a:endParaRPr lang="en-US"/>
           </a:p>
@@ -2586,7 +3018,7 @@
             <a:fld id="{DBE77699-C466-4996-ADED-71C8160E04A2}" type="datetimeFigureOut">
               <a:rPr lang="en-US" smtClean="0"/>
               <a:pPr/>
-              <a:t>8/29/20</a:t>
+              <a:t>11/28/20</a:t>
             </a:fld>
             <a:endParaRPr lang="en-US"/>
           </a:p>
@@ -2678,7 +3110,7 @@
             <a:fld id="{DBE77699-C466-4996-ADED-71C8160E04A2}" type="datetimeFigureOut">
               <a:rPr lang="en-US" smtClean="0"/>
               <a:pPr/>
-              <a:t>8/29/20</a:t>
+              <a:t>11/28/20</a:t>
             </a:fld>
             <a:endParaRPr lang="en-US"/>
           </a:p>
@@ -2950,7 +3382,7 @@
             <a:fld id="{DBE77699-C466-4996-ADED-71C8160E04A2}" type="datetimeFigureOut">
               <a:rPr lang="en-US" smtClean="0"/>
               <a:pPr/>
-              <a:t>8/29/20</a:t>
+              <a:t>11/28/20</a:t>
             </a:fld>
             <a:endParaRPr lang="en-US"/>
           </a:p>
@@ -3199,7 +3631,7 @@
             <a:fld id="{DBE77699-C466-4996-ADED-71C8160E04A2}" type="datetimeFigureOut">
               <a:rPr lang="en-US" smtClean="0"/>
               <a:pPr/>
-              <a:t>8/29/20</a:t>
+              <a:t>11/28/20</a:t>
             </a:fld>
             <a:endParaRPr lang="en-US"/>
           </a:p>
@@ -3410,7 +3842,7 @@
             <a:fld id="{DBE77699-C466-4996-ADED-71C8160E04A2}" type="datetimeFigureOut">
               <a:rPr lang="en-US" smtClean="0"/>
               <a:pPr/>
-              <a:t>8/29/20</a:t>
+              <a:t>11/28/20</a:t>
             </a:fld>
             <a:endParaRPr lang="en-US"/>
           </a:p>
@@ -3511,6 +3943,7 @@
     <p:sldLayoutId id="2147483658" r:id="rId10"/>
     <p:sldLayoutId id="2147483659" r:id="rId11"/>
     <p:sldLayoutId id="2147483661" r:id="rId12"/>
+    <p:sldLayoutId id="2147483662" r:id="rId13"/>
   </p:sldLayoutIdLst>
   <p:txStyles>
     <p:titleStyle>
@@ -4606,7 +5039,7 @@
 </p:sld>
 </file>
 
-<file path=ppt/slides/slide2.xml><?xml version="1.0" encoding="utf-8"?>
+<file path=ppt/slides/slide10.xml><?xml version="1.0" encoding="utf-8"?>
 <p:sld xmlns:a="http://schemas.openxmlformats.org/drawingml/2006/main" xmlns:r="http://schemas.openxmlformats.org/officeDocument/2006/relationships" xmlns:p="http://schemas.openxmlformats.org/presentationml/2006/main">
   <p:cSld>
     <p:spTree>
@@ -4642,17 +5075,17 @@
           <a:p>
             <a:r>
               <a:rPr lang="en-US" dirty="0"/>
-              <a:t>Make an argument that Jesus accepted the </a:t>
+              <a:t>Make an argument that Jesus shares the </a:t>
             </a:r>
             <a:r>
               <a:rPr lang="en-US" i="1" dirty="0"/>
-              <a:t>honor</a:t>
+              <a:t>names</a:t>
             </a:r>
             <a:r>
               <a:rPr lang="en-US" dirty="0"/>
-              <a:t> due to God.</a:t>
-            </a:r>
-            <a:endParaRPr lang="en-US" sz="3200" dirty="0"/>
+              <a:t> of God.</a:t>
+            </a:r>
+            <a:endParaRPr lang="en-US" sz="3600" dirty="0"/>
           </a:p>
         </p:txBody>
       </p:sp>
@@ -4673,7 +5106,7 @@
           <a:p>
             <a:r>
               <a:rPr lang="en-US" dirty="0"/>
-              <a:t>1</a:t>
+              <a:t>3</a:t>
             </a:r>
           </a:p>
         </p:txBody>
@@ -4681,7 +5114,7 @@
     </p:spTree>
     <p:extLst>
       <p:ext uri="{BB962C8B-B14F-4D97-AF65-F5344CB8AC3E}">
-        <p14:creationId xmlns:p14="http://schemas.microsoft.com/office/powerpoint/2010/main" val="2094317165"/>
+        <p14:creationId xmlns:p14="http://schemas.microsoft.com/office/powerpoint/2010/main" val="1448442270"/>
       </p:ext>
     </p:extLst>
   </p:cSld>
@@ -4691,7 +5124,7 @@
 </p:sld>
 </file>
 
-<file path=ppt/slides/slide3.xml><?xml version="1.0" encoding="utf-8"?>
+<file path=ppt/slides/slide11.xml><?xml version="1.0" encoding="utf-8"?>
 <p:sld xmlns:a="http://schemas.openxmlformats.org/drawingml/2006/main" xmlns:r="http://schemas.openxmlformats.org/officeDocument/2006/relationships" xmlns:p="http://schemas.openxmlformats.org/presentationml/2006/main">
   <p:cSld>
     <p:spTree>
@@ -4727,15 +5160,15 @@
           <a:p>
             <a:r>
               <a:rPr lang="en-US" dirty="0"/>
-              <a:t>Make an argument that Jesus shared the </a:t>
+              <a:t>Make an argument that Jesus shares in the </a:t>
             </a:r>
             <a:r>
               <a:rPr lang="en-US" i="1" dirty="0"/>
-              <a:t>attributes</a:t>
+              <a:t>deeds</a:t>
             </a:r>
             <a:r>
               <a:rPr lang="en-US" dirty="0"/>
-              <a:t> of God.</a:t>
+              <a:t> that God does.</a:t>
             </a:r>
           </a:p>
         </p:txBody>
@@ -4757,7 +5190,7 @@
           <a:p>
             <a:r>
               <a:rPr lang="en-US" dirty="0"/>
-              <a:t>2</a:t>
+              <a:t>4</a:t>
             </a:r>
           </a:p>
         </p:txBody>
@@ -4765,13 +5198,4501 @@
     </p:spTree>
     <p:extLst>
       <p:ext uri="{BB962C8B-B14F-4D97-AF65-F5344CB8AC3E}">
-        <p14:creationId xmlns:p14="http://schemas.microsoft.com/office/powerpoint/2010/main" val="439643971"/>
+        <p14:creationId xmlns:p14="http://schemas.microsoft.com/office/powerpoint/2010/main" val="3012287931"/>
       </p:ext>
     </p:extLst>
   </p:cSld>
   <p:clrMapOvr>
     <a:masterClrMapping/>
   </p:clrMapOvr>
+</p:sld>
+</file>
+
+<file path=ppt/slides/slide12.xml><?xml version="1.0" encoding="utf-8"?>
+<p:sld xmlns:a="http://schemas.openxmlformats.org/drawingml/2006/main" xmlns:r="http://schemas.openxmlformats.org/officeDocument/2006/relationships" xmlns:p="http://schemas.openxmlformats.org/presentationml/2006/main">
+  <p:cSld>
+    <p:spTree>
+      <p:nvGrpSpPr>
+        <p:cNvPr id="1" name=""/>
+        <p:cNvGrpSpPr/>
+        <p:nvPr/>
+      </p:nvGrpSpPr>
+      <p:grpSpPr>
+        <a:xfrm>
+          <a:off x="0" y="0"/>
+          <a:ext cx="0" cy="0"/>
+          <a:chOff x="0" y="0"/>
+          <a:chExt cx="0" cy="0"/>
+        </a:xfrm>
+      </p:grpSpPr>
+      <p:graphicFrame>
+        <p:nvGraphicFramePr>
+          <p:cNvPr id="5" name="Table 4">
+            <a:extLst>
+              <a:ext uri="{FF2B5EF4-FFF2-40B4-BE49-F238E27FC236}">
+                <a16:creationId xmlns:a16="http://schemas.microsoft.com/office/drawing/2014/main" id="{589C607E-23F7-1D43-B569-801CED367AB1}"/>
+              </a:ext>
+            </a:extLst>
+          </p:cNvPr>
+          <p:cNvGraphicFramePr>
+            <a:graphicFrameLocks noGrp="1"/>
+          </p:cNvGraphicFramePr>
+          <p:nvPr>
+            <p:extLst>
+              <p:ext uri="{D42A27DB-BD31-4B8C-83A1-F6EECF244321}">
+                <p14:modId xmlns:p14="http://schemas.microsoft.com/office/powerpoint/2010/main" val="2556091266"/>
+              </p:ext>
+            </p:extLst>
+          </p:nvPr>
+        </p:nvGraphicFramePr>
+        <p:xfrm>
+          <a:off x="114300" y="152400"/>
+          <a:ext cx="8877300" cy="6644640"/>
+        </p:xfrm>
+        <a:graphic>
+          <a:graphicData uri="http://schemas.openxmlformats.org/drawingml/2006/table">
+            <a:tbl>
+              <a:tblPr firstRow="1" bandRow="1">
+                <a:tableStyleId>{2D5ABB26-0587-4C30-8999-92F81FD0307C}</a:tableStyleId>
+              </a:tblPr>
+              <a:tblGrid>
+                <a:gridCol w="2095500">
+                  <a:extLst>
+                    <a:ext uri="{9D8B030D-6E8A-4147-A177-3AD203B41FA5}">
+                      <a16:colId xmlns:a16="http://schemas.microsoft.com/office/drawing/2014/main" val="3623029985"/>
+                    </a:ext>
+                  </a:extLst>
+                </a:gridCol>
+                <a:gridCol w="3371048">
+                  <a:extLst>
+                    <a:ext uri="{9D8B030D-6E8A-4147-A177-3AD203B41FA5}">
+                      <a16:colId xmlns:a16="http://schemas.microsoft.com/office/drawing/2014/main" val="4294323797"/>
+                    </a:ext>
+                  </a:extLst>
+                </a:gridCol>
+                <a:gridCol w="3410752">
+                  <a:extLst>
+                    <a:ext uri="{9D8B030D-6E8A-4147-A177-3AD203B41FA5}">
+                      <a16:colId xmlns:a16="http://schemas.microsoft.com/office/drawing/2014/main" val="2677670734"/>
+                    </a:ext>
+                  </a:extLst>
+                </a:gridCol>
+              </a:tblGrid>
+              <a:tr h="613146">
+                <a:tc>
+                  <a:txBody>
+                    <a:bodyPr/>
+                    <a:lstStyle/>
+                    <a:p>
+                      <a:pPr marL="0" algn="l" defTabSz="914400" rtl="0" eaLnBrk="1" fontAlgn="t" latinLnBrk="0" hangingPunct="1">
+                        <a:spcBef>
+                          <a:spcPts val="0"/>
+                        </a:spcBef>
+                        <a:spcAft>
+                          <a:spcPts val="0"/>
+                        </a:spcAft>
+                      </a:pPr>
+                      <a:endParaRPr lang="en-US" sz="4000" b="1" dirty="0">
+                        <a:solidFill>
+                          <a:srgbClr val="009EC0"/>
+                        </a:solidFill>
+                        <a:effectLst/>
+                        <a:latin typeface="+mj-lt"/>
+                      </a:endParaRPr>
+                    </a:p>
+                  </a:txBody>
+                  <a:tcPr marL="182880" marR="182880" marT="182880" marB="182880" anchor="b">
+                    <a:lnR w="3175" cap="flat" cmpd="sng" algn="ctr">
+                      <a:solidFill>
+                        <a:schemeClr val="tx1">
+                          <a:lumMod val="65000"/>
+                        </a:schemeClr>
+                      </a:solidFill>
+                      <a:prstDash val="solid"/>
+                      <a:round/>
+                      <a:headEnd type="none" w="med" len="med"/>
+                      <a:tailEnd type="none" w="med" len="med"/>
+                    </a:lnR>
+                  </a:tcPr>
+                </a:tc>
+                <a:tc>
+                  <a:txBody>
+                    <a:bodyPr/>
+                    <a:lstStyle/>
+                    <a:p>
+                      <a:pPr rtl="0" fontAlgn="t">
+                        <a:spcBef>
+                          <a:spcPts val="0"/>
+                        </a:spcBef>
+                        <a:spcAft>
+                          <a:spcPts val="0"/>
+                        </a:spcAft>
+                      </a:pPr>
+                      <a:endParaRPr lang="en-US" sz="4000" b="1" dirty="0">
+                        <a:solidFill>
+                          <a:schemeClr val="tx1"/>
+                        </a:solidFill>
+                        <a:effectLst/>
+                        <a:latin typeface="+mj-lt"/>
+                      </a:endParaRPr>
+                    </a:p>
+                  </a:txBody>
+                  <a:tcPr marL="182880" marR="182880" marT="182880" marB="182880" anchor="b">
+                    <a:lnL w="3175" cap="flat" cmpd="sng" algn="ctr">
+                      <a:solidFill>
+                        <a:schemeClr val="tx1">
+                          <a:lumMod val="65000"/>
+                        </a:schemeClr>
+                      </a:solidFill>
+                      <a:prstDash val="solid"/>
+                      <a:round/>
+                      <a:headEnd type="none" w="med" len="med"/>
+                      <a:tailEnd type="none" w="med" len="med"/>
+                    </a:lnL>
+                    <a:lnR w="3175" cap="flat" cmpd="sng" algn="ctr">
+                      <a:solidFill>
+                        <a:schemeClr val="tx1">
+                          <a:lumMod val="65000"/>
+                        </a:schemeClr>
+                      </a:solidFill>
+                      <a:prstDash val="solid"/>
+                      <a:round/>
+                      <a:headEnd type="none" w="med" len="med"/>
+                      <a:tailEnd type="none" w="med" len="med"/>
+                    </a:lnR>
+                  </a:tcPr>
+                </a:tc>
+                <a:tc>
+                  <a:txBody>
+                    <a:bodyPr/>
+                    <a:lstStyle/>
+                    <a:p>
+                      <a:pPr rtl="0" fontAlgn="t">
+                        <a:spcBef>
+                          <a:spcPts val="0"/>
+                        </a:spcBef>
+                        <a:spcAft>
+                          <a:spcPts val="0"/>
+                        </a:spcAft>
+                      </a:pPr>
+                      <a:endParaRPr lang="en-US" sz="4000" b="1" dirty="0">
+                        <a:solidFill>
+                          <a:schemeClr val="tx1"/>
+                        </a:solidFill>
+                        <a:effectLst/>
+                        <a:latin typeface="+mj-lt"/>
+                      </a:endParaRPr>
+                    </a:p>
+                  </a:txBody>
+                  <a:tcPr marL="182880" marR="182880" marT="182880" marB="182880" anchor="b">
+                    <a:lnL w="3175" cap="flat" cmpd="sng" algn="ctr">
+                      <a:solidFill>
+                        <a:schemeClr val="tx1">
+                          <a:lumMod val="65000"/>
+                        </a:schemeClr>
+                      </a:solidFill>
+                      <a:prstDash val="solid"/>
+                      <a:round/>
+                      <a:headEnd type="none" w="med" len="med"/>
+                      <a:tailEnd type="none" w="med" len="med"/>
+                    </a:lnL>
+                    <a:lnR w="3175" cap="flat" cmpd="sng" algn="ctr">
+                      <a:solidFill>
+                        <a:schemeClr val="tx1">
+                          <a:lumMod val="65000"/>
+                        </a:schemeClr>
+                      </a:solidFill>
+                      <a:prstDash val="solid"/>
+                      <a:round/>
+                      <a:headEnd type="none" w="med" len="med"/>
+                      <a:tailEnd type="none" w="med" len="med"/>
+                    </a:lnR>
+                  </a:tcPr>
+                </a:tc>
+                <a:extLst>
+                  <a:ext uri="{0D108BD9-81ED-4DB2-BD59-A6C34878D82A}">
+                    <a16:rowId xmlns:a16="http://schemas.microsoft.com/office/drawing/2014/main" val="1136906228"/>
+                  </a:ext>
+                </a:extLst>
+              </a:tr>
+              <a:tr h="697494">
+                <a:tc>
+                  <a:txBody>
+                    <a:bodyPr/>
+                    <a:lstStyle/>
+                    <a:p>
+                      <a:pPr algn="r" rtl="0" fontAlgn="t">
+                        <a:spcBef>
+                          <a:spcPts val="0"/>
+                        </a:spcBef>
+                        <a:spcAft>
+                          <a:spcPts val="0"/>
+                        </a:spcAft>
+                      </a:pPr>
+                      <a:r>
+                        <a:rPr lang="en-US" sz="2800" b="1" i="0" u="none" strike="noStrike" dirty="0">
+                          <a:solidFill>
+                            <a:srgbClr val="009EC0"/>
+                          </a:solidFill>
+                          <a:effectLst/>
+                          <a:latin typeface="Calibri" panose="020F0502020204030204" pitchFamily="34" charset="0"/>
+                          <a:cs typeface="Calibri" panose="020F0502020204030204" pitchFamily="34" charset="0"/>
+                        </a:rPr>
+                        <a:t>Midst</a:t>
+                      </a:r>
+                      <a:endParaRPr lang="en-US" sz="2800" b="1" dirty="0">
+                        <a:solidFill>
+                          <a:srgbClr val="009EC0"/>
+                        </a:solidFill>
+                        <a:effectLst/>
+                        <a:latin typeface="Calibri" panose="020F0502020204030204" pitchFamily="34" charset="0"/>
+                        <a:cs typeface="Calibri" panose="020F0502020204030204" pitchFamily="34" charset="0"/>
+                      </a:endParaRPr>
+                    </a:p>
+                  </a:txBody>
+                  <a:tcPr marL="63500" marR="63500" marT="210312" marB="210312">
+                    <a:lnR w="3175" cap="flat" cmpd="sng" algn="ctr">
+                      <a:solidFill>
+                        <a:schemeClr val="tx1">
+                          <a:lumMod val="65000"/>
+                        </a:schemeClr>
+                      </a:solidFill>
+                      <a:prstDash val="solid"/>
+                      <a:round/>
+                      <a:headEnd type="none" w="med" len="med"/>
+                      <a:tailEnd type="none" w="med" len="med"/>
+                    </a:lnR>
+                  </a:tcPr>
+                </a:tc>
+                <a:tc>
+                  <a:txBody>
+                    <a:bodyPr/>
+                    <a:lstStyle/>
+                    <a:p>
+                      <a:pPr rtl="0" fontAlgn="t">
+                        <a:spcBef>
+                          <a:spcPts val="0"/>
+                        </a:spcBef>
+                        <a:spcAft>
+                          <a:spcPts val="0"/>
+                        </a:spcAft>
+                      </a:pPr>
+                      <a:r>
+                        <a:rPr lang="en-US" sz="1800" b="0" i="0" u="none" strike="noStrike" kern="1200" dirty="0">
+                          <a:solidFill>
+                            <a:schemeClr val="tx1"/>
+                          </a:solidFill>
+                          <a:effectLst/>
+                          <a:latin typeface="+mn-lt"/>
+                          <a:ea typeface="+mn-ea"/>
+                          <a:cs typeface="+mn-cs"/>
+                        </a:rPr>
+                        <a:t>Walked in "the midst of the sea" </a:t>
+                      </a:r>
+                      <a:r>
+                        <a:rPr lang="en-US" sz="1800" b="1" i="0" u="none" strike="noStrike" kern="1200" dirty="0">
+                          <a:solidFill>
+                            <a:schemeClr val="bg1">
+                              <a:lumMod val="50000"/>
+                              <a:lumOff val="50000"/>
+                            </a:schemeClr>
+                          </a:solidFill>
+                          <a:effectLst/>
+                          <a:latin typeface="+mn-lt"/>
+                          <a:ea typeface="+mn-ea"/>
+                          <a:cs typeface="+mn-cs"/>
+                        </a:rPr>
+                        <a:t>(Exod. 14:16, 22, 27, 29)</a:t>
+                      </a:r>
+                    </a:p>
+                  </a:txBody>
+                  <a:tcPr marL="182880" marR="182880" marT="210312" marB="210312" anchor="ctr">
+                    <a:lnL w="3175" cap="flat" cmpd="sng" algn="ctr">
+                      <a:solidFill>
+                        <a:schemeClr val="tx1">
+                          <a:lumMod val="65000"/>
+                        </a:schemeClr>
+                      </a:solidFill>
+                      <a:prstDash val="solid"/>
+                      <a:round/>
+                      <a:headEnd type="none" w="med" len="med"/>
+                      <a:tailEnd type="none" w="med" len="med"/>
+                    </a:lnL>
+                    <a:lnR w="3175" cap="flat" cmpd="sng" algn="ctr">
+                      <a:solidFill>
+                        <a:schemeClr val="tx1">
+                          <a:lumMod val="65000"/>
+                        </a:schemeClr>
+                      </a:solidFill>
+                      <a:prstDash val="solid"/>
+                      <a:round/>
+                      <a:headEnd type="none" w="med" len="med"/>
+                      <a:tailEnd type="none" w="med" len="med"/>
+                    </a:lnR>
+                  </a:tcPr>
+                </a:tc>
+                <a:tc>
+                  <a:txBody>
+                    <a:bodyPr/>
+                    <a:lstStyle/>
+                    <a:p>
+                      <a:pPr rtl="0" fontAlgn="t">
+                        <a:spcBef>
+                          <a:spcPts val="0"/>
+                        </a:spcBef>
+                        <a:spcAft>
+                          <a:spcPts val="0"/>
+                        </a:spcAft>
+                      </a:pPr>
+                      <a:r>
+                        <a:rPr lang="en-US" sz="1800" b="0" i="0" u="none" strike="noStrike" kern="1200" dirty="0">
+                          <a:solidFill>
+                            <a:schemeClr val="tx1"/>
+                          </a:solidFill>
+                          <a:effectLst/>
+                          <a:latin typeface="+mn-lt"/>
+                          <a:ea typeface="+mn-ea"/>
+                          <a:cs typeface="+mn-cs"/>
+                        </a:rPr>
+                        <a:t>Boat in the middle of the sea </a:t>
+                      </a:r>
+                      <a:r>
+                        <a:rPr lang="en-US" sz="1800" b="1" i="0" u="none" strike="noStrike" kern="1200" dirty="0">
+                          <a:solidFill>
+                            <a:schemeClr val="bg1">
+                              <a:lumMod val="50000"/>
+                              <a:lumOff val="50000"/>
+                            </a:schemeClr>
+                          </a:solidFill>
+                          <a:effectLst/>
+                          <a:latin typeface="+mn-lt"/>
+                          <a:ea typeface="+mn-ea"/>
+                          <a:cs typeface="+mn-cs"/>
+                        </a:rPr>
+                        <a:t>(Mark 6:47)</a:t>
+                      </a:r>
+                    </a:p>
+                  </a:txBody>
+                  <a:tcPr marL="182880" marR="182880" marT="210312" marB="210312" anchor="ctr">
+                    <a:lnL w="3175" cap="flat" cmpd="sng" algn="ctr">
+                      <a:solidFill>
+                        <a:schemeClr val="tx1">
+                          <a:lumMod val="65000"/>
+                        </a:schemeClr>
+                      </a:solidFill>
+                      <a:prstDash val="solid"/>
+                      <a:round/>
+                      <a:headEnd type="none" w="med" len="med"/>
+                      <a:tailEnd type="none" w="med" len="med"/>
+                    </a:lnL>
+                    <a:lnR w="3175" cap="flat" cmpd="sng" algn="ctr">
+                      <a:solidFill>
+                        <a:schemeClr val="tx1">
+                          <a:lumMod val="65000"/>
+                        </a:schemeClr>
+                      </a:solidFill>
+                      <a:prstDash val="solid"/>
+                      <a:round/>
+                      <a:headEnd type="none" w="med" len="med"/>
+                      <a:tailEnd type="none" w="med" len="med"/>
+                    </a:lnR>
+                  </a:tcPr>
+                </a:tc>
+                <a:extLst>
+                  <a:ext uri="{0D108BD9-81ED-4DB2-BD59-A6C34878D82A}">
+                    <a16:rowId xmlns:a16="http://schemas.microsoft.com/office/drawing/2014/main" val="3592000535"/>
+                  </a:ext>
+                </a:extLst>
+              </a:tr>
+              <a:tr h="632988">
+                <a:tc>
+                  <a:txBody>
+                    <a:bodyPr/>
+                    <a:lstStyle/>
+                    <a:p>
+                      <a:pPr algn="r" rtl="0" fontAlgn="t">
+                        <a:spcBef>
+                          <a:spcPts val="0"/>
+                        </a:spcBef>
+                        <a:spcAft>
+                          <a:spcPts val="0"/>
+                        </a:spcAft>
+                      </a:pPr>
+                      <a:r>
+                        <a:rPr lang="en-US" sz="2800" b="1" i="0" u="none" strike="noStrike" dirty="0">
+                          <a:solidFill>
+                            <a:srgbClr val="009EC0"/>
+                          </a:solidFill>
+                          <a:effectLst/>
+                          <a:latin typeface="Calibri" panose="020F0502020204030204" pitchFamily="34" charset="0"/>
+                          <a:cs typeface="Calibri" panose="020F0502020204030204" pitchFamily="34" charset="0"/>
+                        </a:rPr>
+                        <a:t>Crossed Over</a:t>
+                      </a:r>
+                      <a:endParaRPr lang="en-US" sz="2800" b="1" dirty="0">
+                        <a:solidFill>
+                          <a:srgbClr val="009EC0"/>
+                        </a:solidFill>
+                        <a:effectLst/>
+                        <a:latin typeface="Calibri" panose="020F0502020204030204" pitchFamily="34" charset="0"/>
+                        <a:cs typeface="Calibri" panose="020F0502020204030204" pitchFamily="34" charset="0"/>
+                      </a:endParaRPr>
+                    </a:p>
+                  </a:txBody>
+                  <a:tcPr marL="63500" marR="63500" marT="210312" marB="210312">
+                    <a:lnR w="3175" cap="flat" cmpd="sng" algn="ctr">
+                      <a:solidFill>
+                        <a:schemeClr val="tx1">
+                          <a:lumMod val="65000"/>
+                        </a:schemeClr>
+                      </a:solidFill>
+                      <a:prstDash val="solid"/>
+                      <a:round/>
+                      <a:headEnd type="none" w="med" len="med"/>
+                      <a:tailEnd type="none" w="med" len="med"/>
+                    </a:lnR>
+                  </a:tcPr>
+                </a:tc>
+                <a:tc>
+                  <a:txBody>
+                    <a:bodyPr/>
+                    <a:lstStyle/>
+                    <a:p>
+                      <a:pPr rtl="0" fontAlgn="t">
+                        <a:spcBef>
+                          <a:spcPts val="0"/>
+                        </a:spcBef>
+                        <a:spcAft>
+                          <a:spcPts val="0"/>
+                        </a:spcAft>
+                      </a:pPr>
+                      <a:r>
+                        <a:rPr lang="en-US" sz="1800" b="0" i="0" u="none" strike="noStrike" kern="1200" dirty="0">
+                          <a:solidFill>
+                            <a:schemeClr val="tx1"/>
+                          </a:solidFill>
+                          <a:effectLst/>
+                          <a:latin typeface="+mn-lt"/>
+                          <a:ea typeface="+mn-ea"/>
+                          <a:cs typeface="+mn-cs"/>
+                        </a:rPr>
+                        <a:t>Crossed to the other side</a:t>
+                      </a:r>
+                    </a:p>
+                    <a:p>
+                      <a:pPr rtl="0" fontAlgn="t">
+                        <a:spcBef>
+                          <a:spcPts val="0"/>
+                        </a:spcBef>
+                        <a:spcAft>
+                          <a:spcPts val="0"/>
+                        </a:spcAft>
+                      </a:pPr>
+                      <a:r>
+                        <a:rPr lang="en-US" sz="1800" b="1" i="0" u="none" strike="noStrike" kern="1200" dirty="0">
+                          <a:solidFill>
+                            <a:schemeClr val="bg1">
+                              <a:lumMod val="50000"/>
+                              <a:lumOff val="50000"/>
+                            </a:schemeClr>
+                          </a:solidFill>
+                          <a:effectLst/>
+                          <a:latin typeface="+mn-lt"/>
+                          <a:ea typeface="+mn-ea"/>
+                          <a:cs typeface="+mn-cs"/>
+                        </a:rPr>
+                        <a:t>(Exod. 15:16)</a:t>
+                      </a:r>
+                      <a:endParaRPr lang="en-US" sz="2400" b="1" dirty="0">
+                        <a:solidFill>
+                          <a:schemeClr val="bg1">
+                            <a:lumMod val="50000"/>
+                            <a:lumOff val="50000"/>
+                          </a:schemeClr>
+                        </a:solidFill>
+                        <a:effectLst/>
+                        <a:latin typeface="+mj-lt"/>
+                      </a:endParaRPr>
+                    </a:p>
+                  </a:txBody>
+                  <a:tcPr marL="182880" marR="182880" marT="210312" marB="210312" anchor="ctr">
+                    <a:lnL w="3175" cap="flat" cmpd="sng" algn="ctr">
+                      <a:solidFill>
+                        <a:schemeClr val="tx1">
+                          <a:lumMod val="65000"/>
+                        </a:schemeClr>
+                      </a:solidFill>
+                      <a:prstDash val="solid"/>
+                      <a:round/>
+                      <a:headEnd type="none" w="med" len="med"/>
+                      <a:tailEnd type="none" w="med" len="med"/>
+                    </a:lnL>
+                    <a:lnR w="3175" cap="flat" cmpd="sng" algn="ctr">
+                      <a:solidFill>
+                        <a:schemeClr val="tx1">
+                          <a:lumMod val="65000"/>
+                        </a:schemeClr>
+                      </a:solidFill>
+                      <a:prstDash val="solid"/>
+                      <a:round/>
+                      <a:headEnd type="none" w="med" len="med"/>
+                      <a:tailEnd type="none" w="med" len="med"/>
+                    </a:lnR>
+                  </a:tcPr>
+                </a:tc>
+                <a:tc>
+                  <a:txBody>
+                    <a:bodyPr/>
+                    <a:lstStyle/>
+                    <a:p>
+                      <a:pPr rtl="0" fontAlgn="t">
+                        <a:spcBef>
+                          <a:spcPts val="0"/>
+                        </a:spcBef>
+                        <a:spcAft>
+                          <a:spcPts val="0"/>
+                        </a:spcAft>
+                      </a:pPr>
+                      <a:r>
+                        <a:rPr lang="en-US" sz="1800" b="0" i="0" u="none" strike="noStrike" kern="1200" dirty="0">
+                          <a:solidFill>
+                            <a:schemeClr val="tx1"/>
+                          </a:solidFill>
+                          <a:effectLst/>
+                          <a:latin typeface="+mn-lt"/>
+                          <a:ea typeface="+mn-ea"/>
+                          <a:cs typeface="+mn-cs"/>
+                        </a:rPr>
+                        <a:t>They also "crossed over" the sea </a:t>
+                      </a:r>
+                      <a:r>
+                        <a:rPr lang="en-US" sz="1800" b="1" i="0" u="none" strike="noStrike" kern="1200" dirty="0">
+                          <a:solidFill>
+                            <a:schemeClr val="bg1">
+                              <a:lumMod val="50000"/>
+                              <a:lumOff val="50000"/>
+                            </a:schemeClr>
+                          </a:solidFill>
+                          <a:effectLst/>
+                          <a:latin typeface="+mn-lt"/>
+                          <a:ea typeface="+mn-ea"/>
+                          <a:cs typeface="+mn-cs"/>
+                        </a:rPr>
+                        <a:t>(Mark 6:53)</a:t>
+                      </a:r>
+                      <a:endParaRPr lang="en-US" sz="2400" b="1" dirty="0">
+                        <a:solidFill>
+                          <a:schemeClr val="bg1">
+                            <a:lumMod val="50000"/>
+                            <a:lumOff val="50000"/>
+                          </a:schemeClr>
+                        </a:solidFill>
+                        <a:effectLst/>
+                        <a:latin typeface="+mj-lt"/>
+                      </a:endParaRPr>
+                    </a:p>
+                  </a:txBody>
+                  <a:tcPr marL="182880" marR="182880" marT="210312" marB="210312" anchor="ctr">
+                    <a:lnL w="3175" cap="flat" cmpd="sng" algn="ctr">
+                      <a:solidFill>
+                        <a:schemeClr val="tx1">
+                          <a:lumMod val="65000"/>
+                        </a:schemeClr>
+                      </a:solidFill>
+                      <a:prstDash val="solid"/>
+                      <a:round/>
+                      <a:headEnd type="none" w="med" len="med"/>
+                      <a:tailEnd type="none" w="med" len="med"/>
+                    </a:lnL>
+                    <a:lnR w="3175" cap="flat" cmpd="sng" algn="ctr">
+                      <a:solidFill>
+                        <a:schemeClr val="tx1">
+                          <a:lumMod val="65000"/>
+                        </a:schemeClr>
+                      </a:solidFill>
+                      <a:prstDash val="solid"/>
+                      <a:round/>
+                      <a:headEnd type="none" w="med" len="med"/>
+                      <a:tailEnd type="none" w="med" len="med"/>
+                    </a:lnR>
+                  </a:tcPr>
+                </a:tc>
+                <a:extLst>
+                  <a:ext uri="{0D108BD9-81ED-4DB2-BD59-A6C34878D82A}">
+                    <a16:rowId xmlns:a16="http://schemas.microsoft.com/office/drawing/2014/main" val="2488779379"/>
+                  </a:ext>
+                </a:extLst>
+              </a:tr>
+              <a:tr h="632988">
+                <a:tc>
+                  <a:txBody>
+                    <a:bodyPr/>
+                    <a:lstStyle/>
+                    <a:p>
+                      <a:pPr algn="r" rtl="0" fontAlgn="t">
+                        <a:spcBef>
+                          <a:spcPts val="0"/>
+                        </a:spcBef>
+                        <a:spcAft>
+                          <a:spcPts val="0"/>
+                        </a:spcAft>
+                      </a:pPr>
+                      <a:r>
+                        <a:rPr lang="en-US" sz="2800" b="1" i="0" u="none" strike="noStrike" dirty="0">
+                          <a:solidFill>
+                            <a:srgbClr val="009EC0"/>
+                          </a:solidFill>
+                          <a:effectLst/>
+                          <a:latin typeface="Calibri" panose="020F0502020204030204" pitchFamily="34" charset="0"/>
+                          <a:cs typeface="Calibri" panose="020F0502020204030204" pitchFamily="34" charset="0"/>
+                        </a:rPr>
+                        <a:t>Strong wind</a:t>
+                      </a:r>
+                      <a:endParaRPr lang="en-US" sz="2800" b="1" dirty="0">
+                        <a:solidFill>
+                          <a:srgbClr val="009EC0"/>
+                        </a:solidFill>
+                        <a:effectLst/>
+                        <a:latin typeface="Calibri" panose="020F0502020204030204" pitchFamily="34" charset="0"/>
+                        <a:cs typeface="Calibri" panose="020F0502020204030204" pitchFamily="34" charset="0"/>
+                      </a:endParaRPr>
+                    </a:p>
+                  </a:txBody>
+                  <a:tcPr marL="63500" marR="63500" marT="210312" marB="210312">
+                    <a:lnR w="3175" cap="flat" cmpd="sng" algn="ctr">
+                      <a:solidFill>
+                        <a:schemeClr val="tx1">
+                          <a:lumMod val="65000"/>
+                        </a:schemeClr>
+                      </a:solidFill>
+                      <a:prstDash val="solid"/>
+                      <a:round/>
+                      <a:headEnd type="none" w="med" len="med"/>
+                      <a:tailEnd type="none" w="med" len="med"/>
+                    </a:lnR>
+                  </a:tcPr>
+                </a:tc>
+                <a:tc>
+                  <a:txBody>
+                    <a:bodyPr/>
+                    <a:lstStyle/>
+                    <a:p>
+                      <a:pPr marL="342900" indent="-342900" rtl="0" fontAlgn="t">
+                        <a:spcBef>
+                          <a:spcPts val="0"/>
+                        </a:spcBef>
+                        <a:spcAft>
+                          <a:spcPts val="0"/>
+                        </a:spcAft>
+                        <a:buFont typeface="+mj-lt"/>
+                        <a:buAutoNum type="arabicPeriod"/>
+                      </a:pPr>
+                      <a:r>
+                        <a:rPr lang="en-US" sz="1800" b="0" i="0" u="none" strike="noStrike" kern="1200" dirty="0">
+                          <a:solidFill>
+                            <a:schemeClr val="tx1"/>
+                          </a:solidFill>
+                          <a:effectLst/>
+                          <a:latin typeface="+mn-lt"/>
+                          <a:ea typeface="+mn-ea"/>
+                          <a:cs typeface="+mn-cs"/>
+                        </a:rPr>
+                        <a:t>From the east blew</a:t>
+                      </a:r>
+                    </a:p>
+                    <a:p>
+                      <a:pPr marL="342900" indent="-342900" rtl="0" fontAlgn="t">
+                        <a:spcBef>
+                          <a:spcPts val="0"/>
+                        </a:spcBef>
+                        <a:spcAft>
+                          <a:spcPts val="0"/>
+                        </a:spcAft>
+                        <a:buFont typeface="+mj-lt"/>
+                        <a:buAutoNum type="arabicPeriod"/>
+                      </a:pPr>
+                      <a:r>
+                        <a:rPr lang="en-US" sz="1800" b="0" i="0" u="none" strike="noStrike" kern="1200" dirty="0">
+                          <a:solidFill>
+                            <a:schemeClr val="tx1"/>
+                          </a:solidFill>
+                          <a:effectLst/>
+                          <a:latin typeface="+mn-lt"/>
+                          <a:ea typeface="+mn-ea"/>
+                          <a:cs typeface="+mn-cs"/>
+                        </a:rPr>
+                        <a:t>Close to daybreak</a:t>
+                      </a:r>
+                    </a:p>
+                    <a:p>
+                      <a:pPr marL="342900" indent="-342900" rtl="0" fontAlgn="t">
+                        <a:spcBef>
+                          <a:spcPts val="0"/>
+                        </a:spcBef>
+                        <a:spcAft>
+                          <a:spcPts val="0"/>
+                        </a:spcAft>
+                        <a:buFont typeface="+mj-lt"/>
+                        <a:buAutoNum type="arabicPeriod"/>
+                      </a:pPr>
+                      <a:r>
+                        <a:rPr lang="en-US" sz="1800" b="0" i="0" u="none" strike="noStrike" kern="1200" dirty="0">
+                          <a:solidFill>
+                            <a:schemeClr val="tx1"/>
+                          </a:solidFill>
+                          <a:effectLst/>
+                          <a:latin typeface="+mn-lt"/>
+                          <a:ea typeface="+mn-ea"/>
+                          <a:cs typeface="+mn-cs"/>
+                        </a:rPr>
+                        <a:t>Egyptians found it difficult</a:t>
+                      </a:r>
+                    </a:p>
+                    <a:p>
+                      <a:pPr marL="0" indent="0" rtl="0" fontAlgn="t">
+                        <a:spcBef>
+                          <a:spcPts val="0"/>
+                        </a:spcBef>
+                        <a:spcAft>
+                          <a:spcPts val="0"/>
+                        </a:spcAft>
+                        <a:buFont typeface="+mj-lt"/>
+                        <a:buNone/>
+                      </a:pPr>
+                      <a:r>
+                        <a:rPr lang="en-US" sz="1800" b="1" i="0" u="none" strike="noStrike" kern="1200" dirty="0">
+                          <a:solidFill>
+                            <a:schemeClr val="bg1">
+                              <a:lumMod val="50000"/>
+                              <a:lumOff val="50000"/>
+                            </a:schemeClr>
+                          </a:solidFill>
+                          <a:effectLst/>
+                          <a:latin typeface="+mn-lt"/>
+                          <a:ea typeface="+mn-ea"/>
+                          <a:cs typeface="+mn-cs"/>
+                        </a:rPr>
+                        <a:t>(Exod. 14:21, 24-25)</a:t>
+                      </a:r>
+                      <a:endParaRPr lang="en-US" sz="2400" dirty="0">
+                        <a:solidFill>
+                          <a:schemeClr val="bg1">
+                            <a:lumMod val="50000"/>
+                            <a:lumOff val="50000"/>
+                          </a:schemeClr>
+                        </a:solidFill>
+                        <a:effectLst/>
+                        <a:latin typeface="+mj-lt"/>
+                      </a:endParaRPr>
+                    </a:p>
+                  </a:txBody>
+                  <a:tcPr marL="182880" marR="182880" marT="210312" marB="210312" anchor="ctr">
+                    <a:lnL w="3175" cap="flat" cmpd="sng" algn="ctr">
+                      <a:solidFill>
+                        <a:schemeClr val="tx1">
+                          <a:lumMod val="65000"/>
+                        </a:schemeClr>
+                      </a:solidFill>
+                      <a:prstDash val="solid"/>
+                      <a:round/>
+                      <a:headEnd type="none" w="med" len="med"/>
+                      <a:tailEnd type="none" w="med" len="med"/>
+                    </a:lnL>
+                    <a:lnR w="3175" cap="flat" cmpd="sng" algn="ctr">
+                      <a:solidFill>
+                        <a:schemeClr val="tx1">
+                          <a:lumMod val="65000"/>
+                        </a:schemeClr>
+                      </a:solidFill>
+                      <a:prstDash val="solid"/>
+                      <a:round/>
+                      <a:headEnd type="none" w="med" len="med"/>
+                      <a:tailEnd type="none" w="med" len="med"/>
+                    </a:lnR>
+                  </a:tcPr>
+                </a:tc>
+                <a:tc>
+                  <a:txBody>
+                    <a:bodyPr/>
+                    <a:lstStyle/>
+                    <a:p>
+                      <a:pPr marL="342900" indent="-342900" rtl="0" fontAlgn="t">
+                        <a:spcBef>
+                          <a:spcPts val="0"/>
+                        </a:spcBef>
+                        <a:spcAft>
+                          <a:spcPts val="0"/>
+                        </a:spcAft>
+                        <a:buFont typeface="+mj-lt"/>
+                        <a:buAutoNum type="arabicPeriod"/>
+                      </a:pPr>
+                      <a:r>
+                        <a:rPr lang="en-US" sz="1800" b="0" i="0" u="none" strike="noStrike" kern="1200" dirty="0">
+                          <a:solidFill>
+                            <a:schemeClr val="tx1"/>
+                          </a:solidFill>
+                          <a:effectLst/>
+                          <a:latin typeface="+mn-lt"/>
+                          <a:ea typeface="+mn-ea"/>
+                          <a:cs typeface="+mn-cs"/>
+                        </a:rPr>
+                        <a:t>Blew from the east</a:t>
+                      </a:r>
+                    </a:p>
+                    <a:p>
+                      <a:pPr marL="342900" indent="-342900" rtl="0" fontAlgn="t">
+                        <a:spcBef>
+                          <a:spcPts val="0"/>
+                        </a:spcBef>
+                        <a:spcAft>
+                          <a:spcPts val="0"/>
+                        </a:spcAft>
+                        <a:buFont typeface="+mj-lt"/>
+                        <a:buAutoNum type="arabicPeriod"/>
+                      </a:pPr>
+                      <a:r>
+                        <a:rPr lang="en-US" sz="1800" b="0" i="0" u="none" strike="noStrike" kern="1200" dirty="0">
+                          <a:solidFill>
+                            <a:schemeClr val="tx1"/>
+                          </a:solidFill>
+                          <a:effectLst/>
+                          <a:latin typeface="+mn-lt"/>
+                          <a:ea typeface="+mn-ea"/>
+                          <a:cs typeface="+mn-cs"/>
+                        </a:rPr>
+                        <a:t>Close to daybreak</a:t>
+                      </a:r>
+                    </a:p>
+                    <a:p>
+                      <a:pPr marL="342900" indent="-342900" rtl="0" fontAlgn="t">
+                        <a:spcBef>
+                          <a:spcPts val="0"/>
+                        </a:spcBef>
+                        <a:spcAft>
+                          <a:spcPts val="0"/>
+                        </a:spcAft>
+                        <a:buFont typeface="+mj-lt"/>
+                        <a:buAutoNum type="arabicPeriod"/>
+                      </a:pPr>
+                      <a:r>
+                        <a:rPr lang="en-US" sz="1800" b="0" i="0" u="none" strike="noStrike" kern="1200" dirty="0">
+                          <a:solidFill>
+                            <a:schemeClr val="tx1"/>
+                          </a:solidFill>
+                          <a:effectLst/>
+                          <a:latin typeface="+mn-lt"/>
+                          <a:ea typeface="+mn-ea"/>
+                          <a:cs typeface="+mn-cs"/>
+                        </a:rPr>
+                        <a:t>Difficult for the disciples </a:t>
+                      </a:r>
+                    </a:p>
+                    <a:p>
+                      <a:pPr marL="0" indent="0" rtl="0" fontAlgn="t">
+                        <a:spcBef>
+                          <a:spcPts val="0"/>
+                        </a:spcBef>
+                        <a:spcAft>
+                          <a:spcPts val="0"/>
+                        </a:spcAft>
+                        <a:buFont typeface="+mj-lt"/>
+                        <a:buNone/>
+                      </a:pPr>
+                      <a:r>
+                        <a:rPr lang="en-US" sz="1800" b="1" i="0" u="none" strike="noStrike" kern="1200" dirty="0">
+                          <a:solidFill>
+                            <a:schemeClr val="bg1">
+                              <a:lumMod val="50000"/>
+                              <a:lumOff val="50000"/>
+                            </a:schemeClr>
+                          </a:solidFill>
+                          <a:effectLst/>
+                          <a:latin typeface="+mn-lt"/>
+                          <a:ea typeface="+mn-ea"/>
+                          <a:cs typeface="+mn-cs"/>
+                        </a:rPr>
+                        <a:t>(Mark 6:48)</a:t>
+                      </a:r>
+                      <a:endParaRPr lang="en-US" sz="2400" b="1" dirty="0">
+                        <a:solidFill>
+                          <a:schemeClr val="bg1">
+                            <a:lumMod val="50000"/>
+                            <a:lumOff val="50000"/>
+                          </a:schemeClr>
+                        </a:solidFill>
+                        <a:effectLst/>
+                        <a:latin typeface="+mj-lt"/>
+                      </a:endParaRPr>
+                    </a:p>
+                  </a:txBody>
+                  <a:tcPr marL="182880" marR="182880" marT="210312" marB="210312" anchor="ctr">
+                    <a:lnL w="3175" cap="flat" cmpd="sng" algn="ctr">
+                      <a:solidFill>
+                        <a:schemeClr val="tx1">
+                          <a:lumMod val="65000"/>
+                        </a:schemeClr>
+                      </a:solidFill>
+                      <a:prstDash val="solid"/>
+                      <a:round/>
+                      <a:headEnd type="none" w="med" len="med"/>
+                      <a:tailEnd type="none" w="med" len="med"/>
+                    </a:lnL>
+                    <a:lnR w="3175" cap="flat" cmpd="sng" algn="ctr">
+                      <a:solidFill>
+                        <a:schemeClr val="tx1">
+                          <a:lumMod val="65000"/>
+                        </a:schemeClr>
+                      </a:solidFill>
+                      <a:prstDash val="solid"/>
+                      <a:round/>
+                      <a:headEnd type="none" w="med" len="med"/>
+                      <a:tailEnd type="none" w="med" len="med"/>
+                    </a:lnR>
+                  </a:tcPr>
+                </a:tc>
+                <a:extLst>
+                  <a:ext uri="{0D108BD9-81ED-4DB2-BD59-A6C34878D82A}">
+                    <a16:rowId xmlns:a16="http://schemas.microsoft.com/office/drawing/2014/main" val="2330484482"/>
+                  </a:ext>
+                </a:extLst>
+              </a:tr>
+              <a:tr h="609600">
+                <a:tc>
+                  <a:txBody>
+                    <a:bodyPr/>
+                    <a:lstStyle/>
+                    <a:p>
+                      <a:pPr algn="r" rtl="0" fontAlgn="t">
+                        <a:spcBef>
+                          <a:spcPts val="0"/>
+                        </a:spcBef>
+                        <a:spcAft>
+                          <a:spcPts val="0"/>
+                        </a:spcAft>
+                      </a:pPr>
+                      <a:r>
+                        <a:rPr lang="en-US" sz="2800" b="1" i="0" u="none" strike="noStrike" dirty="0">
+                          <a:solidFill>
+                            <a:srgbClr val="009EC0"/>
+                          </a:solidFill>
+                          <a:effectLst/>
+                          <a:latin typeface="Calibri" panose="020F0502020204030204" pitchFamily="34" charset="0"/>
+                          <a:cs typeface="Calibri" panose="020F0502020204030204" pitchFamily="34" charset="0"/>
+                        </a:rPr>
+                        <a:t>Hard heart</a:t>
+                      </a:r>
+                      <a:endParaRPr lang="en-US" sz="2800" b="1" dirty="0">
+                        <a:solidFill>
+                          <a:srgbClr val="009EC0"/>
+                        </a:solidFill>
+                        <a:effectLst/>
+                        <a:latin typeface="Calibri" panose="020F0502020204030204" pitchFamily="34" charset="0"/>
+                        <a:cs typeface="Calibri" panose="020F0502020204030204" pitchFamily="34" charset="0"/>
+                      </a:endParaRPr>
+                    </a:p>
+                  </a:txBody>
+                  <a:tcPr marL="63500" marR="63500" marT="210312" marB="210312">
+                    <a:lnR w="3175" cap="flat" cmpd="sng" algn="ctr">
+                      <a:solidFill>
+                        <a:schemeClr val="tx1">
+                          <a:lumMod val="65000"/>
+                        </a:schemeClr>
+                      </a:solidFill>
+                      <a:prstDash val="solid"/>
+                      <a:round/>
+                      <a:headEnd type="none" w="med" len="med"/>
+                      <a:tailEnd type="none" w="med" len="med"/>
+                    </a:lnR>
+                  </a:tcPr>
+                </a:tc>
+                <a:tc>
+                  <a:txBody>
+                    <a:bodyPr/>
+                    <a:lstStyle/>
+                    <a:p>
+                      <a:pPr rtl="0" fontAlgn="t">
+                        <a:spcBef>
+                          <a:spcPts val="0"/>
+                        </a:spcBef>
+                        <a:spcAft>
+                          <a:spcPts val="0"/>
+                        </a:spcAft>
+                      </a:pPr>
+                      <a:r>
+                        <a:rPr lang="en-US" sz="1800" b="0" i="0" u="none" strike="noStrike" kern="1200" dirty="0">
+                          <a:solidFill>
+                            <a:schemeClr val="tx1"/>
+                          </a:solidFill>
+                          <a:effectLst/>
+                          <a:latin typeface="+mn-lt"/>
+                          <a:ea typeface="+mn-ea"/>
+                          <a:cs typeface="+mn-cs"/>
+                        </a:rPr>
+                        <a:t>Egyptians hardened their hearts </a:t>
+                      </a:r>
+                      <a:r>
+                        <a:rPr lang="en-US" sz="1800" b="1" i="0" u="none" strike="noStrike" kern="1200" dirty="0">
+                          <a:solidFill>
+                            <a:schemeClr val="bg1">
+                              <a:lumMod val="50000"/>
+                              <a:lumOff val="50000"/>
+                            </a:schemeClr>
+                          </a:solidFill>
+                          <a:effectLst/>
+                          <a:latin typeface="+mn-lt"/>
+                          <a:ea typeface="+mn-ea"/>
+                          <a:cs typeface="+mn-cs"/>
+                        </a:rPr>
+                        <a:t>(Exod. 14:4, 8, 17)</a:t>
+                      </a:r>
+                      <a:endParaRPr lang="en-US" sz="2400" b="1" dirty="0">
+                        <a:solidFill>
+                          <a:schemeClr val="bg1">
+                            <a:lumMod val="50000"/>
+                            <a:lumOff val="50000"/>
+                          </a:schemeClr>
+                        </a:solidFill>
+                        <a:effectLst/>
+                        <a:latin typeface="+mj-lt"/>
+                      </a:endParaRPr>
+                    </a:p>
+                  </a:txBody>
+                  <a:tcPr marL="182880" marR="182880" marT="210312" marB="210312" anchor="ctr">
+                    <a:lnL w="3175" cap="flat" cmpd="sng" algn="ctr">
+                      <a:solidFill>
+                        <a:schemeClr val="tx1">
+                          <a:lumMod val="65000"/>
+                        </a:schemeClr>
+                      </a:solidFill>
+                      <a:prstDash val="solid"/>
+                      <a:round/>
+                      <a:headEnd type="none" w="med" len="med"/>
+                      <a:tailEnd type="none" w="med" len="med"/>
+                    </a:lnL>
+                    <a:lnR w="3175" cap="flat" cmpd="sng" algn="ctr">
+                      <a:solidFill>
+                        <a:schemeClr val="tx1">
+                          <a:lumMod val="65000"/>
+                        </a:schemeClr>
+                      </a:solidFill>
+                      <a:prstDash val="solid"/>
+                      <a:round/>
+                      <a:headEnd type="none" w="med" len="med"/>
+                      <a:tailEnd type="none" w="med" len="med"/>
+                    </a:lnR>
+                  </a:tcPr>
+                </a:tc>
+                <a:tc>
+                  <a:txBody>
+                    <a:bodyPr/>
+                    <a:lstStyle/>
+                    <a:p>
+                      <a:pPr rtl="0" fontAlgn="t">
+                        <a:spcBef>
+                          <a:spcPts val="0"/>
+                        </a:spcBef>
+                        <a:spcAft>
+                          <a:spcPts val="0"/>
+                        </a:spcAft>
+                      </a:pPr>
+                      <a:r>
+                        <a:rPr lang="en-US" sz="1800" b="0" i="0" u="none" strike="noStrike" kern="1200" dirty="0">
+                          <a:solidFill>
+                            <a:schemeClr val="tx1"/>
+                          </a:solidFill>
+                          <a:effectLst/>
+                          <a:latin typeface="+mn-lt"/>
+                          <a:ea typeface="+mn-ea"/>
+                          <a:cs typeface="+mn-cs"/>
+                        </a:rPr>
+                        <a:t>“their hearts were hardened” </a:t>
+                      </a:r>
+                      <a:r>
+                        <a:rPr lang="en-US" sz="1800" b="1" i="0" u="none" strike="noStrike" kern="1200" dirty="0">
+                          <a:solidFill>
+                            <a:schemeClr val="bg1">
+                              <a:lumMod val="50000"/>
+                              <a:lumOff val="50000"/>
+                            </a:schemeClr>
+                          </a:solidFill>
+                          <a:effectLst/>
+                          <a:latin typeface="+mn-lt"/>
+                          <a:ea typeface="+mn-ea"/>
+                          <a:cs typeface="+mn-cs"/>
+                        </a:rPr>
+                        <a:t>(Mark 6:52)</a:t>
+                      </a:r>
+                    </a:p>
+                  </a:txBody>
+                  <a:tcPr marL="182880" marR="182880" marT="210312" marB="210312" anchor="ctr">
+                    <a:lnL w="3175" cap="flat" cmpd="sng" algn="ctr">
+                      <a:solidFill>
+                        <a:schemeClr val="tx1">
+                          <a:lumMod val="65000"/>
+                        </a:schemeClr>
+                      </a:solidFill>
+                      <a:prstDash val="solid"/>
+                      <a:round/>
+                      <a:headEnd type="none" w="med" len="med"/>
+                      <a:tailEnd type="none" w="med" len="med"/>
+                    </a:lnL>
+                    <a:lnR w="3175" cap="flat" cmpd="sng" algn="ctr">
+                      <a:solidFill>
+                        <a:schemeClr val="tx1">
+                          <a:lumMod val="65000"/>
+                        </a:schemeClr>
+                      </a:solidFill>
+                      <a:prstDash val="solid"/>
+                      <a:round/>
+                      <a:headEnd type="none" w="med" len="med"/>
+                      <a:tailEnd type="none" w="med" len="med"/>
+                    </a:lnR>
+                  </a:tcPr>
+                </a:tc>
+                <a:extLst>
+                  <a:ext uri="{0D108BD9-81ED-4DB2-BD59-A6C34878D82A}">
+                    <a16:rowId xmlns:a16="http://schemas.microsoft.com/office/drawing/2014/main" val="3045623234"/>
+                  </a:ext>
+                </a:extLst>
+              </a:tr>
+              <a:tr h="609600">
+                <a:tc>
+                  <a:txBody>
+                    <a:bodyPr/>
+                    <a:lstStyle/>
+                    <a:p>
+                      <a:pPr algn="r" rtl="0" fontAlgn="t">
+                        <a:spcBef>
+                          <a:spcPts val="0"/>
+                        </a:spcBef>
+                        <a:spcAft>
+                          <a:spcPts val="0"/>
+                        </a:spcAft>
+                      </a:pPr>
+                      <a:r>
+                        <a:rPr lang="en-US" sz="2800" b="1" i="0" u="none" strike="noStrike" dirty="0">
+                          <a:solidFill>
+                            <a:srgbClr val="009EC0"/>
+                          </a:solidFill>
+                          <a:effectLst/>
+                          <a:latin typeface="Calibri" panose="020F0502020204030204" pitchFamily="34" charset="0"/>
+                          <a:cs typeface="Calibri" panose="020F0502020204030204" pitchFamily="34" charset="0"/>
+                        </a:rPr>
+                        <a:t>Take heart</a:t>
+                      </a:r>
+                      <a:endParaRPr lang="en-US" sz="2800" b="1" dirty="0">
+                        <a:solidFill>
+                          <a:srgbClr val="009EC0"/>
+                        </a:solidFill>
+                        <a:effectLst/>
+                        <a:latin typeface="Calibri" panose="020F0502020204030204" pitchFamily="34" charset="0"/>
+                        <a:cs typeface="Calibri" panose="020F0502020204030204" pitchFamily="34" charset="0"/>
+                      </a:endParaRPr>
+                    </a:p>
+                  </a:txBody>
+                  <a:tcPr marL="63500" marR="63500" marT="210312" marB="210312">
+                    <a:lnR w="3175" cap="flat" cmpd="sng" algn="ctr">
+                      <a:solidFill>
+                        <a:schemeClr val="tx1">
+                          <a:lumMod val="65000"/>
+                        </a:schemeClr>
+                      </a:solidFill>
+                      <a:prstDash val="solid"/>
+                      <a:round/>
+                      <a:headEnd type="none" w="med" len="med"/>
+                      <a:tailEnd type="none" w="med" len="med"/>
+                    </a:lnR>
+                  </a:tcPr>
+                </a:tc>
+                <a:tc>
+                  <a:txBody>
+                    <a:bodyPr/>
+                    <a:lstStyle/>
+                    <a:p>
+                      <a:pPr rtl="0" fontAlgn="t">
+                        <a:spcBef>
+                          <a:spcPts val="0"/>
+                        </a:spcBef>
+                        <a:spcAft>
+                          <a:spcPts val="0"/>
+                        </a:spcAft>
+                      </a:pPr>
+                      <a:r>
+                        <a:rPr lang="en-US" sz="1800" b="0" i="0" u="none" strike="noStrike" kern="1200" dirty="0">
+                          <a:solidFill>
+                            <a:schemeClr val="tx1"/>
+                          </a:solidFill>
+                          <a:effectLst/>
+                          <a:latin typeface="+mn-lt"/>
+                          <a:ea typeface="+mn-ea"/>
+                          <a:cs typeface="+mn-cs"/>
+                        </a:rPr>
+                        <a:t>Moses told the Israelites: "Take heart!”</a:t>
+                      </a:r>
+                    </a:p>
+                    <a:p>
+                      <a:pPr rtl="0" fontAlgn="t">
+                        <a:spcBef>
+                          <a:spcPts val="0"/>
+                        </a:spcBef>
+                        <a:spcAft>
+                          <a:spcPts val="0"/>
+                        </a:spcAft>
+                      </a:pPr>
+                      <a:r>
+                        <a:rPr lang="en-US" sz="1800" b="1" i="0" u="none" strike="noStrike" kern="1200" dirty="0">
+                          <a:solidFill>
+                            <a:schemeClr val="bg1">
+                              <a:lumMod val="50000"/>
+                              <a:lumOff val="50000"/>
+                            </a:schemeClr>
+                          </a:solidFill>
+                          <a:effectLst/>
+                          <a:latin typeface="+mn-lt"/>
+                          <a:ea typeface="+mn-ea"/>
+                          <a:cs typeface="+mn-cs"/>
+                        </a:rPr>
+                        <a:t>(</a:t>
+                      </a:r>
+                      <a:r>
+                        <a:rPr lang="el-GR" sz="1800" b="1" i="0" u="none" strike="noStrike" kern="1200" dirty="0" err="1">
+                          <a:solidFill>
+                            <a:schemeClr val="bg1">
+                              <a:lumMod val="50000"/>
+                              <a:lumOff val="50000"/>
+                            </a:schemeClr>
+                          </a:solidFill>
+                          <a:effectLst/>
+                          <a:latin typeface="+mn-lt"/>
+                          <a:ea typeface="+mn-ea"/>
+                          <a:cs typeface="+mn-cs"/>
+                        </a:rPr>
+                        <a:t>Θαρσεῖτε</a:t>
+                      </a:r>
+                      <a:r>
+                        <a:rPr lang="el-GR" sz="1800" b="1" i="0" u="none" strike="noStrike" kern="1200" dirty="0">
+                          <a:solidFill>
+                            <a:schemeClr val="bg1">
+                              <a:lumMod val="50000"/>
+                              <a:lumOff val="50000"/>
+                            </a:schemeClr>
+                          </a:solidFill>
+                          <a:effectLst/>
+                          <a:latin typeface="+mn-lt"/>
+                          <a:ea typeface="+mn-ea"/>
+                          <a:cs typeface="+mn-cs"/>
+                        </a:rPr>
+                        <a:t>, </a:t>
+                      </a:r>
+                      <a:r>
+                        <a:rPr lang="en-US" sz="1800" b="1" i="0" u="none" strike="noStrike" kern="1200" dirty="0">
+                          <a:solidFill>
+                            <a:schemeClr val="bg1">
+                              <a:lumMod val="50000"/>
+                              <a:lumOff val="50000"/>
+                            </a:schemeClr>
+                          </a:solidFill>
+                          <a:effectLst/>
+                          <a:latin typeface="+mn-lt"/>
+                          <a:ea typeface="+mn-ea"/>
+                          <a:cs typeface="+mn-cs"/>
+                        </a:rPr>
+                        <a:t>Exod. 14:13 LXX)</a:t>
+                      </a:r>
+                      <a:endParaRPr lang="en-US" sz="2400" b="1" dirty="0">
+                        <a:solidFill>
+                          <a:schemeClr val="bg1">
+                            <a:lumMod val="50000"/>
+                            <a:lumOff val="50000"/>
+                          </a:schemeClr>
+                        </a:solidFill>
+                        <a:effectLst/>
+                        <a:latin typeface="+mj-lt"/>
+                      </a:endParaRPr>
+                    </a:p>
+                  </a:txBody>
+                  <a:tcPr marL="182880" marR="182880" marT="210312" marB="210312" anchor="ctr">
+                    <a:lnL w="3175" cap="flat" cmpd="sng" algn="ctr">
+                      <a:solidFill>
+                        <a:schemeClr val="tx1">
+                          <a:lumMod val="65000"/>
+                        </a:schemeClr>
+                      </a:solidFill>
+                      <a:prstDash val="solid"/>
+                      <a:round/>
+                      <a:headEnd type="none" w="med" len="med"/>
+                      <a:tailEnd type="none" w="med" len="med"/>
+                    </a:lnL>
+                    <a:lnR w="3175" cap="flat" cmpd="sng" algn="ctr">
+                      <a:solidFill>
+                        <a:schemeClr val="tx1">
+                          <a:lumMod val="65000"/>
+                        </a:schemeClr>
+                      </a:solidFill>
+                      <a:prstDash val="solid"/>
+                      <a:round/>
+                      <a:headEnd type="none" w="med" len="med"/>
+                      <a:tailEnd type="none" w="med" len="med"/>
+                    </a:lnR>
+                  </a:tcPr>
+                </a:tc>
+                <a:tc>
+                  <a:txBody>
+                    <a:bodyPr/>
+                    <a:lstStyle/>
+                    <a:p>
+                      <a:pPr rtl="0" fontAlgn="t">
+                        <a:spcBef>
+                          <a:spcPts val="0"/>
+                        </a:spcBef>
+                        <a:spcAft>
+                          <a:spcPts val="0"/>
+                        </a:spcAft>
+                      </a:pPr>
+                      <a:r>
+                        <a:rPr lang="en-US" sz="1800" b="0" i="0" u="none" strike="noStrike" kern="1200" dirty="0">
+                          <a:solidFill>
+                            <a:schemeClr val="tx1"/>
+                          </a:solidFill>
+                          <a:effectLst/>
+                          <a:latin typeface="+mn-lt"/>
+                          <a:ea typeface="+mn-ea"/>
+                          <a:cs typeface="+mn-cs"/>
+                        </a:rPr>
+                        <a:t>Jesus told the disciples: "Take heart!”</a:t>
+                      </a:r>
+                    </a:p>
+                    <a:p>
+                      <a:pPr rtl="0" fontAlgn="t">
+                        <a:spcBef>
+                          <a:spcPts val="0"/>
+                        </a:spcBef>
+                        <a:spcAft>
+                          <a:spcPts val="0"/>
+                        </a:spcAft>
+                      </a:pPr>
+                      <a:r>
+                        <a:rPr lang="en-US" sz="1800" b="1" i="0" u="none" strike="noStrike" kern="1200" dirty="0">
+                          <a:solidFill>
+                            <a:schemeClr val="bg1">
+                              <a:lumMod val="50000"/>
+                              <a:lumOff val="50000"/>
+                            </a:schemeClr>
+                          </a:solidFill>
+                          <a:effectLst/>
+                          <a:latin typeface="+mn-lt"/>
+                          <a:ea typeface="+mn-ea"/>
+                          <a:cs typeface="+mn-cs"/>
+                        </a:rPr>
+                        <a:t>(</a:t>
+                      </a:r>
+                      <a:r>
+                        <a:rPr lang="el-GR" sz="1800" b="1" i="0" u="none" strike="noStrike" kern="1200" dirty="0" err="1">
+                          <a:solidFill>
+                            <a:schemeClr val="bg1">
+                              <a:lumMod val="50000"/>
+                              <a:lumOff val="50000"/>
+                            </a:schemeClr>
+                          </a:solidFill>
+                          <a:effectLst/>
+                          <a:latin typeface="+mn-lt"/>
+                          <a:ea typeface="+mn-ea"/>
+                          <a:cs typeface="+mn-cs"/>
+                        </a:rPr>
+                        <a:t>Θαρσεῖτε</a:t>
+                      </a:r>
+                      <a:r>
+                        <a:rPr lang="el-GR" sz="1800" b="1" i="0" u="none" strike="noStrike" kern="1200" dirty="0">
+                          <a:solidFill>
+                            <a:schemeClr val="bg1">
+                              <a:lumMod val="50000"/>
+                              <a:lumOff val="50000"/>
+                            </a:schemeClr>
+                          </a:solidFill>
+                          <a:effectLst/>
+                          <a:latin typeface="+mn-lt"/>
+                          <a:ea typeface="+mn-ea"/>
+                          <a:cs typeface="+mn-cs"/>
+                        </a:rPr>
+                        <a:t>, </a:t>
+                      </a:r>
+                      <a:r>
+                        <a:rPr lang="en-US" sz="1800" b="1" i="0" u="none" strike="noStrike" kern="1200" dirty="0">
+                          <a:solidFill>
+                            <a:schemeClr val="bg1">
+                              <a:lumMod val="50000"/>
+                              <a:lumOff val="50000"/>
+                            </a:schemeClr>
+                          </a:solidFill>
+                          <a:effectLst/>
+                          <a:latin typeface="+mn-lt"/>
+                          <a:ea typeface="+mn-ea"/>
+                          <a:cs typeface="+mn-cs"/>
+                        </a:rPr>
+                        <a:t>Mark 6:50)</a:t>
+                      </a:r>
+                      <a:endParaRPr lang="en-US" sz="2400" b="1" dirty="0">
+                        <a:solidFill>
+                          <a:schemeClr val="bg1">
+                            <a:lumMod val="50000"/>
+                            <a:lumOff val="50000"/>
+                          </a:schemeClr>
+                        </a:solidFill>
+                        <a:effectLst/>
+                        <a:latin typeface="+mj-lt"/>
+                      </a:endParaRPr>
+                    </a:p>
+                  </a:txBody>
+                  <a:tcPr marL="182880" marR="182880" marT="210312" marB="210312" anchor="ctr">
+                    <a:lnL w="3175" cap="flat" cmpd="sng" algn="ctr">
+                      <a:solidFill>
+                        <a:schemeClr val="tx1">
+                          <a:lumMod val="65000"/>
+                        </a:schemeClr>
+                      </a:solidFill>
+                      <a:prstDash val="solid"/>
+                      <a:round/>
+                      <a:headEnd type="none" w="med" len="med"/>
+                      <a:tailEnd type="none" w="med" len="med"/>
+                    </a:lnL>
+                    <a:lnR w="3175" cap="flat" cmpd="sng" algn="ctr">
+                      <a:solidFill>
+                        <a:schemeClr val="tx1">
+                          <a:lumMod val="65000"/>
+                        </a:schemeClr>
+                      </a:solidFill>
+                      <a:prstDash val="solid"/>
+                      <a:round/>
+                      <a:headEnd type="none" w="med" len="med"/>
+                      <a:tailEnd type="none" w="med" len="med"/>
+                    </a:lnR>
+                  </a:tcPr>
+                </a:tc>
+                <a:extLst>
+                  <a:ext uri="{0D108BD9-81ED-4DB2-BD59-A6C34878D82A}">
+                    <a16:rowId xmlns:a16="http://schemas.microsoft.com/office/drawing/2014/main" val="2786138295"/>
+                  </a:ext>
+                </a:extLst>
+              </a:tr>
+            </a:tbl>
+          </a:graphicData>
+        </a:graphic>
+      </p:graphicFrame>
+      <p:sp>
+        <p:nvSpPr>
+          <p:cNvPr id="2" name="Rounded Rectangle 1">
+            <a:extLst>
+              <a:ext uri="{FF2B5EF4-FFF2-40B4-BE49-F238E27FC236}">
+                <a16:creationId xmlns:a16="http://schemas.microsoft.com/office/drawing/2014/main" id="{CCE8CEE2-67DE-F649-9C41-5998EA8CF35A}"/>
+              </a:ext>
+            </a:extLst>
+          </p:cNvPr>
+          <p:cNvSpPr/>
+          <p:nvPr/>
+        </p:nvSpPr>
+        <p:spPr>
+          <a:xfrm>
+            <a:off x="2343150" y="381000"/>
+            <a:ext cx="3067050" cy="533400"/>
+          </a:xfrm>
+          <a:prstGeom prst="roundRect">
+            <a:avLst/>
+          </a:prstGeom>
+          <a:solidFill>
+            <a:srgbClr val="009EC0"/>
+          </a:solidFill>
+          <a:ln>
+            <a:noFill/>
+          </a:ln>
+        </p:spPr>
+        <p:style>
+          <a:lnRef idx="2">
+            <a:schemeClr val="accent1">
+              <a:shade val="50000"/>
+            </a:schemeClr>
+          </a:lnRef>
+          <a:fillRef idx="1">
+            <a:schemeClr val="accent1"/>
+          </a:fillRef>
+          <a:effectRef idx="0">
+            <a:schemeClr val="accent1"/>
+          </a:effectRef>
+          <a:fontRef idx="minor">
+            <a:schemeClr val="lt1"/>
+          </a:fontRef>
+        </p:style>
+        <p:txBody>
+          <a:bodyPr rtlCol="0" anchor="ctr"/>
+          <a:lstStyle/>
+          <a:p>
+            <a:pPr algn="ctr"/>
+            <a:r>
+              <a:rPr lang="en-US" sz="2800" dirty="0"/>
+              <a:t>Exodus</a:t>
+            </a:r>
+          </a:p>
+        </p:txBody>
+      </p:sp>
+      <p:sp>
+        <p:nvSpPr>
+          <p:cNvPr id="4" name="Rounded Rectangle 3">
+            <a:extLst>
+              <a:ext uri="{FF2B5EF4-FFF2-40B4-BE49-F238E27FC236}">
+                <a16:creationId xmlns:a16="http://schemas.microsoft.com/office/drawing/2014/main" id="{83773F1D-F953-E748-B918-F84B5A3FD504}"/>
+              </a:ext>
+            </a:extLst>
+          </p:cNvPr>
+          <p:cNvSpPr/>
+          <p:nvPr/>
+        </p:nvSpPr>
+        <p:spPr>
+          <a:xfrm>
+            <a:off x="5791200" y="372035"/>
+            <a:ext cx="2971800" cy="533400"/>
+          </a:xfrm>
+          <a:prstGeom prst="roundRect">
+            <a:avLst/>
+          </a:prstGeom>
+          <a:solidFill>
+            <a:srgbClr val="CA5C0E"/>
+          </a:solidFill>
+          <a:ln>
+            <a:noFill/>
+          </a:ln>
+        </p:spPr>
+        <p:style>
+          <a:lnRef idx="2">
+            <a:schemeClr val="accent1">
+              <a:shade val="50000"/>
+            </a:schemeClr>
+          </a:lnRef>
+          <a:fillRef idx="1">
+            <a:schemeClr val="accent1"/>
+          </a:fillRef>
+          <a:effectRef idx="0">
+            <a:schemeClr val="accent1"/>
+          </a:effectRef>
+          <a:fontRef idx="minor">
+            <a:schemeClr val="lt1"/>
+          </a:fontRef>
+        </p:style>
+        <p:txBody>
+          <a:bodyPr rtlCol="0" anchor="ctr"/>
+          <a:lstStyle/>
+          <a:p>
+            <a:pPr algn="ctr"/>
+            <a:r>
+              <a:rPr lang="en-US" sz="2800" dirty="0"/>
+              <a:t>Mark</a:t>
+            </a:r>
+          </a:p>
+        </p:txBody>
+      </p:sp>
+      <p:sp>
+        <p:nvSpPr>
+          <p:cNvPr id="3" name="Rectangle 2">
+            <a:extLst>
+              <a:ext uri="{FF2B5EF4-FFF2-40B4-BE49-F238E27FC236}">
+                <a16:creationId xmlns:a16="http://schemas.microsoft.com/office/drawing/2014/main" id="{B1D2D0C1-551E-F948-96B2-46EF27945C6C}"/>
+              </a:ext>
+            </a:extLst>
+          </p:cNvPr>
+          <p:cNvSpPr/>
+          <p:nvPr/>
+        </p:nvSpPr>
+        <p:spPr>
+          <a:xfrm>
+            <a:off x="4468446" y="3321278"/>
+            <a:ext cx="207108" cy="215444"/>
+          </a:xfrm>
+          <a:prstGeom prst="rect">
+            <a:avLst/>
+          </a:prstGeom>
+        </p:spPr>
+        <p:txBody>
+          <a:bodyPr wrap="none">
+            <a:spAutoFit/>
+          </a:bodyPr>
+          <a:lstStyle/>
+          <a:p>
+            <a:r>
+              <a:rPr lang="en-US" sz="800" b="1" dirty="0">
+                <a:solidFill>
+                  <a:schemeClr val="bg1">
+                    <a:lumMod val="50000"/>
+                    <a:lumOff val="50000"/>
+                  </a:schemeClr>
+                </a:solidFill>
+              </a:rPr>
+              <a:t> </a:t>
+            </a:r>
+            <a:endParaRPr lang="en-US" dirty="0"/>
+          </a:p>
+        </p:txBody>
+      </p:sp>
+    </p:spTree>
+    <p:extLst>
+      <p:ext uri="{BB962C8B-B14F-4D97-AF65-F5344CB8AC3E}">
+        <p14:creationId xmlns:p14="http://schemas.microsoft.com/office/powerpoint/2010/main" val="2127672093"/>
+      </p:ext>
+    </p:extLst>
+  </p:cSld>
+  <p:clrMapOvr>
+    <a:masterClrMapping/>
+  </p:clrMapOvr>
+</p:sld>
+</file>
+
+<file path=ppt/slides/slide13.xml><?xml version="1.0" encoding="utf-8"?>
+<p:sld xmlns:a="http://schemas.openxmlformats.org/drawingml/2006/main" xmlns:r="http://schemas.openxmlformats.org/officeDocument/2006/relationships" xmlns:p="http://schemas.openxmlformats.org/presentationml/2006/main">
+  <p:cSld>
+    <p:spTree>
+      <p:nvGrpSpPr>
+        <p:cNvPr id="1" name=""/>
+        <p:cNvGrpSpPr/>
+        <p:nvPr/>
+      </p:nvGrpSpPr>
+      <p:grpSpPr>
+        <a:xfrm>
+          <a:off x="0" y="0"/>
+          <a:ext cx="0" cy="0"/>
+          <a:chOff x="0" y="0"/>
+          <a:chExt cx="0" cy="0"/>
+        </a:xfrm>
+      </p:grpSpPr>
+      <p:sp>
+        <p:nvSpPr>
+          <p:cNvPr id="2" name="Title 1"/>
+          <p:cNvSpPr>
+            <a:spLocks noGrp="1"/>
+          </p:cNvSpPr>
+          <p:nvPr>
+            <p:ph type="title"/>
+          </p:nvPr>
+        </p:nvSpPr>
+        <p:spPr/>
+        <p:txBody>
+          <a:bodyPr>
+            <a:normAutofit fontScale="90000"/>
+          </a:bodyPr>
+          <a:lstStyle/>
+          <a:p>
+            <a:r>
+              <a:rPr lang="en-US" dirty="0"/>
+              <a:t>Make an argument that Jesus shares the seat of God’s throne.</a:t>
+            </a:r>
+          </a:p>
+        </p:txBody>
+      </p:sp>
+      <p:sp>
+        <p:nvSpPr>
+          <p:cNvPr id="3" name="Text Placeholder 2"/>
+          <p:cNvSpPr>
+            <a:spLocks noGrp="1"/>
+          </p:cNvSpPr>
+          <p:nvPr>
+            <p:ph type="body" sz="quarter" idx="13"/>
+          </p:nvPr>
+        </p:nvSpPr>
+        <p:spPr/>
+        <p:txBody>
+          <a:bodyPr/>
+          <a:lstStyle/>
+          <a:p>
+            <a:r>
+              <a:rPr lang="en-US" dirty="0"/>
+              <a:t>5</a:t>
+            </a:r>
+          </a:p>
+        </p:txBody>
+      </p:sp>
+    </p:spTree>
+    <p:extLst>
+      <p:ext uri="{BB962C8B-B14F-4D97-AF65-F5344CB8AC3E}">
+        <p14:creationId xmlns:p14="http://schemas.microsoft.com/office/powerpoint/2010/main" val="2547159331"/>
+      </p:ext>
+    </p:extLst>
+  </p:cSld>
+  <p:clrMapOvr>
+    <a:masterClrMapping/>
+  </p:clrMapOvr>
+</p:sld>
+</file>
+
+<file path=ppt/slides/slide14.xml><?xml version="1.0" encoding="utf-8"?>
+<p:sld xmlns:a="http://schemas.openxmlformats.org/drawingml/2006/main" xmlns:r="http://schemas.openxmlformats.org/officeDocument/2006/relationships" xmlns:p="http://schemas.openxmlformats.org/presentationml/2006/main">
+  <p:cSld>
+    <p:spTree>
+      <p:nvGrpSpPr>
+        <p:cNvPr id="1" name=""/>
+        <p:cNvGrpSpPr/>
+        <p:nvPr/>
+      </p:nvGrpSpPr>
+      <p:grpSpPr>
+        <a:xfrm>
+          <a:off x="0" y="0"/>
+          <a:ext cx="0" cy="0"/>
+          <a:chOff x="0" y="0"/>
+          <a:chExt cx="0" cy="0"/>
+        </a:xfrm>
+      </p:grpSpPr>
+      <p:pic>
+        <p:nvPicPr>
+          <p:cNvPr id="5" name="Picture 4" descr="A person smiling for the camera&#10;&#10;Description automatically generated">
+            <a:extLst>
+              <a:ext uri="{FF2B5EF4-FFF2-40B4-BE49-F238E27FC236}">
+                <a16:creationId xmlns:a16="http://schemas.microsoft.com/office/drawing/2014/main" id="{2DAA2B7D-300B-D040-8325-302A3581425B}"/>
+              </a:ext>
+            </a:extLst>
+          </p:cNvPr>
+          <p:cNvPicPr>
+            <a:picLocks noChangeAspect="1"/>
+          </p:cNvPicPr>
+          <p:nvPr/>
+        </p:nvPicPr>
+        <p:blipFill>
+          <a:blip r:embed="rId2">
+            <a:extLst>
+              <a:ext uri="{28A0092B-C50C-407E-A947-70E740481C1C}">
+                <a14:useLocalDpi xmlns:a14="http://schemas.microsoft.com/office/drawing/2010/main" val="0"/>
+              </a:ext>
+            </a:extLst>
+          </a:blip>
+          <a:stretch>
+            <a:fillRect/>
+          </a:stretch>
+        </p:blipFill>
+        <p:spPr>
+          <a:xfrm>
+            <a:off x="1200848" y="1447800"/>
+            <a:ext cx="6742304" cy="3962400"/>
+          </a:xfrm>
+          <a:prstGeom prst="rect">
+            <a:avLst/>
+          </a:prstGeom>
+        </p:spPr>
+      </p:pic>
+    </p:spTree>
+    <p:extLst>
+      <p:ext uri="{BB962C8B-B14F-4D97-AF65-F5344CB8AC3E}">
+        <p14:creationId xmlns:p14="http://schemas.microsoft.com/office/powerpoint/2010/main" val="1967512951"/>
+      </p:ext>
+    </p:extLst>
+  </p:cSld>
+  <p:clrMapOvr>
+    <a:masterClrMapping/>
+  </p:clrMapOvr>
+</p:sld>
+</file>
+
+<file path=ppt/slides/slide15.xml><?xml version="1.0" encoding="utf-8"?>
+<p:sld xmlns:a="http://schemas.openxmlformats.org/drawingml/2006/main" xmlns:r="http://schemas.openxmlformats.org/officeDocument/2006/relationships" xmlns:p="http://schemas.openxmlformats.org/presentationml/2006/main">
+  <p:cSld>
+    <p:spTree>
+      <p:nvGrpSpPr>
+        <p:cNvPr id="1" name=""/>
+        <p:cNvGrpSpPr/>
+        <p:nvPr/>
+      </p:nvGrpSpPr>
+      <p:grpSpPr>
+        <a:xfrm>
+          <a:off x="0" y="0"/>
+          <a:ext cx="0" cy="0"/>
+          <a:chOff x="0" y="0"/>
+          <a:chExt cx="0" cy="0"/>
+        </a:xfrm>
+      </p:grpSpPr>
+      <p:sp>
+        <p:nvSpPr>
+          <p:cNvPr id="6" name="TextBox 5"/>
+          <p:cNvSpPr txBox="1"/>
+          <p:nvPr/>
+        </p:nvSpPr>
+        <p:spPr>
+          <a:xfrm>
+            <a:off x="228600" y="152400"/>
+            <a:ext cx="8610600" cy="769441"/>
+          </a:xfrm>
+          <a:prstGeom prst="rect">
+            <a:avLst/>
+          </a:prstGeom>
+          <a:noFill/>
+        </p:spPr>
+        <p:txBody>
+          <a:bodyPr wrap="square" rtlCol="0">
+            <a:spAutoFit/>
+          </a:bodyPr>
+          <a:lstStyle/>
+          <a:p>
+            <a:r>
+              <a:rPr lang="en-US" sz="4400" b="1" dirty="0"/>
+              <a:t>Key Takeaways</a:t>
+            </a:r>
+          </a:p>
+        </p:txBody>
+      </p:sp>
+      <p:grpSp>
+        <p:nvGrpSpPr>
+          <p:cNvPr id="12" name="Group 11">
+            <a:extLst>
+              <a:ext uri="{FF2B5EF4-FFF2-40B4-BE49-F238E27FC236}">
+                <a16:creationId xmlns:a16="http://schemas.microsoft.com/office/drawing/2014/main" id="{9C7293A5-9F6A-4A42-B28F-77E682AEFD25}"/>
+              </a:ext>
+            </a:extLst>
+          </p:cNvPr>
+          <p:cNvGrpSpPr/>
+          <p:nvPr/>
+        </p:nvGrpSpPr>
+        <p:grpSpPr>
+          <a:xfrm>
+            <a:off x="533400" y="2895600"/>
+            <a:ext cx="8001000" cy="685800"/>
+            <a:chOff x="533400" y="2895600"/>
+            <a:chExt cx="8001000" cy="685800"/>
+          </a:xfrm>
+        </p:grpSpPr>
+        <p:sp>
+          <p:nvSpPr>
+            <p:cNvPr id="7" name="Oval 6">
+              <a:extLst>
+                <a:ext uri="{FF2B5EF4-FFF2-40B4-BE49-F238E27FC236}">
+                  <a16:creationId xmlns:a16="http://schemas.microsoft.com/office/drawing/2014/main" id="{536B79E8-7DCE-0445-821B-D0B03DF78CAA}"/>
+                </a:ext>
+              </a:extLst>
+            </p:cNvPr>
+            <p:cNvSpPr/>
+            <p:nvPr/>
+          </p:nvSpPr>
+          <p:spPr>
+            <a:xfrm>
+              <a:off x="533400" y="2895600"/>
+              <a:ext cx="685800" cy="685800"/>
+            </a:xfrm>
+            <a:prstGeom prst="ellipse">
+              <a:avLst/>
+            </a:prstGeom>
+            <a:solidFill>
+              <a:srgbClr val="009EC0"/>
+            </a:solidFill>
+            <a:ln>
+              <a:noFill/>
+            </a:ln>
+          </p:spPr>
+          <p:style>
+            <a:lnRef idx="2">
+              <a:schemeClr val="accent1">
+                <a:shade val="50000"/>
+              </a:schemeClr>
+            </a:lnRef>
+            <a:fillRef idx="1">
+              <a:schemeClr val="accent1"/>
+            </a:fillRef>
+            <a:effectRef idx="0">
+              <a:schemeClr val="accent1"/>
+            </a:effectRef>
+            <a:fontRef idx="minor">
+              <a:schemeClr val="lt1"/>
+            </a:fontRef>
+          </p:style>
+          <p:txBody>
+            <a:bodyPr rtlCol="0" anchor="ctr"/>
+            <a:lstStyle/>
+            <a:p>
+              <a:pPr algn="ctr"/>
+              <a:r>
+                <a:rPr lang="en-US" sz="2800" dirty="0">
+                  <a:solidFill>
+                    <a:schemeClr val="tx1"/>
+                  </a:solidFill>
+                </a:rPr>
+                <a:t>2</a:t>
+              </a:r>
+            </a:p>
+          </p:txBody>
+        </p:sp>
+        <p:sp>
+          <p:nvSpPr>
+            <p:cNvPr id="4" name="Rectangle 3">
+              <a:extLst>
+                <a:ext uri="{FF2B5EF4-FFF2-40B4-BE49-F238E27FC236}">
+                  <a16:creationId xmlns:a16="http://schemas.microsoft.com/office/drawing/2014/main" id="{8330B7FE-A318-9845-8F59-02267667CECB}"/>
+                </a:ext>
+              </a:extLst>
+            </p:cNvPr>
+            <p:cNvSpPr/>
+            <p:nvPr/>
+          </p:nvSpPr>
+          <p:spPr>
+            <a:xfrm>
+              <a:off x="1447800" y="2895600"/>
+              <a:ext cx="7086600" cy="685800"/>
+            </a:xfrm>
+            <a:prstGeom prst="rect">
+              <a:avLst/>
+            </a:prstGeom>
+            <a:noFill/>
+            <a:ln>
+              <a:noFill/>
+            </a:ln>
+          </p:spPr>
+          <p:style>
+            <a:lnRef idx="2">
+              <a:schemeClr val="accent1">
+                <a:shade val="50000"/>
+              </a:schemeClr>
+            </a:lnRef>
+            <a:fillRef idx="1">
+              <a:schemeClr val="accent1"/>
+            </a:fillRef>
+            <a:effectRef idx="0">
+              <a:schemeClr val="accent1"/>
+            </a:effectRef>
+            <a:fontRef idx="minor">
+              <a:schemeClr val="lt1"/>
+            </a:fontRef>
+          </p:style>
+          <p:txBody>
+            <a:bodyPr rtlCol="0" anchor="ctr"/>
+            <a:lstStyle/>
+            <a:p>
+              <a:r>
+                <a:rPr lang="en-US" sz="2400" dirty="0">
+                  <a:solidFill>
+                    <a:schemeClr val="tx1"/>
+                  </a:solidFill>
+                </a:rPr>
+                <a:t>There are may passages which make an argument for Jesus’ divinity based on </a:t>
+              </a:r>
+              <a:r>
+                <a:rPr lang="en-US" sz="2400" b="1" dirty="0">
+                  <a:solidFill>
+                    <a:schemeClr val="tx1"/>
+                  </a:solidFill>
+                  <a:highlight>
+                    <a:srgbClr val="C00002"/>
+                  </a:highlight>
+                </a:rPr>
+                <a:t>Old Testament passages</a:t>
+              </a:r>
+            </a:p>
+          </p:txBody>
+        </p:sp>
+      </p:grpSp>
+      <p:grpSp>
+        <p:nvGrpSpPr>
+          <p:cNvPr id="9" name="Group 8">
+            <a:extLst>
+              <a:ext uri="{FF2B5EF4-FFF2-40B4-BE49-F238E27FC236}">
+                <a16:creationId xmlns:a16="http://schemas.microsoft.com/office/drawing/2014/main" id="{55676BE1-B42E-AD44-9DD5-FF20BEB47F36}"/>
+              </a:ext>
+            </a:extLst>
+          </p:cNvPr>
+          <p:cNvGrpSpPr/>
+          <p:nvPr/>
+        </p:nvGrpSpPr>
+        <p:grpSpPr>
+          <a:xfrm>
+            <a:off x="533400" y="1833265"/>
+            <a:ext cx="8001000" cy="685800"/>
+            <a:chOff x="533400" y="1833265"/>
+            <a:chExt cx="8001000" cy="685800"/>
+          </a:xfrm>
+        </p:grpSpPr>
+        <p:sp>
+          <p:nvSpPr>
+            <p:cNvPr id="2" name="Oval 1">
+              <a:extLst>
+                <a:ext uri="{FF2B5EF4-FFF2-40B4-BE49-F238E27FC236}">
+                  <a16:creationId xmlns:a16="http://schemas.microsoft.com/office/drawing/2014/main" id="{876D5A54-0C8D-804B-88A0-6609A2C1405C}"/>
+                </a:ext>
+              </a:extLst>
+            </p:cNvPr>
+            <p:cNvSpPr/>
+            <p:nvPr/>
+          </p:nvSpPr>
+          <p:spPr>
+            <a:xfrm>
+              <a:off x="533400" y="1833265"/>
+              <a:ext cx="685800" cy="685800"/>
+            </a:xfrm>
+            <a:prstGeom prst="ellipse">
+              <a:avLst/>
+            </a:prstGeom>
+            <a:solidFill>
+              <a:srgbClr val="009EC0"/>
+            </a:solidFill>
+            <a:ln>
+              <a:noFill/>
+            </a:ln>
+          </p:spPr>
+          <p:style>
+            <a:lnRef idx="2">
+              <a:schemeClr val="accent1">
+                <a:shade val="50000"/>
+              </a:schemeClr>
+            </a:lnRef>
+            <a:fillRef idx="1">
+              <a:schemeClr val="accent1"/>
+            </a:fillRef>
+            <a:effectRef idx="0">
+              <a:schemeClr val="accent1"/>
+            </a:effectRef>
+            <a:fontRef idx="minor">
+              <a:schemeClr val="lt1"/>
+            </a:fontRef>
+          </p:style>
+          <p:txBody>
+            <a:bodyPr rtlCol="0" anchor="ctr"/>
+            <a:lstStyle/>
+            <a:p>
+              <a:pPr algn="ctr"/>
+              <a:r>
+                <a:rPr lang="en-US" sz="2800" dirty="0">
+                  <a:solidFill>
+                    <a:schemeClr val="tx1"/>
+                  </a:solidFill>
+                </a:rPr>
+                <a:t>1</a:t>
+              </a:r>
+            </a:p>
+          </p:txBody>
+        </p:sp>
+        <p:sp>
+          <p:nvSpPr>
+            <p:cNvPr id="10" name="Rectangle 9">
+              <a:extLst>
+                <a:ext uri="{FF2B5EF4-FFF2-40B4-BE49-F238E27FC236}">
+                  <a16:creationId xmlns:a16="http://schemas.microsoft.com/office/drawing/2014/main" id="{312C2DC5-5653-DC4B-98A2-76A0B8F08883}"/>
+                </a:ext>
+              </a:extLst>
+            </p:cNvPr>
+            <p:cNvSpPr/>
+            <p:nvPr/>
+          </p:nvSpPr>
+          <p:spPr>
+            <a:xfrm>
+              <a:off x="1447800" y="1833265"/>
+              <a:ext cx="7086600" cy="685800"/>
+            </a:xfrm>
+            <a:prstGeom prst="rect">
+              <a:avLst/>
+            </a:prstGeom>
+            <a:noFill/>
+            <a:ln>
+              <a:noFill/>
+            </a:ln>
+          </p:spPr>
+          <p:style>
+            <a:lnRef idx="2">
+              <a:schemeClr val="accent1">
+                <a:shade val="50000"/>
+              </a:schemeClr>
+            </a:lnRef>
+            <a:fillRef idx="1">
+              <a:schemeClr val="accent1"/>
+            </a:fillRef>
+            <a:effectRef idx="0">
+              <a:schemeClr val="accent1"/>
+            </a:effectRef>
+            <a:fontRef idx="minor">
+              <a:schemeClr val="lt1"/>
+            </a:fontRef>
+          </p:style>
+          <p:txBody>
+            <a:bodyPr rtlCol="0" anchor="ctr"/>
+            <a:lstStyle/>
+            <a:p>
+              <a:r>
+                <a:rPr lang="en-US" sz="2400" dirty="0">
+                  <a:solidFill>
+                    <a:schemeClr val="tx1"/>
+                  </a:solidFill>
+                </a:rPr>
+                <a:t>There are a number of passages the </a:t>
+              </a:r>
+              <a:r>
+                <a:rPr lang="en-US" sz="2400" b="1" dirty="0">
+                  <a:solidFill>
+                    <a:schemeClr val="tx1"/>
+                  </a:solidFill>
+                  <a:highlight>
+                    <a:srgbClr val="C00002"/>
+                  </a:highlight>
+                </a:rPr>
+                <a:t>explicitly say that Jesus is God</a:t>
+              </a:r>
+              <a:r>
+                <a:rPr lang="en-US" sz="2400" dirty="0">
+                  <a:solidFill>
+                    <a:schemeClr val="tx1"/>
+                  </a:solidFill>
+                </a:rPr>
+                <a:t> (including in Mark)</a:t>
+              </a:r>
+            </a:p>
+          </p:txBody>
+        </p:sp>
+      </p:grpSp>
+      <p:grpSp>
+        <p:nvGrpSpPr>
+          <p:cNvPr id="14" name="Group 13">
+            <a:extLst>
+              <a:ext uri="{FF2B5EF4-FFF2-40B4-BE49-F238E27FC236}">
+                <a16:creationId xmlns:a16="http://schemas.microsoft.com/office/drawing/2014/main" id="{F0A87E3B-646D-1E41-9334-E8ECC604DF38}"/>
+              </a:ext>
+            </a:extLst>
+          </p:cNvPr>
+          <p:cNvGrpSpPr/>
+          <p:nvPr/>
+        </p:nvGrpSpPr>
+        <p:grpSpPr>
+          <a:xfrm>
+            <a:off x="533400" y="3957935"/>
+            <a:ext cx="8001000" cy="685800"/>
+            <a:chOff x="533400" y="2895600"/>
+            <a:chExt cx="8001000" cy="685800"/>
+          </a:xfrm>
+        </p:grpSpPr>
+        <p:sp>
+          <p:nvSpPr>
+            <p:cNvPr id="15" name="Oval 14">
+              <a:extLst>
+                <a:ext uri="{FF2B5EF4-FFF2-40B4-BE49-F238E27FC236}">
+                  <a16:creationId xmlns:a16="http://schemas.microsoft.com/office/drawing/2014/main" id="{602F0422-D845-1E4E-A7C5-B2069A212A2E}"/>
+                </a:ext>
+              </a:extLst>
+            </p:cNvPr>
+            <p:cNvSpPr/>
+            <p:nvPr/>
+          </p:nvSpPr>
+          <p:spPr>
+            <a:xfrm>
+              <a:off x="533400" y="2895600"/>
+              <a:ext cx="685800" cy="685800"/>
+            </a:xfrm>
+            <a:prstGeom prst="ellipse">
+              <a:avLst/>
+            </a:prstGeom>
+            <a:solidFill>
+              <a:srgbClr val="009EC0"/>
+            </a:solidFill>
+            <a:ln>
+              <a:noFill/>
+            </a:ln>
+          </p:spPr>
+          <p:style>
+            <a:lnRef idx="2">
+              <a:schemeClr val="accent1">
+                <a:shade val="50000"/>
+              </a:schemeClr>
+            </a:lnRef>
+            <a:fillRef idx="1">
+              <a:schemeClr val="accent1"/>
+            </a:fillRef>
+            <a:effectRef idx="0">
+              <a:schemeClr val="accent1"/>
+            </a:effectRef>
+            <a:fontRef idx="minor">
+              <a:schemeClr val="lt1"/>
+            </a:fontRef>
+          </p:style>
+          <p:txBody>
+            <a:bodyPr rtlCol="0" anchor="ctr"/>
+            <a:lstStyle/>
+            <a:p>
+              <a:pPr algn="ctr"/>
+              <a:r>
+                <a:rPr lang="en-US" sz="2800" dirty="0">
+                  <a:solidFill>
+                    <a:schemeClr val="tx1"/>
+                  </a:solidFill>
+                </a:rPr>
+                <a:t>3</a:t>
+              </a:r>
+            </a:p>
+          </p:txBody>
+        </p:sp>
+        <p:sp>
+          <p:nvSpPr>
+            <p:cNvPr id="16" name="Rectangle 15">
+              <a:extLst>
+                <a:ext uri="{FF2B5EF4-FFF2-40B4-BE49-F238E27FC236}">
+                  <a16:creationId xmlns:a16="http://schemas.microsoft.com/office/drawing/2014/main" id="{93230A02-C278-BF4F-B7D5-75C53BF2251C}"/>
+                </a:ext>
+              </a:extLst>
+            </p:cNvPr>
+            <p:cNvSpPr/>
+            <p:nvPr/>
+          </p:nvSpPr>
+          <p:spPr>
+            <a:xfrm>
+              <a:off x="1447800" y="2895600"/>
+              <a:ext cx="7086600" cy="685800"/>
+            </a:xfrm>
+            <a:prstGeom prst="rect">
+              <a:avLst/>
+            </a:prstGeom>
+            <a:noFill/>
+            <a:ln>
+              <a:noFill/>
+            </a:ln>
+          </p:spPr>
+          <p:style>
+            <a:lnRef idx="2">
+              <a:schemeClr val="accent1">
+                <a:shade val="50000"/>
+              </a:schemeClr>
+            </a:lnRef>
+            <a:fillRef idx="1">
+              <a:schemeClr val="accent1"/>
+            </a:fillRef>
+            <a:effectRef idx="0">
+              <a:schemeClr val="accent1"/>
+            </a:effectRef>
+            <a:fontRef idx="minor">
+              <a:schemeClr val="lt1"/>
+            </a:fontRef>
+          </p:style>
+          <p:txBody>
+            <a:bodyPr rtlCol="0" anchor="ctr"/>
+            <a:lstStyle/>
+            <a:p>
+              <a:r>
+                <a:rPr lang="en-US" sz="2400" dirty="0">
+                  <a:solidFill>
+                    <a:schemeClr val="tx1"/>
+                  </a:solidFill>
+                </a:rPr>
+                <a:t>Many statements from Jesus would be </a:t>
+              </a:r>
+              <a:r>
+                <a:rPr lang="en-US" sz="2400" b="1" dirty="0">
+                  <a:solidFill>
+                    <a:schemeClr val="tx1"/>
+                  </a:solidFill>
+                  <a:highlight>
+                    <a:srgbClr val="C00002"/>
+                  </a:highlight>
+                </a:rPr>
+                <a:t>incredibly weird if Jesus isn’t God</a:t>
+              </a:r>
+            </a:p>
+          </p:txBody>
+        </p:sp>
+      </p:grpSp>
+      <p:cxnSp>
+        <p:nvCxnSpPr>
+          <p:cNvPr id="8" name="Straight Connector 7">
+            <a:extLst>
+              <a:ext uri="{FF2B5EF4-FFF2-40B4-BE49-F238E27FC236}">
+                <a16:creationId xmlns:a16="http://schemas.microsoft.com/office/drawing/2014/main" id="{B1CE1C68-C736-2F42-AD3D-29FCB9A69CAD}"/>
+              </a:ext>
+            </a:extLst>
+          </p:cNvPr>
+          <p:cNvCxnSpPr>
+            <a:cxnSpLocks/>
+          </p:cNvCxnSpPr>
+          <p:nvPr/>
+        </p:nvCxnSpPr>
+        <p:spPr>
+          <a:xfrm>
+            <a:off x="304800" y="1066800"/>
+            <a:ext cx="8534400" cy="0"/>
+          </a:xfrm>
+          <a:prstGeom prst="line">
+            <a:avLst/>
+          </a:prstGeom>
+          <a:ln w="76200">
+            <a:solidFill>
+              <a:srgbClr val="009EC0"/>
+            </a:solidFill>
+          </a:ln>
+        </p:spPr>
+        <p:style>
+          <a:lnRef idx="1">
+            <a:schemeClr val="dk1"/>
+          </a:lnRef>
+          <a:fillRef idx="0">
+            <a:schemeClr val="dk1"/>
+          </a:fillRef>
+          <a:effectRef idx="0">
+            <a:schemeClr val="dk1"/>
+          </a:effectRef>
+          <a:fontRef idx="minor">
+            <a:schemeClr val="tx1"/>
+          </a:fontRef>
+        </p:style>
+      </p:cxnSp>
+    </p:spTree>
+    <p:extLst>
+      <p:ext uri="{BB962C8B-B14F-4D97-AF65-F5344CB8AC3E}">
+        <p14:creationId xmlns:p14="http://schemas.microsoft.com/office/powerpoint/2010/main" val="2515414981"/>
+      </p:ext>
+    </p:extLst>
+  </p:cSld>
+  <p:clrMapOvr>
+    <a:masterClrMapping/>
+  </p:clrMapOvr>
+  <p:timing>
+    <p:tnLst>
+      <p:par>
+        <p:cTn id="1" dur="indefinite" restart="never" nodeType="tmRoot">
+          <p:childTnLst>
+            <p:seq concurrent="1" nextAc="seek">
+              <p:cTn id="2" dur="indefinite" nodeType="mainSeq">
+                <p:childTnLst>
+                  <p:par>
+                    <p:cTn id="3" fill="hold">
+                      <p:stCondLst>
+                        <p:cond delay="indefinite"/>
+                      </p:stCondLst>
+                      <p:childTnLst>
+                        <p:par>
+                          <p:cTn id="4" fill="hold">
+                            <p:stCondLst>
+                              <p:cond delay="0"/>
+                            </p:stCondLst>
+                            <p:childTnLst>
+                              <p:par>
+                                <p:cTn id="5" presetID="10" presetClass="entr" presetSubtype="0" fill="hold" grpId="0" nodeType="clickEffect">
+                                  <p:stCondLst>
+                                    <p:cond delay="0"/>
+                                  </p:stCondLst>
+                                  <p:childTnLst>
+                                    <p:set>
+                                      <p:cBhvr>
+                                        <p:cTn id="6" dur="1" fill="hold">
+                                          <p:stCondLst>
+                                            <p:cond delay="0"/>
+                                          </p:stCondLst>
+                                        </p:cTn>
+                                        <p:tgtEl>
+                                          <p:spTgt spid="6"/>
+                                        </p:tgtEl>
+                                        <p:attrNameLst>
+                                          <p:attrName>style.visibility</p:attrName>
+                                        </p:attrNameLst>
+                                      </p:cBhvr>
+                                      <p:to>
+                                        <p:strVal val="visible"/>
+                                      </p:to>
+                                    </p:set>
+                                    <p:animEffect transition="in" filter="fade">
+                                      <p:cBhvr>
+                                        <p:cTn id="7" dur="250"/>
+                                        <p:tgtEl>
+                                          <p:spTgt spid="6"/>
+                                        </p:tgtEl>
+                                      </p:cBhvr>
+                                    </p:animEffect>
+                                  </p:childTnLst>
+                                </p:cTn>
+                              </p:par>
+                            </p:childTnLst>
+                          </p:cTn>
+                        </p:par>
+                        <p:par>
+                          <p:cTn id="8" fill="hold">
+                            <p:stCondLst>
+                              <p:cond delay="250"/>
+                            </p:stCondLst>
+                            <p:childTnLst>
+                              <p:par>
+                                <p:cTn id="9" presetID="10" presetClass="entr" presetSubtype="0" fill="hold" nodeType="afterEffect">
+                                  <p:stCondLst>
+                                    <p:cond delay="0"/>
+                                  </p:stCondLst>
+                                  <p:childTnLst>
+                                    <p:set>
+                                      <p:cBhvr>
+                                        <p:cTn id="10" dur="1" fill="hold">
+                                          <p:stCondLst>
+                                            <p:cond delay="0"/>
+                                          </p:stCondLst>
+                                        </p:cTn>
+                                        <p:tgtEl>
+                                          <p:spTgt spid="8"/>
+                                        </p:tgtEl>
+                                        <p:attrNameLst>
+                                          <p:attrName>style.visibility</p:attrName>
+                                        </p:attrNameLst>
+                                      </p:cBhvr>
+                                      <p:to>
+                                        <p:strVal val="visible"/>
+                                      </p:to>
+                                    </p:set>
+                                    <p:animEffect transition="in" filter="fade">
+                                      <p:cBhvr>
+                                        <p:cTn id="11" dur="250"/>
+                                        <p:tgtEl>
+                                          <p:spTgt spid="8"/>
+                                        </p:tgtEl>
+                                      </p:cBhvr>
+                                    </p:animEffect>
+                                  </p:childTnLst>
+                                </p:cTn>
+                              </p:par>
+                            </p:childTnLst>
+                          </p:cTn>
+                        </p:par>
+                      </p:childTnLst>
+                    </p:cTn>
+                  </p:par>
+                  <p:par>
+                    <p:cTn id="12" fill="hold">
+                      <p:stCondLst>
+                        <p:cond delay="indefinite"/>
+                      </p:stCondLst>
+                      <p:childTnLst>
+                        <p:par>
+                          <p:cTn id="13" fill="hold">
+                            <p:stCondLst>
+                              <p:cond delay="0"/>
+                            </p:stCondLst>
+                            <p:childTnLst>
+                              <p:par>
+                                <p:cTn id="14" presetID="10" presetClass="entr" presetSubtype="0" fill="hold" nodeType="clickEffect">
+                                  <p:stCondLst>
+                                    <p:cond delay="0"/>
+                                  </p:stCondLst>
+                                  <p:childTnLst>
+                                    <p:set>
+                                      <p:cBhvr>
+                                        <p:cTn id="15" dur="1" fill="hold">
+                                          <p:stCondLst>
+                                            <p:cond delay="0"/>
+                                          </p:stCondLst>
+                                        </p:cTn>
+                                        <p:tgtEl>
+                                          <p:spTgt spid="9"/>
+                                        </p:tgtEl>
+                                        <p:attrNameLst>
+                                          <p:attrName>style.visibility</p:attrName>
+                                        </p:attrNameLst>
+                                      </p:cBhvr>
+                                      <p:to>
+                                        <p:strVal val="visible"/>
+                                      </p:to>
+                                    </p:set>
+                                    <p:animEffect transition="in" filter="fade">
+                                      <p:cBhvr>
+                                        <p:cTn id="16" dur="250"/>
+                                        <p:tgtEl>
+                                          <p:spTgt spid="9"/>
+                                        </p:tgtEl>
+                                      </p:cBhvr>
+                                    </p:animEffect>
+                                  </p:childTnLst>
+                                </p:cTn>
+                              </p:par>
+                            </p:childTnLst>
+                          </p:cTn>
+                        </p:par>
+                      </p:childTnLst>
+                    </p:cTn>
+                  </p:par>
+                  <p:par>
+                    <p:cTn id="17" fill="hold">
+                      <p:stCondLst>
+                        <p:cond delay="indefinite"/>
+                      </p:stCondLst>
+                      <p:childTnLst>
+                        <p:par>
+                          <p:cTn id="18" fill="hold">
+                            <p:stCondLst>
+                              <p:cond delay="0"/>
+                            </p:stCondLst>
+                            <p:childTnLst>
+                              <p:par>
+                                <p:cTn id="19" presetID="10" presetClass="entr" presetSubtype="0" fill="hold" nodeType="clickEffect">
+                                  <p:stCondLst>
+                                    <p:cond delay="0"/>
+                                  </p:stCondLst>
+                                  <p:childTnLst>
+                                    <p:set>
+                                      <p:cBhvr>
+                                        <p:cTn id="20" dur="1" fill="hold">
+                                          <p:stCondLst>
+                                            <p:cond delay="0"/>
+                                          </p:stCondLst>
+                                        </p:cTn>
+                                        <p:tgtEl>
+                                          <p:spTgt spid="12"/>
+                                        </p:tgtEl>
+                                        <p:attrNameLst>
+                                          <p:attrName>style.visibility</p:attrName>
+                                        </p:attrNameLst>
+                                      </p:cBhvr>
+                                      <p:to>
+                                        <p:strVal val="visible"/>
+                                      </p:to>
+                                    </p:set>
+                                    <p:animEffect transition="in" filter="fade">
+                                      <p:cBhvr>
+                                        <p:cTn id="21" dur="250"/>
+                                        <p:tgtEl>
+                                          <p:spTgt spid="12"/>
+                                        </p:tgtEl>
+                                      </p:cBhvr>
+                                    </p:animEffect>
+                                  </p:childTnLst>
+                                </p:cTn>
+                              </p:par>
+                            </p:childTnLst>
+                          </p:cTn>
+                        </p:par>
+                      </p:childTnLst>
+                    </p:cTn>
+                  </p:par>
+                  <p:par>
+                    <p:cTn id="22" fill="hold">
+                      <p:stCondLst>
+                        <p:cond delay="indefinite"/>
+                      </p:stCondLst>
+                      <p:childTnLst>
+                        <p:par>
+                          <p:cTn id="23" fill="hold">
+                            <p:stCondLst>
+                              <p:cond delay="0"/>
+                            </p:stCondLst>
+                            <p:childTnLst>
+                              <p:par>
+                                <p:cTn id="24" presetID="10" presetClass="entr" presetSubtype="0" fill="hold" nodeType="clickEffect">
+                                  <p:stCondLst>
+                                    <p:cond delay="0"/>
+                                  </p:stCondLst>
+                                  <p:childTnLst>
+                                    <p:set>
+                                      <p:cBhvr>
+                                        <p:cTn id="25" dur="1" fill="hold">
+                                          <p:stCondLst>
+                                            <p:cond delay="0"/>
+                                          </p:stCondLst>
+                                        </p:cTn>
+                                        <p:tgtEl>
+                                          <p:spTgt spid="14"/>
+                                        </p:tgtEl>
+                                        <p:attrNameLst>
+                                          <p:attrName>style.visibility</p:attrName>
+                                        </p:attrNameLst>
+                                      </p:cBhvr>
+                                      <p:to>
+                                        <p:strVal val="visible"/>
+                                      </p:to>
+                                    </p:set>
+                                    <p:animEffect transition="in" filter="fade">
+                                      <p:cBhvr>
+                                        <p:cTn id="26" dur="250"/>
+                                        <p:tgtEl>
+                                          <p:spTgt spid="14"/>
+                                        </p:tgtEl>
+                                      </p:cBhvr>
+                                    </p:animEffect>
+                                  </p:childTnLst>
+                                </p:cTn>
+                              </p:par>
+                            </p:childTnLst>
+                          </p:cTn>
+                        </p:par>
+                      </p:childTnLst>
+                    </p:cTn>
+                  </p:par>
+                </p:childTnLst>
+              </p:cTn>
+              <p:prevCondLst>
+                <p:cond evt="onPrev" delay="0">
+                  <p:tgtEl>
+                    <p:sldTgt/>
+                  </p:tgtEl>
+                </p:cond>
+              </p:prevCondLst>
+              <p:nextCondLst>
+                <p:cond evt="onNext" delay="0">
+                  <p:tgtEl>
+                    <p:sldTgt/>
+                  </p:tgtEl>
+                </p:cond>
+              </p:nextCondLst>
+            </p:seq>
+          </p:childTnLst>
+        </p:cTn>
+      </p:par>
+    </p:tnLst>
+    <p:bldLst>
+      <p:bldP spid="6" grpId="0"/>
+    </p:bldLst>
+  </p:timing>
+</p:sld>
+</file>
+
+<file path=ppt/slides/slide16.xml><?xml version="1.0" encoding="utf-8"?>
+<p:sld xmlns:a="http://schemas.openxmlformats.org/drawingml/2006/main" xmlns:r="http://schemas.openxmlformats.org/officeDocument/2006/relationships" xmlns:p="http://schemas.openxmlformats.org/presentationml/2006/main">
+  <p:cSld>
+    <p:spTree>
+      <p:nvGrpSpPr>
+        <p:cNvPr id="1" name=""/>
+        <p:cNvGrpSpPr/>
+        <p:nvPr/>
+      </p:nvGrpSpPr>
+      <p:grpSpPr>
+        <a:xfrm>
+          <a:off x="0" y="0"/>
+          <a:ext cx="0" cy="0"/>
+          <a:chOff x="0" y="0"/>
+          <a:chExt cx="0" cy="0"/>
+        </a:xfrm>
+      </p:grpSpPr>
+      <p:sp>
+        <p:nvSpPr>
+          <p:cNvPr id="4" name="TextBox 3">
+            <a:extLst>
+              <a:ext uri="{FF2B5EF4-FFF2-40B4-BE49-F238E27FC236}">
+                <a16:creationId xmlns:a16="http://schemas.microsoft.com/office/drawing/2014/main" id="{474BE49A-5312-1746-BA29-03FA5DFEF491}"/>
+              </a:ext>
+            </a:extLst>
+          </p:cNvPr>
+          <p:cNvSpPr txBox="1"/>
+          <p:nvPr/>
+        </p:nvSpPr>
+        <p:spPr>
+          <a:xfrm>
+            <a:off x="76200" y="533400"/>
+            <a:ext cx="9067800" cy="5486117"/>
+          </a:xfrm>
+          <a:prstGeom prst="rect">
+            <a:avLst/>
+          </a:prstGeom>
+          <a:noFill/>
+        </p:spPr>
+        <p:txBody>
+          <a:bodyPr wrap="square" rtlCol="0">
+            <a:spAutoFit/>
+          </a:bodyPr>
+          <a:lstStyle/>
+          <a:p>
+            <a:r>
+              <a:rPr lang="en-US" sz="3500" b="1" dirty="0"/>
+              <a:t>Sharp’s Rule:</a:t>
+            </a:r>
+            <a:r>
+              <a:rPr lang="en-US" sz="2500" b="1" dirty="0"/>
+              <a:t> </a:t>
+            </a:r>
+            <a:r>
+              <a:rPr lang="en-US" sz="2500" b="1" dirty="0">
+                <a:solidFill>
+                  <a:schemeClr val="bg1">
+                    <a:lumMod val="50000"/>
+                    <a:lumOff val="50000"/>
+                  </a:schemeClr>
+                </a:solidFill>
+              </a:rPr>
+              <a:t>(Indicates that both nouns refer to same person)</a:t>
+            </a:r>
+          </a:p>
+          <a:p>
+            <a:r>
+              <a:rPr lang="en-US" sz="4150" dirty="0"/>
+              <a:t>The—noun — and(</a:t>
+            </a:r>
+            <a:r>
+              <a:rPr lang="el-GR" sz="4150" dirty="0"/>
+              <a:t>και)</a:t>
+            </a:r>
+            <a:r>
+              <a:rPr lang="en-US" sz="4150" dirty="0"/>
+              <a:t> — noun</a:t>
+            </a:r>
+          </a:p>
+          <a:p>
+            <a:r>
+              <a:rPr lang="en-US" sz="5400" dirty="0"/>
+              <a:t> </a:t>
+            </a:r>
+          </a:p>
+          <a:p>
+            <a:r>
+              <a:rPr lang="en-US" sz="4150" b="1" dirty="0"/>
+              <a:t>Example 1 (one person):</a:t>
+            </a:r>
+          </a:p>
+          <a:p>
+            <a:r>
+              <a:rPr lang="en-US" sz="4150" dirty="0"/>
+              <a:t>The CEO and chairman …</a:t>
+            </a:r>
+          </a:p>
+          <a:p>
+            <a:r>
+              <a:rPr lang="en-US" sz="5400" dirty="0"/>
+              <a:t> </a:t>
+            </a:r>
+          </a:p>
+          <a:p>
+            <a:r>
+              <a:rPr lang="en-US" sz="4150" b="1" dirty="0"/>
+              <a:t>Example 2 (two people):</a:t>
+            </a:r>
+          </a:p>
+          <a:p>
+            <a:r>
+              <a:rPr lang="en-US" sz="4150" dirty="0"/>
+              <a:t>The CEO and the chairman …</a:t>
+            </a:r>
+          </a:p>
+        </p:txBody>
+      </p:sp>
+    </p:spTree>
+    <p:extLst>
+      <p:ext uri="{BB962C8B-B14F-4D97-AF65-F5344CB8AC3E}">
+        <p14:creationId xmlns:p14="http://schemas.microsoft.com/office/powerpoint/2010/main" val="3096334093"/>
+      </p:ext>
+    </p:extLst>
+  </p:cSld>
+  <p:clrMapOvr>
+    <a:masterClrMapping/>
+  </p:clrMapOvr>
+</p:sld>
+</file>
+
+<file path=ppt/slides/slide17.xml><?xml version="1.0" encoding="utf-8"?>
+<p:sld xmlns:a="http://schemas.openxmlformats.org/drawingml/2006/main" xmlns:r="http://schemas.openxmlformats.org/officeDocument/2006/relationships" xmlns:p="http://schemas.openxmlformats.org/presentationml/2006/main">
+  <p:cSld>
+    <p:spTree>
+      <p:nvGrpSpPr>
+        <p:cNvPr id="1" name=""/>
+        <p:cNvGrpSpPr/>
+        <p:nvPr/>
+      </p:nvGrpSpPr>
+      <p:grpSpPr>
+        <a:xfrm>
+          <a:off x="0" y="0"/>
+          <a:ext cx="0" cy="0"/>
+          <a:chOff x="0" y="0"/>
+          <a:chExt cx="0" cy="0"/>
+        </a:xfrm>
+      </p:grpSpPr>
+      <p:sp>
+        <p:nvSpPr>
+          <p:cNvPr id="4" name="TextBox 3">
+            <a:extLst>
+              <a:ext uri="{FF2B5EF4-FFF2-40B4-BE49-F238E27FC236}">
+                <a16:creationId xmlns:a16="http://schemas.microsoft.com/office/drawing/2014/main" id="{474BE49A-5312-1746-BA29-03FA5DFEF491}"/>
+              </a:ext>
+            </a:extLst>
+          </p:cNvPr>
+          <p:cNvSpPr txBox="1"/>
+          <p:nvPr/>
+        </p:nvSpPr>
+        <p:spPr>
+          <a:xfrm>
+            <a:off x="76200" y="533400"/>
+            <a:ext cx="9067800" cy="3377848"/>
+          </a:xfrm>
+          <a:prstGeom prst="rect">
+            <a:avLst/>
+          </a:prstGeom>
+          <a:noFill/>
+        </p:spPr>
+        <p:txBody>
+          <a:bodyPr wrap="square" rtlCol="0">
+            <a:spAutoFit/>
+          </a:bodyPr>
+          <a:lstStyle/>
+          <a:p>
+            <a:r>
+              <a:rPr lang="en-US" sz="3500" b="1" dirty="0"/>
+              <a:t>Sharp’s Rule:</a:t>
+            </a:r>
+            <a:r>
+              <a:rPr lang="en-US" sz="2500" b="1" dirty="0"/>
+              <a:t> </a:t>
+            </a:r>
+            <a:r>
+              <a:rPr lang="en-US" sz="2500" b="1" dirty="0">
+                <a:solidFill>
+                  <a:schemeClr val="bg1">
+                    <a:lumMod val="50000"/>
+                    <a:lumOff val="50000"/>
+                  </a:schemeClr>
+                </a:solidFill>
+              </a:rPr>
+              <a:t>(Indicates that both nouns refer to same person)</a:t>
+            </a:r>
+          </a:p>
+          <a:p>
+            <a:r>
+              <a:rPr lang="en-US" sz="4150" dirty="0"/>
+              <a:t>The—noun — and(</a:t>
+            </a:r>
+            <a:r>
+              <a:rPr lang="el-GR" sz="4150" dirty="0"/>
+              <a:t>και)</a:t>
+            </a:r>
+            <a:r>
+              <a:rPr lang="en-US" sz="4150" dirty="0"/>
+              <a:t> — noun</a:t>
+            </a:r>
+          </a:p>
+          <a:p>
+            <a:r>
+              <a:rPr lang="en-US" sz="5400" dirty="0"/>
+              <a:t> </a:t>
+            </a:r>
+          </a:p>
+          <a:p>
+            <a:r>
+              <a:rPr lang="en-US" sz="4150" b="1" dirty="0"/>
+              <a:t>Titus 2:13:</a:t>
+            </a:r>
+          </a:p>
+          <a:p>
+            <a:r>
+              <a:rPr lang="en-US" sz="4150" dirty="0"/>
+              <a:t>our great God and Savior, Jesus Christ …</a:t>
+            </a:r>
+          </a:p>
+        </p:txBody>
+      </p:sp>
+    </p:spTree>
+    <p:extLst>
+      <p:ext uri="{BB962C8B-B14F-4D97-AF65-F5344CB8AC3E}">
+        <p14:creationId xmlns:p14="http://schemas.microsoft.com/office/powerpoint/2010/main" val="3609951328"/>
+      </p:ext>
+    </p:extLst>
+  </p:cSld>
+  <p:clrMapOvr>
+    <a:masterClrMapping/>
+  </p:clrMapOvr>
+</p:sld>
+</file>
+
+<file path=ppt/slides/slide18.xml><?xml version="1.0" encoding="utf-8"?>
+<p:sld xmlns:a="http://schemas.openxmlformats.org/drawingml/2006/main" xmlns:r="http://schemas.openxmlformats.org/officeDocument/2006/relationships" xmlns:p="http://schemas.openxmlformats.org/presentationml/2006/main">
+  <p:cSld>
+    <p:spTree>
+      <p:nvGrpSpPr>
+        <p:cNvPr id="1" name=""/>
+        <p:cNvGrpSpPr/>
+        <p:nvPr/>
+      </p:nvGrpSpPr>
+      <p:grpSpPr>
+        <a:xfrm>
+          <a:off x="0" y="0"/>
+          <a:ext cx="0" cy="0"/>
+          <a:chOff x="0" y="0"/>
+          <a:chExt cx="0" cy="0"/>
+        </a:xfrm>
+      </p:grpSpPr>
+      <p:sp>
+        <p:nvSpPr>
+          <p:cNvPr id="4" name="TextBox 3">
+            <a:extLst>
+              <a:ext uri="{FF2B5EF4-FFF2-40B4-BE49-F238E27FC236}">
+                <a16:creationId xmlns:a16="http://schemas.microsoft.com/office/drawing/2014/main" id="{474BE49A-5312-1746-BA29-03FA5DFEF491}"/>
+              </a:ext>
+            </a:extLst>
+          </p:cNvPr>
+          <p:cNvSpPr txBox="1"/>
+          <p:nvPr/>
+        </p:nvSpPr>
+        <p:spPr>
+          <a:xfrm>
+            <a:off x="76200" y="533400"/>
+            <a:ext cx="9067800" cy="3377848"/>
+          </a:xfrm>
+          <a:prstGeom prst="rect">
+            <a:avLst/>
+          </a:prstGeom>
+          <a:noFill/>
+        </p:spPr>
+        <p:txBody>
+          <a:bodyPr wrap="square" rtlCol="0">
+            <a:spAutoFit/>
+          </a:bodyPr>
+          <a:lstStyle/>
+          <a:p>
+            <a:r>
+              <a:rPr lang="en-US" sz="3500" b="1" dirty="0"/>
+              <a:t>Sharp’s Rule:</a:t>
+            </a:r>
+            <a:r>
+              <a:rPr lang="en-US" sz="2500" b="1" dirty="0"/>
+              <a:t> </a:t>
+            </a:r>
+            <a:r>
+              <a:rPr lang="en-US" sz="2500" b="1" dirty="0">
+                <a:solidFill>
+                  <a:schemeClr val="bg1">
+                    <a:lumMod val="50000"/>
+                    <a:lumOff val="50000"/>
+                  </a:schemeClr>
+                </a:solidFill>
+              </a:rPr>
+              <a:t>(Indicates that both nouns refer to same person)</a:t>
+            </a:r>
+          </a:p>
+          <a:p>
+            <a:r>
+              <a:rPr lang="en-US" sz="4150" dirty="0"/>
+              <a:t>The—noun — and(</a:t>
+            </a:r>
+            <a:r>
+              <a:rPr lang="el-GR" sz="4150" dirty="0"/>
+              <a:t>και)</a:t>
+            </a:r>
+            <a:r>
+              <a:rPr lang="en-US" sz="4150" dirty="0"/>
+              <a:t> — noun</a:t>
+            </a:r>
+          </a:p>
+          <a:p>
+            <a:r>
+              <a:rPr lang="en-US" sz="5400" dirty="0"/>
+              <a:t> </a:t>
+            </a:r>
+          </a:p>
+          <a:p>
+            <a:r>
+              <a:rPr lang="en-US" sz="4150" b="1" dirty="0"/>
+              <a:t>2 Peter 1:1:</a:t>
+            </a:r>
+          </a:p>
+          <a:p>
+            <a:r>
+              <a:rPr lang="en-US" sz="4150" dirty="0"/>
+              <a:t>our God and Savior, Jesus Christ …</a:t>
+            </a:r>
+          </a:p>
+        </p:txBody>
+      </p:sp>
+    </p:spTree>
+    <p:extLst>
+      <p:ext uri="{BB962C8B-B14F-4D97-AF65-F5344CB8AC3E}">
+        <p14:creationId xmlns:p14="http://schemas.microsoft.com/office/powerpoint/2010/main" val="2743171355"/>
+      </p:ext>
+    </p:extLst>
+  </p:cSld>
+  <p:clrMapOvr>
+    <a:masterClrMapping/>
+  </p:clrMapOvr>
+</p:sld>
+</file>
+
+<file path=ppt/slides/slide2.xml><?xml version="1.0" encoding="utf-8"?>
+<p:sld xmlns:a="http://schemas.openxmlformats.org/drawingml/2006/main" xmlns:r="http://schemas.openxmlformats.org/officeDocument/2006/relationships" xmlns:p="http://schemas.openxmlformats.org/presentationml/2006/main">
+  <p:cSld>
+    <p:spTree>
+      <p:nvGrpSpPr>
+        <p:cNvPr id="1" name=""/>
+        <p:cNvGrpSpPr/>
+        <p:nvPr/>
+      </p:nvGrpSpPr>
+      <p:grpSpPr>
+        <a:xfrm>
+          <a:off x="0" y="0"/>
+          <a:ext cx="0" cy="0"/>
+          <a:chOff x="0" y="0"/>
+          <a:chExt cx="0" cy="0"/>
+        </a:xfrm>
+      </p:grpSpPr>
+      <p:sp>
+        <p:nvSpPr>
+          <p:cNvPr id="6" name="TextBox 5"/>
+          <p:cNvSpPr txBox="1"/>
+          <p:nvPr/>
+        </p:nvSpPr>
+        <p:spPr>
+          <a:xfrm>
+            <a:off x="228600" y="152400"/>
+            <a:ext cx="8610600" cy="769441"/>
+          </a:xfrm>
+          <a:prstGeom prst="rect">
+            <a:avLst/>
+          </a:prstGeom>
+          <a:noFill/>
+        </p:spPr>
+        <p:txBody>
+          <a:bodyPr wrap="square" rtlCol="0">
+            <a:spAutoFit/>
+          </a:bodyPr>
+          <a:lstStyle/>
+          <a:p>
+            <a:r>
+              <a:rPr lang="en-US" sz="4400" b="1" dirty="0"/>
+              <a:t>Key Takeaways (review)</a:t>
+            </a:r>
+          </a:p>
+        </p:txBody>
+      </p:sp>
+      <p:grpSp>
+        <p:nvGrpSpPr>
+          <p:cNvPr id="12" name="Group 11">
+            <a:extLst>
+              <a:ext uri="{FF2B5EF4-FFF2-40B4-BE49-F238E27FC236}">
+                <a16:creationId xmlns:a16="http://schemas.microsoft.com/office/drawing/2014/main" id="{9C7293A5-9F6A-4A42-B28F-77E682AEFD25}"/>
+              </a:ext>
+            </a:extLst>
+          </p:cNvPr>
+          <p:cNvGrpSpPr/>
+          <p:nvPr/>
+        </p:nvGrpSpPr>
+        <p:grpSpPr>
+          <a:xfrm>
+            <a:off x="533400" y="2895600"/>
+            <a:ext cx="8001000" cy="685800"/>
+            <a:chOff x="533400" y="2895600"/>
+            <a:chExt cx="8001000" cy="685800"/>
+          </a:xfrm>
+        </p:grpSpPr>
+        <p:sp>
+          <p:nvSpPr>
+            <p:cNvPr id="7" name="Oval 6">
+              <a:extLst>
+                <a:ext uri="{FF2B5EF4-FFF2-40B4-BE49-F238E27FC236}">
+                  <a16:creationId xmlns:a16="http://schemas.microsoft.com/office/drawing/2014/main" id="{536B79E8-7DCE-0445-821B-D0B03DF78CAA}"/>
+                </a:ext>
+              </a:extLst>
+            </p:cNvPr>
+            <p:cNvSpPr/>
+            <p:nvPr/>
+          </p:nvSpPr>
+          <p:spPr>
+            <a:xfrm>
+              <a:off x="533400" y="2895600"/>
+              <a:ext cx="685800" cy="685800"/>
+            </a:xfrm>
+            <a:prstGeom prst="ellipse">
+              <a:avLst/>
+            </a:prstGeom>
+            <a:solidFill>
+              <a:srgbClr val="009EC0"/>
+            </a:solidFill>
+            <a:ln>
+              <a:noFill/>
+            </a:ln>
+          </p:spPr>
+          <p:style>
+            <a:lnRef idx="2">
+              <a:schemeClr val="accent1">
+                <a:shade val="50000"/>
+              </a:schemeClr>
+            </a:lnRef>
+            <a:fillRef idx="1">
+              <a:schemeClr val="accent1"/>
+            </a:fillRef>
+            <a:effectRef idx="0">
+              <a:schemeClr val="accent1"/>
+            </a:effectRef>
+            <a:fontRef idx="minor">
+              <a:schemeClr val="lt1"/>
+            </a:fontRef>
+          </p:style>
+          <p:txBody>
+            <a:bodyPr rtlCol="0" anchor="ctr"/>
+            <a:lstStyle/>
+            <a:p>
+              <a:pPr algn="ctr"/>
+              <a:r>
+                <a:rPr lang="en-US" sz="2800" dirty="0">
+                  <a:solidFill>
+                    <a:schemeClr val="tx1"/>
+                  </a:solidFill>
+                </a:rPr>
+                <a:t>2</a:t>
+              </a:r>
+            </a:p>
+          </p:txBody>
+        </p:sp>
+        <p:sp>
+          <p:nvSpPr>
+            <p:cNvPr id="4" name="Rectangle 3">
+              <a:extLst>
+                <a:ext uri="{FF2B5EF4-FFF2-40B4-BE49-F238E27FC236}">
+                  <a16:creationId xmlns:a16="http://schemas.microsoft.com/office/drawing/2014/main" id="{8330B7FE-A318-9845-8F59-02267667CECB}"/>
+                </a:ext>
+              </a:extLst>
+            </p:cNvPr>
+            <p:cNvSpPr/>
+            <p:nvPr/>
+          </p:nvSpPr>
+          <p:spPr>
+            <a:xfrm>
+              <a:off x="1447800" y="2895600"/>
+              <a:ext cx="7086600" cy="685800"/>
+            </a:xfrm>
+            <a:prstGeom prst="rect">
+              <a:avLst/>
+            </a:prstGeom>
+            <a:noFill/>
+            <a:ln>
+              <a:noFill/>
+            </a:ln>
+          </p:spPr>
+          <p:style>
+            <a:lnRef idx="2">
+              <a:schemeClr val="accent1">
+                <a:shade val="50000"/>
+              </a:schemeClr>
+            </a:lnRef>
+            <a:fillRef idx="1">
+              <a:schemeClr val="accent1"/>
+            </a:fillRef>
+            <a:effectRef idx="0">
+              <a:schemeClr val="accent1"/>
+            </a:effectRef>
+            <a:fontRef idx="minor">
+              <a:schemeClr val="lt1"/>
+            </a:fontRef>
+          </p:style>
+          <p:txBody>
+            <a:bodyPr rtlCol="0" anchor="ctr"/>
+            <a:lstStyle/>
+            <a:p>
+              <a:r>
+                <a:rPr lang="en-US" sz="2400" b="1" dirty="0">
+                  <a:solidFill>
+                    <a:schemeClr val="tx1"/>
+                  </a:solidFill>
+                  <a:highlight>
+                    <a:srgbClr val="C00002"/>
+                  </a:highlight>
+                </a:rPr>
+                <a:t>Cross examine all sources</a:t>
+              </a:r>
+              <a:r>
+                <a:rPr lang="en-US" sz="2400" dirty="0">
+                  <a:solidFill>
+                    <a:schemeClr val="tx1"/>
+                  </a:solidFill>
+                </a:rPr>
+                <a:t>; and recognize that all are biased (but that doesn’t make them wrong)</a:t>
+              </a:r>
+            </a:p>
+          </p:txBody>
+        </p:sp>
+      </p:grpSp>
+      <p:grpSp>
+        <p:nvGrpSpPr>
+          <p:cNvPr id="9" name="Group 8">
+            <a:extLst>
+              <a:ext uri="{FF2B5EF4-FFF2-40B4-BE49-F238E27FC236}">
+                <a16:creationId xmlns:a16="http://schemas.microsoft.com/office/drawing/2014/main" id="{55676BE1-B42E-AD44-9DD5-FF20BEB47F36}"/>
+              </a:ext>
+            </a:extLst>
+          </p:cNvPr>
+          <p:cNvGrpSpPr/>
+          <p:nvPr/>
+        </p:nvGrpSpPr>
+        <p:grpSpPr>
+          <a:xfrm>
+            <a:off x="533400" y="1833265"/>
+            <a:ext cx="8458200" cy="685800"/>
+            <a:chOff x="533400" y="1833265"/>
+            <a:chExt cx="8458200" cy="685800"/>
+          </a:xfrm>
+        </p:grpSpPr>
+        <p:sp>
+          <p:nvSpPr>
+            <p:cNvPr id="2" name="Oval 1">
+              <a:extLst>
+                <a:ext uri="{FF2B5EF4-FFF2-40B4-BE49-F238E27FC236}">
+                  <a16:creationId xmlns:a16="http://schemas.microsoft.com/office/drawing/2014/main" id="{876D5A54-0C8D-804B-88A0-6609A2C1405C}"/>
+                </a:ext>
+              </a:extLst>
+            </p:cNvPr>
+            <p:cNvSpPr/>
+            <p:nvPr/>
+          </p:nvSpPr>
+          <p:spPr>
+            <a:xfrm>
+              <a:off x="533400" y="1833265"/>
+              <a:ext cx="685800" cy="685800"/>
+            </a:xfrm>
+            <a:prstGeom prst="ellipse">
+              <a:avLst/>
+            </a:prstGeom>
+            <a:solidFill>
+              <a:srgbClr val="009EC0"/>
+            </a:solidFill>
+            <a:ln>
+              <a:noFill/>
+            </a:ln>
+          </p:spPr>
+          <p:style>
+            <a:lnRef idx="2">
+              <a:schemeClr val="accent1">
+                <a:shade val="50000"/>
+              </a:schemeClr>
+            </a:lnRef>
+            <a:fillRef idx="1">
+              <a:schemeClr val="accent1"/>
+            </a:fillRef>
+            <a:effectRef idx="0">
+              <a:schemeClr val="accent1"/>
+            </a:effectRef>
+            <a:fontRef idx="minor">
+              <a:schemeClr val="lt1"/>
+            </a:fontRef>
+          </p:style>
+          <p:txBody>
+            <a:bodyPr rtlCol="0" anchor="ctr"/>
+            <a:lstStyle/>
+            <a:p>
+              <a:pPr algn="ctr"/>
+              <a:r>
+                <a:rPr lang="en-US" sz="2800" dirty="0">
+                  <a:solidFill>
+                    <a:schemeClr val="tx1"/>
+                  </a:solidFill>
+                </a:rPr>
+                <a:t>1</a:t>
+              </a:r>
+            </a:p>
+          </p:txBody>
+        </p:sp>
+        <p:sp>
+          <p:nvSpPr>
+            <p:cNvPr id="10" name="Rectangle 9">
+              <a:extLst>
+                <a:ext uri="{FF2B5EF4-FFF2-40B4-BE49-F238E27FC236}">
+                  <a16:creationId xmlns:a16="http://schemas.microsoft.com/office/drawing/2014/main" id="{312C2DC5-5653-DC4B-98A2-76A0B8F08883}"/>
+                </a:ext>
+              </a:extLst>
+            </p:cNvPr>
+            <p:cNvSpPr/>
+            <p:nvPr/>
+          </p:nvSpPr>
+          <p:spPr>
+            <a:xfrm>
+              <a:off x="1447800" y="1833265"/>
+              <a:ext cx="7543800" cy="685800"/>
+            </a:xfrm>
+            <a:prstGeom prst="rect">
+              <a:avLst/>
+            </a:prstGeom>
+            <a:noFill/>
+            <a:ln>
+              <a:noFill/>
+            </a:ln>
+          </p:spPr>
+          <p:style>
+            <a:lnRef idx="2">
+              <a:schemeClr val="accent1">
+                <a:shade val="50000"/>
+              </a:schemeClr>
+            </a:lnRef>
+            <a:fillRef idx="1">
+              <a:schemeClr val="accent1"/>
+            </a:fillRef>
+            <a:effectRef idx="0">
+              <a:schemeClr val="accent1"/>
+            </a:effectRef>
+            <a:fontRef idx="minor">
+              <a:schemeClr val="lt1"/>
+            </a:fontRef>
+          </p:style>
+          <p:txBody>
+            <a:bodyPr rtlCol="0" anchor="ctr"/>
+            <a:lstStyle/>
+            <a:p>
+              <a:r>
+                <a:rPr lang="en-US" sz="2400" dirty="0">
+                  <a:solidFill>
+                    <a:schemeClr val="tx1"/>
+                  </a:solidFill>
+                </a:rPr>
+                <a:t>You cannot reject a source merely because they believe their own message; </a:t>
+              </a:r>
+              <a:r>
+                <a:rPr lang="en-US" sz="2400" b="1" dirty="0">
+                  <a:solidFill>
+                    <a:schemeClr val="tx1"/>
+                  </a:solidFill>
+                  <a:highlight>
+                    <a:srgbClr val="C00002"/>
+                  </a:highlight>
+                </a:rPr>
+                <a:t>people who claim this are inconsistent</a:t>
+              </a:r>
+            </a:p>
+          </p:txBody>
+        </p:sp>
+      </p:grpSp>
+      <p:grpSp>
+        <p:nvGrpSpPr>
+          <p:cNvPr id="14" name="Group 13">
+            <a:extLst>
+              <a:ext uri="{FF2B5EF4-FFF2-40B4-BE49-F238E27FC236}">
+                <a16:creationId xmlns:a16="http://schemas.microsoft.com/office/drawing/2014/main" id="{F0A87E3B-646D-1E41-9334-E8ECC604DF38}"/>
+              </a:ext>
+            </a:extLst>
+          </p:cNvPr>
+          <p:cNvGrpSpPr/>
+          <p:nvPr/>
+        </p:nvGrpSpPr>
+        <p:grpSpPr>
+          <a:xfrm>
+            <a:off x="533400" y="3957935"/>
+            <a:ext cx="8001000" cy="685800"/>
+            <a:chOff x="533400" y="2895600"/>
+            <a:chExt cx="8001000" cy="685800"/>
+          </a:xfrm>
+        </p:grpSpPr>
+        <p:sp>
+          <p:nvSpPr>
+            <p:cNvPr id="15" name="Oval 14">
+              <a:extLst>
+                <a:ext uri="{FF2B5EF4-FFF2-40B4-BE49-F238E27FC236}">
+                  <a16:creationId xmlns:a16="http://schemas.microsoft.com/office/drawing/2014/main" id="{602F0422-D845-1E4E-A7C5-B2069A212A2E}"/>
+                </a:ext>
+              </a:extLst>
+            </p:cNvPr>
+            <p:cNvSpPr/>
+            <p:nvPr/>
+          </p:nvSpPr>
+          <p:spPr>
+            <a:xfrm>
+              <a:off x="533400" y="2895600"/>
+              <a:ext cx="685800" cy="685800"/>
+            </a:xfrm>
+            <a:prstGeom prst="ellipse">
+              <a:avLst/>
+            </a:prstGeom>
+            <a:solidFill>
+              <a:srgbClr val="009EC0"/>
+            </a:solidFill>
+            <a:ln>
+              <a:noFill/>
+            </a:ln>
+          </p:spPr>
+          <p:style>
+            <a:lnRef idx="2">
+              <a:schemeClr val="accent1">
+                <a:shade val="50000"/>
+              </a:schemeClr>
+            </a:lnRef>
+            <a:fillRef idx="1">
+              <a:schemeClr val="accent1"/>
+            </a:fillRef>
+            <a:effectRef idx="0">
+              <a:schemeClr val="accent1"/>
+            </a:effectRef>
+            <a:fontRef idx="minor">
+              <a:schemeClr val="lt1"/>
+            </a:fontRef>
+          </p:style>
+          <p:txBody>
+            <a:bodyPr rtlCol="0" anchor="ctr"/>
+            <a:lstStyle/>
+            <a:p>
+              <a:pPr algn="ctr"/>
+              <a:r>
+                <a:rPr lang="en-US" sz="2800" dirty="0">
+                  <a:solidFill>
+                    <a:schemeClr val="tx1"/>
+                  </a:solidFill>
+                </a:rPr>
+                <a:t>3</a:t>
+              </a:r>
+            </a:p>
+          </p:txBody>
+        </p:sp>
+        <p:sp>
+          <p:nvSpPr>
+            <p:cNvPr id="16" name="Rectangle 15">
+              <a:extLst>
+                <a:ext uri="{FF2B5EF4-FFF2-40B4-BE49-F238E27FC236}">
+                  <a16:creationId xmlns:a16="http://schemas.microsoft.com/office/drawing/2014/main" id="{93230A02-C278-BF4F-B7D5-75C53BF2251C}"/>
+                </a:ext>
+              </a:extLst>
+            </p:cNvPr>
+            <p:cNvSpPr/>
+            <p:nvPr/>
+          </p:nvSpPr>
+          <p:spPr>
+            <a:xfrm>
+              <a:off x="1447800" y="2895600"/>
+              <a:ext cx="7086600" cy="685800"/>
+            </a:xfrm>
+            <a:prstGeom prst="rect">
+              <a:avLst/>
+            </a:prstGeom>
+            <a:noFill/>
+            <a:ln>
+              <a:noFill/>
+            </a:ln>
+          </p:spPr>
+          <p:style>
+            <a:lnRef idx="2">
+              <a:schemeClr val="accent1">
+                <a:shade val="50000"/>
+              </a:schemeClr>
+            </a:lnRef>
+            <a:fillRef idx="1">
+              <a:schemeClr val="accent1"/>
+            </a:fillRef>
+            <a:effectRef idx="0">
+              <a:schemeClr val="accent1"/>
+            </a:effectRef>
+            <a:fontRef idx="minor">
+              <a:schemeClr val="lt1"/>
+            </a:fontRef>
+          </p:style>
+          <p:txBody>
+            <a:bodyPr rtlCol="0" anchor="ctr"/>
+            <a:lstStyle/>
+            <a:p>
+              <a:r>
+                <a:rPr lang="en-US" sz="2400" dirty="0">
+                  <a:solidFill>
+                    <a:schemeClr val="tx1"/>
+                  </a:solidFill>
+                </a:rPr>
+                <a:t>The broad outline of the Gospel is </a:t>
+              </a:r>
+              <a:r>
+                <a:rPr lang="en-US" sz="2400" b="1" dirty="0">
+                  <a:solidFill>
+                    <a:schemeClr val="tx1"/>
+                  </a:solidFill>
+                  <a:highlight>
+                    <a:srgbClr val="C00002"/>
+                  </a:highlight>
+                </a:rPr>
+                <a:t>well-attested by non-Christian sources</a:t>
+              </a:r>
+            </a:p>
+          </p:txBody>
+        </p:sp>
+      </p:grpSp>
+      <p:cxnSp>
+        <p:nvCxnSpPr>
+          <p:cNvPr id="8" name="Straight Connector 7">
+            <a:extLst>
+              <a:ext uri="{FF2B5EF4-FFF2-40B4-BE49-F238E27FC236}">
+                <a16:creationId xmlns:a16="http://schemas.microsoft.com/office/drawing/2014/main" id="{B1CE1C68-C736-2F42-AD3D-29FCB9A69CAD}"/>
+              </a:ext>
+            </a:extLst>
+          </p:cNvPr>
+          <p:cNvCxnSpPr>
+            <a:cxnSpLocks/>
+          </p:cNvCxnSpPr>
+          <p:nvPr/>
+        </p:nvCxnSpPr>
+        <p:spPr>
+          <a:xfrm>
+            <a:off x="304800" y="1066800"/>
+            <a:ext cx="8534400" cy="0"/>
+          </a:xfrm>
+          <a:prstGeom prst="line">
+            <a:avLst/>
+          </a:prstGeom>
+          <a:ln w="76200">
+            <a:solidFill>
+              <a:srgbClr val="009EC0"/>
+            </a:solidFill>
+          </a:ln>
+        </p:spPr>
+        <p:style>
+          <a:lnRef idx="1">
+            <a:schemeClr val="dk1"/>
+          </a:lnRef>
+          <a:fillRef idx="0">
+            <a:schemeClr val="dk1"/>
+          </a:fillRef>
+          <a:effectRef idx="0">
+            <a:schemeClr val="dk1"/>
+          </a:effectRef>
+          <a:fontRef idx="minor">
+            <a:schemeClr val="tx1"/>
+          </a:fontRef>
+        </p:style>
+      </p:cxnSp>
+    </p:spTree>
+    <p:extLst>
+      <p:ext uri="{BB962C8B-B14F-4D97-AF65-F5344CB8AC3E}">
+        <p14:creationId xmlns:p14="http://schemas.microsoft.com/office/powerpoint/2010/main" val="2162632890"/>
+      </p:ext>
+    </p:extLst>
+  </p:cSld>
+  <p:clrMapOvr>
+    <a:masterClrMapping/>
+  </p:clrMapOvr>
+  <p:timing>
+    <p:tnLst>
+      <p:par>
+        <p:cTn id="1" dur="indefinite" restart="never" nodeType="tmRoot">
+          <p:childTnLst>
+            <p:seq concurrent="1" nextAc="seek">
+              <p:cTn id="2" dur="indefinite" nodeType="mainSeq">
+                <p:childTnLst>
+                  <p:par>
+                    <p:cTn id="3" fill="hold">
+                      <p:stCondLst>
+                        <p:cond delay="indefinite"/>
+                      </p:stCondLst>
+                      <p:childTnLst>
+                        <p:par>
+                          <p:cTn id="4" fill="hold">
+                            <p:stCondLst>
+                              <p:cond delay="0"/>
+                            </p:stCondLst>
+                            <p:childTnLst>
+                              <p:par>
+                                <p:cTn id="5" presetID="10" presetClass="entr" presetSubtype="0" fill="hold" grpId="0" nodeType="clickEffect">
+                                  <p:stCondLst>
+                                    <p:cond delay="0"/>
+                                  </p:stCondLst>
+                                  <p:childTnLst>
+                                    <p:set>
+                                      <p:cBhvr>
+                                        <p:cTn id="6" dur="1" fill="hold">
+                                          <p:stCondLst>
+                                            <p:cond delay="0"/>
+                                          </p:stCondLst>
+                                        </p:cTn>
+                                        <p:tgtEl>
+                                          <p:spTgt spid="6"/>
+                                        </p:tgtEl>
+                                        <p:attrNameLst>
+                                          <p:attrName>style.visibility</p:attrName>
+                                        </p:attrNameLst>
+                                      </p:cBhvr>
+                                      <p:to>
+                                        <p:strVal val="visible"/>
+                                      </p:to>
+                                    </p:set>
+                                    <p:animEffect transition="in" filter="fade">
+                                      <p:cBhvr>
+                                        <p:cTn id="7" dur="250"/>
+                                        <p:tgtEl>
+                                          <p:spTgt spid="6"/>
+                                        </p:tgtEl>
+                                      </p:cBhvr>
+                                    </p:animEffect>
+                                  </p:childTnLst>
+                                </p:cTn>
+                              </p:par>
+                            </p:childTnLst>
+                          </p:cTn>
+                        </p:par>
+                        <p:par>
+                          <p:cTn id="8" fill="hold">
+                            <p:stCondLst>
+                              <p:cond delay="250"/>
+                            </p:stCondLst>
+                            <p:childTnLst>
+                              <p:par>
+                                <p:cTn id="9" presetID="10" presetClass="entr" presetSubtype="0" fill="hold" nodeType="afterEffect">
+                                  <p:stCondLst>
+                                    <p:cond delay="0"/>
+                                  </p:stCondLst>
+                                  <p:childTnLst>
+                                    <p:set>
+                                      <p:cBhvr>
+                                        <p:cTn id="10" dur="1" fill="hold">
+                                          <p:stCondLst>
+                                            <p:cond delay="0"/>
+                                          </p:stCondLst>
+                                        </p:cTn>
+                                        <p:tgtEl>
+                                          <p:spTgt spid="8"/>
+                                        </p:tgtEl>
+                                        <p:attrNameLst>
+                                          <p:attrName>style.visibility</p:attrName>
+                                        </p:attrNameLst>
+                                      </p:cBhvr>
+                                      <p:to>
+                                        <p:strVal val="visible"/>
+                                      </p:to>
+                                    </p:set>
+                                    <p:animEffect transition="in" filter="fade">
+                                      <p:cBhvr>
+                                        <p:cTn id="11" dur="250"/>
+                                        <p:tgtEl>
+                                          <p:spTgt spid="8"/>
+                                        </p:tgtEl>
+                                      </p:cBhvr>
+                                    </p:animEffect>
+                                  </p:childTnLst>
+                                </p:cTn>
+                              </p:par>
+                            </p:childTnLst>
+                          </p:cTn>
+                        </p:par>
+                      </p:childTnLst>
+                    </p:cTn>
+                  </p:par>
+                  <p:par>
+                    <p:cTn id="12" fill="hold">
+                      <p:stCondLst>
+                        <p:cond delay="indefinite"/>
+                      </p:stCondLst>
+                      <p:childTnLst>
+                        <p:par>
+                          <p:cTn id="13" fill="hold">
+                            <p:stCondLst>
+                              <p:cond delay="0"/>
+                            </p:stCondLst>
+                            <p:childTnLst>
+                              <p:par>
+                                <p:cTn id="14" presetID="10" presetClass="entr" presetSubtype="0" fill="hold" nodeType="clickEffect">
+                                  <p:stCondLst>
+                                    <p:cond delay="0"/>
+                                  </p:stCondLst>
+                                  <p:childTnLst>
+                                    <p:set>
+                                      <p:cBhvr>
+                                        <p:cTn id="15" dur="1" fill="hold">
+                                          <p:stCondLst>
+                                            <p:cond delay="0"/>
+                                          </p:stCondLst>
+                                        </p:cTn>
+                                        <p:tgtEl>
+                                          <p:spTgt spid="9"/>
+                                        </p:tgtEl>
+                                        <p:attrNameLst>
+                                          <p:attrName>style.visibility</p:attrName>
+                                        </p:attrNameLst>
+                                      </p:cBhvr>
+                                      <p:to>
+                                        <p:strVal val="visible"/>
+                                      </p:to>
+                                    </p:set>
+                                    <p:animEffect transition="in" filter="fade">
+                                      <p:cBhvr>
+                                        <p:cTn id="16" dur="250"/>
+                                        <p:tgtEl>
+                                          <p:spTgt spid="9"/>
+                                        </p:tgtEl>
+                                      </p:cBhvr>
+                                    </p:animEffect>
+                                  </p:childTnLst>
+                                </p:cTn>
+                              </p:par>
+                            </p:childTnLst>
+                          </p:cTn>
+                        </p:par>
+                      </p:childTnLst>
+                    </p:cTn>
+                  </p:par>
+                  <p:par>
+                    <p:cTn id="17" fill="hold">
+                      <p:stCondLst>
+                        <p:cond delay="indefinite"/>
+                      </p:stCondLst>
+                      <p:childTnLst>
+                        <p:par>
+                          <p:cTn id="18" fill="hold">
+                            <p:stCondLst>
+                              <p:cond delay="0"/>
+                            </p:stCondLst>
+                            <p:childTnLst>
+                              <p:par>
+                                <p:cTn id="19" presetID="10" presetClass="entr" presetSubtype="0" fill="hold" nodeType="clickEffect">
+                                  <p:stCondLst>
+                                    <p:cond delay="0"/>
+                                  </p:stCondLst>
+                                  <p:childTnLst>
+                                    <p:set>
+                                      <p:cBhvr>
+                                        <p:cTn id="20" dur="1" fill="hold">
+                                          <p:stCondLst>
+                                            <p:cond delay="0"/>
+                                          </p:stCondLst>
+                                        </p:cTn>
+                                        <p:tgtEl>
+                                          <p:spTgt spid="12"/>
+                                        </p:tgtEl>
+                                        <p:attrNameLst>
+                                          <p:attrName>style.visibility</p:attrName>
+                                        </p:attrNameLst>
+                                      </p:cBhvr>
+                                      <p:to>
+                                        <p:strVal val="visible"/>
+                                      </p:to>
+                                    </p:set>
+                                    <p:animEffect transition="in" filter="fade">
+                                      <p:cBhvr>
+                                        <p:cTn id="21" dur="250"/>
+                                        <p:tgtEl>
+                                          <p:spTgt spid="12"/>
+                                        </p:tgtEl>
+                                      </p:cBhvr>
+                                    </p:animEffect>
+                                  </p:childTnLst>
+                                </p:cTn>
+                              </p:par>
+                            </p:childTnLst>
+                          </p:cTn>
+                        </p:par>
+                      </p:childTnLst>
+                    </p:cTn>
+                  </p:par>
+                  <p:par>
+                    <p:cTn id="22" fill="hold">
+                      <p:stCondLst>
+                        <p:cond delay="indefinite"/>
+                      </p:stCondLst>
+                      <p:childTnLst>
+                        <p:par>
+                          <p:cTn id="23" fill="hold">
+                            <p:stCondLst>
+                              <p:cond delay="0"/>
+                            </p:stCondLst>
+                            <p:childTnLst>
+                              <p:par>
+                                <p:cTn id="24" presetID="10" presetClass="entr" presetSubtype="0" fill="hold" nodeType="clickEffect">
+                                  <p:stCondLst>
+                                    <p:cond delay="0"/>
+                                  </p:stCondLst>
+                                  <p:childTnLst>
+                                    <p:set>
+                                      <p:cBhvr>
+                                        <p:cTn id="25" dur="1" fill="hold">
+                                          <p:stCondLst>
+                                            <p:cond delay="0"/>
+                                          </p:stCondLst>
+                                        </p:cTn>
+                                        <p:tgtEl>
+                                          <p:spTgt spid="14"/>
+                                        </p:tgtEl>
+                                        <p:attrNameLst>
+                                          <p:attrName>style.visibility</p:attrName>
+                                        </p:attrNameLst>
+                                      </p:cBhvr>
+                                      <p:to>
+                                        <p:strVal val="visible"/>
+                                      </p:to>
+                                    </p:set>
+                                    <p:animEffect transition="in" filter="fade">
+                                      <p:cBhvr>
+                                        <p:cTn id="26" dur="250"/>
+                                        <p:tgtEl>
+                                          <p:spTgt spid="14"/>
+                                        </p:tgtEl>
+                                      </p:cBhvr>
+                                    </p:animEffect>
+                                  </p:childTnLst>
+                                </p:cTn>
+                              </p:par>
+                            </p:childTnLst>
+                          </p:cTn>
+                        </p:par>
+                      </p:childTnLst>
+                    </p:cTn>
+                  </p:par>
+                </p:childTnLst>
+              </p:cTn>
+              <p:prevCondLst>
+                <p:cond evt="onPrev" delay="0">
+                  <p:tgtEl>
+                    <p:sldTgt/>
+                  </p:tgtEl>
+                </p:cond>
+              </p:prevCondLst>
+              <p:nextCondLst>
+                <p:cond evt="onNext" delay="0">
+                  <p:tgtEl>
+                    <p:sldTgt/>
+                  </p:tgtEl>
+                </p:cond>
+              </p:nextCondLst>
+            </p:seq>
+          </p:childTnLst>
+        </p:cTn>
+      </p:par>
+    </p:tnLst>
+    <p:bldLst>
+      <p:bldP spid="6" grpId="0"/>
+    </p:bldLst>
+  </p:timing>
+</p:sld>
+</file>
+
+<file path=ppt/slides/slide3.xml><?xml version="1.0" encoding="utf-8"?>
+<p:sld xmlns:a="http://schemas.openxmlformats.org/drawingml/2006/main" xmlns:r="http://schemas.openxmlformats.org/officeDocument/2006/relationships" xmlns:p="http://schemas.openxmlformats.org/presentationml/2006/main">
+  <p:cSld>
+    <p:spTree>
+      <p:nvGrpSpPr>
+        <p:cNvPr id="1" name=""/>
+        <p:cNvGrpSpPr/>
+        <p:nvPr/>
+      </p:nvGrpSpPr>
+      <p:grpSpPr>
+        <a:xfrm>
+          <a:off x="0" y="0"/>
+          <a:ext cx="0" cy="0"/>
+          <a:chOff x="0" y="0"/>
+          <a:chExt cx="0" cy="0"/>
+        </a:xfrm>
+      </p:grpSpPr>
+      <p:grpSp>
+        <p:nvGrpSpPr>
+          <p:cNvPr id="4" name="Group 3">
+            <a:extLst>
+              <a:ext uri="{FF2B5EF4-FFF2-40B4-BE49-F238E27FC236}">
+                <a16:creationId xmlns:a16="http://schemas.microsoft.com/office/drawing/2014/main" id="{76D0AD62-610F-2343-9B0E-52F648458EA8}"/>
+              </a:ext>
+            </a:extLst>
+          </p:cNvPr>
+          <p:cNvGrpSpPr/>
+          <p:nvPr/>
+        </p:nvGrpSpPr>
+        <p:grpSpPr>
+          <a:xfrm>
+            <a:off x="209549" y="1669464"/>
+            <a:ext cx="8724901" cy="954107"/>
+            <a:chOff x="304800" y="4648200"/>
+            <a:chExt cx="8724901" cy="954107"/>
+          </a:xfrm>
+        </p:grpSpPr>
+        <p:sp>
+          <p:nvSpPr>
+            <p:cNvPr id="2" name="TextBox 1">
+              <a:extLst>
+                <a:ext uri="{FF2B5EF4-FFF2-40B4-BE49-F238E27FC236}">
+                  <a16:creationId xmlns:a16="http://schemas.microsoft.com/office/drawing/2014/main" id="{65E69FF4-5D6C-1F4A-BC1D-8328E1004154}"/>
+                </a:ext>
+              </a:extLst>
+            </p:cNvPr>
+            <p:cNvSpPr txBox="1"/>
+            <p:nvPr/>
+          </p:nvSpPr>
+          <p:spPr>
+            <a:xfrm>
+              <a:off x="304800" y="4648200"/>
+              <a:ext cx="1147943" cy="523220"/>
+            </a:xfrm>
+            <a:prstGeom prst="rect">
+              <a:avLst/>
+            </a:prstGeom>
+            <a:noFill/>
+          </p:spPr>
+          <p:txBody>
+            <a:bodyPr wrap="none" rtlCol="0">
+              <a:spAutoFit/>
+            </a:bodyPr>
+            <a:lstStyle/>
+            <a:p>
+              <a:r>
+                <a:rPr lang="en-US" sz="2800" dirty="0">
+                  <a:solidFill>
+                    <a:srgbClr val="009EC0"/>
+                  </a:solidFill>
+                </a:rPr>
+                <a:t>What?</a:t>
+              </a:r>
+            </a:p>
+          </p:txBody>
+        </p:sp>
+        <p:sp>
+          <p:nvSpPr>
+            <p:cNvPr id="3" name="TextBox 2">
+              <a:extLst>
+                <a:ext uri="{FF2B5EF4-FFF2-40B4-BE49-F238E27FC236}">
+                  <a16:creationId xmlns:a16="http://schemas.microsoft.com/office/drawing/2014/main" id="{E796A5EC-87C6-D048-8010-771FD1CA8E24}"/>
+                </a:ext>
+              </a:extLst>
+            </p:cNvPr>
+            <p:cNvSpPr txBox="1"/>
+            <p:nvPr/>
+          </p:nvSpPr>
+          <p:spPr>
+            <a:xfrm>
+              <a:off x="1600201" y="4648200"/>
+              <a:ext cx="7429500" cy="954107"/>
+            </a:xfrm>
+            <a:prstGeom prst="rect">
+              <a:avLst/>
+            </a:prstGeom>
+            <a:noFill/>
+          </p:spPr>
+          <p:txBody>
+            <a:bodyPr wrap="square" rtlCol="0">
+              <a:spAutoFit/>
+            </a:bodyPr>
+            <a:lstStyle/>
+            <a:p>
+              <a:r>
+                <a:rPr lang="en-US" sz="2800" dirty="0"/>
+                <a:t>Be able to show that Jesus is identified as God in many places in the New Testament</a:t>
+              </a:r>
+            </a:p>
+          </p:txBody>
+        </p:sp>
+      </p:grpSp>
+      <p:grpSp>
+        <p:nvGrpSpPr>
+          <p:cNvPr id="6" name="Group 5">
+            <a:extLst>
+              <a:ext uri="{FF2B5EF4-FFF2-40B4-BE49-F238E27FC236}">
+                <a16:creationId xmlns:a16="http://schemas.microsoft.com/office/drawing/2014/main" id="{16DEED69-411E-5C47-8C2F-1FA7F3AC4BAB}"/>
+              </a:ext>
+            </a:extLst>
+          </p:cNvPr>
+          <p:cNvGrpSpPr/>
+          <p:nvPr/>
+        </p:nvGrpSpPr>
+        <p:grpSpPr>
+          <a:xfrm>
+            <a:off x="209549" y="2860491"/>
+            <a:ext cx="8724901" cy="1815882"/>
+            <a:chOff x="304800" y="4648200"/>
+            <a:chExt cx="8724901" cy="1815882"/>
+          </a:xfrm>
+        </p:grpSpPr>
+        <p:sp>
+          <p:nvSpPr>
+            <p:cNvPr id="7" name="TextBox 6">
+              <a:extLst>
+                <a:ext uri="{FF2B5EF4-FFF2-40B4-BE49-F238E27FC236}">
+                  <a16:creationId xmlns:a16="http://schemas.microsoft.com/office/drawing/2014/main" id="{0BE67C1E-EE53-F64B-A1C4-C71C7BD5283F}"/>
+                </a:ext>
+              </a:extLst>
+            </p:cNvPr>
+            <p:cNvSpPr txBox="1"/>
+            <p:nvPr/>
+          </p:nvSpPr>
+          <p:spPr>
+            <a:xfrm>
+              <a:off x="304800" y="4648200"/>
+              <a:ext cx="1014765" cy="523220"/>
+            </a:xfrm>
+            <a:prstGeom prst="rect">
+              <a:avLst/>
+            </a:prstGeom>
+            <a:noFill/>
+          </p:spPr>
+          <p:txBody>
+            <a:bodyPr wrap="none" rtlCol="0">
+              <a:spAutoFit/>
+            </a:bodyPr>
+            <a:lstStyle/>
+            <a:p>
+              <a:r>
+                <a:rPr lang="en-US" sz="2800" dirty="0">
+                  <a:solidFill>
+                    <a:srgbClr val="009EC0"/>
+                  </a:solidFill>
+                </a:rPr>
+                <a:t>Why?</a:t>
+              </a:r>
+            </a:p>
+          </p:txBody>
+        </p:sp>
+        <p:sp>
+          <p:nvSpPr>
+            <p:cNvPr id="8" name="TextBox 7">
+              <a:extLst>
+                <a:ext uri="{FF2B5EF4-FFF2-40B4-BE49-F238E27FC236}">
+                  <a16:creationId xmlns:a16="http://schemas.microsoft.com/office/drawing/2014/main" id="{44657A2D-A10C-1745-AFDB-1C0FC5EA2AAD}"/>
+                </a:ext>
+              </a:extLst>
+            </p:cNvPr>
+            <p:cNvSpPr txBox="1"/>
+            <p:nvPr/>
+          </p:nvSpPr>
+          <p:spPr>
+            <a:xfrm>
+              <a:off x="1600201" y="4648200"/>
+              <a:ext cx="7429500" cy="1815882"/>
+            </a:xfrm>
+            <a:prstGeom prst="rect">
+              <a:avLst/>
+            </a:prstGeom>
+            <a:noFill/>
+          </p:spPr>
+          <p:txBody>
+            <a:bodyPr wrap="square" rtlCol="0">
+              <a:spAutoFit/>
+            </a:bodyPr>
+            <a:lstStyle/>
+            <a:p>
+              <a:r>
+                <a:rPr lang="en-US" sz="2800" dirty="0"/>
+                <a:t>So that people can answer groups (skeptics, Jehovah’s Witnesses, etc.) that argue Jesus never claimed to be God (and possibly do so to cause doubt)</a:t>
+              </a:r>
+            </a:p>
+          </p:txBody>
+        </p:sp>
+      </p:grpSp>
+      <p:grpSp>
+        <p:nvGrpSpPr>
+          <p:cNvPr id="9" name="Group 8">
+            <a:extLst>
+              <a:ext uri="{FF2B5EF4-FFF2-40B4-BE49-F238E27FC236}">
+                <a16:creationId xmlns:a16="http://schemas.microsoft.com/office/drawing/2014/main" id="{493A2E7B-FE2C-7045-B882-6D1EC3306C1D}"/>
+              </a:ext>
+            </a:extLst>
+          </p:cNvPr>
+          <p:cNvGrpSpPr/>
+          <p:nvPr/>
+        </p:nvGrpSpPr>
+        <p:grpSpPr>
+          <a:xfrm>
+            <a:off x="209549" y="4913293"/>
+            <a:ext cx="8724901" cy="954107"/>
+            <a:chOff x="304800" y="4648200"/>
+            <a:chExt cx="8724901" cy="954107"/>
+          </a:xfrm>
+        </p:grpSpPr>
+        <p:sp>
+          <p:nvSpPr>
+            <p:cNvPr id="10" name="TextBox 9">
+              <a:extLst>
+                <a:ext uri="{FF2B5EF4-FFF2-40B4-BE49-F238E27FC236}">
+                  <a16:creationId xmlns:a16="http://schemas.microsoft.com/office/drawing/2014/main" id="{DCC9CB31-E9E8-7549-8460-8E8840BD1585}"/>
+                </a:ext>
+              </a:extLst>
+            </p:cNvPr>
+            <p:cNvSpPr txBox="1"/>
+            <p:nvPr/>
+          </p:nvSpPr>
+          <p:spPr>
+            <a:xfrm>
+              <a:off x="304800" y="4648200"/>
+              <a:ext cx="1020023" cy="523220"/>
+            </a:xfrm>
+            <a:prstGeom prst="rect">
+              <a:avLst/>
+            </a:prstGeom>
+            <a:noFill/>
+          </p:spPr>
+          <p:txBody>
+            <a:bodyPr wrap="none" rtlCol="0">
+              <a:spAutoFit/>
+            </a:bodyPr>
+            <a:lstStyle/>
+            <a:p>
+              <a:r>
+                <a:rPr lang="en-US" sz="2800" dirty="0">
+                  <a:solidFill>
+                    <a:srgbClr val="009EC0"/>
+                  </a:solidFill>
+                </a:rPr>
+                <a:t>How?</a:t>
+              </a:r>
+            </a:p>
+          </p:txBody>
+        </p:sp>
+        <p:sp>
+          <p:nvSpPr>
+            <p:cNvPr id="11" name="TextBox 10">
+              <a:extLst>
+                <a:ext uri="{FF2B5EF4-FFF2-40B4-BE49-F238E27FC236}">
+                  <a16:creationId xmlns:a16="http://schemas.microsoft.com/office/drawing/2014/main" id="{4729ADED-FFF5-454C-BE17-6323C474D829}"/>
+                </a:ext>
+              </a:extLst>
+            </p:cNvPr>
+            <p:cNvSpPr txBox="1"/>
+            <p:nvPr/>
+          </p:nvSpPr>
+          <p:spPr>
+            <a:xfrm>
+              <a:off x="1600201" y="4648200"/>
+              <a:ext cx="7429500" cy="954107"/>
+            </a:xfrm>
+            <a:prstGeom prst="rect">
+              <a:avLst/>
+            </a:prstGeom>
+            <a:noFill/>
+          </p:spPr>
+          <p:txBody>
+            <a:bodyPr wrap="square" rtlCol="0">
+              <a:spAutoFit/>
+            </a:bodyPr>
+            <a:lstStyle/>
+            <a:p>
+              <a:r>
+                <a:rPr lang="en-US" sz="2800" dirty="0"/>
+                <a:t>By showing that a solid case case for the divinity of Christ (using the simple H.A.N.D.S. model)</a:t>
+              </a:r>
+            </a:p>
+          </p:txBody>
+        </p:sp>
+      </p:grpSp>
+      <p:cxnSp>
+        <p:nvCxnSpPr>
+          <p:cNvPr id="13" name="Straight Connector 12">
+            <a:extLst>
+              <a:ext uri="{FF2B5EF4-FFF2-40B4-BE49-F238E27FC236}">
+                <a16:creationId xmlns:a16="http://schemas.microsoft.com/office/drawing/2014/main" id="{09B462F9-C753-8044-8DE2-965ABC154D9C}"/>
+              </a:ext>
+            </a:extLst>
+          </p:cNvPr>
+          <p:cNvCxnSpPr>
+            <a:cxnSpLocks/>
+          </p:cNvCxnSpPr>
+          <p:nvPr/>
+        </p:nvCxnSpPr>
+        <p:spPr>
+          <a:xfrm>
+            <a:off x="1373874" y="1669464"/>
+            <a:ext cx="0" cy="4197936"/>
+          </a:xfrm>
+          <a:prstGeom prst="line">
+            <a:avLst/>
+          </a:prstGeom>
+          <a:ln>
+            <a:solidFill>
+              <a:schemeClr val="bg1">
+                <a:lumMod val="75000"/>
+                <a:lumOff val="25000"/>
+              </a:schemeClr>
+            </a:solidFill>
+          </a:ln>
+        </p:spPr>
+        <p:style>
+          <a:lnRef idx="1">
+            <a:schemeClr val="accent1"/>
+          </a:lnRef>
+          <a:fillRef idx="0">
+            <a:schemeClr val="accent1"/>
+          </a:fillRef>
+          <a:effectRef idx="0">
+            <a:schemeClr val="accent1"/>
+          </a:effectRef>
+          <a:fontRef idx="minor">
+            <a:schemeClr val="tx1"/>
+          </a:fontRef>
+        </p:style>
+      </p:cxnSp>
+      <p:sp>
+        <p:nvSpPr>
+          <p:cNvPr id="15" name="TextBox 14">
+            <a:extLst>
+              <a:ext uri="{FF2B5EF4-FFF2-40B4-BE49-F238E27FC236}">
+                <a16:creationId xmlns:a16="http://schemas.microsoft.com/office/drawing/2014/main" id="{C43D1156-26DE-A44F-B5F8-AACFA794E957}"/>
+              </a:ext>
+            </a:extLst>
+          </p:cNvPr>
+          <p:cNvSpPr txBox="1"/>
+          <p:nvPr/>
+        </p:nvSpPr>
+        <p:spPr>
+          <a:xfrm>
+            <a:off x="209549" y="708674"/>
+            <a:ext cx="8934451" cy="769441"/>
+          </a:xfrm>
+          <a:prstGeom prst="rect">
+            <a:avLst/>
+          </a:prstGeom>
+          <a:noFill/>
+        </p:spPr>
+        <p:txBody>
+          <a:bodyPr wrap="square" rtlCol="0">
+            <a:spAutoFit/>
+          </a:bodyPr>
+          <a:lstStyle/>
+          <a:p>
+            <a:r>
+              <a:rPr lang="en-US" sz="4400" b="1" dirty="0"/>
+              <a:t>IDEA IN BRIEF</a:t>
+            </a:r>
+          </a:p>
+        </p:txBody>
+      </p:sp>
+    </p:spTree>
+    <p:extLst>
+      <p:ext uri="{BB962C8B-B14F-4D97-AF65-F5344CB8AC3E}">
+        <p14:creationId xmlns:p14="http://schemas.microsoft.com/office/powerpoint/2010/main" val="3656209696"/>
+      </p:ext>
+    </p:extLst>
+  </p:cSld>
+  <p:clrMapOvr>
+    <a:masterClrMapping/>
+  </p:clrMapOvr>
+  <p:timing>
+    <p:tnLst>
+      <p:par>
+        <p:cTn id="1" dur="indefinite" restart="never" nodeType="tmRoot">
+          <p:childTnLst>
+            <p:seq concurrent="1" nextAc="seek">
+              <p:cTn id="2" dur="indefinite" nodeType="mainSeq">
+                <p:childTnLst>
+                  <p:par>
+                    <p:cTn id="3" fill="hold">
+                      <p:stCondLst>
+                        <p:cond delay="indefinite"/>
+                      </p:stCondLst>
+                      <p:childTnLst>
+                        <p:par>
+                          <p:cTn id="4" fill="hold">
+                            <p:stCondLst>
+                              <p:cond delay="0"/>
+                            </p:stCondLst>
+                            <p:childTnLst>
+                              <p:par>
+                                <p:cTn id="5" presetID="10" presetClass="entr" presetSubtype="0" fill="hold" grpId="0" nodeType="clickEffect">
+                                  <p:stCondLst>
+                                    <p:cond delay="0"/>
+                                  </p:stCondLst>
+                                  <p:childTnLst>
+                                    <p:set>
+                                      <p:cBhvr>
+                                        <p:cTn id="6" dur="1" fill="hold">
+                                          <p:stCondLst>
+                                            <p:cond delay="0"/>
+                                          </p:stCondLst>
+                                        </p:cTn>
+                                        <p:tgtEl>
+                                          <p:spTgt spid="15"/>
+                                        </p:tgtEl>
+                                        <p:attrNameLst>
+                                          <p:attrName>style.visibility</p:attrName>
+                                        </p:attrNameLst>
+                                      </p:cBhvr>
+                                      <p:to>
+                                        <p:strVal val="visible"/>
+                                      </p:to>
+                                    </p:set>
+                                    <p:animEffect transition="in" filter="fade">
+                                      <p:cBhvr>
+                                        <p:cTn id="7" dur="250"/>
+                                        <p:tgtEl>
+                                          <p:spTgt spid="15"/>
+                                        </p:tgtEl>
+                                      </p:cBhvr>
+                                    </p:animEffect>
+                                  </p:childTnLst>
+                                </p:cTn>
+                              </p:par>
+                            </p:childTnLst>
+                          </p:cTn>
+                        </p:par>
+                      </p:childTnLst>
+                    </p:cTn>
+                  </p:par>
+                  <p:par>
+                    <p:cTn id="8" fill="hold">
+                      <p:stCondLst>
+                        <p:cond delay="indefinite"/>
+                      </p:stCondLst>
+                      <p:childTnLst>
+                        <p:par>
+                          <p:cTn id="9" fill="hold">
+                            <p:stCondLst>
+                              <p:cond delay="0"/>
+                            </p:stCondLst>
+                            <p:childTnLst>
+                              <p:par>
+                                <p:cTn id="10" presetID="10" presetClass="entr" presetSubtype="0" fill="hold" nodeType="clickEffect">
+                                  <p:stCondLst>
+                                    <p:cond delay="0"/>
+                                  </p:stCondLst>
+                                  <p:childTnLst>
+                                    <p:set>
+                                      <p:cBhvr>
+                                        <p:cTn id="11" dur="1" fill="hold">
+                                          <p:stCondLst>
+                                            <p:cond delay="0"/>
+                                          </p:stCondLst>
+                                        </p:cTn>
+                                        <p:tgtEl>
+                                          <p:spTgt spid="13"/>
+                                        </p:tgtEl>
+                                        <p:attrNameLst>
+                                          <p:attrName>style.visibility</p:attrName>
+                                        </p:attrNameLst>
+                                      </p:cBhvr>
+                                      <p:to>
+                                        <p:strVal val="visible"/>
+                                      </p:to>
+                                    </p:set>
+                                    <p:animEffect transition="in" filter="fade">
+                                      <p:cBhvr>
+                                        <p:cTn id="12" dur="250"/>
+                                        <p:tgtEl>
+                                          <p:spTgt spid="13"/>
+                                        </p:tgtEl>
+                                      </p:cBhvr>
+                                    </p:animEffect>
+                                  </p:childTnLst>
+                                </p:cTn>
+                              </p:par>
+                            </p:childTnLst>
+                          </p:cTn>
+                        </p:par>
+                        <p:par>
+                          <p:cTn id="13" fill="hold">
+                            <p:stCondLst>
+                              <p:cond delay="250"/>
+                            </p:stCondLst>
+                            <p:childTnLst>
+                              <p:par>
+                                <p:cTn id="14" presetID="10" presetClass="entr" presetSubtype="0" fill="hold" nodeType="afterEffect">
+                                  <p:stCondLst>
+                                    <p:cond delay="0"/>
+                                  </p:stCondLst>
+                                  <p:childTnLst>
+                                    <p:set>
+                                      <p:cBhvr>
+                                        <p:cTn id="15" dur="1" fill="hold">
+                                          <p:stCondLst>
+                                            <p:cond delay="0"/>
+                                          </p:stCondLst>
+                                        </p:cTn>
+                                        <p:tgtEl>
+                                          <p:spTgt spid="4"/>
+                                        </p:tgtEl>
+                                        <p:attrNameLst>
+                                          <p:attrName>style.visibility</p:attrName>
+                                        </p:attrNameLst>
+                                      </p:cBhvr>
+                                      <p:to>
+                                        <p:strVal val="visible"/>
+                                      </p:to>
+                                    </p:set>
+                                    <p:animEffect transition="in" filter="fade">
+                                      <p:cBhvr>
+                                        <p:cTn id="16" dur="250"/>
+                                        <p:tgtEl>
+                                          <p:spTgt spid="4"/>
+                                        </p:tgtEl>
+                                      </p:cBhvr>
+                                    </p:animEffect>
+                                  </p:childTnLst>
+                                </p:cTn>
+                              </p:par>
+                            </p:childTnLst>
+                          </p:cTn>
+                        </p:par>
+                      </p:childTnLst>
+                    </p:cTn>
+                  </p:par>
+                  <p:par>
+                    <p:cTn id="17" fill="hold">
+                      <p:stCondLst>
+                        <p:cond delay="indefinite"/>
+                      </p:stCondLst>
+                      <p:childTnLst>
+                        <p:par>
+                          <p:cTn id="18" fill="hold">
+                            <p:stCondLst>
+                              <p:cond delay="0"/>
+                            </p:stCondLst>
+                            <p:childTnLst>
+                              <p:par>
+                                <p:cTn id="19" presetID="10" presetClass="entr" presetSubtype="0" fill="hold" nodeType="clickEffect">
+                                  <p:stCondLst>
+                                    <p:cond delay="0"/>
+                                  </p:stCondLst>
+                                  <p:childTnLst>
+                                    <p:set>
+                                      <p:cBhvr>
+                                        <p:cTn id="20" dur="1" fill="hold">
+                                          <p:stCondLst>
+                                            <p:cond delay="0"/>
+                                          </p:stCondLst>
+                                        </p:cTn>
+                                        <p:tgtEl>
+                                          <p:spTgt spid="6"/>
+                                        </p:tgtEl>
+                                        <p:attrNameLst>
+                                          <p:attrName>style.visibility</p:attrName>
+                                        </p:attrNameLst>
+                                      </p:cBhvr>
+                                      <p:to>
+                                        <p:strVal val="visible"/>
+                                      </p:to>
+                                    </p:set>
+                                    <p:animEffect transition="in" filter="fade">
+                                      <p:cBhvr>
+                                        <p:cTn id="21" dur="250"/>
+                                        <p:tgtEl>
+                                          <p:spTgt spid="6"/>
+                                        </p:tgtEl>
+                                      </p:cBhvr>
+                                    </p:animEffect>
+                                  </p:childTnLst>
+                                </p:cTn>
+                              </p:par>
+                            </p:childTnLst>
+                          </p:cTn>
+                        </p:par>
+                      </p:childTnLst>
+                    </p:cTn>
+                  </p:par>
+                  <p:par>
+                    <p:cTn id="22" fill="hold">
+                      <p:stCondLst>
+                        <p:cond delay="indefinite"/>
+                      </p:stCondLst>
+                      <p:childTnLst>
+                        <p:par>
+                          <p:cTn id="23" fill="hold">
+                            <p:stCondLst>
+                              <p:cond delay="0"/>
+                            </p:stCondLst>
+                            <p:childTnLst>
+                              <p:par>
+                                <p:cTn id="24" presetID="10" presetClass="entr" presetSubtype="0" fill="hold" nodeType="clickEffect">
+                                  <p:stCondLst>
+                                    <p:cond delay="0"/>
+                                  </p:stCondLst>
+                                  <p:childTnLst>
+                                    <p:set>
+                                      <p:cBhvr>
+                                        <p:cTn id="25" dur="1" fill="hold">
+                                          <p:stCondLst>
+                                            <p:cond delay="0"/>
+                                          </p:stCondLst>
+                                        </p:cTn>
+                                        <p:tgtEl>
+                                          <p:spTgt spid="9"/>
+                                        </p:tgtEl>
+                                        <p:attrNameLst>
+                                          <p:attrName>style.visibility</p:attrName>
+                                        </p:attrNameLst>
+                                      </p:cBhvr>
+                                      <p:to>
+                                        <p:strVal val="visible"/>
+                                      </p:to>
+                                    </p:set>
+                                    <p:animEffect transition="in" filter="fade">
+                                      <p:cBhvr>
+                                        <p:cTn id="26" dur="250"/>
+                                        <p:tgtEl>
+                                          <p:spTgt spid="9"/>
+                                        </p:tgtEl>
+                                      </p:cBhvr>
+                                    </p:animEffect>
+                                  </p:childTnLst>
+                                </p:cTn>
+                              </p:par>
+                            </p:childTnLst>
+                          </p:cTn>
+                        </p:par>
+                      </p:childTnLst>
+                    </p:cTn>
+                  </p:par>
+                </p:childTnLst>
+              </p:cTn>
+              <p:prevCondLst>
+                <p:cond evt="onPrev" delay="0">
+                  <p:tgtEl>
+                    <p:sldTgt/>
+                  </p:tgtEl>
+                </p:cond>
+              </p:prevCondLst>
+              <p:nextCondLst>
+                <p:cond evt="onNext" delay="0">
+                  <p:tgtEl>
+                    <p:sldTgt/>
+                  </p:tgtEl>
+                </p:cond>
+              </p:nextCondLst>
+            </p:seq>
+          </p:childTnLst>
+        </p:cTn>
+      </p:par>
+    </p:tnLst>
+    <p:bldLst>
+      <p:bldP spid="15" grpId="0"/>
+    </p:bldLst>
+  </p:timing>
 </p:sld>
 </file>
 
@@ -4811,17 +9732,17 @@
           <a:p>
             <a:r>
               <a:rPr lang="en-US" dirty="0"/>
-              <a:t>Make an argument that Jesus shares the </a:t>
+              <a:t>Make an argument that Jesus accepted the </a:t>
             </a:r>
             <a:r>
               <a:rPr lang="en-US" i="1" dirty="0"/>
-              <a:t>names</a:t>
+              <a:t>honor</a:t>
             </a:r>
             <a:r>
               <a:rPr lang="en-US" dirty="0"/>
-              <a:t> of God.</a:t>
-            </a:r>
-            <a:endParaRPr lang="en-US" sz="3600" dirty="0"/>
+              <a:t> due to God.</a:t>
+            </a:r>
+            <a:endParaRPr lang="en-US" sz="3200" dirty="0"/>
           </a:p>
         </p:txBody>
       </p:sp>
@@ -4842,7 +9763,7 @@
           <a:p>
             <a:r>
               <a:rPr lang="en-US" dirty="0"/>
-              <a:t>3</a:t>
+              <a:t>1</a:t>
             </a:r>
           </a:p>
         </p:txBody>
@@ -4850,7 +9771,7 @@
     </p:spTree>
     <p:extLst>
       <p:ext uri="{BB962C8B-B14F-4D97-AF65-F5344CB8AC3E}">
-        <p14:creationId xmlns:p14="http://schemas.microsoft.com/office/powerpoint/2010/main" val="1448442270"/>
+        <p14:creationId xmlns:p14="http://schemas.microsoft.com/office/powerpoint/2010/main" val="2094317165"/>
       </p:ext>
     </p:extLst>
   </p:cSld>
@@ -4877,64 +9798,885 @@
           <a:chExt cx="0" cy="0"/>
         </a:xfrm>
       </p:grpSpPr>
-      <p:sp>
-        <p:nvSpPr>
-          <p:cNvPr id="2" name="Title 1"/>
-          <p:cNvSpPr>
-            <a:spLocks noGrp="1"/>
-          </p:cNvSpPr>
+      <p:graphicFrame>
+        <p:nvGraphicFramePr>
+          <p:cNvPr id="5" name="Table 4">
+            <a:extLst>
+              <a:ext uri="{FF2B5EF4-FFF2-40B4-BE49-F238E27FC236}">
+                <a16:creationId xmlns:a16="http://schemas.microsoft.com/office/drawing/2014/main" id="{589C607E-23F7-1D43-B569-801CED367AB1}"/>
+              </a:ext>
+            </a:extLst>
+          </p:cNvPr>
+          <p:cNvGraphicFramePr>
+            <a:graphicFrameLocks noGrp="1"/>
+          </p:cNvGraphicFramePr>
           <p:nvPr>
-            <p:ph type="title"/>
+            <p:extLst>
+              <p:ext uri="{D42A27DB-BD31-4B8C-83A1-F6EECF244321}">
+                <p14:modId xmlns:p14="http://schemas.microsoft.com/office/powerpoint/2010/main" val="3434681477"/>
+              </p:ext>
+            </p:extLst>
           </p:nvPr>
-        </p:nvSpPr>
-        <p:spPr/>
-        <p:txBody>
-          <a:bodyPr>
-            <a:normAutofit fontScale="90000"/>
-          </a:bodyPr>
-          <a:lstStyle/>
-          <a:p>
-            <a:r>
-              <a:rPr lang="en-US" dirty="0"/>
-              <a:t>Make an argument that Jesus shares in the </a:t>
-            </a:r>
-            <a:r>
-              <a:rPr lang="en-US" i="1" dirty="0"/>
-              <a:t>deeds</a:t>
-            </a:r>
-            <a:r>
-              <a:rPr lang="en-US" dirty="0"/>
-              <a:t> that God does.</a:t>
-            </a:r>
-          </a:p>
-        </p:txBody>
-      </p:sp>
-      <p:sp>
-        <p:nvSpPr>
-          <p:cNvPr id="3" name="Text Placeholder 2"/>
-          <p:cNvSpPr>
-            <a:spLocks noGrp="1"/>
-          </p:cNvSpPr>
-          <p:nvPr>
-            <p:ph type="body" sz="quarter" idx="13"/>
-          </p:nvPr>
-        </p:nvSpPr>
-        <p:spPr/>
-        <p:txBody>
-          <a:bodyPr/>
-          <a:lstStyle/>
-          <a:p>
-            <a:r>
-              <a:rPr lang="en-US" dirty="0"/>
-              <a:t>4</a:t>
-            </a:r>
-          </a:p>
-        </p:txBody>
-      </p:sp>
+        </p:nvGraphicFramePr>
+        <p:xfrm>
+          <a:off x="114300" y="304800"/>
+          <a:ext cx="8915400" cy="6065520"/>
+        </p:xfrm>
+        <a:graphic>
+          <a:graphicData uri="http://schemas.openxmlformats.org/drawingml/2006/table">
+            <a:tbl>
+              <a:tblPr firstRow="1" bandRow="1">
+                <a:tableStyleId>{2D5ABB26-0587-4C30-8999-92F81FD0307C}</a:tableStyleId>
+              </a:tblPr>
+              <a:tblGrid>
+                <a:gridCol w="4457700">
+                  <a:extLst>
+                    <a:ext uri="{9D8B030D-6E8A-4147-A177-3AD203B41FA5}">
+                      <a16:colId xmlns:a16="http://schemas.microsoft.com/office/drawing/2014/main" val="3623029985"/>
+                    </a:ext>
+                  </a:extLst>
+                </a:gridCol>
+                <a:gridCol w="4457700">
+                  <a:extLst>
+                    <a:ext uri="{9D8B030D-6E8A-4147-A177-3AD203B41FA5}">
+                      <a16:colId xmlns:a16="http://schemas.microsoft.com/office/drawing/2014/main" val="4294323797"/>
+                    </a:ext>
+                  </a:extLst>
+                </a:gridCol>
+              </a:tblGrid>
+              <a:tr h="826506">
+                <a:tc>
+                  <a:txBody>
+                    <a:bodyPr/>
+                    <a:lstStyle/>
+                    <a:p>
+                      <a:pPr marL="0" marR="0" indent="0" algn="r" defTabSz="914400" rtl="0" eaLnBrk="1" fontAlgn="t" latinLnBrk="0" hangingPunct="1">
+                        <a:lnSpc>
+                          <a:spcPct val="100000"/>
+                        </a:lnSpc>
+                        <a:spcBef>
+                          <a:spcPts val="0"/>
+                        </a:spcBef>
+                        <a:spcAft>
+                          <a:spcPts val="0"/>
+                        </a:spcAft>
+                        <a:buClrTx/>
+                        <a:buSzTx/>
+                        <a:buFontTx/>
+                        <a:buNone/>
+                        <a:tabLst/>
+                        <a:defRPr/>
+                      </a:pPr>
+                      <a:r>
+                        <a:rPr lang="en-US" sz="2400" b="1" dirty="0">
+                          <a:solidFill>
+                            <a:srgbClr val="009EC0"/>
+                          </a:solidFill>
+                          <a:effectLst/>
+                          <a:latin typeface="+mj-lt"/>
+                        </a:rPr>
+                        <a:t>Worship Received by Christ</a:t>
+                      </a:r>
+                      <a:br>
+                        <a:rPr lang="en-US" sz="2400" b="1" dirty="0">
+                          <a:solidFill>
+                            <a:srgbClr val="009EC0"/>
+                          </a:solidFill>
+                          <a:effectLst/>
+                          <a:latin typeface="+mj-lt"/>
+                        </a:rPr>
+                      </a:br>
+                      <a:r>
+                        <a:rPr lang="en-US" sz="2400" b="0" dirty="0">
+                          <a:solidFill>
+                            <a:srgbClr val="009EC0"/>
+                          </a:solidFill>
+                          <a:effectLst/>
+                          <a:latin typeface="+mj-lt"/>
+                        </a:rPr>
+                        <a:t>Revelation 1:12—20</a:t>
+                      </a:r>
+                    </a:p>
+                  </a:txBody>
+                  <a:tcPr marL="137160" marR="137160" marT="228600" marB="228600" anchor="b">
+                    <a:lnR w="3175" cap="flat" cmpd="sng" algn="ctr">
+                      <a:solidFill>
+                        <a:schemeClr val="tx1">
+                          <a:lumMod val="65000"/>
+                        </a:schemeClr>
+                      </a:solidFill>
+                      <a:prstDash val="solid"/>
+                      <a:round/>
+                      <a:headEnd type="none" w="med" len="med"/>
+                      <a:tailEnd type="none" w="med" len="med"/>
+                    </a:lnR>
+                  </a:tcPr>
+                </a:tc>
+                <a:tc>
+                  <a:txBody>
+                    <a:bodyPr/>
+                    <a:lstStyle/>
+                    <a:p>
+                      <a:pPr marL="0" marR="0" indent="0" algn="l" defTabSz="914400" rtl="0" eaLnBrk="1" fontAlgn="t" latinLnBrk="0" hangingPunct="1">
+                        <a:lnSpc>
+                          <a:spcPct val="100000"/>
+                        </a:lnSpc>
+                        <a:spcBef>
+                          <a:spcPts val="0"/>
+                        </a:spcBef>
+                        <a:spcAft>
+                          <a:spcPts val="0"/>
+                        </a:spcAft>
+                        <a:buClrTx/>
+                        <a:buSzTx/>
+                        <a:buFontTx/>
+                        <a:buNone/>
+                        <a:tabLst/>
+                        <a:defRPr/>
+                      </a:pPr>
+                      <a:r>
+                        <a:rPr lang="en-US" sz="2400" b="1" dirty="0">
+                          <a:solidFill>
+                            <a:schemeClr val="tx1"/>
+                          </a:solidFill>
+                          <a:effectLst/>
+                          <a:latin typeface="+mj-lt"/>
+                        </a:rPr>
+                        <a:t>Worship Rejected by the Angel</a:t>
+                      </a:r>
+                    </a:p>
+                    <a:p>
+                      <a:pPr marL="0" marR="0" indent="0" algn="l" defTabSz="914400" rtl="0" eaLnBrk="1" fontAlgn="t" latinLnBrk="0" hangingPunct="1">
+                        <a:lnSpc>
+                          <a:spcPct val="100000"/>
+                        </a:lnSpc>
+                        <a:spcBef>
+                          <a:spcPts val="0"/>
+                        </a:spcBef>
+                        <a:spcAft>
+                          <a:spcPts val="0"/>
+                        </a:spcAft>
+                        <a:buClrTx/>
+                        <a:buSzTx/>
+                        <a:buFontTx/>
+                        <a:buNone/>
+                        <a:tabLst/>
+                        <a:defRPr/>
+                      </a:pPr>
+                      <a:r>
+                        <a:rPr lang="en-US" sz="2400" b="0" dirty="0">
+                          <a:solidFill>
+                            <a:schemeClr val="tx1"/>
+                          </a:solidFill>
+                          <a:effectLst/>
+                          <a:latin typeface="+mj-lt"/>
+                        </a:rPr>
+                        <a:t>Revelation 19—22</a:t>
+                      </a:r>
+                    </a:p>
+                  </a:txBody>
+                  <a:tcPr marL="137160" marR="137160" marT="228600" marB="228600" anchor="b">
+                    <a:lnL w="3175" cap="flat" cmpd="sng" algn="ctr">
+                      <a:solidFill>
+                        <a:schemeClr val="tx1">
+                          <a:lumMod val="65000"/>
+                        </a:schemeClr>
+                      </a:solidFill>
+                      <a:prstDash val="solid"/>
+                      <a:round/>
+                      <a:headEnd type="none" w="med" len="med"/>
+                      <a:tailEnd type="none" w="med" len="med"/>
+                    </a:lnL>
+                  </a:tcPr>
+                </a:tc>
+                <a:extLst>
+                  <a:ext uri="{0D108BD9-81ED-4DB2-BD59-A6C34878D82A}">
+                    <a16:rowId xmlns:a16="http://schemas.microsoft.com/office/drawing/2014/main" val="1136906228"/>
+                  </a:ext>
+                </a:extLst>
+              </a:tr>
+              <a:tr h="0">
+                <a:tc>
+                  <a:txBody>
+                    <a:bodyPr/>
+                    <a:lstStyle/>
+                    <a:p>
+                      <a:pPr algn="r" rtl="0" fontAlgn="t">
+                        <a:spcBef>
+                          <a:spcPts val="0"/>
+                        </a:spcBef>
+                        <a:spcAft>
+                          <a:spcPts val="0"/>
+                        </a:spcAft>
+                      </a:pPr>
+                      <a:r>
+                        <a:rPr lang="en-US" sz="1700" b="0" i="0" u="none" strike="noStrike" dirty="0">
+                          <a:solidFill>
+                            <a:srgbClr val="009EC0"/>
+                          </a:solidFill>
+                          <a:effectLst/>
+                          <a:latin typeface="+mj-lt"/>
+                        </a:rPr>
+                        <a:t>Described in detail in glorious imagery</a:t>
+                      </a:r>
+                    </a:p>
+                    <a:p>
+                      <a:pPr algn="r" rtl="0" fontAlgn="t">
+                        <a:spcBef>
+                          <a:spcPts val="0"/>
+                        </a:spcBef>
+                        <a:spcAft>
+                          <a:spcPts val="0"/>
+                        </a:spcAft>
+                      </a:pPr>
+                      <a:r>
+                        <a:rPr lang="en-US" sz="1700" b="0" i="0" u="none" strike="noStrike" dirty="0">
+                          <a:solidFill>
+                            <a:srgbClr val="009EC0"/>
+                          </a:solidFill>
+                          <a:effectLst/>
+                          <a:latin typeface="+mj-lt"/>
+                        </a:rPr>
+                        <a:t>(1:13-16)</a:t>
+                      </a:r>
+                      <a:endParaRPr lang="en-US" sz="1700" b="0" dirty="0">
+                        <a:solidFill>
+                          <a:srgbClr val="009EC0"/>
+                        </a:solidFill>
+                        <a:effectLst/>
+                        <a:latin typeface="+mj-lt"/>
+                      </a:endParaRPr>
+                    </a:p>
+                  </a:txBody>
+                  <a:tcPr marL="137160" marR="137160" marT="228600" marB="228600">
+                    <a:lnR w="3175" cap="flat" cmpd="sng" algn="ctr">
+                      <a:solidFill>
+                        <a:schemeClr val="tx1">
+                          <a:lumMod val="65000"/>
+                        </a:schemeClr>
+                      </a:solidFill>
+                      <a:prstDash val="solid"/>
+                      <a:round/>
+                      <a:headEnd type="none" w="med" len="med"/>
+                      <a:tailEnd type="none" w="med" len="med"/>
+                    </a:lnR>
+                  </a:tcPr>
+                </a:tc>
+                <a:tc>
+                  <a:txBody>
+                    <a:bodyPr/>
+                    <a:lstStyle/>
+                    <a:p>
+                      <a:pPr rtl="0" fontAlgn="t">
+                        <a:spcBef>
+                          <a:spcPts val="0"/>
+                        </a:spcBef>
+                        <a:spcAft>
+                          <a:spcPts val="0"/>
+                        </a:spcAft>
+                      </a:pPr>
+                      <a:r>
+                        <a:rPr lang="en-US" sz="1700" b="0" i="0" u="none" strike="noStrike">
+                          <a:solidFill>
+                            <a:schemeClr val="tx1"/>
+                          </a:solidFill>
+                          <a:effectLst/>
+                          <a:latin typeface="+mj-lt"/>
+                        </a:rPr>
+                        <a:t>No description of the angel is given at all</a:t>
+                      </a:r>
+                    </a:p>
+                    <a:p>
+                      <a:pPr rtl="0" fontAlgn="t">
+                        <a:spcBef>
+                          <a:spcPts val="0"/>
+                        </a:spcBef>
+                        <a:spcAft>
+                          <a:spcPts val="0"/>
+                        </a:spcAft>
+                      </a:pPr>
+                      <a:r>
+                        <a:rPr lang="en-US" sz="1700" b="0" i="0" u="none" strike="noStrike">
+                          <a:solidFill>
+                            <a:schemeClr val="tx1"/>
+                          </a:solidFill>
+                          <a:effectLst/>
+                          <a:latin typeface="+mj-lt"/>
+                        </a:rPr>
+                        <a:t>(19:12—16)</a:t>
+                      </a:r>
+                      <a:endParaRPr lang="en-US" sz="1700" dirty="0">
+                        <a:solidFill>
+                          <a:schemeClr val="tx1"/>
+                        </a:solidFill>
+                        <a:effectLst/>
+                        <a:latin typeface="+mj-lt"/>
+                      </a:endParaRPr>
+                    </a:p>
+                  </a:txBody>
+                  <a:tcPr marL="137160" marR="137160" marT="228600" marB="228600">
+                    <a:lnL w="3175" cap="flat" cmpd="sng" algn="ctr">
+                      <a:solidFill>
+                        <a:schemeClr val="tx1">
+                          <a:lumMod val="65000"/>
+                        </a:schemeClr>
+                      </a:solidFill>
+                      <a:prstDash val="solid"/>
+                      <a:round/>
+                      <a:headEnd type="none" w="med" len="med"/>
+                      <a:tailEnd type="none" w="med" len="med"/>
+                    </a:lnL>
+                  </a:tcPr>
+                </a:tc>
+                <a:extLst>
+                  <a:ext uri="{0D108BD9-81ED-4DB2-BD59-A6C34878D82A}">
+                    <a16:rowId xmlns:a16="http://schemas.microsoft.com/office/drawing/2014/main" val="3592000535"/>
+                  </a:ext>
+                </a:extLst>
+              </a:tr>
+              <a:tr h="0">
+                <a:tc>
+                  <a:txBody>
+                    <a:bodyPr/>
+                    <a:lstStyle/>
+                    <a:p>
+                      <a:pPr marL="0" marR="0" indent="0" algn="r" defTabSz="914400" rtl="0" eaLnBrk="1" fontAlgn="t" latinLnBrk="0" hangingPunct="1">
+                        <a:lnSpc>
+                          <a:spcPct val="100000"/>
+                        </a:lnSpc>
+                        <a:spcBef>
+                          <a:spcPts val="0"/>
+                        </a:spcBef>
+                        <a:spcAft>
+                          <a:spcPts val="0"/>
+                        </a:spcAft>
+                        <a:buClrTx/>
+                        <a:buSzTx/>
+                        <a:buFontTx/>
+                        <a:buNone/>
+                        <a:tabLst/>
+                        <a:defRPr/>
+                      </a:pPr>
+                      <a:r>
+                        <a:rPr lang="en-US" sz="1700" b="0" i="0" u="none" strike="noStrike" dirty="0">
+                          <a:solidFill>
+                            <a:srgbClr val="009EC0"/>
+                          </a:solidFill>
+                          <a:effectLst/>
+                          <a:latin typeface="+mj-lt"/>
+                        </a:rPr>
+                        <a:t>John fell at Jesus' feet as a dead man</a:t>
+                      </a:r>
+                    </a:p>
+                    <a:p>
+                      <a:pPr marL="0" marR="0" indent="0" algn="r" defTabSz="914400" rtl="0" eaLnBrk="1" fontAlgn="t" latinLnBrk="0" hangingPunct="1">
+                        <a:lnSpc>
+                          <a:spcPct val="100000"/>
+                        </a:lnSpc>
+                        <a:spcBef>
+                          <a:spcPts val="0"/>
+                        </a:spcBef>
+                        <a:spcAft>
+                          <a:spcPts val="0"/>
+                        </a:spcAft>
+                        <a:buClrTx/>
+                        <a:buSzTx/>
+                        <a:buFontTx/>
+                        <a:buNone/>
+                        <a:tabLst/>
+                        <a:defRPr/>
+                      </a:pPr>
+                      <a:r>
+                        <a:rPr lang="en-US" sz="1700" b="0" i="0" u="none" strike="noStrike" dirty="0">
+                          <a:solidFill>
+                            <a:srgbClr val="009EC0"/>
+                          </a:solidFill>
+                          <a:effectLst/>
+                          <a:latin typeface="+mj-lt"/>
+                        </a:rPr>
+                        <a:t>(1:17a)</a:t>
+                      </a:r>
+                      <a:endParaRPr lang="en-US" sz="1700" b="0" dirty="0">
+                        <a:solidFill>
+                          <a:srgbClr val="009EC0"/>
+                        </a:solidFill>
+                        <a:effectLst/>
+                        <a:latin typeface="+mj-lt"/>
+                      </a:endParaRPr>
+                    </a:p>
+                  </a:txBody>
+                  <a:tcPr marL="137160" marR="137160" marT="228600" marB="228600">
+                    <a:lnR w="3175" cap="flat" cmpd="sng" algn="ctr">
+                      <a:solidFill>
+                        <a:schemeClr val="tx1">
+                          <a:lumMod val="65000"/>
+                        </a:schemeClr>
+                      </a:solidFill>
+                      <a:prstDash val="solid"/>
+                      <a:round/>
+                      <a:headEnd type="none" w="med" len="med"/>
+                      <a:tailEnd type="none" w="med" len="med"/>
+                    </a:lnR>
+                  </a:tcPr>
+                </a:tc>
+                <a:tc>
+                  <a:txBody>
+                    <a:bodyPr/>
+                    <a:lstStyle/>
+                    <a:p>
+                      <a:pPr rtl="0" fontAlgn="t">
+                        <a:spcBef>
+                          <a:spcPts val="0"/>
+                        </a:spcBef>
+                        <a:spcAft>
+                          <a:spcPts val="0"/>
+                        </a:spcAft>
+                      </a:pPr>
+                      <a:r>
+                        <a:rPr lang="en-US" sz="1700" b="0" i="0" u="none" strike="noStrike" dirty="0">
+                          <a:solidFill>
+                            <a:schemeClr val="tx1"/>
+                          </a:solidFill>
+                          <a:effectLst/>
+                          <a:latin typeface="+mj-lt"/>
+                        </a:rPr>
+                        <a:t>John fell at the angel's feet to worship</a:t>
+                      </a:r>
+                    </a:p>
+                    <a:p>
+                      <a:pPr rtl="0" fontAlgn="t">
+                        <a:spcBef>
+                          <a:spcPts val="0"/>
+                        </a:spcBef>
+                        <a:spcAft>
+                          <a:spcPts val="0"/>
+                        </a:spcAft>
+                      </a:pPr>
+                      <a:r>
+                        <a:rPr lang="en-US" sz="1700" b="0" i="0" u="none" strike="noStrike" dirty="0">
+                          <a:solidFill>
+                            <a:schemeClr val="tx1"/>
+                          </a:solidFill>
+                          <a:effectLst/>
+                          <a:latin typeface="+mj-lt"/>
+                        </a:rPr>
+                        <a:t>him (19:10a; 22:8)</a:t>
+                      </a:r>
+                    </a:p>
+                  </a:txBody>
+                  <a:tcPr marL="137160" marR="137160" marT="228600" marB="228600">
+                    <a:lnL w="3175" cap="flat" cmpd="sng" algn="ctr">
+                      <a:solidFill>
+                        <a:schemeClr val="tx1">
+                          <a:lumMod val="65000"/>
+                        </a:schemeClr>
+                      </a:solidFill>
+                      <a:prstDash val="solid"/>
+                      <a:round/>
+                      <a:headEnd type="none" w="med" len="med"/>
+                      <a:tailEnd type="none" w="med" len="med"/>
+                    </a:lnL>
+                  </a:tcPr>
+                </a:tc>
+                <a:extLst>
+                  <a:ext uri="{0D108BD9-81ED-4DB2-BD59-A6C34878D82A}">
+                    <a16:rowId xmlns:a16="http://schemas.microsoft.com/office/drawing/2014/main" val="2330484482"/>
+                  </a:ext>
+                </a:extLst>
+              </a:tr>
+              <a:tr h="0">
+                <a:tc>
+                  <a:txBody>
+                    <a:bodyPr/>
+                    <a:lstStyle/>
+                    <a:p>
+                      <a:pPr algn="r" rtl="0" fontAlgn="t">
+                        <a:spcBef>
+                          <a:spcPts val="0"/>
+                        </a:spcBef>
+                        <a:spcAft>
+                          <a:spcPts val="0"/>
+                        </a:spcAft>
+                      </a:pPr>
+                      <a:r>
+                        <a:rPr lang="en-US" sz="1700" b="0" i="0" u="none" strike="noStrike" dirty="0">
+                          <a:solidFill>
+                            <a:srgbClr val="009EC0"/>
+                          </a:solidFill>
+                          <a:effectLst/>
+                          <a:latin typeface="+mj-lt"/>
+                        </a:rPr>
+                        <a:t>Jesus said, "Don't be afraid”</a:t>
+                      </a:r>
+                    </a:p>
+                    <a:p>
+                      <a:pPr algn="r" rtl="0" fontAlgn="t">
+                        <a:spcBef>
+                          <a:spcPts val="0"/>
+                        </a:spcBef>
+                        <a:spcAft>
+                          <a:spcPts val="0"/>
+                        </a:spcAft>
+                      </a:pPr>
+                      <a:r>
+                        <a:rPr lang="en-US" sz="1700" b="0" i="0" u="none" strike="noStrike" dirty="0">
+                          <a:solidFill>
+                            <a:srgbClr val="009EC0"/>
+                          </a:solidFill>
+                          <a:effectLst/>
+                          <a:latin typeface="+mj-lt"/>
+                        </a:rPr>
+                        <a:t>(1:17b)</a:t>
+                      </a:r>
+                      <a:endParaRPr lang="en-US" sz="1700" b="0" dirty="0">
+                        <a:solidFill>
+                          <a:srgbClr val="009EC0"/>
+                        </a:solidFill>
+                        <a:effectLst/>
+                        <a:latin typeface="+mj-lt"/>
+                      </a:endParaRPr>
+                    </a:p>
+                  </a:txBody>
+                  <a:tcPr marL="137160" marR="137160" marT="228600" marB="228600">
+                    <a:lnR w="3175" cap="flat" cmpd="sng" algn="ctr">
+                      <a:solidFill>
+                        <a:schemeClr val="tx1">
+                          <a:lumMod val="65000"/>
+                        </a:schemeClr>
+                      </a:solidFill>
+                      <a:prstDash val="solid"/>
+                      <a:round/>
+                      <a:headEnd type="none" w="med" len="med"/>
+                      <a:tailEnd type="none" w="med" len="med"/>
+                    </a:lnR>
+                  </a:tcPr>
+                </a:tc>
+                <a:tc>
+                  <a:txBody>
+                    <a:bodyPr/>
+                    <a:lstStyle/>
+                    <a:p>
+                      <a:pPr rtl="0" fontAlgn="t">
+                        <a:spcBef>
+                          <a:spcPts val="0"/>
+                        </a:spcBef>
+                        <a:spcAft>
+                          <a:spcPts val="0"/>
+                        </a:spcAft>
+                      </a:pPr>
+                      <a:r>
+                        <a:rPr lang="en-US" sz="1700" b="0" i="0" u="none" strike="noStrike" dirty="0">
+                          <a:solidFill>
+                            <a:schemeClr val="tx1"/>
+                          </a:solidFill>
+                          <a:effectLst/>
+                          <a:latin typeface="+mj-lt"/>
+                        </a:rPr>
+                        <a:t>"Don't do that”</a:t>
+                      </a:r>
+                    </a:p>
+                    <a:p>
+                      <a:pPr rtl="0" fontAlgn="t">
+                        <a:spcBef>
+                          <a:spcPts val="0"/>
+                        </a:spcBef>
+                        <a:spcAft>
+                          <a:spcPts val="0"/>
+                        </a:spcAft>
+                      </a:pPr>
+                      <a:r>
+                        <a:rPr lang="en-US" sz="1700" b="0" i="0" u="none" strike="noStrike" dirty="0">
+                          <a:solidFill>
+                            <a:schemeClr val="tx1"/>
+                          </a:solidFill>
+                          <a:effectLst/>
+                          <a:latin typeface="+mj-lt"/>
+                        </a:rPr>
+                        <a:t>(19:10b; 22:9a)</a:t>
+                      </a:r>
+                    </a:p>
+                  </a:txBody>
+                  <a:tcPr marL="137160" marR="137160" marT="228600" marB="228600">
+                    <a:lnL w="3175" cap="flat" cmpd="sng" algn="ctr">
+                      <a:solidFill>
+                        <a:schemeClr val="tx1">
+                          <a:lumMod val="65000"/>
+                        </a:schemeClr>
+                      </a:solidFill>
+                      <a:prstDash val="solid"/>
+                      <a:round/>
+                      <a:headEnd type="none" w="med" len="med"/>
+                      <a:tailEnd type="none" w="med" len="med"/>
+                    </a:lnL>
+                  </a:tcPr>
+                </a:tc>
+                <a:extLst>
+                  <a:ext uri="{0D108BD9-81ED-4DB2-BD59-A6C34878D82A}">
+                    <a16:rowId xmlns:a16="http://schemas.microsoft.com/office/drawing/2014/main" val="1564031315"/>
+                  </a:ext>
+                </a:extLst>
+              </a:tr>
+              <a:tr h="558800">
+                <a:tc>
+                  <a:txBody>
+                    <a:bodyPr/>
+                    <a:lstStyle/>
+                    <a:p>
+                      <a:pPr algn="r" rtl="0" fontAlgn="t">
+                        <a:spcBef>
+                          <a:spcPts val="0"/>
+                        </a:spcBef>
+                        <a:spcAft>
+                          <a:spcPts val="0"/>
+                        </a:spcAft>
+                      </a:pPr>
+                      <a:r>
+                        <a:rPr lang="en-US" sz="1700" b="0" dirty="0">
+                          <a:solidFill>
+                            <a:srgbClr val="009EC0"/>
+                          </a:solidFill>
+                          <a:effectLst/>
+                          <a:latin typeface="+mj-lt"/>
+                        </a:rPr>
+                        <a:t>Claimed to be “the first and the last”</a:t>
+                      </a:r>
+                    </a:p>
+                    <a:p>
+                      <a:pPr algn="r" rtl="0" fontAlgn="t">
+                        <a:spcBef>
+                          <a:spcPts val="0"/>
+                        </a:spcBef>
+                        <a:spcAft>
+                          <a:spcPts val="0"/>
+                        </a:spcAft>
+                      </a:pPr>
+                      <a:r>
+                        <a:rPr lang="en-US" sz="1700" b="0" dirty="0">
+                          <a:solidFill>
+                            <a:srgbClr val="009EC0"/>
+                          </a:solidFill>
+                          <a:effectLst/>
+                          <a:latin typeface="+mj-lt"/>
+                        </a:rPr>
+                        <a:t>(1:17-18)</a:t>
+                      </a:r>
+                    </a:p>
+                  </a:txBody>
+                  <a:tcPr marL="137160" marR="137160" marT="228600" marB="228600">
+                    <a:lnR w="3175" cap="flat" cmpd="sng" algn="ctr">
+                      <a:solidFill>
+                        <a:schemeClr val="tx1">
+                          <a:lumMod val="65000"/>
+                        </a:schemeClr>
+                      </a:solidFill>
+                      <a:prstDash val="solid"/>
+                      <a:round/>
+                      <a:headEnd type="none" w="med" len="med"/>
+                      <a:tailEnd type="none" w="med" len="med"/>
+                    </a:lnR>
+                  </a:tcPr>
+                </a:tc>
+                <a:tc>
+                  <a:txBody>
+                    <a:bodyPr/>
+                    <a:lstStyle/>
+                    <a:p>
+                      <a:pPr rtl="0" fontAlgn="t">
+                        <a:spcBef>
+                          <a:spcPts val="0"/>
+                        </a:spcBef>
+                        <a:spcAft>
+                          <a:spcPts val="0"/>
+                        </a:spcAft>
+                      </a:pPr>
+                      <a:r>
+                        <a:rPr lang="en-US" sz="1700" b="0" i="0" u="none" strike="noStrike" kern="1200" dirty="0">
+                          <a:solidFill>
+                            <a:schemeClr val="tx1"/>
+                          </a:solidFill>
+                          <a:effectLst/>
+                          <a:latin typeface="+mn-lt"/>
+                          <a:ea typeface="+mn-ea"/>
+                          <a:cs typeface="+mn-cs"/>
+                        </a:rPr>
+                        <a:t>Said that he was merely a fellow servant (19:10b; 22:9b)</a:t>
+                      </a:r>
+                      <a:endParaRPr lang="en-US" sz="1700" dirty="0">
+                        <a:solidFill>
+                          <a:schemeClr val="tx1"/>
+                        </a:solidFill>
+                        <a:effectLst/>
+                        <a:latin typeface="+mj-lt"/>
+                      </a:endParaRPr>
+                    </a:p>
+                  </a:txBody>
+                  <a:tcPr marL="137160" marR="137160" marT="228600" marB="228600">
+                    <a:lnL w="3175" cap="flat" cmpd="sng" algn="ctr">
+                      <a:solidFill>
+                        <a:schemeClr val="tx1">
+                          <a:lumMod val="65000"/>
+                        </a:schemeClr>
+                      </a:solidFill>
+                      <a:prstDash val="solid"/>
+                      <a:round/>
+                      <a:headEnd type="none" w="med" len="med"/>
+                      <a:tailEnd type="none" w="med" len="med"/>
+                    </a:lnL>
+                  </a:tcPr>
+                </a:tc>
+                <a:extLst>
+                  <a:ext uri="{0D108BD9-81ED-4DB2-BD59-A6C34878D82A}">
+                    <a16:rowId xmlns:a16="http://schemas.microsoft.com/office/drawing/2014/main" val="3045623234"/>
+                  </a:ext>
+                </a:extLst>
+              </a:tr>
+              <a:tr h="599440">
+                <a:tc>
+                  <a:txBody>
+                    <a:bodyPr/>
+                    <a:lstStyle/>
+                    <a:p>
+                      <a:pPr marL="0" marR="0" indent="0" algn="r" defTabSz="914400" rtl="0" eaLnBrk="1" fontAlgn="t" latinLnBrk="0" hangingPunct="1">
+                        <a:lnSpc>
+                          <a:spcPct val="100000"/>
+                        </a:lnSpc>
+                        <a:spcBef>
+                          <a:spcPts val="0"/>
+                        </a:spcBef>
+                        <a:spcAft>
+                          <a:spcPts val="0"/>
+                        </a:spcAft>
+                        <a:buClrTx/>
+                        <a:buSzTx/>
+                        <a:buFontTx/>
+                        <a:buNone/>
+                        <a:tabLst/>
+                        <a:defRPr/>
+                      </a:pPr>
+                      <a:r>
+                        <a:rPr lang="en-US" sz="1700" b="0" dirty="0">
+                          <a:solidFill>
+                            <a:srgbClr val="009EC0"/>
+                          </a:solidFill>
+                          <a:effectLst/>
+                          <a:latin typeface="+mj-lt"/>
+                        </a:rPr>
+                        <a:t>Jesus does nothing to redirect worship</a:t>
+                      </a:r>
+                    </a:p>
+                    <a:p>
+                      <a:pPr marL="0" marR="0" indent="0" algn="r" defTabSz="914400" rtl="0" eaLnBrk="1" fontAlgn="t" latinLnBrk="0" hangingPunct="1">
+                        <a:lnSpc>
+                          <a:spcPct val="100000"/>
+                        </a:lnSpc>
+                        <a:spcBef>
+                          <a:spcPts val="0"/>
+                        </a:spcBef>
+                        <a:spcAft>
+                          <a:spcPts val="0"/>
+                        </a:spcAft>
+                        <a:buClrTx/>
+                        <a:buSzTx/>
+                        <a:buFontTx/>
+                        <a:buNone/>
+                        <a:tabLst/>
+                        <a:defRPr/>
+                      </a:pPr>
+                      <a:r>
+                        <a:rPr lang="en-US" sz="1700" b="0" dirty="0">
+                          <a:solidFill>
+                            <a:srgbClr val="009EC0"/>
+                          </a:solidFill>
+                          <a:effectLst/>
+                          <a:latin typeface="+mj-lt"/>
+                        </a:rPr>
+                        <a:t>away from himself</a:t>
+                      </a:r>
+                    </a:p>
+                  </a:txBody>
+                  <a:tcPr marL="137160" marR="137160" marT="228600" marB="228600">
+                    <a:lnR w="3175" cap="flat" cmpd="sng" algn="ctr">
+                      <a:solidFill>
+                        <a:schemeClr val="tx1">
+                          <a:lumMod val="65000"/>
+                        </a:schemeClr>
+                      </a:solidFill>
+                      <a:prstDash val="solid"/>
+                      <a:round/>
+                      <a:headEnd type="none" w="med" len="med"/>
+                      <a:tailEnd type="none" w="med" len="med"/>
+                    </a:lnR>
+                  </a:tcPr>
+                </a:tc>
+                <a:tc>
+                  <a:txBody>
+                    <a:bodyPr/>
+                    <a:lstStyle/>
+                    <a:p>
+                      <a:pPr rtl="0"/>
+                      <a:r>
+                        <a:rPr lang="en-US" sz="1700" b="0" i="0" u="none" strike="noStrike" kern="1200" dirty="0">
+                          <a:solidFill>
+                            <a:schemeClr val="tx1"/>
+                          </a:solidFill>
+                          <a:effectLst/>
+                          <a:latin typeface="+mn-lt"/>
+                          <a:ea typeface="+mn-ea"/>
+                          <a:cs typeface="+mn-cs"/>
+                        </a:rPr>
+                        <a:t>Tells John to worship God</a:t>
+                      </a:r>
+                      <a:endParaRPr lang="en-US" sz="1700" b="0" dirty="0">
+                        <a:effectLst/>
+                      </a:endParaRPr>
+                    </a:p>
+                    <a:p>
+                      <a:pPr rtl="0"/>
+                      <a:r>
+                        <a:rPr lang="en-US" sz="1700" b="0" i="0" u="none" strike="noStrike" kern="1200" dirty="0">
+                          <a:solidFill>
+                            <a:schemeClr val="tx1"/>
+                          </a:solidFill>
+                          <a:effectLst/>
+                          <a:latin typeface="+mn-lt"/>
+                          <a:ea typeface="+mn-ea"/>
+                          <a:cs typeface="+mn-cs"/>
+                        </a:rPr>
+                        <a:t>(19:10c; 22:9c)</a:t>
+                      </a:r>
+                      <a:endParaRPr lang="en-US" sz="1700" b="0" dirty="0">
+                        <a:effectLst/>
+                      </a:endParaRPr>
+                    </a:p>
+                  </a:txBody>
+                  <a:tcPr marL="137160" marR="137160" marT="228600" marB="228600">
+                    <a:lnL w="3175" cap="flat" cmpd="sng" algn="ctr">
+                      <a:solidFill>
+                        <a:schemeClr val="tx1">
+                          <a:lumMod val="65000"/>
+                        </a:schemeClr>
+                      </a:solidFill>
+                      <a:prstDash val="solid"/>
+                      <a:round/>
+                      <a:headEnd type="none" w="med" len="med"/>
+                      <a:tailEnd type="none" w="med" len="med"/>
+                    </a:lnL>
+                  </a:tcPr>
+                </a:tc>
+                <a:extLst>
+                  <a:ext uri="{0D108BD9-81ED-4DB2-BD59-A6C34878D82A}">
+                    <a16:rowId xmlns:a16="http://schemas.microsoft.com/office/drawing/2014/main" val="4221996619"/>
+                  </a:ext>
+                </a:extLst>
+              </a:tr>
+            </a:tbl>
+          </a:graphicData>
+        </a:graphic>
+      </p:graphicFrame>
     </p:spTree>
     <p:extLst>
       <p:ext uri="{BB962C8B-B14F-4D97-AF65-F5344CB8AC3E}">
-        <p14:creationId xmlns:p14="http://schemas.microsoft.com/office/powerpoint/2010/main" val="3012287931"/>
+        <p14:creationId xmlns:p14="http://schemas.microsoft.com/office/powerpoint/2010/main" val="1493070504"/>
       </p:ext>
     </p:extLst>
   </p:cSld>
@@ -4980,7 +10722,15 @@
           <a:p>
             <a:r>
               <a:rPr lang="en-US" dirty="0"/>
-              <a:t>Make an argument that Jesus shares the seat of God’s throne.</a:t>
+              <a:t>Make an argument that Jesus shared the </a:t>
+            </a:r>
+            <a:r>
+              <a:rPr lang="en-US" i="1" dirty="0"/>
+              <a:t>attributes</a:t>
+            </a:r>
+            <a:r>
+              <a:rPr lang="en-US" dirty="0"/>
+              <a:t> of God.</a:t>
             </a:r>
           </a:p>
         </p:txBody>
@@ -5002,7 +10752,7 @@
           <a:p>
             <a:r>
               <a:rPr lang="en-US" dirty="0"/>
-              <a:t>5</a:t>
+              <a:t>2</a:t>
             </a:r>
           </a:p>
         </p:txBody>
@@ -5010,7 +10760,7 @@
     </p:spTree>
     <p:extLst>
       <p:ext uri="{BB962C8B-B14F-4D97-AF65-F5344CB8AC3E}">
-        <p14:creationId xmlns:p14="http://schemas.microsoft.com/office/powerpoint/2010/main" val="2547159331"/>
+        <p14:creationId xmlns:p14="http://schemas.microsoft.com/office/powerpoint/2010/main" val="439643971"/>
       </p:ext>
     </p:extLst>
   </p:cSld>
@@ -5037,57 +10787,2834 @@
           <a:chExt cx="0" cy="0"/>
         </a:xfrm>
       </p:grpSpPr>
-      <p:pic>
-        <p:nvPicPr>
-          <p:cNvPr id="1026" name="Picture 2" descr="Two Powers in Heaven: Early Rabbinic Reports About Christianity and  Gnosticism: Segal: 9780391041721: Amazon.com: Books">
+      <p:graphicFrame>
+        <p:nvGraphicFramePr>
+          <p:cNvPr id="5" name="Table 4">
             <a:extLst>
               <a:ext uri="{FF2B5EF4-FFF2-40B4-BE49-F238E27FC236}">
-                <a16:creationId xmlns:a16="http://schemas.microsoft.com/office/drawing/2014/main" id="{DF7B7DFA-7DCB-594E-944B-8354608B5D74}"/>
+                <a16:creationId xmlns:a16="http://schemas.microsoft.com/office/drawing/2014/main" id="{589C607E-23F7-1D43-B569-801CED367AB1}"/>
               </a:ext>
             </a:extLst>
           </p:cNvPr>
-          <p:cNvPicPr>
-            <a:picLocks noChangeAspect="1" noChangeArrowheads="1"/>
-          </p:cNvPicPr>
-          <p:nvPr/>
-        </p:nvPicPr>
-        <p:blipFill>
-          <a:blip r:embed="rId2">
+          <p:cNvGraphicFramePr>
+            <a:graphicFrameLocks noGrp="1"/>
+          </p:cNvGraphicFramePr>
+          <p:nvPr>
+            <p:extLst>
+              <p:ext uri="{D42A27DB-BD31-4B8C-83A1-F6EECF244321}">
+                <p14:modId xmlns:p14="http://schemas.microsoft.com/office/powerpoint/2010/main" val="1742721131"/>
+              </p:ext>
+            </p:extLst>
+          </p:nvPr>
+        </p:nvGraphicFramePr>
+        <p:xfrm>
+          <a:off x="114300" y="76200"/>
+          <a:ext cx="8915401" cy="6593322"/>
+        </p:xfrm>
+        <a:graphic>
+          <a:graphicData uri="http://schemas.openxmlformats.org/drawingml/2006/table">
+            <a:tbl>
+              <a:tblPr firstRow="1" bandRow="1">
+                <a:tableStyleId>{2D5ABB26-0587-4C30-8999-92F81FD0307C}</a:tableStyleId>
+              </a:tblPr>
+              <a:tblGrid>
+                <a:gridCol w="1866900">
+                  <a:extLst>
+                    <a:ext uri="{9D8B030D-6E8A-4147-A177-3AD203B41FA5}">
+                      <a16:colId xmlns:a16="http://schemas.microsoft.com/office/drawing/2014/main" val="3623029985"/>
+                    </a:ext>
+                  </a:extLst>
+                </a:gridCol>
+                <a:gridCol w="2286000">
+                  <a:extLst>
+                    <a:ext uri="{9D8B030D-6E8A-4147-A177-3AD203B41FA5}">
+                      <a16:colId xmlns:a16="http://schemas.microsoft.com/office/drawing/2014/main" val="4294323797"/>
+                    </a:ext>
+                  </a:extLst>
+                </a:gridCol>
+                <a:gridCol w="2286000">
+                  <a:extLst>
+                    <a:ext uri="{9D8B030D-6E8A-4147-A177-3AD203B41FA5}">
+                      <a16:colId xmlns:a16="http://schemas.microsoft.com/office/drawing/2014/main" val="2677670734"/>
+                    </a:ext>
+                  </a:extLst>
+                </a:gridCol>
+                <a:gridCol w="2476501">
+                  <a:extLst>
+                    <a:ext uri="{9D8B030D-6E8A-4147-A177-3AD203B41FA5}">
+                      <a16:colId xmlns:a16="http://schemas.microsoft.com/office/drawing/2014/main" val="1438708331"/>
+                    </a:ext>
+                  </a:extLst>
+                </a:gridCol>
+              </a:tblGrid>
+              <a:tr h="826506">
+                <a:tc>
+                  <a:txBody>
+                    <a:bodyPr/>
+                    <a:lstStyle/>
+                    <a:p>
+                      <a:pPr marL="0" algn="l" defTabSz="914400" rtl="0" eaLnBrk="1" fontAlgn="t" latinLnBrk="0" hangingPunct="1">
+                        <a:spcBef>
+                          <a:spcPts val="0"/>
+                        </a:spcBef>
+                        <a:spcAft>
+                          <a:spcPts val="0"/>
+                        </a:spcAft>
+                      </a:pPr>
+                      <a:endParaRPr lang="en-US" sz="4000" b="1" dirty="0">
+                        <a:solidFill>
+                          <a:srgbClr val="009EC0"/>
+                        </a:solidFill>
+                        <a:effectLst/>
+                        <a:latin typeface="+mj-lt"/>
+                      </a:endParaRPr>
+                    </a:p>
+                  </a:txBody>
+                  <a:tcPr marL="182880" marR="182880" marT="63500" marB="63500" anchor="b">
+                    <a:lnR w="3175" cap="flat" cmpd="sng" algn="ctr">
+                      <a:solidFill>
+                        <a:schemeClr val="tx1">
+                          <a:lumMod val="65000"/>
+                        </a:schemeClr>
+                      </a:solidFill>
+                      <a:prstDash val="solid"/>
+                      <a:round/>
+                      <a:headEnd type="none" w="med" len="med"/>
+                      <a:tailEnd type="none" w="med" len="med"/>
+                    </a:lnR>
+                  </a:tcPr>
+                </a:tc>
+                <a:tc>
+                  <a:txBody>
+                    <a:bodyPr/>
+                    <a:lstStyle/>
+                    <a:p>
+                      <a:pPr rtl="0" fontAlgn="t">
+                        <a:spcBef>
+                          <a:spcPts val="0"/>
+                        </a:spcBef>
+                        <a:spcAft>
+                          <a:spcPts val="0"/>
+                        </a:spcAft>
+                      </a:pPr>
+                      <a:endParaRPr lang="en-US" sz="4000" b="1" dirty="0">
+                        <a:solidFill>
+                          <a:schemeClr val="tx1"/>
+                        </a:solidFill>
+                        <a:effectLst/>
+                        <a:latin typeface="+mj-lt"/>
+                      </a:endParaRPr>
+                    </a:p>
+                  </a:txBody>
+                  <a:tcPr marL="182880" marR="182880" marT="63500" marB="63500" anchor="b">
+                    <a:lnL w="3175" cap="flat" cmpd="sng" algn="ctr">
+                      <a:solidFill>
+                        <a:schemeClr val="tx1">
+                          <a:lumMod val="65000"/>
+                        </a:schemeClr>
+                      </a:solidFill>
+                      <a:prstDash val="solid"/>
+                      <a:round/>
+                      <a:headEnd type="none" w="med" len="med"/>
+                      <a:tailEnd type="none" w="med" len="med"/>
+                    </a:lnL>
+                    <a:lnR w="3175" cap="flat" cmpd="sng" algn="ctr">
+                      <a:solidFill>
+                        <a:schemeClr val="tx1">
+                          <a:lumMod val="65000"/>
+                        </a:schemeClr>
+                      </a:solidFill>
+                      <a:prstDash val="solid"/>
+                      <a:round/>
+                      <a:headEnd type="none" w="med" len="med"/>
+                      <a:tailEnd type="none" w="med" len="med"/>
+                    </a:lnR>
+                  </a:tcPr>
+                </a:tc>
+                <a:tc>
+                  <a:txBody>
+                    <a:bodyPr/>
+                    <a:lstStyle/>
+                    <a:p>
+                      <a:pPr rtl="0" fontAlgn="t">
+                        <a:spcBef>
+                          <a:spcPts val="0"/>
+                        </a:spcBef>
+                        <a:spcAft>
+                          <a:spcPts val="0"/>
+                        </a:spcAft>
+                      </a:pPr>
+                      <a:endParaRPr lang="en-US" sz="4000" b="1" dirty="0">
+                        <a:solidFill>
+                          <a:schemeClr val="tx1"/>
+                        </a:solidFill>
+                        <a:effectLst/>
+                        <a:latin typeface="+mj-lt"/>
+                      </a:endParaRPr>
+                    </a:p>
+                  </a:txBody>
+                  <a:tcPr marL="182880" marR="182880" marT="63500" marB="63500" anchor="b">
+                    <a:lnL w="3175" cap="flat" cmpd="sng" algn="ctr">
+                      <a:solidFill>
+                        <a:schemeClr val="tx1">
+                          <a:lumMod val="65000"/>
+                        </a:schemeClr>
+                      </a:solidFill>
+                      <a:prstDash val="solid"/>
+                      <a:round/>
+                      <a:headEnd type="none" w="med" len="med"/>
+                      <a:tailEnd type="none" w="med" len="med"/>
+                    </a:lnL>
+                    <a:lnR w="3175" cap="flat" cmpd="sng" algn="ctr">
+                      <a:solidFill>
+                        <a:schemeClr val="tx1">
+                          <a:lumMod val="65000"/>
+                        </a:schemeClr>
+                      </a:solidFill>
+                      <a:prstDash val="solid"/>
+                      <a:round/>
+                      <a:headEnd type="none" w="med" len="med"/>
+                      <a:tailEnd type="none" w="med" len="med"/>
+                    </a:lnR>
+                  </a:tcPr>
+                </a:tc>
+                <a:tc>
+                  <a:txBody>
+                    <a:bodyPr/>
+                    <a:lstStyle/>
+                    <a:p>
+                      <a:pPr rtl="0" fontAlgn="t">
+                        <a:spcBef>
+                          <a:spcPts val="0"/>
+                        </a:spcBef>
+                        <a:spcAft>
+                          <a:spcPts val="0"/>
+                        </a:spcAft>
+                      </a:pPr>
+                      <a:endParaRPr lang="en-US" sz="4000" b="1" dirty="0">
+                        <a:solidFill>
+                          <a:schemeClr val="tx1"/>
+                        </a:solidFill>
+                        <a:effectLst/>
+                        <a:latin typeface="+mj-lt"/>
+                      </a:endParaRPr>
+                    </a:p>
+                  </a:txBody>
+                  <a:tcPr marL="182880" marR="182880" marT="63500" marB="63500" anchor="b">
+                    <a:lnL w="3175" cap="flat" cmpd="sng" algn="ctr">
+                      <a:solidFill>
+                        <a:schemeClr val="tx1">
+                          <a:lumMod val="65000"/>
+                        </a:schemeClr>
+                      </a:solidFill>
+                      <a:prstDash val="solid"/>
+                      <a:round/>
+                      <a:headEnd type="none" w="med" len="med"/>
+                      <a:tailEnd type="none" w="med" len="med"/>
+                    </a:lnL>
+                  </a:tcPr>
+                </a:tc>
+                <a:extLst>
+                  <a:ext uri="{0D108BD9-81ED-4DB2-BD59-A6C34878D82A}">
+                    <a16:rowId xmlns:a16="http://schemas.microsoft.com/office/drawing/2014/main" val="1136906228"/>
+                  </a:ext>
+                </a:extLst>
+              </a:tr>
+              <a:tr h="0">
+                <a:tc>
+                  <a:txBody>
+                    <a:bodyPr/>
+                    <a:lstStyle/>
+                    <a:p>
+                      <a:pPr algn="r" rtl="0" fontAlgn="t">
+                        <a:spcBef>
+                          <a:spcPts val="0"/>
+                        </a:spcBef>
+                        <a:spcAft>
+                          <a:spcPts val="0"/>
+                        </a:spcAft>
+                      </a:pPr>
+                      <a:r>
+                        <a:rPr lang="en-US" sz="1800" b="0" i="0" u="none" strike="noStrike" dirty="0">
+                          <a:solidFill>
+                            <a:schemeClr val="tx1"/>
+                          </a:solidFill>
+                          <a:effectLst/>
+                          <a:latin typeface="Arial" panose="020B0604020202020204" pitchFamily="34" charset="0"/>
+                        </a:rPr>
+                        <a:t>Worthy</a:t>
+                      </a:r>
+                      <a:endParaRPr lang="en-US" sz="3200" dirty="0">
+                        <a:solidFill>
+                          <a:schemeClr val="tx1"/>
+                        </a:solidFill>
+                        <a:effectLst/>
+                      </a:endParaRPr>
+                    </a:p>
+                  </a:txBody>
+                  <a:tcPr marL="63500" marR="182880" marT="109728" marB="109728" anchor="ctr">
+                    <a:lnR w="3175" cap="flat" cmpd="sng" algn="ctr">
+                      <a:solidFill>
+                        <a:schemeClr val="tx1">
+                          <a:lumMod val="65000"/>
+                        </a:schemeClr>
+                      </a:solidFill>
+                      <a:prstDash val="solid"/>
+                      <a:round/>
+                      <a:headEnd type="none" w="med" len="med"/>
+                      <a:tailEnd type="none" w="med" len="med"/>
+                    </a:lnR>
+                  </a:tcPr>
+                </a:tc>
+                <a:tc>
+                  <a:txBody>
+                    <a:bodyPr/>
+                    <a:lstStyle/>
+                    <a:p>
+                      <a:pPr rtl="0" fontAlgn="t">
+                        <a:spcBef>
+                          <a:spcPts val="0"/>
+                        </a:spcBef>
+                        <a:spcAft>
+                          <a:spcPts val="0"/>
+                        </a:spcAft>
+                      </a:pPr>
+                      <a:r>
+                        <a:rPr lang="en-US" sz="2000" b="0" i="0" u="none" strike="noStrike" dirty="0">
+                          <a:solidFill>
+                            <a:srgbClr val="009EC0"/>
+                          </a:solidFill>
+                          <a:effectLst/>
+                          <a:latin typeface="+mn-lt"/>
+                        </a:rPr>
+                        <a:t>4:11</a:t>
+                      </a:r>
+                      <a:endParaRPr lang="en-US" sz="2000" b="0" dirty="0">
+                        <a:solidFill>
+                          <a:srgbClr val="009EC0"/>
+                        </a:solidFill>
+                        <a:effectLst/>
+                        <a:latin typeface="+mn-lt"/>
+                      </a:endParaRPr>
+                    </a:p>
+                  </a:txBody>
+                  <a:tcPr marL="154940" marR="63500" marT="109728" marB="109728" anchor="ctr">
+                    <a:lnL w="3175" cap="flat" cmpd="sng" algn="ctr">
+                      <a:solidFill>
+                        <a:schemeClr val="tx1">
+                          <a:lumMod val="65000"/>
+                        </a:schemeClr>
+                      </a:solidFill>
+                      <a:prstDash val="solid"/>
+                      <a:round/>
+                      <a:headEnd type="none" w="med" len="med"/>
+                      <a:tailEnd type="none" w="med" len="med"/>
+                    </a:lnL>
+                    <a:lnR w="3175" cap="flat" cmpd="sng" algn="ctr">
+                      <a:solidFill>
+                        <a:schemeClr val="tx1">
+                          <a:lumMod val="65000"/>
+                        </a:schemeClr>
+                      </a:solidFill>
+                      <a:prstDash val="solid"/>
+                      <a:round/>
+                      <a:headEnd type="none" w="med" len="med"/>
+                      <a:tailEnd type="none" w="med" len="med"/>
+                    </a:lnR>
+                  </a:tcPr>
+                </a:tc>
+                <a:tc>
+                  <a:txBody>
+                    <a:bodyPr/>
+                    <a:lstStyle/>
+                    <a:p>
+                      <a:pPr rtl="0" fontAlgn="t">
+                        <a:spcBef>
+                          <a:spcPts val="0"/>
+                        </a:spcBef>
+                        <a:spcAft>
+                          <a:spcPts val="0"/>
+                        </a:spcAft>
+                      </a:pPr>
+                      <a:r>
+                        <a:rPr lang="en-US" sz="2000" b="0" i="0" u="none" strike="noStrike" dirty="0">
+                          <a:solidFill>
+                            <a:srgbClr val="CA5C0E"/>
+                          </a:solidFill>
+                          <a:effectLst/>
+                          <a:latin typeface="+mn-lt"/>
+                        </a:rPr>
+                        <a:t>5:9, 12</a:t>
+                      </a:r>
+                      <a:endParaRPr lang="en-US" sz="2000" b="0" dirty="0">
+                        <a:solidFill>
+                          <a:srgbClr val="CA5C0E"/>
+                        </a:solidFill>
+                        <a:effectLst/>
+                        <a:latin typeface="+mn-lt"/>
+                      </a:endParaRPr>
+                    </a:p>
+                  </a:txBody>
+                  <a:tcPr marL="154940" marR="63500" marT="109728" marB="109728" anchor="ctr">
+                    <a:lnL w="3175" cap="flat" cmpd="sng" algn="ctr">
+                      <a:solidFill>
+                        <a:schemeClr val="tx1">
+                          <a:lumMod val="65000"/>
+                        </a:schemeClr>
+                      </a:solidFill>
+                      <a:prstDash val="solid"/>
+                      <a:round/>
+                      <a:headEnd type="none" w="med" len="med"/>
+                      <a:tailEnd type="none" w="med" len="med"/>
+                    </a:lnL>
+                    <a:lnR w="3175" cap="flat" cmpd="sng" algn="ctr">
+                      <a:solidFill>
+                        <a:schemeClr val="tx1">
+                          <a:lumMod val="65000"/>
+                        </a:schemeClr>
+                      </a:solidFill>
+                      <a:prstDash val="solid"/>
+                      <a:round/>
+                      <a:headEnd type="none" w="med" len="med"/>
+                      <a:tailEnd type="none" w="med" len="med"/>
+                    </a:lnR>
+                  </a:tcPr>
+                </a:tc>
+                <a:tc>
+                  <a:txBody>
+                    <a:bodyPr/>
+                    <a:lstStyle/>
+                    <a:p>
+                      <a:pPr fontAlgn="t"/>
+                      <a:endParaRPr lang="en-US" sz="2000" b="0" dirty="0">
+                        <a:solidFill>
+                          <a:schemeClr val="bg1">
+                            <a:lumMod val="50000"/>
+                            <a:lumOff val="50000"/>
+                          </a:schemeClr>
+                        </a:solidFill>
+                        <a:effectLst/>
+                        <a:latin typeface="+mn-lt"/>
+                      </a:endParaRPr>
+                    </a:p>
+                  </a:txBody>
+                  <a:tcPr marL="154940" marR="63500" marT="109728" marB="109728" anchor="ctr">
+                    <a:lnL w="3175" cap="flat" cmpd="sng" algn="ctr">
+                      <a:solidFill>
+                        <a:schemeClr val="tx1">
+                          <a:lumMod val="65000"/>
+                        </a:schemeClr>
+                      </a:solidFill>
+                      <a:prstDash val="solid"/>
+                      <a:round/>
+                      <a:headEnd type="none" w="med" len="med"/>
+                      <a:tailEnd type="none" w="med" len="med"/>
+                    </a:lnL>
+                  </a:tcPr>
+                </a:tc>
+                <a:extLst>
+                  <a:ext uri="{0D108BD9-81ED-4DB2-BD59-A6C34878D82A}">
+                    <a16:rowId xmlns:a16="http://schemas.microsoft.com/office/drawing/2014/main" val="3592000535"/>
+                  </a:ext>
+                </a:extLst>
+              </a:tr>
+              <a:tr h="252994">
+                <a:tc>
+                  <a:txBody>
+                    <a:bodyPr/>
+                    <a:lstStyle/>
+                    <a:p>
+                      <a:pPr algn="r" rtl="0" fontAlgn="t">
+                        <a:spcBef>
+                          <a:spcPts val="0"/>
+                        </a:spcBef>
+                        <a:spcAft>
+                          <a:spcPts val="0"/>
+                        </a:spcAft>
+                      </a:pPr>
+                      <a:r>
+                        <a:rPr lang="en-US" sz="1800" b="0" i="0" u="none" strike="noStrike" dirty="0">
+                          <a:solidFill>
+                            <a:schemeClr val="tx1"/>
+                          </a:solidFill>
+                          <a:effectLst/>
+                          <a:latin typeface="Arial" panose="020B0604020202020204" pitchFamily="34" charset="0"/>
+                        </a:rPr>
+                        <a:t>Blessing/praise</a:t>
+                      </a:r>
+                      <a:endParaRPr lang="en-US" sz="3200" dirty="0">
+                        <a:solidFill>
+                          <a:schemeClr val="tx1"/>
+                        </a:solidFill>
+                        <a:effectLst/>
+                      </a:endParaRPr>
+                    </a:p>
+                  </a:txBody>
+                  <a:tcPr marL="63500" marR="182880" marT="109728" marB="109728" anchor="ctr">
+                    <a:lnR w="3175" cap="flat" cmpd="sng" algn="ctr">
+                      <a:solidFill>
+                        <a:schemeClr val="tx1">
+                          <a:lumMod val="65000"/>
+                        </a:schemeClr>
+                      </a:solidFill>
+                      <a:prstDash val="solid"/>
+                      <a:round/>
+                      <a:headEnd type="none" w="med" len="med"/>
+                      <a:tailEnd type="none" w="med" len="med"/>
+                    </a:lnR>
+                  </a:tcPr>
+                </a:tc>
+                <a:tc>
+                  <a:txBody>
+                    <a:bodyPr/>
+                    <a:lstStyle/>
+                    <a:p>
+                      <a:pPr rtl="0" fontAlgn="t">
+                        <a:spcBef>
+                          <a:spcPts val="0"/>
+                        </a:spcBef>
+                        <a:spcAft>
+                          <a:spcPts val="0"/>
+                        </a:spcAft>
+                      </a:pPr>
+                      <a:r>
+                        <a:rPr lang="en-US" sz="2000" b="0" i="0" u="none" strike="noStrike" dirty="0">
+                          <a:solidFill>
+                            <a:srgbClr val="009EC0"/>
+                          </a:solidFill>
+                          <a:effectLst/>
+                          <a:latin typeface="+mn-lt"/>
+                        </a:rPr>
+                        <a:t>5:13; 7:12</a:t>
+                      </a:r>
+                      <a:endParaRPr lang="en-US" sz="2000" b="0" dirty="0">
+                        <a:solidFill>
+                          <a:srgbClr val="009EC0"/>
+                        </a:solidFill>
+                        <a:effectLst/>
+                        <a:latin typeface="+mn-lt"/>
+                      </a:endParaRPr>
+                    </a:p>
+                  </a:txBody>
+                  <a:tcPr marL="154940" marR="63500" marT="109728" marB="109728" anchor="ctr">
+                    <a:lnL w="3175" cap="flat" cmpd="sng" algn="ctr">
+                      <a:solidFill>
+                        <a:schemeClr val="tx1">
+                          <a:lumMod val="65000"/>
+                        </a:schemeClr>
+                      </a:solidFill>
+                      <a:prstDash val="solid"/>
+                      <a:round/>
+                      <a:headEnd type="none" w="med" len="med"/>
+                      <a:tailEnd type="none" w="med" len="med"/>
+                    </a:lnL>
+                    <a:lnR w="3175" cap="flat" cmpd="sng" algn="ctr">
+                      <a:solidFill>
+                        <a:schemeClr val="tx1">
+                          <a:lumMod val="65000"/>
+                        </a:schemeClr>
+                      </a:solidFill>
+                      <a:prstDash val="solid"/>
+                      <a:round/>
+                      <a:headEnd type="none" w="med" len="med"/>
+                      <a:tailEnd type="none" w="med" len="med"/>
+                    </a:lnR>
+                  </a:tcPr>
+                </a:tc>
+                <a:tc>
+                  <a:txBody>
+                    <a:bodyPr/>
+                    <a:lstStyle/>
+                    <a:p>
+                      <a:pPr rtl="0" fontAlgn="t">
+                        <a:spcBef>
+                          <a:spcPts val="0"/>
+                        </a:spcBef>
+                        <a:spcAft>
+                          <a:spcPts val="0"/>
+                        </a:spcAft>
+                      </a:pPr>
+                      <a:r>
+                        <a:rPr lang="en-US" sz="2000" b="0" i="0" u="none" strike="noStrike" dirty="0">
+                          <a:solidFill>
+                            <a:srgbClr val="CA5C0E"/>
+                          </a:solidFill>
+                          <a:effectLst/>
+                          <a:latin typeface="+mn-lt"/>
+                        </a:rPr>
+                        <a:t>5:12, 13</a:t>
+                      </a:r>
+                      <a:endParaRPr lang="en-US" sz="2000" b="0" dirty="0">
+                        <a:solidFill>
+                          <a:srgbClr val="CA5C0E"/>
+                        </a:solidFill>
+                        <a:effectLst/>
+                        <a:latin typeface="+mn-lt"/>
+                      </a:endParaRPr>
+                    </a:p>
+                  </a:txBody>
+                  <a:tcPr marL="154940" marR="63500" marT="109728" marB="109728" anchor="ctr">
+                    <a:lnL w="3175" cap="flat" cmpd="sng" algn="ctr">
+                      <a:solidFill>
+                        <a:schemeClr val="tx1">
+                          <a:lumMod val="65000"/>
+                        </a:schemeClr>
+                      </a:solidFill>
+                      <a:prstDash val="solid"/>
+                      <a:round/>
+                      <a:headEnd type="none" w="med" len="med"/>
+                      <a:tailEnd type="none" w="med" len="med"/>
+                    </a:lnL>
+                    <a:lnR w="3175" cap="flat" cmpd="sng" algn="ctr">
+                      <a:solidFill>
+                        <a:schemeClr val="tx1">
+                          <a:lumMod val="65000"/>
+                        </a:schemeClr>
+                      </a:solidFill>
+                      <a:prstDash val="solid"/>
+                      <a:round/>
+                      <a:headEnd type="none" w="med" len="med"/>
+                      <a:tailEnd type="none" w="med" len="med"/>
+                    </a:lnR>
+                  </a:tcPr>
+                </a:tc>
+                <a:tc>
+                  <a:txBody>
+                    <a:bodyPr/>
+                    <a:lstStyle/>
+                    <a:p>
+                      <a:pPr fontAlgn="t"/>
+                      <a:endParaRPr lang="en-US" sz="2000" b="0" dirty="0">
+                        <a:solidFill>
+                          <a:schemeClr val="bg1">
+                            <a:lumMod val="50000"/>
+                            <a:lumOff val="50000"/>
+                          </a:schemeClr>
+                        </a:solidFill>
+                        <a:effectLst/>
+                        <a:latin typeface="+mn-lt"/>
+                      </a:endParaRPr>
+                    </a:p>
+                  </a:txBody>
+                  <a:tcPr marL="154940" marR="63500" marT="109728" marB="109728" anchor="ctr">
+                    <a:lnL w="3175" cap="flat" cmpd="sng" algn="ctr">
+                      <a:solidFill>
+                        <a:schemeClr val="tx1">
+                          <a:lumMod val="65000"/>
+                        </a:schemeClr>
+                      </a:solidFill>
+                      <a:prstDash val="solid"/>
+                      <a:round/>
+                      <a:headEnd type="none" w="med" len="med"/>
+                      <a:tailEnd type="none" w="med" len="med"/>
+                    </a:lnL>
+                  </a:tcPr>
+                </a:tc>
+                <a:extLst>
+                  <a:ext uri="{0D108BD9-81ED-4DB2-BD59-A6C34878D82A}">
+                    <a16:rowId xmlns:a16="http://schemas.microsoft.com/office/drawing/2014/main" val="2330484482"/>
+                  </a:ext>
+                </a:extLst>
+              </a:tr>
+              <a:tr h="0">
+                <a:tc>
+                  <a:txBody>
+                    <a:bodyPr/>
+                    <a:lstStyle/>
+                    <a:p>
+                      <a:pPr algn="r" rtl="0" fontAlgn="t">
+                        <a:spcBef>
+                          <a:spcPts val="0"/>
+                        </a:spcBef>
+                        <a:spcAft>
+                          <a:spcPts val="0"/>
+                        </a:spcAft>
+                      </a:pPr>
+                      <a:r>
+                        <a:rPr lang="en-US" sz="1800" b="0" i="0" u="none" strike="noStrike" dirty="0">
+                          <a:solidFill>
+                            <a:schemeClr val="tx1"/>
+                          </a:solidFill>
+                          <a:effectLst/>
+                          <a:latin typeface="Arial" panose="020B0604020202020204" pitchFamily="34" charset="0"/>
+                        </a:rPr>
+                        <a:t>Honor</a:t>
+                      </a:r>
+                      <a:endParaRPr lang="en-US" sz="3200" dirty="0">
+                        <a:solidFill>
+                          <a:schemeClr val="tx1"/>
+                        </a:solidFill>
+                        <a:effectLst/>
+                      </a:endParaRPr>
+                    </a:p>
+                  </a:txBody>
+                  <a:tcPr marL="63500" marR="182880" marT="109728" marB="109728" anchor="ctr">
+                    <a:lnR w="3175" cap="flat" cmpd="sng" algn="ctr">
+                      <a:solidFill>
+                        <a:schemeClr val="tx1">
+                          <a:lumMod val="65000"/>
+                        </a:schemeClr>
+                      </a:solidFill>
+                      <a:prstDash val="solid"/>
+                      <a:round/>
+                      <a:headEnd type="none" w="med" len="med"/>
+                      <a:tailEnd type="none" w="med" len="med"/>
+                    </a:lnR>
+                  </a:tcPr>
+                </a:tc>
+                <a:tc>
+                  <a:txBody>
+                    <a:bodyPr/>
+                    <a:lstStyle/>
+                    <a:p>
+                      <a:pPr rtl="0" fontAlgn="t">
+                        <a:spcBef>
+                          <a:spcPts val="0"/>
+                        </a:spcBef>
+                        <a:spcAft>
+                          <a:spcPts val="0"/>
+                        </a:spcAft>
+                      </a:pPr>
+                      <a:r>
+                        <a:rPr lang="en-US" sz="2000" b="0" i="0" u="none" strike="noStrike" dirty="0">
+                          <a:solidFill>
+                            <a:srgbClr val="009EC0"/>
+                          </a:solidFill>
+                          <a:effectLst/>
+                          <a:latin typeface="+mn-lt"/>
+                        </a:rPr>
+                        <a:t>4:9, 11; 5:13; 7:12</a:t>
+                      </a:r>
+                      <a:endParaRPr lang="en-US" sz="2000" b="0" dirty="0">
+                        <a:solidFill>
+                          <a:srgbClr val="009EC0"/>
+                        </a:solidFill>
+                        <a:effectLst/>
+                        <a:latin typeface="+mn-lt"/>
+                      </a:endParaRPr>
+                    </a:p>
+                  </a:txBody>
+                  <a:tcPr marL="154940" marR="63500" marT="109728" marB="109728" anchor="ctr">
+                    <a:lnL w="3175" cap="flat" cmpd="sng" algn="ctr">
+                      <a:solidFill>
+                        <a:schemeClr val="tx1">
+                          <a:lumMod val="65000"/>
+                        </a:schemeClr>
+                      </a:solidFill>
+                      <a:prstDash val="solid"/>
+                      <a:round/>
+                      <a:headEnd type="none" w="med" len="med"/>
+                      <a:tailEnd type="none" w="med" len="med"/>
+                    </a:lnL>
+                    <a:lnR w="3175" cap="flat" cmpd="sng" algn="ctr">
+                      <a:solidFill>
+                        <a:schemeClr val="tx1">
+                          <a:lumMod val="65000"/>
+                        </a:schemeClr>
+                      </a:solidFill>
+                      <a:prstDash val="solid"/>
+                      <a:round/>
+                      <a:headEnd type="none" w="med" len="med"/>
+                      <a:tailEnd type="none" w="med" len="med"/>
+                    </a:lnR>
+                  </a:tcPr>
+                </a:tc>
+                <a:tc>
+                  <a:txBody>
+                    <a:bodyPr/>
+                    <a:lstStyle/>
+                    <a:p>
+                      <a:pPr rtl="0" fontAlgn="t">
+                        <a:spcBef>
+                          <a:spcPts val="0"/>
+                        </a:spcBef>
+                        <a:spcAft>
+                          <a:spcPts val="0"/>
+                        </a:spcAft>
+                      </a:pPr>
+                      <a:r>
+                        <a:rPr lang="en-US" sz="2000" b="0" i="0" u="none" strike="noStrike" dirty="0">
+                          <a:solidFill>
+                            <a:srgbClr val="CA5C0E"/>
+                          </a:solidFill>
+                          <a:effectLst/>
+                          <a:latin typeface="+mn-lt"/>
+                        </a:rPr>
+                        <a:t>5:12, 13</a:t>
+                      </a:r>
+                      <a:endParaRPr lang="en-US" sz="2000" b="0" dirty="0">
+                        <a:solidFill>
+                          <a:srgbClr val="CA5C0E"/>
+                        </a:solidFill>
+                        <a:effectLst/>
+                        <a:latin typeface="+mn-lt"/>
+                      </a:endParaRPr>
+                    </a:p>
+                  </a:txBody>
+                  <a:tcPr marL="154940" marR="63500" marT="109728" marB="109728" anchor="ctr">
+                    <a:lnL w="3175" cap="flat" cmpd="sng" algn="ctr">
+                      <a:solidFill>
+                        <a:schemeClr val="tx1">
+                          <a:lumMod val="65000"/>
+                        </a:schemeClr>
+                      </a:solidFill>
+                      <a:prstDash val="solid"/>
+                      <a:round/>
+                      <a:headEnd type="none" w="med" len="med"/>
+                      <a:tailEnd type="none" w="med" len="med"/>
+                    </a:lnL>
+                    <a:lnR w="3175" cap="flat" cmpd="sng" algn="ctr">
+                      <a:solidFill>
+                        <a:schemeClr val="tx1">
+                          <a:lumMod val="65000"/>
+                        </a:schemeClr>
+                      </a:solidFill>
+                      <a:prstDash val="solid"/>
+                      <a:round/>
+                      <a:headEnd type="none" w="med" len="med"/>
+                      <a:tailEnd type="none" w="med" len="med"/>
+                    </a:lnR>
+                  </a:tcPr>
+                </a:tc>
+                <a:tc>
+                  <a:txBody>
+                    <a:bodyPr/>
+                    <a:lstStyle/>
+                    <a:p>
+                      <a:pPr fontAlgn="t"/>
+                      <a:endParaRPr lang="en-US" sz="2000" b="0" dirty="0">
+                        <a:solidFill>
+                          <a:schemeClr val="bg1">
+                            <a:lumMod val="50000"/>
+                            <a:lumOff val="50000"/>
+                          </a:schemeClr>
+                        </a:solidFill>
+                        <a:effectLst/>
+                        <a:latin typeface="+mn-lt"/>
+                      </a:endParaRPr>
+                    </a:p>
+                  </a:txBody>
+                  <a:tcPr marL="154940" marR="63500" marT="109728" marB="109728" anchor="ctr">
+                    <a:lnL w="3175" cap="flat" cmpd="sng" algn="ctr">
+                      <a:solidFill>
+                        <a:schemeClr val="tx1">
+                          <a:lumMod val="65000"/>
+                        </a:schemeClr>
+                      </a:solidFill>
+                      <a:prstDash val="solid"/>
+                      <a:round/>
+                      <a:headEnd type="none" w="med" len="med"/>
+                      <a:tailEnd type="none" w="med" len="med"/>
+                    </a:lnL>
+                  </a:tcPr>
+                </a:tc>
+                <a:extLst>
+                  <a:ext uri="{0D108BD9-81ED-4DB2-BD59-A6C34878D82A}">
+                    <a16:rowId xmlns:a16="http://schemas.microsoft.com/office/drawing/2014/main" val="1564031315"/>
+                  </a:ext>
+                </a:extLst>
+              </a:tr>
+              <a:tr h="0">
+                <a:tc>
+                  <a:txBody>
+                    <a:bodyPr/>
+                    <a:lstStyle/>
+                    <a:p>
+                      <a:pPr algn="r" rtl="0" fontAlgn="t">
+                        <a:spcBef>
+                          <a:spcPts val="0"/>
+                        </a:spcBef>
+                        <a:spcAft>
+                          <a:spcPts val="0"/>
+                        </a:spcAft>
+                      </a:pPr>
+                      <a:r>
+                        <a:rPr lang="en-US" sz="1800" b="0" i="0" u="none" strike="noStrike" dirty="0">
+                          <a:solidFill>
+                            <a:schemeClr val="tx1"/>
+                          </a:solidFill>
+                          <a:effectLst/>
+                          <a:latin typeface="Arial" panose="020B0604020202020204" pitchFamily="34" charset="0"/>
+                        </a:rPr>
+                        <a:t>Glory</a:t>
+                      </a:r>
+                      <a:endParaRPr lang="en-US" sz="3200" dirty="0">
+                        <a:solidFill>
+                          <a:schemeClr val="tx1"/>
+                        </a:solidFill>
+                        <a:effectLst/>
+                      </a:endParaRPr>
+                    </a:p>
+                  </a:txBody>
+                  <a:tcPr marL="63500" marR="182880" marT="109728" marB="109728" anchor="ctr">
+                    <a:lnR w="3175" cap="flat" cmpd="sng" algn="ctr">
+                      <a:solidFill>
+                        <a:schemeClr val="tx1">
+                          <a:lumMod val="65000"/>
+                        </a:schemeClr>
+                      </a:solidFill>
+                      <a:prstDash val="solid"/>
+                      <a:round/>
+                      <a:headEnd type="none" w="med" len="med"/>
+                      <a:tailEnd type="none" w="med" len="med"/>
+                    </a:lnR>
+                  </a:tcPr>
+                </a:tc>
+                <a:tc>
+                  <a:txBody>
+                    <a:bodyPr/>
+                    <a:lstStyle/>
+                    <a:p>
+                      <a:pPr rtl="0" fontAlgn="t">
+                        <a:spcBef>
+                          <a:spcPts val="0"/>
+                        </a:spcBef>
+                        <a:spcAft>
+                          <a:spcPts val="0"/>
+                        </a:spcAft>
+                      </a:pPr>
+                      <a:r>
+                        <a:rPr lang="en-US" sz="1600" b="0" i="0" u="none" strike="noStrike" dirty="0">
+                          <a:solidFill>
+                            <a:srgbClr val="009EC0"/>
+                          </a:solidFill>
+                          <a:effectLst/>
+                          <a:latin typeface="+mn-lt"/>
+                        </a:rPr>
+                        <a:t>4:9, 11; 5:13; 7:12; 19:1b</a:t>
+                      </a:r>
+                      <a:endParaRPr lang="en-US" sz="1600" b="0" dirty="0">
+                        <a:solidFill>
+                          <a:srgbClr val="009EC0"/>
+                        </a:solidFill>
+                        <a:effectLst/>
+                        <a:latin typeface="+mn-lt"/>
+                      </a:endParaRPr>
+                    </a:p>
+                  </a:txBody>
+                  <a:tcPr marL="154940" marR="63500" marT="109728" marB="109728" anchor="ctr">
+                    <a:lnL w="3175" cap="flat" cmpd="sng" algn="ctr">
+                      <a:solidFill>
+                        <a:schemeClr val="tx1">
+                          <a:lumMod val="65000"/>
+                        </a:schemeClr>
+                      </a:solidFill>
+                      <a:prstDash val="solid"/>
+                      <a:round/>
+                      <a:headEnd type="none" w="med" len="med"/>
+                      <a:tailEnd type="none" w="med" len="med"/>
+                    </a:lnL>
+                    <a:lnR w="3175" cap="flat" cmpd="sng" algn="ctr">
+                      <a:solidFill>
+                        <a:schemeClr val="tx1">
+                          <a:lumMod val="65000"/>
+                        </a:schemeClr>
+                      </a:solidFill>
+                      <a:prstDash val="solid"/>
+                      <a:round/>
+                      <a:headEnd type="none" w="med" len="med"/>
+                      <a:tailEnd type="none" w="med" len="med"/>
+                    </a:lnR>
+                  </a:tcPr>
+                </a:tc>
+                <a:tc>
+                  <a:txBody>
+                    <a:bodyPr/>
+                    <a:lstStyle/>
+                    <a:p>
+                      <a:pPr rtl="0" fontAlgn="t">
+                        <a:spcBef>
+                          <a:spcPts val="0"/>
+                        </a:spcBef>
+                        <a:spcAft>
+                          <a:spcPts val="0"/>
+                        </a:spcAft>
+                      </a:pPr>
+                      <a:r>
+                        <a:rPr lang="en-US" sz="2000" b="0" i="0" u="none" strike="noStrike" dirty="0">
+                          <a:solidFill>
+                            <a:srgbClr val="CA5C0E"/>
+                          </a:solidFill>
+                          <a:effectLst/>
+                          <a:latin typeface="+mn-lt"/>
+                        </a:rPr>
+                        <a:t>1:6; 5:12, 13</a:t>
+                      </a:r>
+                      <a:endParaRPr lang="en-US" sz="2000" b="0" dirty="0">
+                        <a:solidFill>
+                          <a:srgbClr val="CA5C0E"/>
+                        </a:solidFill>
+                        <a:effectLst/>
+                        <a:latin typeface="+mn-lt"/>
+                      </a:endParaRPr>
+                    </a:p>
+                  </a:txBody>
+                  <a:tcPr marL="154940" marR="63500" marT="109728" marB="109728" anchor="ctr">
+                    <a:lnL w="3175" cap="flat" cmpd="sng" algn="ctr">
+                      <a:solidFill>
+                        <a:schemeClr val="tx1">
+                          <a:lumMod val="65000"/>
+                        </a:schemeClr>
+                      </a:solidFill>
+                      <a:prstDash val="solid"/>
+                      <a:round/>
+                      <a:headEnd type="none" w="med" len="med"/>
+                      <a:tailEnd type="none" w="med" len="med"/>
+                    </a:lnL>
+                    <a:lnR w="3175" cap="flat" cmpd="sng" algn="ctr">
+                      <a:solidFill>
+                        <a:schemeClr val="tx1">
+                          <a:lumMod val="65000"/>
+                        </a:schemeClr>
+                      </a:solidFill>
+                      <a:prstDash val="solid"/>
+                      <a:round/>
+                      <a:headEnd type="none" w="med" len="med"/>
+                      <a:tailEnd type="none" w="med" len="med"/>
+                    </a:lnR>
+                  </a:tcPr>
+                </a:tc>
+                <a:tc>
+                  <a:txBody>
+                    <a:bodyPr/>
+                    <a:lstStyle/>
+                    <a:p>
+                      <a:pPr rtl="0" fontAlgn="t">
+                        <a:spcBef>
+                          <a:spcPts val="0"/>
+                        </a:spcBef>
+                        <a:spcAft>
+                          <a:spcPts val="0"/>
+                        </a:spcAft>
+                      </a:pPr>
+                      <a:r>
+                        <a:rPr lang="en-US" sz="2000" b="0" i="0" u="none" strike="noStrike" dirty="0">
+                          <a:solidFill>
+                            <a:schemeClr val="bg1">
+                              <a:lumMod val="50000"/>
+                              <a:lumOff val="50000"/>
+                            </a:schemeClr>
+                          </a:solidFill>
+                          <a:effectLst/>
+                          <a:latin typeface="+mn-lt"/>
+                        </a:rPr>
+                        <a:t>29:12</a:t>
+                      </a:r>
+                      <a:endParaRPr lang="en-US" sz="2000" b="0" dirty="0">
+                        <a:solidFill>
+                          <a:schemeClr val="bg1">
+                            <a:lumMod val="50000"/>
+                            <a:lumOff val="50000"/>
+                          </a:schemeClr>
+                        </a:solidFill>
+                        <a:effectLst/>
+                        <a:latin typeface="+mn-lt"/>
+                      </a:endParaRPr>
+                    </a:p>
+                  </a:txBody>
+                  <a:tcPr marL="154940" marR="63500" marT="109728" marB="109728" anchor="ctr">
+                    <a:lnL w="3175" cap="flat" cmpd="sng" algn="ctr">
+                      <a:solidFill>
+                        <a:schemeClr val="tx1">
+                          <a:lumMod val="65000"/>
+                        </a:schemeClr>
+                      </a:solidFill>
+                      <a:prstDash val="solid"/>
+                      <a:round/>
+                      <a:headEnd type="none" w="med" len="med"/>
+                      <a:tailEnd type="none" w="med" len="med"/>
+                    </a:lnL>
+                  </a:tcPr>
+                </a:tc>
+                <a:extLst>
+                  <a:ext uri="{0D108BD9-81ED-4DB2-BD59-A6C34878D82A}">
+                    <a16:rowId xmlns:a16="http://schemas.microsoft.com/office/drawing/2014/main" val="3045623234"/>
+                  </a:ext>
+                </a:extLst>
+              </a:tr>
+              <a:tr h="0">
+                <a:tc>
+                  <a:txBody>
+                    <a:bodyPr/>
+                    <a:lstStyle/>
+                    <a:p>
+                      <a:pPr algn="r" rtl="0" fontAlgn="t">
+                        <a:spcBef>
+                          <a:spcPts val="0"/>
+                        </a:spcBef>
+                        <a:spcAft>
+                          <a:spcPts val="0"/>
+                        </a:spcAft>
+                      </a:pPr>
+                      <a:r>
+                        <a:rPr lang="en-US" sz="1800" b="0" i="0" u="none" strike="noStrike" dirty="0">
+                          <a:solidFill>
+                            <a:schemeClr val="tx1"/>
+                          </a:solidFill>
+                          <a:effectLst/>
+                          <a:latin typeface="Arial" panose="020B0604020202020204" pitchFamily="34" charset="0"/>
+                        </a:rPr>
+                        <a:t>Dominion</a:t>
+                      </a:r>
+                      <a:endParaRPr lang="en-US" sz="3200" dirty="0">
+                        <a:solidFill>
+                          <a:schemeClr val="tx1"/>
+                        </a:solidFill>
+                        <a:effectLst/>
+                      </a:endParaRPr>
+                    </a:p>
+                  </a:txBody>
+                  <a:tcPr marL="63500" marR="182880" marT="109728" marB="109728" anchor="ctr">
+                    <a:lnR w="3175" cap="flat" cmpd="sng" algn="ctr">
+                      <a:solidFill>
+                        <a:schemeClr val="tx1">
+                          <a:lumMod val="65000"/>
+                        </a:schemeClr>
+                      </a:solidFill>
+                      <a:prstDash val="solid"/>
+                      <a:round/>
+                      <a:headEnd type="none" w="med" len="med"/>
+                      <a:tailEnd type="none" w="med" len="med"/>
+                    </a:lnR>
+                  </a:tcPr>
+                </a:tc>
+                <a:tc>
+                  <a:txBody>
+                    <a:bodyPr/>
+                    <a:lstStyle/>
+                    <a:p>
+                      <a:pPr rtl="0" fontAlgn="t">
+                        <a:spcBef>
+                          <a:spcPts val="0"/>
+                        </a:spcBef>
+                        <a:spcAft>
+                          <a:spcPts val="0"/>
+                        </a:spcAft>
+                      </a:pPr>
+                      <a:r>
+                        <a:rPr lang="en-US" sz="2000" b="0" i="0" u="none" strike="noStrike" dirty="0">
+                          <a:solidFill>
+                            <a:srgbClr val="009EC0"/>
+                          </a:solidFill>
+                          <a:effectLst/>
+                          <a:latin typeface="+mn-lt"/>
+                        </a:rPr>
+                        <a:t>5:13</a:t>
+                      </a:r>
+                      <a:endParaRPr lang="en-US" sz="2000" b="0" dirty="0">
+                        <a:solidFill>
+                          <a:srgbClr val="009EC0"/>
+                        </a:solidFill>
+                        <a:effectLst/>
+                        <a:latin typeface="+mn-lt"/>
+                      </a:endParaRPr>
+                    </a:p>
+                  </a:txBody>
+                  <a:tcPr marL="154940" marR="63500" marT="109728" marB="109728" anchor="ctr">
+                    <a:lnL w="3175" cap="flat" cmpd="sng" algn="ctr">
+                      <a:solidFill>
+                        <a:schemeClr val="tx1">
+                          <a:lumMod val="65000"/>
+                        </a:schemeClr>
+                      </a:solidFill>
+                      <a:prstDash val="solid"/>
+                      <a:round/>
+                      <a:headEnd type="none" w="med" len="med"/>
+                      <a:tailEnd type="none" w="med" len="med"/>
+                    </a:lnL>
+                    <a:lnR w="3175" cap="flat" cmpd="sng" algn="ctr">
+                      <a:solidFill>
+                        <a:schemeClr val="tx1">
+                          <a:lumMod val="65000"/>
+                        </a:schemeClr>
+                      </a:solidFill>
+                      <a:prstDash val="solid"/>
+                      <a:round/>
+                      <a:headEnd type="none" w="med" len="med"/>
+                      <a:tailEnd type="none" w="med" len="med"/>
+                    </a:lnR>
+                  </a:tcPr>
+                </a:tc>
+                <a:tc>
+                  <a:txBody>
+                    <a:bodyPr/>
+                    <a:lstStyle/>
+                    <a:p>
+                      <a:pPr rtl="0" fontAlgn="t">
+                        <a:spcBef>
+                          <a:spcPts val="0"/>
+                        </a:spcBef>
+                        <a:spcAft>
+                          <a:spcPts val="0"/>
+                        </a:spcAft>
+                      </a:pPr>
+                      <a:r>
+                        <a:rPr lang="en-US" sz="2000" b="0" i="0" u="none" strike="noStrike" dirty="0">
+                          <a:solidFill>
+                            <a:srgbClr val="CA5C0E"/>
+                          </a:solidFill>
+                          <a:effectLst/>
+                          <a:latin typeface="+mn-lt"/>
+                        </a:rPr>
+                        <a:t>1:6; 5:13</a:t>
+                      </a:r>
+                      <a:endParaRPr lang="en-US" sz="2000" b="0" dirty="0">
+                        <a:solidFill>
+                          <a:srgbClr val="CA5C0E"/>
+                        </a:solidFill>
+                        <a:effectLst/>
+                        <a:latin typeface="+mn-lt"/>
+                      </a:endParaRPr>
+                    </a:p>
+                  </a:txBody>
+                  <a:tcPr marL="154940" marR="63500" marT="109728" marB="109728" anchor="ctr">
+                    <a:lnL w="3175" cap="flat" cmpd="sng" algn="ctr">
+                      <a:solidFill>
+                        <a:schemeClr val="tx1">
+                          <a:lumMod val="65000"/>
+                        </a:schemeClr>
+                      </a:solidFill>
+                      <a:prstDash val="solid"/>
+                      <a:round/>
+                      <a:headEnd type="none" w="med" len="med"/>
+                      <a:tailEnd type="none" w="med" len="med"/>
+                    </a:lnL>
+                    <a:lnR w="3175" cap="flat" cmpd="sng" algn="ctr">
+                      <a:solidFill>
+                        <a:schemeClr val="tx1">
+                          <a:lumMod val="65000"/>
+                        </a:schemeClr>
+                      </a:solidFill>
+                      <a:prstDash val="solid"/>
+                      <a:round/>
+                      <a:headEnd type="none" w="med" len="med"/>
+                      <a:tailEnd type="none" w="med" len="med"/>
+                    </a:lnR>
+                  </a:tcPr>
+                </a:tc>
+                <a:tc>
+                  <a:txBody>
+                    <a:bodyPr/>
+                    <a:lstStyle/>
+                    <a:p>
+                      <a:pPr fontAlgn="t"/>
+                      <a:endParaRPr lang="en-US" sz="2000" b="0" dirty="0">
+                        <a:solidFill>
+                          <a:schemeClr val="bg1">
+                            <a:lumMod val="50000"/>
+                            <a:lumOff val="50000"/>
+                          </a:schemeClr>
+                        </a:solidFill>
+                        <a:effectLst/>
+                        <a:latin typeface="+mn-lt"/>
+                      </a:endParaRPr>
+                    </a:p>
+                  </a:txBody>
+                  <a:tcPr marL="154940" marR="63500" marT="109728" marB="109728" anchor="ctr">
+                    <a:lnL w="3175" cap="flat" cmpd="sng" algn="ctr">
+                      <a:solidFill>
+                        <a:schemeClr val="tx1">
+                          <a:lumMod val="65000"/>
+                        </a:schemeClr>
+                      </a:solidFill>
+                      <a:prstDash val="solid"/>
+                      <a:round/>
+                      <a:headEnd type="none" w="med" len="med"/>
+                      <a:tailEnd type="none" w="med" len="med"/>
+                    </a:lnL>
+                  </a:tcPr>
+                </a:tc>
+                <a:extLst>
+                  <a:ext uri="{0D108BD9-81ED-4DB2-BD59-A6C34878D82A}">
+                    <a16:rowId xmlns:a16="http://schemas.microsoft.com/office/drawing/2014/main" val="4048738182"/>
+                  </a:ext>
+                </a:extLst>
+              </a:tr>
+              <a:tr h="0">
+                <a:tc>
+                  <a:txBody>
+                    <a:bodyPr/>
+                    <a:lstStyle/>
+                    <a:p>
+                      <a:pPr algn="r" rtl="0" fontAlgn="t">
+                        <a:spcBef>
+                          <a:spcPts val="0"/>
+                        </a:spcBef>
+                        <a:spcAft>
+                          <a:spcPts val="0"/>
+                        </a:spcAft>
+                      </a:pPr>
+                      <a:r>
+                        <a:rPr lang="en-US" sz="1800" b="0" i="0" u="none" strike="noStrike" dirty="0">
+                          <a:solidFill>
+                            <a:schemeClr val="tx1"/>
+                          </a:solidFill>
+                          <a:effectLst/>
+                          <a:latin typeface="Arial" panose="020B0604020202020204" pitchFamily="34" charset="0"/>
+                        </a:rPr>
+                        <a:t>Power</a:t>
+                      </a:r>
+                      <a:endParaRPr lang="en-US" sz="3200" dirty="0">
+                        <a:solidFill>
+                          <a:schemeClr val="tx1"/>
+                        </a:solidFill>
+                        <a:effectLst/>
+                      </a:endParaRPr>
+                    </a:p>
+                  </a:txBody>
+                  <a:tcPr marL="63500" marR="182880" marT="109728" marB="109728" anchor="ctr">
+                    <a:lnR w="3175" cap="flat" cmpd="sng" algn="ctr">
+                      <a:solidFill>
+                        <a:schemeClr val="tx1">
+                          <a:lumMod val="65000"/>
+                        </a:schemeClr>
+                      </a:solidFill>
+                      <a:prstDash val="solid"/>
+                      <a:round/>
+                      <a:headEnd type="none" w="med" len="med"/>
+                      <a:tailEnd type="none" w="med" len="med"/>
+                    </a:lnR>
+                  </a:tcPr>
+                </a:tc>
+                <a:tc>
+                  <a:txBody>
+                    <a:bodyPr/>
+                    <a:lstStyle/>
+                    <a:p>
+                      <a:pPr rtl="0" fontAlgn="t">
+                        <a:spcBef>
+                          <a:spcPts val="0"/>
+                        </a:spcBef>
+                        <a:spcAft>
+                          <a:spcPts val="0"/>
+                        </a:spcAft>
+                      </a:pPr>
+                      <a:r>
+                        <a:rPr lang="en-US" sz="2000" b="0" i="0" u="none" strike="noStrike" dirty="0">
+                          <a:solidFill>
+                            <a:srgbClr val="009EC0"/>
+                          </a:solidFill>
+                          <a:effectLst/>
+                          <a:latin typeface="+mn-lt"/>
+                        </a:rPr>
+                        <a:t>4:11; 7:12; 19:1b</a:t>
+                      </a:r>
+                      <a:endParaRPr lang="en-US" sz="2000" b="0" dirty="0">
+                        <a:solidFill>
+                          <a:srgbClr val="009EC0"/>
+                        </a:solidFill>
+                        <a:effectLst/>
+                        <a:latin typeface="+mn-lt"/>
+                      </a:endParaRPr>
+                    </a:p>
+                  </a:txBody>
+                  <a:tcPr marL="154940" marR="63500" marT="109728" marB="109728" anchor="ctr">
+                    <a:lnL w="3175" cap="flat" cmpd="sng" algn="ctr">
+                      <a:solidFill>
+                        <a:schemeClr val="tx1">
+                          <a:lumMod val="65000"/>
+                        </a:schemeClr>
+                      </a:solidFill>
+                      <a:prstDash val="solid"/>
+                      <a:round/>
+                      <a:headEnd type="none" w="med" len="med"/>
+                      <a:tailEnd type="none" w="med" len="med"/>
+                    </a:lnL>
+                    <a:lnR w="3175" cap="flat" cmpd="sng" algn="ctr">
+                      <a:solidFill>
+                        <a:schemeClr val="tx1">
+                          <a:lumMod val="65000"/>
+                        </a:schemeClr>
+                      </a:solidFill>
+                      <a:prstDash val="solid"/>
+                      <a:round/>
+                      <a:headEnd type="none" w="med" len="med"/>
+                      <a:tailEnd type="none" w="med" len="med"/>
+                    </a:lnR>
+                  </a:tcPr>
+                </a:tc>
+                <a:tc>
+                  <a:txBody>
+                    <a:bodyPr/>
+                    <a:lstStyle/>
+                    <a:p>
+                      <a:pPr rtl="0" fontAlgn="t">
+                        <a:spcBef>
+                          <a:spcPts val="0"/>
+                        </a:spcBef>
+                        <a:spcAft>
+                          <a:spcPts val="0"/>
+                        </a:spcAft>
+                      </a:pPr>
+                      <a:r>
+                        <a:rPr lang="en-US" sz="2000" b="0" i="0" u="none" strike="noStrike" dirty="0">
+                          <a:solidFill>
+                            <a:srgbClr val="CA5C0E"/>
+                          </a:solidFill>
+                          <a:effectLst/>
+                          <a:latin typeface="+mn-lt"/>
+                        </a:rPr>
+                        <a:t>5:12</a:t>
+                      </a:r>
+                      <a:endParaRPr lang="en-US" sz="2000" b="0" dirty="0">
+                        <a:solidFill>
+                          <a:srgbClr val="CA5C0E"/>
+                        </a:solidFill>
+                        <a:effectLst/>
+                        <a:latin typeface="+mn-lt"/>
+                      </a:endParaRPr>
+                    </a:p>
+                  </a:txBody>
+                  <a:tcPr marL="154940" marR="63500" marT="109728" marB="109728" anchor="ctr">
+                    <a:lnL w="3175" cap="flat" cmpd="sng" algn="ctr">
+                      <a:solidFill>
+                        <a:schemeClr val="tx1">
+                          <a:lumMod val="65000"/>
+                        </a:schemeClr>
+                      </a:solidFill>
+                      <a:prstDash val="solid"/>
+                      <a:round/>
+                      <a:headEnd type="none" w="med" len="med"/>
+                      <a:tailEnd type="none" w="med" len="med"/>
+                    </a:lnL>
+                    <a:lnR w="3175" cap="flat" cmpd="sng" algn="ctr">
+                      <a:solidFill>
+                        <a:schemeClr val="tx1">
+                          <a:lumMod val="65000"/>
+                        </a:schemeClr>
+                      </a:solidFill>
+                      <a:prstDash val="solid"/>
+                      <a:round/>
+                      <a:headEnd type="none" w="med" len="med"/>
+                      <a:tailEnd type="none" w="med" len="med"/>
+                    </a:lnR>
+                  </a:tcPr>
+                </a:tc>
+                <a:tc>
+                  <a:txBody>
+                    <a:bodyPr/>
+                    <a:lstStyle/>
+                    <a:p>
+                      <a:pPr rtl="0" fontAlgn="t">
+                        <a:spcBef>
+                          <a:spcPts val="0"/>
+                        </a:spcBef>
+                        <a:spcAft>
+                          <a:spcPts val="0"/>
+                        </a:spcAft>
+                      </a:pPr>
+                      <a:r>
+                        <a:rPr lang="en-US" sz="2000" b="0" i="0" u="none" strike="noStrike" dirty="0">
+                          <a:solidFill>
+                            <a:schemeClr val="bg1">
+                              <a:lumMod val="50000"/>
+                              <a:lumOff val="50000"/>
+                            </a:schemeClr>
+                          </a:solidFill>
+                          <a:effectLst/>
+                          <a:latin typeface="+mn-lt"/>
+                        </a:rPr>
+                        <a:t>29:11</a:t>
+                      </a:r>
+                      <a:endParaRPr lang="en-US" sz="2000" b="0" dirty="0">
+                        <a:solidFill>
+                          <a:schemeClr val="bg1">
+                            <a:lumMod val="50000"/>
+                            <a:lumOff val="50000"/>
+                          </a:schemeClr>
+                        </a:solidFill>
+                        <a:effectLst/>
+                        <a:latin typeface="+mn-lt"/>
+                      </a:endParaRPr>
+                    </a:p>
+                  </a:txBody>
+                  <a:tcPr marL="154940" marR="63500" marT="109728" marB="109728" anchor="ctr">
+                    <a:lnL w="3175" cap="flat" cmpd="sng" algn="ctr">
+                      <a:solidFill>
+                        <a:schemeClr val="tx1">
+                          <a:lumMod val="65000"/>
+                        </a:schemeClr>
+                      </a:solidFill>
+                      <a:prstDash val="solid"/>
+                      <a:round/>
+                      <a:headEnd type="none" w="med" len="med"/>
+                      <a:tailEnd type="none" w="med" len="med"/>
+                    </a:lnL>
+                  </a:tcPr>
+                </a:tc>
+                <a:extLst>
+                  <a:ext uri="{0D108BD9-81ED-4DB2-BD59-A6C34878D82A}">
+                    <a16:rowId xmlns:a16="http://schemas.microsoft.com/office/drawing/2014/main" val="1459390053"/>
+                  </a:ext>
+                </a:extLst>
+              </a:tr>
+              <a:tr h="0">
+                <a:tc>
+                  <a:txBody>
+                    <a:bodyPr/>
+                    <a:lstStyle/>
+                    <a:p>
+                      <a:pPr algn="r" rtl="0" fontAlgn="t">
+                        <a:spcBef>
+                          <a:spcPts val="0"/>
+                        </a:spcBef>
+                        <a:spcAft>
+                          <a:spcPts val="0"/>
+                        </a:spcAft>
+                      </a:pPr>
+                      <a:r>
+                        <a:rPr lang="en-US" sz="1800" b="0" i="0" u="none" strike="noStrike" dirty="0">
+                          <a:solidFill>
+                            <a:schemeClr val="tx1"/>
+                          </a:solidFill>
+                          <a:effectLst/>
+                          <a:latin typeface="Arial" panose="020B0604020202020204" pitchFamily="34" charset="0"/>
+                        </a:rPr>
+                        <a:t>Might</a:t>
+                      </a:r>
+                      <a:endParaRPr lang="en-US" sz="3200" dirty="0">
+                        <a:solidFill>
+                          <a:schemeClr val="tx1"/>
+                        </a:solidFill>
+                        <a:effectLst/>
+                      </a:endParaRPr>
+                    </a:p>
+                  </a:txBody>
+                  <a:tcPr marL="63500" marR="182880" marT="109728" marB="109728" anchor="ctr">
+                    <a:lnR w="3175" cap="flat" cmpd="sng" algn="ctr">
+                      <a:solidFill>
+                        <a:schemeClr val="tx1">
+                          <a:lumMod val="65000"/>
+                        </a:schemeClr>
+                      </a:solidFill>
+                      <a:prstDash val="solid"/>
+                      <a:round/>
+                      <a:headEnd type="none" w="med" len="med"/>
+                      <a:tailEnd type="none" w="med" len="med"/>
+                    </a:lnR>
+                  </a:tcPr>
+                </a:tc>
+                <a:tc>
+                  <a:txBody>
+                    <a:bodyPr/>
+                    <a:lstStyle/>
+                    <a:p>
+                      <a:pPr rtl="0" fontAlgn="t">
+                        <a:spcBef>
+                          <a:spcPts val="0"/>
+                        </a:spcBef>
+                        <a:spcAft>
+                          <a:spcPts val="0"/>
+                        </a:spcAft>
+                      </a:pPr>
+                      <a:r>
+                        <a:rPr lang="en-US" sz="2000" b="0" i="0" u="none" strike="noStrike" dirty="0">
+                          <a:solidFill>
+                            <a:srgbClr val="009EC0"/>
+                          </a:solidFill>
+                          <a:effectLst/>
+                          <a:latin typeface="+mn-lt"/>
+                        </a:rPr>
+                        <a:t>7:12</a:t>
+                      </a:r>
+                      <a:endParaRPr lang="en-US" sz="2000" b="0" dirty="0">
+                        <a:solidFill>
+                          <a:srgbClr val="009EC0"/>
+                        </a:solidFill>
+                        <a:effectLst/>
+                        <a:latin typeface="+mn-lt"/>
+                      </a:endParaRPr>
+                    </a:p>
+                  </a:txBody>
+                  <a:tcPr marL="154940" marR="63500" marT="109728" marB="109728" anchor="ctr">
+                    <a:lnL w="3175" cap="flat" cmpd="sng" algn="ctr">
+                      <a:solidFill>
+                        <a:schemeClr val="tx1">
+                          <a:lumMod val="65000"/>
+                        </a:schemeClr>
+                      </a:solidFill>
+                      <a:prstDash val="solid"/>
+                      <a:round/>
+                      <a:headEnd type="none" w="med" len="med"/>
+                      <a:tailEnd type="none" w="med" len="med"/>
+                    </a:lnL>
+                    <a:lnR w="3175" cap="flat" cmpd="sng" algn="ctr">
+                      <a:solidFill>
+                        <a:schemeClr val="tx1">
+                          <a:lumMod val="65000"/>
+                        </a:schemeClr>
+                      </a:solidFill>
+                      <a:prstDash val="solid"/>
+                      <a:round/>
+                      <a:headEnd type="none" w="med" len="med"/>
+                      <a:tailEnd type="none" w="med" len="med"/>
+                    </a:lnR>
+                  </a:tcPr>
+                </a:tc>
+                <a:tc>
+                  <a:txBody>
+                    <a:bodyPr/>
+                    <a:lstStyle/>
+                    <a:p>
+                      <a:pPr rtl="0" fontAlgn="t">
+                        <a:spcBef>
+                          <a:spcPts val="0"/>
+                        </a:spcBef>
+                        <a:spcAft>
+                          <a:spcPts val="0"/>
+                        </a:spcAft>
+                      </a:pPr>
+                      <a:r>
+                        <a:rPr lang="en-US" sz="2000" b="0" i="0" u="none" strike="noStrike" dirty="0">
+                          <a:solidFill>
+                            <a:srgbClr val="CA5C0E"/>
+                          </a:solidFill>
+                          <a:effectLst/>
+                          <a:latin typeface="+mn-lt"/>
+                        </a:rPr>
+                        <a:t>5:12</a:t>
+                      </a:r>
+                      <a:endParaRPr lang="en-US" sz="2000" b="0" dirty="0">
+                        <a:solidFill>
+                          <a:srgbClr val="CA5C0E"/>
+                        </a:solidFill>
+                        <a:effectLst/>
+                        <a:latin typeface="+mn-lt"/>
+                      </a:endParaRPr>
+                    </a:p>
+                  </a:txBody>
+                  <a:tcPr marL="154940" marR="63500" marT="109728" marB="109728" anchor="ctr">
+                    <a:lnL w="3175" cap="flat" cmpd="sng" algn="ctr">
+                      <a:solidFill>
+                        <a:schemeClr val="tx1">
+                          <a:lumMod val="65000"/>
+                        </a:schemeClr>
+                      </a:solidFill>
+                      <a:prstDash val="solid"/>
+                      <a:round/>
+                      <a:headEnd type="none" w="med" len="med"/>
+                      <a:tailEnd type="none" w="med" len="med"/>
+                    </a:lnL>
+                    <a:lnR w="3175" cap="flat" cmpd="sng" algn="ctr">
+                      <a:solidFill>
+                        <a:schemeClr val="tx1">
+                          <a:lumMod val="65000"/>
+                        </a:schemeClr>
+                      </a:solidFill>
+                      <a:prstDash val="solid"/>
+                      <a:round/>
+                      <a:headEnd type="none" w="med" len="med"/>
+                      <a:tailEnd type="none" w="med" len="med"/>
+                    </a:lnR>
+                  </a:tcPr>
+                </a:tc>
+                <a:tc>
+                  <a:txBody>
+                    <a:bodyPr/>
+                    <a:lstStyle/>
+                    <a:p>
+                      <a:pPr rtl="0" fontAlgn="t">
+                        <a:spcBef>
+                          <a:spcPts val="0"/>
+                        </a:spcBef>
+                        <a:spcAft>
+                          <a:spcPts val="0"/>
+                        </a:spcAft>
+                      </a:pPr>
+                      <a:r>
+                        <a:rPr lang="en-US" sz="2000" b="0" i="0" u="none" strike="noStrike" dirty="0">
+                          <a:solidFill>
+                            <a:schemeClr val="bg1">
+                              <a:lumMod val="50000"/>
+                              <a:lumOff val="50000"/>
+                            </a:schemeClr>
+                          </a:solidFill>
+                          <a:effectLst/>
+                          <a:latin typeface="+mn-lt"/>
+                        </a:rPr>
+                        <a:t>29:11-12</a:t>
+                      </a:r>
+                      <a:endParaRPr lang="en-US" sz="2000" b="0" dirty="0">
+                        <a:solidFill>
+                          <a:schemeClr val="bg1">
+                            <a:lumMod val="50000"/>
+                            <a:lumOff val="50000"/>
+                          </a:schemeClr>
+                        </a:solidFill>
+                        <a:effectLst/>
+                        <a:latin typeface="+mn-lt"/>
+                      </a:endParaRPr>
+                    </a:p>
+                  </a:txBody>
+                  <a:tcPr marL="154940" marR="63500" marT="109728" marB="109728" anchor="ctr">
+                    <a:lnL w="3175" cap="flat" cmpd="sng" algn="ctr">
+                      <a:solidFill>
+                        <a:schemeClr val="tx1">
+                          <a:lumMod val="65000"/>
+                        </a:schemeClr>
+                      </a:solidFill>
+                      <a:prstDash val="solid"/>
+                      <a:round/>
+                      <a:headEnd type="none" w="med" len="med"/>
+                      <a:tailEnd type="none" w="med" len="med"/>
+                    </a:lnL>
+                  </a:tcPr>
+                </a:tc>
+                <a:extLst>
+                  <a:ext uri="{0D108BD9-81ED-4DB2-BD59-A6C34878D82A}">
+                    <a16:rowId xmlns:a16="http://schemas.microsoft.com/office/drawing/2014/main" val="3063327610"/>
+                  </a:ext>
+                </a:extLst>
+              </a:tr>
+              <a:tr h="0">
+                <a:tc>
+                  <a:txBody>
+                    <a:bodyPr/>
+                    <a:lstStyle/>
+                    <a:p>
+                      <a:pPr algn="r" rtl="0" fontAlgn="t">
+                        <a:spcBef>
+                          <a:spcPts val="0"/>
+                        </a:spcBef>
+                        <a:spcAft>
+                          <a:spcPts val="0"/>
+                        </a:spcAft>
+                      </a:pPr>
+                      <a:r>
+                        <a:rPr lang="en-US" sz="1800" b="0" i="0" u="none" strike="noStrike" dirty="0">
+                          <a:solidFill>
+                            <a:schemeClr val="tx1"/>
+                          </a:solidFill>
+                          <a:effectLst/>
+                          <a:latin typeface="Arial" panose="020B0604020202020204" pitchFamily="34" charset="0"/>
+                        </a:rPr>
+                        <a:t>Wealth</a:t>
+                      </a:r>
+                      <a:endParaRPr lang="en-US" sz="3200" dirty="0">
+                        <a:solidFill>
+                          <a:schemeClr val="tx1"/>
+                        </a:solidFill>
+                        <a:effectLst/>
+                      </a:endParaRPr>
+                    </a:p>
+                  </a:txBody>
+                  <a:tcPr marL="63500" marR="182880" marT="109728" marB="109728" anchor="ctr">
+                    <a:lnR w="3175" cap="flat" cmpd="sng" algn="ctr">
+                      <a:solidFill>
+                        <a:schemeClr val="tx1">
+                          <a:lumMod val="65000"/>
+                        </a:schemeClr>
+                      </a:solidFill>
+                      <a:prstDash val="solid"/>
+                      <a:round/>
+                      <a:headEnd type="none" w="med" len="med"/>
+                      <a:tailEnd type="none" w="med" len="med"/>
+                    </a:lnR>
+                  </a:tcPr>
+                </a:tc>
+                <a:tc>
+                  <a:txBody>
+                    <a:bodyPr/>
+                    <a:lstStyle/>
+                    <a:p>
+                      <a:pPr fontAlgn="t"/>
+                      <a:endParaRPr lang="en-US" sz="2000" b="0" dirty="0">
+                        <a:solidFill>
+                          <a:srgbClr val="009EC0"/>
+                        </a:solidFill>
+                        <a:effectLst/>
+                        <a:latin typeface="+mn-lt"/>
+                      </a:endParaRPr>
+                    </a:p>
+                  </a:txBody>
+                  <a:tcPr marL="154940" marR="63500" marT="109728" marB="109728" anchor="ctr">
+                    <a:lnL w="3175" cap="flat" cmpd="sng" algn="ctr">
+                      <a:solidFill>
+                        <a:schemeClr val="tx1">
+                          <a:lumMod val="65000"/>
+                        </a:schemeClr>
+                      </a:solidFill>
+                      <a:prstDash val="solid"/>
+                      <a:round/>
+                      <a:headEnd type="none" w="med" len="med"/>
+                      <a:tailEnd type="none" w="med" len="med"/>
+                    </a:lnL>
+                    <a:lnR w="3175" cap="flat" cmpd="sng" algn="ctr">
+                      <a:solidFill>
+                        <a:schemeClr val="tx1">
+                          <a:lumMod val="65000"/>
+                        </a:schemeClr>
+                      </a:solidFill>
+                      <a:prstDash val="solid"/>
+                      <a:round/>
+                      <a:headEnd type="none" w="med" len="med"/>
+                      <a:tailEnd type="none" w="med" len="med"/>
+                    </a:lnR>
+                  </a:tcPr>
+                </a:tc>
+                <a:tc>
+                  <a:txBody>
+                    <a:bodyPr/>
+                    <a:lstStyle/>
+                    <a:p>
+                      <a:pPr rtl="0" fontAlgn="t">
+                        <a:spcBef>
+                          <a:spcPts val="0"/>
+                        </a:spcBef>
+                        <a:spcAft>
+                          <a:spcPts val="0"/>
+                        </a:spcAft>
+                      </a:pPr>
+                      <a:r>
+                        <a:rPr lang="en-US" sz="2000" b="0" i="0" u="none" strike="noStrike" dirty="0">
+                          <a:solidFill>
+                            <a:srgbClr val="CA5C0E"/>
+                          </a:solidFill>
+                          <a:effectLst/>
+                          <a:latin typeface="+mn-lt"/>
+                        </a:rPr>
+                        <a:t>5:12</a:t>
+                      </a:r>
+                      <a:endParaRPr lang="en-US" sz="2000" b="0" dirty="0">
+                        <a:solidFill>
+                          <a:srgbClr val="CA5C0E"/>
+                        </a:solidFill>
+                        <a:effectLst/>
+                        <a:latin typeface="+mn-lt"/>
+                      </a:endParaRPr>
+                    </a:p>
+                  </a:txBody>
+                  <a:tcPr marL="154940" marR="63500" marT="109728" marB="109728" anchor="ctr">
+                    <a:lnL w="3175" cap="flat" cmpd="sng" algn="ctr">
+                      <a:solidFill>
+                        <a:schemeClr val="tx1">
+                          <a:lumMod val="65000"/>
+                        </a:schemeClr>
+                      </a:solidFill>
+                      <a:prstDash val="solid"/>
+                      <a:round/>
+                      <a:headEnd type="none" w="med" len="med"/>
+                      <a:tailEnd type="none" w="med" len="med"/>
+                    </a:lnL>
+                    <a:lnR w="3175" cap="flat" cmpd="sng" algn="ctr">
+                      <a:solidFill>
+                        <a:schemeClr val="tx1">
+                          <a:lumMod val="65000"/>
+                        </a:schemeClr>
+                      </a:solidFill>
+                      <a:prstDash val="solid"/>
+                      <a:round/>
+                      <a:headEnd type="none" w="med" len="med"/>
+                      <a:tailEnd type="none" w="med" len="med"/>
+                    </a:lnR>
+                  </a:tcPr>
+                </a:tc>
+                <a:tc>
+                  <a:txBody>
+                    <a:bodyPr/>
+                    <a:lstStyle/>
+                    <a:p>
+                      <a:pPr rtl="0" fontAlgn="t">
+                        <a:spcBef>
+                          <a:spcPts val="0"/>
+                        </a:spcBef>
+                        <a:spcAft>
+                          <a:spcPts val="0"/>
+                        </a:spcAft>
+                      </a:pPr>
+                      <a:r>
+                        <a:rPr lang="en-US" sz="2000" b="0" i="0" u="none" strike="noStrike" dirty="0">
+                          <a:solidFill>
+                            <a:schemeClr val="bg1">
+                              <a:lumMod val="50000"/>
+                              <a:lumOff val="50000"/>
+                            </a:schemeClr>
+                          </a:solidFill>
+                          <a:effectLst/>
+                          <a:latin typeface="+mn-lt"/>
+                        </a:rPr>
+                        <a:t>29:12</a:t>
+                      </a:r>
+                      <a:endParaRPr lang="en-US" sz="2000" b="0" dirty="0">
+                        <a:solidFill>
+                          <a:schemeClr val="bg1">
+                            <a:lumMod val="50000"/>
+                            <a:lumOff val="50000"/>
+                          </a:schemeClr>
+                        </a:solidFill>
+                        <a:effectLst/>
+                        <a:latin typeface="+mn-lt"/>
+                      </a:endParaRPr>
+                    </a:p>
+                  </a:txBody>
+                  <a:tcPr marL="154940" marR="63500" marT="109728" marB="109728" anchor="ctr">
+                    <a:lnL w="3175" cap="flat" cmpd="sng" algn="ctr">
+                      <a:solidFill>
+                        <a:schemeClr val="tx1">
+                          <a:lumMod val="65000"/>
+                        </a:schemeClr>
+                      </a:solidFill>
+                      <a:prstDash val="solid"/>
+                      <a:round/>
+                      <a:headEnd type="none" w="med" len="med"/>
+                      <a:tailEnd type="none" w="med" len="med"/>
+                    </a:lnL>
+                  </a:tcPr>
+                </a:tc>
+                <a:extLst>
+                  <a:ext uri="{0D108BD9-81ED-4DB2-BD59-A6C34878D82A}">
+                    <a16:rowId xmlns:a16="http://schemas.microsoft.com/office/drawing/2014/main" val="998773937"/>
+                  </a:ext>
+                </a:extLst>
+              </a:tr>
+              <a:tr h="0">
+                <a:tc>
+                  <a:txBody>
+                    <a:bodyPr/>
+                    <a:lstStyle/>
+                    <a:p>
+                      <a:pPr algn="r" rtl="0" fontAlgn="t">
+                        <a:spcBef>
+                          <a:spcPts val="0"/>
+                        </a:spcBef>
+                        <a:spcAft>
+                          <a:spcPts val="0"/>
+                        </a:spcAft>
+                      </a:pPr>
+                      <a:r>
+                        <a:rPr lang="en-US" sz="1800" b="0" i="0" u="none" strike="noStrike" dirty="0">
+                          <a:solidFill>
+                            <a:schemeClr val="tx1"/>
+                          </a:solidFill>
+                          <a:effectLst/>
+                          <a:latin typeface="Arial" panose="020B0604020202020204" pitchFamily="34" charset="0"/>
+                        </a:rPr>
+                        <a:t>Wisdom</a:t>
+                      </a:r>
+                      <a:endParaRPr lang="en-US" sz="3200" dirty="0">
+                        <a:solidFill>
+                          <a:schemeClr val="tx1"/>
+                        </a:solidFill>
+                        <a:effectLst/>
+                      </a:endParaRPr>
+                    </a:p>
+                  </a:txBody>
+                  <a:tcPr marL="63500" marR="182880" marT="109728" marB="109728" anchor="ctr">
+                    <a:lnR w="3175" cap="flat" cmpd="sng" algn="ctr">
+                      <a:solidFill>
+                        <a:schemeClr val="tx1">
+                          <a:lumMod val="65000"/>
+                        </a:schemeClr>
+                      </a:solidFill>
+                      <a:prstDash val="solid"/>
+                      <a:round/>
+                      <a:headEnd type="none" w="med" len="med"/>
+                      <a:tailEnd type="none" w="med" len="med"/>
+                    </a:lnR>
+                  </a:tcPr>
+                </a:tc>
+                <a:tc>
+                  <a:txBody>
+                    <a:bodyPr/>
+                    <a:lstStyle/>
+                    <a:p>
+                      <a:pPr rtl="0" fontAlgn="t">
+                        <a:spcBef>
+                          <a:spcPts val="0"/>
+                        </a:spcBef>
+                        <a:spcAft>
+                          <a:spcPts val="0"/>
+                        </a:spcAft>
+                      </a:pPr>
+                      <a:r>
+                        <a:rPr lang="en-US" sz="2000" b="0" i="0" u="none" strike="noStrike" dirty="0">
+                          <a:solidFill>
+                            <a:srgbClr val="009EC0"/>
+                          </a:solidFill>
+                          <a:effectLst/>
+                          <a:latin typeface="+mn-lt"/>
+                        </a:rPr>
+                        <a:t>7:12</a:t>
+                      </a:r>
+                      <a:endParaRPr lang="en-US" sz="2000" b="0" dirty="0">
+                        <a:solidFill>
+                          <a:srgbClr val="009EC0"/>
+                        </a:solidFill>
+                        <a:effectLst/>
+                        <a:latin typeface="+mn-lt"/>
+                      </a:endParaRPr>
+                    </a:p>
+                  </a:txBody>
+                  <a:tcPr marL="154940" marR="63500" marT="109728" marB="109728" anchor="ctr">
+                    <a:lnL w="3175" cap="flat" cmpd="sng" algn="ctr">
+                      <a:solidFill>
+                        <a:schemeClr val="tx1">
+                          <a:lumMod val="65000"/>
+                        </a:schemeClr>
+                      </a:solidFill>
+                      <a:prstDash val="solid"/>
+                      <a:round/>
+                      <a:headEnd type="none" w="med" len="med"/>
+                      <a:tailEnd type="none" w="med" len="med"/>
+                    </a:lnL>
+                    <a:lnR w="3175" cap="flat" cmpd="sng" algn="ctr">
+                      <a:solidFill>
+                        <a:schemeClr val="tx1">
+                          <a:lumMod val="65000"/>
+                        </a:schemeClr>
+                      </a:solidFill>
+                      <a:prstDash val="solid"/>
+                      <a:round/>
+                      <a:headEnd type="none" w="med" len="med"/>
+                      <a:tailEnd type="none" w="med" len="med"/>
+                    </a:lnR>
+                  </a:tcPr>
+                </a:tc>
+                <a:tc>
+                  <a:txBody>
+                    <a:bodyPr/>
+                    <a:lstStyle/>
+                    <a:p>
+                      <a:pPr rtl="0" fontAlgn="t">
+                        <a:spcBef>
+                          <a:spcPts val="0"/>
+                        </a:spcBef>
+                        <a:spcAft>
+                          <a:spcPts val="0"/>
+                        </a:spcAft>
+                      </a:pPr>
+                      <a:r>
+                        <a:rPr lang="en-US" sz="2000" b="0" i="0" u="none" strike="noStrike" dirty="0">
+                          <a:solidFill>
+                            <a:srgbClr val="CA5C0E"/>
+                          </a:solidFill>
+                          <a:effectLst/>
+                          <a:latin typeface="+mn-lt"/>
+                        </a:rPr>
+                        <a:t>5:12</a:t>
+                      </a:r>
+                      <a:endParaRPr lang="en-US" sz="2000" b="0" dirty="0">
+                        <a:solidFill>
+                          <a:srgbClr val="CA5C0E"/>
+                        </a:solidFill>
+                        <a:effectLst/>
+                        <a:latin typeface="+mn-lt"/>
+                      </a:endParaRPr>
+                    </a:p>
+                  </a:txBody>
+                  <a:tcPr marL="154940" marR="63500" marT="109728" marB="109728" anchor="ctr">
+                    <a:lnL w="3175" cap="flat" cmpd="sng" algn="ctr">
+                      <a:solidFill>
+                        <a:schemeClr val="tx1">
+                          <a:lumMod val="65000"/>
+                        </a:schemeClr>
+                      </a:solidFill>
+                      <a:prstDash val="solid"/>
+                      <a:round/>
+                      <a:headEnd type="none" w="med" len="med"/>
+                      <a:tailEnd type="none" w="med" len="med"/>
+                    </a:lnL>
+                    <a:lnR w="3175" cap="flat" cmpd="sng" algn="ctr">
+                      <a:solidFill>
+                        <a:schemeClr val="tx1">
+                          <a:lumMod val="65000"/>
+                        </a:schemeClr>
+                      </a:solidFill>
+                      <a:prstDash val="solid"/>
+                      <a:round/>
+                      <a:headEnd type="none" w="med" len="med"/>
+                      <a:tailEnd type="none" w="med" len="med"/>
+                    </a:lnR>
+                  </a:tcPr>
+                </a:tc>
+                <a:tc>
+                  <a:txBody>
+                    <a:bodyPr/>
+                    <a:lstStyle/>
+                    <a:p>
+                      <a:pPr fontAlgn="t"/>
+                      <a:endParaRPr lang="en-US" sz="2000" b="0" dirty="0">
+                        <a:solidFill>
+                          <a:schemeClr val="bg1">
+                            <a:lumMod val="50000"/>
+                            <a:lumOff val="50000"/>
+                          </a:schemeClr>
+                        </a:solidFill>
+                        <a:effectLst/>
+                        <a:latin typeface="+mn-lt"/>
+                      </a:endParaRPr>
+                    </a:p>
+                  </a:txBody>
+                  <a:tcPr marL="154940" marR="63500" marT="109728" marB="109728" anchor="ctr">
+                    <a:lnL w="3175" cap="flat" cmpd="sng" algn="ctr">
+                      <a:solidFill>
+                        <a:schemeClr val="tx1">
+                          <a:lumMod val="65000"/>
+                        </a:schemeClr>
+                      </a:solidFill>
+                      <a:prstDash val="solid"/>
+                      <a:round/>
+                      <a:headEnd type="none" w="med" len="med"/>
+                      <a:tailEnd type="none" w="med" len="med"/>
+                    </a:lnL>
+                  </a:tcPr>
+                </a:tc>
+                <a:extLst>
+                  <a:ext uri="{0D108BD9-81ED-4DB2-BD59-A6C34878D82A}">
+                    <a16:rowId xmlns:a16="http://schemas.microsoft.com/office/drawing/2014/main" val="468378459"/>
+                  </a:ext>
+                </a:extLst>
+              </a:tr>
+              <a:tr h="0">
+                <a:tc>
+                  <a:txBody>
+                    <a:bodyPr/>
+                    <a:lstStyle/>
+                    <a:p>
+                      <a:pPr algn="r" rtl="0" fontAlgn="t">
+                        <a:spcBef>
+                          <a:spcPts val="0"/>
+                        </a:spcBef>
+                        <a:spcAft>
+                          <a:spcPts val="0"/>
+                        </a:spcAft>
+                      </a:pPr>
+                      <a:r>
+                        <a:rPr lang="en-US" sz="1800" b="0" i="0" u="none" strike="noStrike" dirty="0">
+                          <a:solidFill>
+                            <a:schemeClr val="tx1"/>
+                          </a:solidFill>
+                          <a:effectLst/>
+                          <a:latin typeface="Arial" panose="020B0604020202020204" pitchFamily="34" charset="0"/>
+                        </a:rPr>
+                        <a:t>Thanksgiving</a:t>
+                      </a:r>
+                      <a:endParaRPr lang="en-US" sz="3200" dirty="0">
+                        <a:solidFill>
+                          <a:schemeClr val="tx1"/>
+                        </a:solidFill>
+                        <a:effectLst/>
+                      </a:endParaRPr>
+                    </a:p>
+                  </a:txBody>
+                  <a:tcPr marL="63500" marR="182880" marT="109728" marB="109728" anchor="ctr">
+                    <a:lnR w="3175" cap="flat" cmpd="sng" algn="ctr">
+                      <a:solidFill>
+                        <a:schemeClr val="tx1">
+                          <a:lumMod val="65000"/>
+                        </a:schemeClr>
+                      </a:solidFill>
+                      <a:prstDash val="solid"/>
+                      <a:round/>
+                      <a:headEnd type="none" w="med" len="med"/>
+                      <a:tailEnd type="none" w="med" len="med"/>
+                    </a:lnR>
+                  </a:tcPr>
+                </a:tc>
+                <a:tc>
+                  <a:txBody>
+                    <a:bodyPr/>
+                    <a:lstStyle/>
+                    <a:p>
+                      <a:pPr rtl="0" fontAlgn="t">
+                        <a:spcBef>
+                          <a:spcPts val="0"/>
+                        </a:spcBef>
+                        <a:spcAft>
+                          <a:spcPts val="0"/>
+                        </a:spcAft>
+                      </a:pPr>
+                      <a:r>
+                        <a:rPr lang="en-US" sz="2000" b="0" i="0" u="none" strike="noStrike" dirty="0">
+                          <a:solidFill>
+                            <a:srgbClr val="009EC0"/>
+                          </a:solidFill>
+                          <a:effectLst/>
+                          <a:latin typeface="+mn-lt"/>
+                        </a:rPr>
+                        <a:t>4:9; 7:12</a:t>
+                      </a:r>
+                      <a:endParaRPr lang="en-US" sz="2000" b="0" dirty="0">
+                        <a:solidFill>
+                          <a:srgbClr val="009EC0"/>
+                        </a:solidFill>
+                        <a:effectLst/>
+                        <a:latin typeface="+mn-lt"/>
+                      </a:endParaRPr>
+                    </a:p>
+                  </a:txBody>
+                  <a:tcPr marL="154940" marR="63500" marT="109728" marB="109728" anchor="ctr">
+                    <a:lnL w="3175" cap="flat" cmpd="sng" algn="ctr">
+                      <a:solidFill>
+                        <a:schemeClr val="tx1">
+                          <a:lumMod val="65000"/>
+                        </a:schemeClr>
+                      </a:solidFill>
+                      <a:prstDash val="solid"/>
+                      <a:round/>
+                      <a:headEnd type="none" w="med" len="med"/>
+                      <a:tailEnd type="none" w="med" len="med"/>
+                    </a:lnL>
+                    <a:lnR w="3175" cap="flat" cmpd="sng" algn="ctr">
+                      <a:solidFill>
+                        <a:schemeClr val="tx1">
+                          <a:lumMod val="65000"/>
+                        </a:schemeClr>
+                      </a:solidFill>
+                      <a:prstDash val="solid"/>
+                      <a:round/>
+                      <a:headEnd type="none" w="med" len="med"/>
+                      <a:tailEnd type="none" w="med" len="med"/>
+                    </a:lnR>
+                  </a:tcPr>
+                </a:tc>
+                <a:tc>
+                  <a:txBody>
+                    <a:bodyPr/>
+                    <a:lstStyle/>
+                    <a:p>
+                      <a:pPr fontAlgn="t"/>
+                      <a:endParaRPr lang="en-US" sz="2000" b="0" dirty="0">
+                        <a:solidFill>
+                          <a:srgbClr val="CA5C0E"/>
+                        </a:solidFill>
+                        <a:effectLst/>
+                        <a:latin typeface="+mn-lt"/>
+                      </a:endParaRPr>
+                    </a:p>
+                  </a:txBody>
+                  <a:tcPr marL="154940" marR="63500" marT="109728" marB="109728" anchor="ctr">
+                    <a:lnL w="3175" cap="flat" cmpd="sng" algn="ctr">
+                      <a:solidFill>
+                        <a:schemeClr val="tx1">
+                          <a:lumMod val="65000"/>
+                        </a:schemeClr>
+                      </a:solidFill>
+                      <a:prstDash val="solid"/>
+                      <a:round/>
+                      <a:headEnd type="none" w="med" len="med"/>
+                      <a:tailEnd type="none" w="med" len="med"/>
+                    </a:lnL>
+                    <a:lnR w="3175" cap="flat" cmpd="sng" algn="ctr">
+                      <a:solidFill>
+                        <a:schemeClr val="tx1">
+                          <a:lumMod val="65000"/>
+                        </a:schemeClr>
+                      </a:solidFill>
+                      <a:prstDash val="solid"/>
+                      <a:round/>
+                      <a:headEnd type="none" w="med" len="med"/>
+                      <a:tailEnd type="none" w="med" len="med"/>
+                    </a:lnR>
+                  </a:tcPr>
+                </a:tc>
+                <a:tc>
+                  <a:txBody>
+                    <a:bodyPr/>
+                    <a:lstStyle/>
+                    <a:p>
+                      <a:pPr fontAlgn="t"/>
+                      <a:endParaRPr lang="en-US" sz="2000" b="0" dirty="0">
+                        <a:solidFill>
+                          <a:schemeClr val="bg1">
+                            <a:lumMod val="50000"/>
+                            <a:lumOff val="50000"/>
+                          </a:schemeClr>
+                        </a:solidFill>
+                        <a:effectLst/>
+                        <a:latin typeface="+mn-lt"/>
+                      </a:endParaRPr>
+                    </a:p>
+                  </a:txBody>
+                  <a:tcPr marL="154940" marR="63500" marT="109728" marB="109728" anchor="ctr">
+                    <a:lnL w="3175" cap="flat" cmpd="sng" algn="ctr">
+                      <a:solidFill>
+                        <a:schemeClr val="tx1">
+                          <a:lumMod val="65000"/>
+                        </a:schemeClr>
+                      </a:solidFill>
+                      <a:prstDash val="solid"/>
+                      <a:round/>
+                      <a:headEnd type="none" w="med" len="med"/>
+                      <a:tailEnd type="none" w="med" len="med"/>
+                    </a:lnL>
+                  </a:tcPr>
+                </a:tc>
+                <a:extLst>
+                  <a:ext uri="{0D108BD9-81ED-4DB2-BD59-A6C34878D82A}">
+                    <a16:rowId xmlns:a16="http://schemas.microsoft.com/office/drawing/2014/main" val="1383978304"/>
+                  </a:ext>
+                </a:extLst>
+              </a:tr>
+              <a:tr h="0">
+                <a:tc>
+                  <a:txBody>
+                    <a:bodyPr/>
+                    <a:lstStyle/>
+                    <a:p>
+                      <a:pPr algn="r" rtl="0" fontAlgn="t">
+                        <a:spcBef>
+                          <a:spcPts val="0"/>
+                        </a:spcBef>
+                        <a:spcAft>
+                          <a:spcPts val="0"/>
+                        </a:spcAft>
+                      </a:pPr>
+                      <a:r>
+                        <a:rPr lang="en-US" sz="1800" b="0" i="0" u="none" strike="noStrike" dirty="0">
+                          <a:solidFill>
+                            <a:schemeClr val="tx1"/>
+                          </a:solidFill>
+                          <a:effectLst/>
+                          <a:latin typeface="Arial" panose="020B0604020202020204" pitchFamily="34" charset="0"/>
+                        </a:rPr>
+                        <a:t>Salvation</a:t>
+                      </a:r>
+                      <a:endParaRPr lang="en-US" sz="3200" dirty="0">
+                        <a:solidFill>
+                          <a:schemeClr val="tx1"/>
+                        </a:solidFill>
+                        <a:effectLst/>
+                      </a:endParaRPr>
+                    </a:p>
+                  </a:txBody>
+                  <a:tcPr marL="63500" marR="182880" marT="109728" marB="109728" anchor="ctr">
+                    <a:lnR w="3175" cap="flat" cmpd="sng" algn="ctr">
+                      <a:solidFill>
+                        <a:schemeClr val="tx1">
+                          <a:lumMod val="65000"/>
+                        </a:schemeClr>
+                      </a:solidFill>
+                      <a:prstDash val="solid"/>
+                      <a:round/>
+                      <a:headEnd type="none" w="med" len="med"/>
+                      <a:tailEnd type="none" w="med" len="med"/>
+                    </a:lnR>
+                  </a:tcPr>
+                </a:tc>
+                <a:tc>
+                  <a:txBody>
+                    <a:bodyPr/>
+                    <a:lstStyle/>
+                    <a:p>
+                      <a:pPr rtl="0" fontAlgn="t">
+                        <a:spcBef>
+                          <a:spcPts val="0"/>
+                        </a:spcBef>
+                        <a:spcAft>
+                          <a:spcPts val="0"/>
+                        </a:spcAft>
+                      </a:pPr>
+                      <a:r>
+                        <a:rPr lang="en-US" sz="2000" b="0" i="0" u="none" strike="noStrike" dirty="0">
+                          <a:solidFill>
+                            <a:srgbClr val="009EC0"/>
+                          </a:solidFill>
+                          <a:effectLst/>
+                          <a:latin typeface="+mn-lt"/>
+                        </a:rPr>
+                        <a:t>7:10; 19:1b</a:t>
+                      </a:r>
+                      <a:endParaRPr lang="en-US" sz="2000" b="0" dirty="0">
+                        <a:solidFill>
+                          <a:srgbClr val="009EC0"/>
+                        </a:solidFill>
+                        <a:effectLst/>
+                        <a:latin typeface="+mn-lt"/>
+                      </a:endParaRPr>
+                    </a:p>
+                  </a:txBody>
+                  <a:tcPr marL="154940" marR="63500" marT="109728" marB="109728" anchor="ctr">
+                    <a:lnL w="3175" cap="flat" cmpd="sng" algn="ctr">
+                      <a:solidFill>
+                        <a:schemeClr val="tx1">
+                          <a:lumMod val="65000"/>
+                        </a:schemeClr>
+                      </a:solidFill>
+                      <a:prstDash val="solid"/>
+                      <a:round/>
+                      <a:headEnd type="none" w="med" len="med"/>
+                      <a:tailEnd type="none" w="med" len="med"/>
+                    </a:lnL>
+                    <a:lnR w="3175" cap="flat" cmpd="sng" algn="ctr">
+                      <a:solidFill>
+                        <a:schemeClr val="tx1">
+                          <a:lumMod val="65000"/>
+                        </a:schemeClr>
+                      </a:solidFill>
+                      <a:prstDash val="solid"/>
+                      <a:round/>
+                      <a:headEnd type="none" w="med" len="med"/>
+                      <a:tailEnd type="none" w="med" len="med"/>
+                    </a:lnR>
+                  </a:tcPr>
+                </a:tc>
+                <a:tc>
+                  <a:txBody>
+                    <a:bodyPr/>
+                    <a:lstStyle/>
+                    <a:p>
+                      <a:pPr rtl="0" fontAlgn="t">
+                        <a:spcBef>
+                          <a:spcPts val="0"/>
+                        </a:spcBef>
+                        <a:spcAft>
+                          <a:spcPts val="0"/>
+                        </a:spcAft>
+                      </a:pPr>
+                      <a:r>
+                        <a:rPr lang="en-US" sz="1800" b="0" i="0" u="none" strike="noStrike" dirty="0">
+                          <a:solidFill>
+                            <a:srgbClr val="CA5C0E"/>
+                          </a:solidFill>
+                          <a:effectLst/>
+                          <a:latin typeface="+mn-lt"/>
+                        </a:rPr>
+                        <a:t>7:10</a:t>
+                      </a:r>
+                      <a:endParaRPr lang="en-US" sz="3200" b="0" dirty="0">
+                        <a:solidFill>
+                          <a:srgbClr val="CA5C0E"/>
+                        </a:solidFill>
+                        <a:effectLst/>
+                        <a:latin typeface="+mn-lt"/>
+                      </a:endParaRPr>
+                    </a:p>
+                  </a:txBody>
+                  <a:tcPr marL="154940" marR="63500" marT="109728" marB="109728" anchor="ctr">
+                    <a:lnL w="3175" cap="flat" cmpd="sng" algn="ctr">
+                      <a:solidFill>
+                        <a:schemeClr val="tx1">
+                          <a:lumMod val="65000"/>
+                        </a:schemeClr>
+                      </a:solidFill>
+                      <a:prstDash val="solid"/>
+                      <a:round/>
+                      <a:headEnd type="none" w="med" len="med"/>
+                      <a:tailEnd type="none" w="med" len="med"/>
+                    </a:lnL>
+                    <a:lnR w="3175" cap="flat" cmpd="sng" algn="ctr">
+                      <a:solidFill>
+                        <a:schemeClr val="tx1">
+                          <a:lumMod val="65000"/>
+                        </a:schemeClr>
+                      </a:solidFill>
+                      <a:prstDash val="solid"/>
+                      <a:round/>
+                      <a:headEnd type="none" w="med" len="med"/>
+                      <a:tailEnd type="none" w="med" len="med"/>
+                    </a:lnR>
+                  </a:tcPr>
+                </a:tc>
+                <a:tc>
+                  <a:txBody>
+                    <a:bodyPr/>
+                    <a:lstStyle/>
+                    <a:p>
+                      <a:pPr fontAlgn="t"/>
+                      <a:endParaRPr lang="en-US" sz="2000" b="0" dirty="0">
+                        <a:solidFill>
+                          <a:schemeClr val="bg1">
+                            <a:lumMod val="50000"/>
+                            <a:lumOff val="50000"/>
+                          </a:schemeClr>
+                        </a:solidFill>
+                        <a:effectLst/>
+                        <a:latin typeface="+mn-lt"/>
+                      </a:endParaRPr>
+                    </a:p>
+                  </a:txBody>
+                  <a:tcPr marL="154940" marR="63500" marT="109728" marB="109728" anchor="ctr">
+                    <a:lnL w="3175" cap="flat" cmpd="sng" algn="ctr">
+                      <a:solidFill>
+                        <a:schemeClr val="tx1">
+                          <a:lumMod val="65000"/>
+                        </a:schemeClr>
+                      </a:solidFill>
+                      <a:prstDash val="solid"/>
+                      <a:round/>
+                      <a:headEnd type="none" w="med" len="med"/>
+                      <a:tailEnd type="none" w="med" len="med"/>
+                    </a:lnL>
+                  </a:tcPr>
+                </a:tc>
+                <a:extLst>
+                  <a:ext uri="{0D108BD9-81ED-4DB2-BD59-A6C34878D82A}">
+                    <a16:rowId xmlns:a16="http://schemas.microsoft.com/office/drawing/2014/main" val="3296957396"/>
+                  </a:ext>
+                </a:extLst>
+              </a:tr>
+            </a:tbl>
+          </a:graphicData>
+        </a:graphic>
+      </p:graphicFrame>
+      <p:sp>
+        <p:nvSpPr>
+          <p:cNvPr id="2" name="Rounded Rectangle 1">
             <a:extLst>
-              <a:ext uri="{28A0092B-C50C-407E-A947-70E740481C1C}">
-                <a14:useLocalDpi xmlns:a14="http://schemas.microsoft.com/office/drawing/2010/main" val="0"/>
+              <a:ext uri="{FF2B5EF4-FFF2-40B4-BE49-F238E27FC236}">
+                <a16:creationId xmlns:a16="http://schemas.microsoft.com/office/drawing/2014/main" id="{CCE8CEE2-67DE-F649-9C41-5998EA8CF35A}"/>
               </a:ext>
             </a:extLst>
-          </a:blip>
-          <a:srcRect/>
-          <a:stretch>
-            <a:fillRect/>
-          </a:stretch>
-        </p:blipFill>
-        <p:spPr bwMode="auto">
+          </p:cNvPr>
+          <p:cNvSpPr/>
+          <p:nvPr/>
+        </p:nvSpPr>
+        <p:spPr>
           <a:xfrm>
-            <a:off x="2301875" y="0"/>
-            <a:ext cx="4538663" cy="6858000"/>
+            <a:off x="2133600" y="304800"/>
+            <a:ext cx="1981200" cy="533400"/>
+          </a:xfrm>
+          <a:prstGeom prst="roundRect">
+            <a:avLst/>
+          </a:prstGeom>
+          <a:solidFill>
+            <a:srgbClr val="009EC0"/>
+          </a:solidFill>
+          <a:ln>
+            <a:noFill/>
+          </a:ln>
+        </p:spPr>
+        <p:style>
+          <a:lnRef idx="2">
+            <a:schemeClr val="accent1">
+              <a:shade val="50000"/>
+            </a:schemeClr>
+          </a:lnRef>
+          <a:fillRef idx="1">
+            <a:schemeClr val="accent1"/>
+          </a:fillRef>
+          <a:effectRef idx="0">
+            <a:schemeClr val="accent1"/>
+          </a:effectRef>
+          <a:fontRef idx="minor">
+            <a:schemeClr val="lt1"/>
+          </a:fontRef>
+        </p:style>
+        <p:txBody>
+          <a:bodyPr rtlCol="0" anchor="ctr"/>
+          <a:lstStyle/>
+          <a:p>
+            <a:pPr algn="ctr"/>
+            <a:r>
+              <a:rPr lang="en-US" sz="2800" dirty="0"/>
+              <a:t>God</a:t>
+            </a:r>
+          </a:p>
+        </p:txBody>
+      </p:sp>
+      <p:sp>
+        <p:nvSpPr>
+          <p:cNvPr id="4" name="Rounded Rectangle 3">
+            <a:extLst>
+              <a:ext uri="{FF2B5EF4-FFF2-40B4-BE49-F238E27FC236}">
+                <a16:creationId xmlns:a16="http://schemas.microsoft.com/office/drawing/2014/main" id="{83773F1D-F953-E748-B918-F84B5A3FD504}"/>
+              </a:ext>
+            </a:extLst>
+          </p:cNvPr>
+          <p:cNvSpPr/>
+          <p:nvPr/>
+        </p:nvSpPr>
+        <p:spPr>
+          <a:xfrm>
+            <a:off x="4419600" y="304800"/>
+            <a:ext cx="1981200" cy="533400"/>
+          </a:xfrm>
+          <a:prstGeom prst="roundRect">
+            <a:avLst/>
+          </a:prstGeom>
+          <a:solidFill>
+            <a:srgbClr val="CA5C0E"/>
+          </a:solidFill>
+          <a:ln>
+            <a:noFill/>
+          </a:ln>
+        </p:spPr>
+        <p:style>
+          <a:lnRef idx="2">
+            <a:schemeClr val="accent1">
+              <a:shade val="50000"/>
+            </a:schemeClr>
+          </a:lnRef>
+          <a:fillRef idx="1">
+            <a:schemeClr val="accent1"/>
+          </a:fillRef>
+          <a:effectRef idx="0">
+            <a:schemeClr val="accent1"/>
+          </a:effectRef>
+          <a:fontRef idx="minor">
+            <a:schemeClr val="lt1"/>
+          </a:fontRef>
+        </p:style>
+        <p:txBody>
+          <a:bodyPr rtlCol="0" anchor="ctr"/>
+          <a:lstStyle/>
+          <a:p>
+            <a:pPr algn="ctr"/>
+            <a:r>
+              <a:rPr lang="en-US" sz="2800" dirty="0"/>
+              <a:t>The Lamb</a:t>
+            </a:r>
+          </a:p>
+        </p:txBody>
+      </p:sp>
+      <p:sp>
+        <p:nvSpPr>
+          <p:cNvPr id="6" name="Rounded Rectangle 5">
+            <a:extLst>
+              <a:ext uri="{FF2B5EF4-FFF2-40B4-BE49-F238E27FC236}">
+                <a16:creationId xmlns:a16="http://schemas.microsoft.com/office/drawing/2014/main" id="{4B960A8C-49BC-E848-8E33-D0771730C52F}"/>
+              </a:ext>
+            </a:extLst>
+          </p:cNvPr>
+          <p:cNvSpPr/>
+          <p:nvPr/>
+        </p:nvSpPr>
+        <p:spPr>
+          <a:xfrm>
+            <a:off x="6705600" y="304800"/>
+            <a:ext cx="2209800" cy="533400"/>
+          </a:xfrm>
+          <a:prstGeom prst="roundRect">
+            <a:avLst/>
+          </a:prstGeom>
+          <a:solidFill>
+            <a:schemeClr val="tx1">
+              <a:lumMod val="50000"/>
+            </a:schemeClr>
+          </a:solidFill>
+          <a:ln>
+            <a:noFill/>
+          </a:ln>
+        </p:spPr>
+        <p:style>
+          <a:lnRef idx="2">
+            <a:schemeClr val="accent1">
+              <a:shade val="50000"/>
+            </a:schemeClr>
+          </a:lnRef>
+          <a:fillRef idx="1">
+            <a:schemeClr val="accent1"/>
+          </a:fillRef>
+          <a:effectRef idx="0">
+            <a:schemeClr val="accent1"/>
+          </a:effectRef>
+          <a:fontRef idx="minor">
+            <a:schemeClr val="lt1"/>
+          </a:fontRef>
+        </p:style>
+        <p:txBody>
+          <a:bodyPr rtlCol="0" anchor="ctr"/>
+          <a:lstStyle/>
+          <a:p>
+            <a:pPr algn="ctr"/>
+            <a:r>
+              <a:rPr lang="en-US" sz="2100" dirty="0"/>
+              <a:t>God (1 Chron. 29)</a:t>
+            </a:r>
+          </a:p>
+        </p:txBody>
+      </p:sp>
+    </p:spTree>
+    <p:extLst>
+      <p:ext uri="{BB962C8B-B14F-4D97-AF65-F5344CB8AC3E}">
+        <p14:creationId xmlns:p14="http://schemas.microsoft.com/office/powerpoint/2010/main" val="2165026398"/>
+      </p:ext>
+    </p:extLst>
+  </p:cSld>
+  <p:clrMapOvr>
+    <a:masterClrMapping/>
+  </p:clrMapOvr>
+</p:sld>
+</file>
+
+<file path=ppt/slides/slide8.xml><?xml version="1.0" encoding="utf-8"?>
+<p:sld xmlns:a="http://schemas.openxmlformats.org/drawingml/2006/main" xmlns:r="http://schemas.openxmlformats.org/officeDocument/2006/relationships" xmlns:p="http://schemas.openxmlformats.org/presentationml/2006/main">
+  <p:cSld>
+    <p:spTree>
+      <p:nvGrpSpPr>
+        <p:cNvPr id="1" name=""/>
+        <p:cNvGrpSpPr/>
+        <p:nvPr/>
+      </p:nvGrpSpPr>
+      <p:grpSpPr>
+        <a:xfrm>
+          <a:off x="0" y="0"/>
+          <a:ext cx="0" cy="0"/>
+          <a:chOff x="0" y="0"/>
+          <a:chExt cx="0" cy="0"/>
+        </a:xfrm>
+      </p:grpSpPr>
+      <p:sp>
+        <p:nvSpPr>
+          <p:cNvPr id="2" name="Title 1">
+            <a:extLst>
+              <a:ext uri="{FF2B5EF4-FFF2-40B4-BE49-F238E27FC236}">
+                <a16:creationId xmlns:a16="http://schemas.microsoft.com/office/drawing/2014/main" id="{C8F392D1-A4F5-744A-9239-99BC6612F901}"/>
+              </a:ext>
+            </a:extLst>
+          </p:cNvPr>
+          <p:cNvSpPr>
+            <a:spLocks noGrp="1"/>
+          </p:cNvSpPr>
+          <p:nvPr>
+            <p:ph type="title"/>
+          </p:nvPr>
+        </p:nvSpPr>
+        <p:spPr>
+          <a:xfrm>
+            <a:off x="457200" y="152400"/>
+            <a:ext cx="8686800" cy="3962400"/>
+          </a:xfrm>
+        </p:spPr>
+        <p:txBody>
+          <a:bodyPr anchor="b" anchorCtr="0">
+            <a:normAutofit/>
+          </a:bodyPr>
+          <a:lstStyle/>
+          <a:p>
+            <a:pPr>
+              <a:tabLst>
+                <a:tab pos="91440" algn="l"/>
+              </a:tabLst>
+            </a:pPr>
+            <a:r>
+              <a:rPr lang="en-US" dirty="0"/>
+              <a:t>“…two that sit together and are occupied in words of Torah have the Shekinah</a:t>
+            </a:r>
+            <a:r>
+              <a:rPr lang="en-US" baseline="30000" dirty="0"/>
+              <a:t>1</a:t>
+            </a:r>
+            <a:r>
+              <a:rPr lang="en-US" dirty="0"/>
+              <a:t> among them”</a:t>
+            </a:r>
+          </a:p>
+        </p:txBody>
+      </p:sp>
+      <p:sp>
+        <p:nvSpPr>
+          <p:cNvPr id="3" name="Text Placeholder 2">
+            <a:extLst>
+              <a:ext uri="{FF2B5EF4-FFF2-40B4-BE49-F238E27FC236}">
+                <a16:creationId xmlns:a16="http://schemas.microsoft.com/office/drawing/2014/main" id="{D79591E0-89A3-7048-B1C5-91B4FFFB65C9}"/>
+              </a:ext>
+            </a:extLst>
+          </p:cNvPr>
+          <p:cNvSpPr>
+            <a:spLocks noGrp="1"/>
+          </p:cNvSpPr>
+          <p:nvPr>
+            <p:ph type="body" sz="quarter" idx="13"/>
+          </p:nvPr>
+        </p:nvSpPr>
+        <p:spPr>
+          <a:xfrm>
+            <a:off x="114300" y="4495800"/>
+            <a:ext cx="8915400" cy="1371600"/>
+          </a:xfrm>
+        </p:spPr>
+        <p:txBody>
+          <a:bodyPr>
+            <a:normAutofit lnSpcReduction="10000"/>
+          </a:bodyPr>
+          <a:lstStyle/>
+          <a:p>
+            <a:pPr algn="l"/>
+            <a:r>
+              <a:rPr lang="en-US" sz="4400" cap="all" dirty="0">
+                <a:solidFill>
+                  <a:srgbClr val="009EC0"/>
+                </a:solidFill>
+              </a:rPr>
+              <a:t>rabbi Hananiah</a:t>
+            </a:r>
+            <a:br>
+              <a:rPr lang="en-US" sz="4400" dirty="0">
+                <a:solidFill>
+                  <a:srgbClr val="009EC0"/>
+                </a:solidFill>
+              </a:rPr>
+            </a:br>
+            <a:r>
+              <a:rPr lang="en-US" sz="4400" b="0" i="1" dirty="0" err="1">
+                <a:solidFill>
+                  <a:srgbClr val="009EC0"/>
+                </a:solidFill>
+              </a:rPr>
+              <a:t>Pirkei</a:t>
+            </a:r>
+            <a:r>
+              <a:rPr lang="en-US" sz="4400" b="0" i="1" dirty="0">
+                <a:solidFill>
+                  <a:srgbClr val="009EC0"/>
+                </a:solidFill>
+              </a:rPr>
+              <a:t> </a:t>
+            </a:r>
+            <a:r>
+              <a:rPr lang="en-US" sz="4400" b="0" i="1" dirty="0" err="1">
+                <a:solidFill>
+                  <a:srgbClr val="009EC0"/>
+                </a:solidFill>
+              </a:rPr>
+              <a:t>Avot</a:t>
+            </a:r>
+            <a:r>
+              <a:rPr lang="en-US" sz="4400" b="0" i="1" dirty="0">
+                <a:solidFill>
+                  <a:srgbClr val="009EC0"/>
+                </a:solidFill>
+              </a:rPr>
+              <a:t> 3.2</a:t>
+            </a:r>
+          </a:p>
+        </p:txBody>
+      </p:sp>
+      <p:sp>
+        <p:nvSpPr>
+          <p:cNvPr id="4" name="TextBox 3">
+            <a:extLst>
+              <a:ext uri="{FF2B5EF4-FFF2-40B4-BE49-F238E27FC236}">
+                <a16:creationId xmlns:a16="http://schemas.microsoft.com/office/drawing/2014/main" id="{228961DD-1FC2-C448-9B56-594FE6A61188}"/>
+              </a:ext>
+            </a:extLst>
+          </p:cNvPr>
+          <p:cNvSpPr txBox="1"/>
+          <p:nvPr/>
+        </p:nvSpPr>
+        <p:spPr>
+          <a:xfrm>
+            <a:off x="4953000" y="6234953"/>
+            <a:ext cx="3971728" cy="369332"/>
           </a:xfrm>
           <a:prstGeom prst="rect">
             <a:avLst/>
           </a:prstGeom>
           <a:noFill/>
-          <a:extLst>
-            <a:ext uri="{909E8E84-426E-40DD-AFC4-6F175D3DCCD1}">
-              <a14:hiddenFill xmlns:a14="http://schemas.microsoft.com/office/drawing/2010/main">
-                <a:solidFill>
-                  <a:srgbClr val="FFFFFF"/>
-                </a:solidFill>
-              </a14:hiddenFill>
-            </a:ext>
-          </a:extLst>
         </p:spPr>
-      </p:pic>
+        <p:txBody>
+          <a:bodyPr wrap="none" rtlCol="0">
+            <a:spAutoFit/>
+          </a:bodyPr>
+          <a:lstStyle/>
+          <a:p>
+            <a:r>
+              <a:rPr lang="en-US" baseline="30000" dirty="0"/>
+              <a:t>1</a:t>
+            </a:r>
+            <a:r>
+              <a:rPr lang="en-US" dirty="0"/>
+              <a:t> Shekinah refers to the presence of God</a:t>
+            </a:r>
+          </a:p>
+        </p:txBody>
+      </p:sp>
     </p:spTree>
     <p:extLst>
       <p:ext uri="{BB962C8B-B14F-4D97-AF65-F5344CB8AC3E}">
-        <p14:creationId xmlns:p14="http://schemas.microsoft.com/office/powerpoint/2010/main" val="1255855325"/>
+        <p14:creationId xmlns:p14="http://schemas.microsoft.com/office/powerpoint/2010/main" val="3809142880"/>
       </p:ext>
     </p:extLst>
   </p:cSld>
@@ -5106,6 +13633,9 @@
                     <p:cTn id="3" fill="hold">
                       <p:stCondLst>
                         <p:cond delay="indefinite"/>
+                        <p:cond evt="onBegin" delay="0">
+                          <p:tn val="2"/>
+                        </p:cond>
                       </p:stCondLst>
                       <p:childTnLst>
                         <p:par>
@@ -5115,7 +13645,7 @@
                             </p:stCondLst>
                             <p:childTnLst>
                               <p:par>
-                                <p:cTn id="5" presetID="10" presetClass="entr" presetSubtype="0" fill="hold" nodeType="clickEffect">
+                                <p:cTn id="5" presetID="10" presetClass="entr" presetSubtype="0" fill="hold" grpId="0" nodeType="withEffect">
                                   <p:stCondLst>
                                     <p:cond delay="0"/>
                                   </p:stCondLst>
@@ -5128,7 +13658,7 @@
                                           </p:stCondLst>
                                         </p:cTn>
                                         <p:tgtEl>
-                                          <p:spTgt spid="1026"/>
+                                          <p:spTgt spid="4"/>
                                         </p:tgtEl>
                                         <p:attrNameLst>
                                           <p:attrName>style.visibility</p:attrName>
@@ -5142,7 +13672,7 @@
                                       <p:cBhvr>
                                         <p:cTn id="7" dur="250"/>
                                         <p:tgtEl>
-                                          <p:spTgt spid="1026"/>
+                                          <p:spTgt spid="4"/>
                                         </p:tgtEl>
                                       </p:cBhvr>
                                     </p:animEffect>
@@ -5176,6 +13706,686 @@
         </p:cTn>
       </p:par>
     </p:tnLst>
+    <p:bldLst>
+      <p:bldP spid="4" grpId="0"/>
+    </p:bldLst>
+  </p:timing>
+</p:sld>
+</file>
+
+<file path=ppt/slides/slide9.xml><?xml version="1.0" encoding="utf-8"?>
+<p:sld xmlns:a="http://schemas.openxmlformats.org/drawingml/2006/main" xmlns:r="http://schemas.openxmlformats.org/officeDocument/2006/relationships" xmlns:p="http://schemas.openxmlformats.org/presentationml/2006/main">
+  <p:cSld>
+    <p:spTree>
+      <p:nvGrpSpPr>
+        <p:cNvPr id="1" name=""/>
+        <p:cNvGrpSpPr/>
+        <p:nvPr/>
+      </p:nvGrpSpPr>
+      <p:grpSpPr>
+        <a:xfrm>
+          <a:off x="0" y="0"/>
+          <a:ext cx="0" cy="0"/>
+          <a:chOff x="0" y="0"/>
+          <a:chExt cx="0" cy="0"/>
+        </a:xfrm>
+      </p:grpSpPr>
+      <p:pic>
+        <p:nvPicPr>
+          <p:cNvPr id="12" name="Picture 2">
+            <a:extLst>
+              <a:ext uri="{FF2B5EF4-FFF2-40B4-BE49-F238E27FC236}">
+                <a16:creationId xmlns:a16="http://schemas.microsoft.com/office/drawing/2014/main" id="{7F3A231B-5D70-D046-B1D4-165C06312D6D}"/>
+              </a:ext>
+            </a:extLst>
+          </p:cNvPr>
+          <p:cNvPicPr>
+            <a:picLocks noChangeAspect="1" noChangeArrowheads="1"/>
+          </p:cNvPicPr>
+          <p:nvPr/>
+        </p:nvPicPr>
+        <p:blipFill>
+          <a:blip r:embed="rId2">
+            <a:extLst>
+              <a:ext uri="{28A0092B-C50C-407E-A947-70E740481C1C}">
+                <a14:useLocalDpi xmlns:a14="http://schemas.microsoft.com/office/drawing/2010/main" val="0"/>
+              </a:ext>
+            </a:extLst>
+          </a:blip>
+          <a:srcRect t="7806" b="7806"/>
+          <a:stretch/>
+        </p:blipFill>
+        <p:spPr bwMode="auto">
+          <a:xfrm>
+            <a:off x="2642616" y="10"/>
+            <a:ext cx="6501384" cy="6857990"/>
+          </a:xfrm>
+          <a:prstGeom prst="rect">
+            <a:avLst/>
+          </a:prstGeom>
+          <a:noFill/>
+          <a:extLst>
+            <a:ext uri="{909E8E84-426E-40DD-AFC4-6F175D3DCCD1}">
+              <a14:hiddenFill xmlns:a14="http://schemas.microsoft.com/office/drawing/2010/main">
+                <a:solidFill>
+                  <a:srgbClr val="FFFFFF"/>
+                </a:solidFill>
+              </a14:hiddenFill>
+            </a:ext>
+          </a:extLst>
+        </p:spPr>
+      </p:pic>
+      <p:sp>
+        <p:nvSpPr>
+          <p:cNvPr id="2" name="Rectangle 1">
+            <a:extLst>
+              <a:ext uri="{FF2B5EF4-FFF2-40B4-BE49-F238E27FC236}">
+                <a16:creationId xmlns:a16="http://schemas.microsoft.com/office/drawing/2014/main" id="{83930AA5-728D-884D-A826-4D923E871B31}"/>
+              </a:ext>
+            </a:extLst>
+          </p:cNvPr>
+          <p:cNvSpPr/>
+          <p:nvPr/>
+        </p:nvSpPr>
+        <p:spPr>
+          <a:xfrm>
+            <a:off x="0" y="0"/>
+            <a:ext cx="6019800" cy="6858000"/>
+          </a:xfrm>
+          <a:prstGeom prst="rect">
+            <a:avLst/>
+          </a:prstGeom>
+          <a:gradFill flip="none" rotWithShape="1">
+            <a:gsLst>
+              <a:gs pos="24000">
+                <a:srgbClr val="000000"/>
+              </a:gs>
+              <a:gs pos="50000">
+                <a:srgbClr val="000000"/>
+              </a:gs>
+              <a:gs pos="0">
+                <a:schemeClr val="bg1"/>
+              </a:gs>
+              <a:gs pos="100000">
+                <a:schemeClr val="bg1">
+                  <a:alpha val="0"/>
+                </a:schemeClr>
+              </a:gs>
+            </a:gsLst>
+            <a:lin ang="0" scaled="1"/>
+            <a:tileRect/>
+          </a:gradFill>
+          <a:ln>
+            <a:noFill/>
+          </a:ln>
+        </p:spPr>
+        <p:style>
+          <a:lnRef idx="2">
+            <a:schemeClr val="accent1">
+              <a:shade val="50000"/>
+            </a:schemeClr>
+          </a:lnRef>
+          <a:fillRef idx="1">
+            <a:schemeClr val="accent1"/>
+          </a:fillRef>
+          <a:effectRef idx="0">
+            <a:schemeClr val="accent1"/>
+          </a:effectRef>
+          <a:fontRef idx="minor">
+            <a:schemeClr val="lt1"/>
+          </a:fontRef>
+        </p:style>
+        <p:txBody>
+          <a:bodyPr rtlCol="0" anchor="ctr"/>
+          <a:lstStyle/>
+          <a:p>
+            <a:pPr algn="ctr"/>
+            <a:endParaRPr lang="en-US"/>
+          </a:p>
+        </p:txBody>
+      </p:sp>
+      <p:sp>
+        <p:nvSpPr>
+          <p:cNvPr id="5" name="Rectangle 4"/>
+          <p:cNvSpPr/>
+          <p:nvPr/>
+        </p:nvSpPr>
+        <p:spPr>
+          <a:xfrm>
+            <a:off x="381000" y="2819400"/>
+            <a:ext cx="4903487" cy="2246769"/>
+          </a:xfrm>
+          <a:prstGeom prst="rect">
+            <a:avLst/>
+          </a:prstGeom>
+          <a:noFill/>
+          <a:ln>
+            <a:noFill/>
+          </a:ln>
+          <a:effectLst/>
+        </p:spPr>
+        <p:style>
+          <a:lnRef idx="1">
+            <a:schemeClr val="accent1"/>
+          </a:lnRef>
+          <a:fillRef idx="3">
+            <a:schemeClr val="accent1"/>
+          </a:fillRef>
+          <a:effectRef idx="2">
+            <a:schemeClr val="accent1"/>
+          </a:effectRef>
+          <a:fontRef idx="minor">
+            <a:schemeClr val="lt1"/>
+          </a:fontRef>
+        </p:style>
+        <p:txBody>
+          <a:bodyPr rtlCol="0" anchor="ctr"/>
+          <a:lstStyle/>
+          <a:p>
+            <a:endParaRPr lang="en-US" dirty="0"/>
+          </a:p>
+        </p:txBody>
+      </p:sp>
+      <p:sp>
+        <p:nvSpPr>
+          <p:cNvPr id="7" name="Rectangle 6"/>
+          <p:cNvSpPr/>
+          <p:nvPr/>
+        </p:nvSpPr>
+        <p:spPr>
+          <a:xfrm rot="5400000">
+            <a:off x="2326988" y="2914599"/>
+            <a:ext cx="49492" cy="3669094"/>
+          </a:xfrm>
+          <a:prstGeom prst="rect">
+            <a:avLst/>
+          </a:prstGeom>
+          <a:solidFill>
+            <a:srgbClr val="009EC0"/>
+          </a:solidFill>
+          <a:ln>
+            <a:noFill/>
+          </a:ln>
+          <a:effectLst/>
+        </p:spPr>
+        <p:style>
+          <a:lnRef idx="1">
+            <a:schemeClr val="accent1"/>
+          </a:lnRef>
+          <a:fillRef idx="3">
+            <a:schemeClr val="accent1"/>
+          </a:fillRef>
+          <a:effectRef idx="2">
+            <a:schemeClr val="accent1"/>
+          </a:effectRef>
+          <a:fontRef idx="minor">
+            <a:schemeClr val="lt1"/>
+          </a:fontRef>
+        </p:style>
+        <p:txBody>
+          <a:bodyPr rtlCol="0" anchor="ctr"/>
+          <a:lstStyle/>
+          <a:p>
+            <a:pPr algn="ctr"/>
+            <a:endParaRPr lang="en-US"/>
+          </a:p>
+        </p:txBody>
+      </p:sp>
+      <p:sp>
+        <p:nvSpPr>
+          <p:cNvPr id="8" name="TextBox 7"/>
+          <p:cNvSpPr txBox="1"/>
+          <p:nvPr/>
+        </p:nvSpPr>
+        <p:spPr>
+          <a:xfrm>
+            <a:off x="439096" y="1382085"/>
+            <a:ext cx="3747185" cy="3046988"/>
+          </a:xfrm>
+          <a:prstGeom prst="rect">
+            <a:avLst/>
+          </a:prstGeom>
+          <a:noFill/>
+        </p:spPr>
+        <p:txBody>
+          <a:bodyPr wrap="square" rtlCol="0">
+            <a:spAutoFit/>
+          </a:bodyPr>
+          <a:lstStyle/>
+          <a:p>
+            <a:r>
+              <a:rPr lang="en-US" sz="3200" dirty="0"/>
+              <a:t>“Here Jesus himself fills the role of the Shekinah, God's presence, in the traditional Jewish saying.”</a:t>
+            </a:r>
+            <a:endParaRPr lang="en-US" sz="3200" dirty="0">
+              <a:latin typeface="Avenir Book"/>
+              <a:cs typeface="Avenir Book"/>
+            </a:endParaRPr>
+          </a:p>
+        </p:txBody>
+      </p:sp>
+      <p:sp>
+        <p:nvSpPr>
+          <p:cNvPr id="10" name="Rectangle 9"/>
+          <p:cNvSpPr/>
+          <p:nvPr/>
+        </p:nvSpPr>
+        <p:spPr>
+          <a:xfrm>
+            <a:off x="356243" y="5045093"/>
+            <a:ext cx="4952999" cy="1458391"/>
+          </a:xfrm>
+          <a:prstGeom prst="rect">
+            <a:avLst/>
+          </a:prstGeom>
+          <a:noFill/>
+          <a:ln>
+            <a:noFill/>
+          </a:ln>
+        </p:spPr>
+        <p:style>
+          <a:lnRef idx="1">
+            <a:schemeClr val="accent1"/>
+          </a:lnRef>
+          <a:fillRef idx="3">
+            <a:schemeClr val="accent1"/>
+          </a:fillRef>
+          <a:effectRef idx="2">
+            <a:schemeClr val="accent1"/>
+          </a:effectRef>
+          <a:fontRef idx="minor">
+            <a:schemeClr val="lt1"/>
+          </a:fontRef>
+        </p:style>
+        <p:txBody>
+          <a:bodyPr lIns="164592" rtlCol="0" anchor="t"/>
+          <a:lstStyle/>
+          <a:p>
+            <a:r>
+              <a:rPr lang="en-US" sz="2000" b="1" dirty="0">
+                <a:solidFill>
+                  <a:schemeClr val="tx1"/>
+                </a:solidFill>
+              </a:rPr>
+              <a:t>CRAIG KEENER</a:t>
+            </a:r>
+            <a:br>
+              <a:rPr lang="en-US" sz="2000" b="1" dirty="0">
+                <a:solidFill>
+                  <a:schemeClr val="tx1"/>
+                </a:solidFill>
+              </a:rPr>
+            </a:br>
+            <a:r>
+              <a:rPr lang="en-US" sz="2000" i="1" dirty="0">
+                <a:solidFill>
+                  <a:schemeClr val="tx1"/>
+                </a:solidFill>
+              </a:rPr>
+              <a:t>A Commentary on the Gospel of Matthew (page 455)</a:t>
+            </a:r>
+          </a:p>
+        </p:txBody>
+      </p:sp>
+    </p:spTree>
+    <p:extLst>
+      <p:ext uri="{BB962C8B-B14F-4D97-AF65-F5344CB8AC3E}">
+        <p14:creationId xmlns:p14="http://schemas.microsoft.com/office/powerpoint/2010/main" val="3322517470"/>
+      </p:ext>
+    </p:extLst>
+  </p:cSld>
+  <p:clrMapOvr>
+    <a:masterClrMapping/>
+  </p:clrMapOvr>
+  <p:timing>
+    <p:tnLst>
+      <p:par>
+        <p:cTn id="1" dur="indefinite" restart="never" nodeType="tmRoot">
+          <p:childTnLst>
+            <p:seq concurrent="1" nextAc="seek">
+              <p:cTn id="2" dur="indefinite" nodeType="mainSeq">
+                <p:childTnLst>
+                  <p:par>
+                    <p:cTn id="3" fill="hold">
+                      <p:stCondLst>
+                        <p:cond delay="indefinite"/>
+                      </p:stCondLst>
+                      <p:childTnLst>
+                        <p:par>
+                          <p:cTn id="4" fill="hold">
+                            <p:stCondLst>
+                              <p:cond delay="0"/>
+                            </p:stCondLst>
+                            <p:childTnLst>
+                              <p:par>
+                                <p:cTn id="5" presetID="1" presetClass="entr" presetSubtype="0" fill="hold" grpId="0" nodeType="clickEffect">
+                                  <p:stCondLst>
+                                    <p:cond delay="0"/>
+                                  </p:stCondLst>
+                                  <p:childTnLst>
+                                    <p:set>
+                                      <p:cBhvr>
+                                        <p:cTn id="6" dur="1" fill="hold">
+                                          <p:stCondLst>
+                                            <p:cond delay="0"/>
+                                          </p:stCondLst>
+                                        </p:cTn>
+                                        <p:tgtEl>
+                                          <p:spTgt spid="2"/>
+                                        </p:tgtEl>
+                                        <p:attrNameLst>
+                                          <p:attrName>style.visibility</p:attrName>
+                                        </p:attrNameLst>
+                                      </p:cBhvr>
+                                      <p:to>
+                                        <p:strVal val="visible"/>
+                                      </p:to>
+                                    </p:set>
+                                  </p:childTnLst>
+                                </p:cTn>
+                              </p:par>
+                            </p:childTnLst>
+                          </p:cTn>
+                        </p:par>
+                        <p:par>
+                          <p:cTn id="7" fill="hold">
+                            <p:stCondLst>
+                              <p:cond delay="0"/>
+                            </p:stCondLst>
+                            <p:childTnLst>
+                              <p:par>
+                                <p:cTn id="8" presetID="10" presetClass="entr" presetSubtype="0" fill="hold" nodeType="afterEffect">
+                                  <p:stCondLst>
+                                    <p:cond delay="0"/>
+                                  </p:stCondLst>
+                                  <p:childTnLst>
+                                    <p:set>
+                                      <p:cBhvr>
+                                        <p:cTn id="9" dur="1" fill="hold">
+                                          <p:stCondLst>
+                                            <p:cond delay="0"/>
+                                          </p:stCondLst>
+                                        </p:cTn>
+                                        <p:tgtEl>
+                                          <p:spTgt spid="12"/>
+                                        </p:tgtEl>
+                                        <p:attrNameLst>
+                                          <p:attrName>style.visibility</p:attrName>
+                                        </p:attrNameLst>
+                                      </p:cBhvr>
+                                      <p:to>
+                                        <p:strVal val="visible"/>
+                                      </p:to>
+                                    </p:set>
+                                    <p:animEffect transition="in" filter="fade">
+                                      <p:cBhvr>
+                                        <p:cTn id="10" dur="250"/>
+                                        <p:tgtEl>
+                                          <p:spTgt spid="12"/>
+                                        </p:tgtEl>
+                                      </p:cBhvr>
+                                    </p:animEffect>
+                                  </p:childTnLst>
+                                </p:cTn>
+                              </p:par>
+                            </p:childTnLst>
+                          </p:cTn>
+                        </p:par>
+                        <p:par>
+                          <p:cTn id="11" fill="hold">
+                            <p:stCondLst>
+                              <p:cond delay="250"/>
+                            </p:stCondLst>
+                            <p:childTnLst>
+                              <p:par>
+                                <p:cTn id="12" presetID="10" presetClass="entr" presetSubtype="0" fill="hold" grpId="0" nodeType="afterEffect">
+                                  <p:stCondLst>
+                                    <p:cond delay="500"/>
+                                  </p:stCondLst>
+                                  <p:childTnLst>
+                                    <p:set>
+                                      <p:cBhvr>
+                                        <p:cTn id="13" dur="1" fill="hold">
+                                          <p:stCondLst>
+                                            <p:cond delay="0"/>
+                                          </p:stCondLst>
+                                        </p:cTn>
+                                        <p:tgtEl>
+                                          <p:spTgt spid="7"/>
+                                        </p:tgtEl>
+                                        <p:attrNameLst>
+                                          <p:attrName>style.visibility</p:attrName>
+                                        </p:attrNameLst>
+                                      </p:cBhvr>
+                                      <p:to>
+                                        <p:strVal val="visible"/>
+                                      </p:to>
+                                    </p:set>
+                                    <p:animEffect transition="in" filter="fade">
+                                      <p:cBhvr>
+                                        <p:cTn id="14" dur="250"/>
+                                        <p:tgtEl>
+                                          <p:spTgt spid="7"/>
+                                        </p:tgtEl>
+                                      </p:cBhvr>
+                                    </p:animEffect>
+                                  </p:childTnLst>
+                                </p:cTn>
+                              </p:par>
+                              <p:par>
+                                <p:cTn id="15" presetID="1" presetClass="entr" presetSubtype="0" fill="hold" grpId="1" nodeType="withEffect" nodePh="1">
+                                  <p:stCondLst>
+                                    <p:cond delay="0"/>
+                                  </p:stCondLst>
+                                  <p:endCondLst>
+                                    <p:cond evt="begin" delay="0">
+                                      <p:tn val="15"/>
+                                    </p:cond>
+                                  </p:endCondLst>
+                                  <p:childTnLst>
+                                    <p:set>
+                                      <p:cBhvr>
+                                        <p:cTn id="16" dur="1" fill="hold">
+                                          <p:stCondLst>
+                                            <p:cond delay="0"/>
+                                          </p:stCondLst>
+                                        </p:cTn>
+                                        <p:tgtEl>
+                                          <p:spTgt spid="5"/>
+                                        </p:tgtEl>
+                                        <p:attrNameLst>
+                                          <p:attrName>style.visibility</p:attrName>
+                                        </p:attrNameLst>
+                                      </p:cBhvr>
+                                      <p:to>
+                                        <p:strVal val="visible"/>
+                                      </p:to>
+                                    </p:set>
+                                  </p:childTnLst>
+                                </p:cTn>
+                              </p:par>
+                            </p:childTnLst>
+                          </p:cTn>
+                        </p:par>
+                        <p:par>
+                          <p:cTn id="17" fill="hold">
+                            <p:stCondLst>
+                              <p:cond delay="1000"/>
+                            </p:stCondLst>
+                            <p:childTnLst>
+                              <p:par>
+                                <p:cTn id="18" presetID="0" presetClass="path" presetSubtype="0" accel="50000" decel="50000" fill="hold" grpId="0" nodeType="afterEffect" nodePh="1">
+                                  <p:stCondLst>
+                                    <p:cond delay="0"/>
+                                  </p:stCondLst>
+                                  <p:endCondLst>
+                                    <p:cond evt="begin" delay="0">
+                                      <p:tn val="18"/>
+                                    </p:cond>
+                                  </p:endCondLst>
+                                  <p:childTnLst>
+                                    <p:animMotion origin="layout" path="M 0.04236 -7.40741E-7 L -8.33333E-7 -7.40741E-7 " pathEditMode="relative" rAng="0" ptsTypes="AA">
+                                      <p:cBhvr>
+                                        <p:cTn id="19" dur="300" fill="hold"/>
+                                        <p:tgtEl>
+                                          <p:spTgt spid="5"/>
+                                        </p:tgtEl>
+                                        <p:attrNameLst>
+                                          <p:attrName>ppt_x</p:attrName>
+                                          <p:attrName>ppt_y</p:attrName>
+                                        </p:attrNameLst>
+                                      </p:cBhvr>
+                                      <p:rCtr x="-2118" y="0"/>
+                                    </p:animMotion>
+                                  </p:childTnLst>
+                                </p:cTn>
+                              </p:par>
+                            </p:childTnLst>
+                          </p:cTn>
+                        </p:par>
+                        <p:par>
+                          <p:cTn id="20" fill="hold">
+                            <p:stCondLst>
+                              <p:cond delay="1300"/>
+                            </p:stCondLst>
+                            <p:childTnLst>
+                              <p:par>
+                                <p:cTn id="21" presetID="10" presetClass="entr" presetSubtype="0" fill="hold" grpId="0" nodeType="afterEffect">
+                                  <p:stCondLst>
+                                    <p:cond delay="0"/>
+                                  </p:stCondLst>
+                                  <p:childTnLst>
+                                    <p:set>
+                                      <p:cBhvr>
+                                        <p:cTn id="22" dur="1" fill="hold">
+                                          <p:stCondLst>
+                                            <p:cond delay="0"/>
+                                          </p:stCondLst>
+                                        </p:cTn>
+                                        <p:tgtEl>
+                                          <p:spTgt spid="8"/>
+                                        </p:tgtEl>
+                                        <p:attrNameLst>
+                                          <p:attrName>style.visibility</p:attrName>
+                                        </p:attrNameLst>
+                                      </p:cBhvr>
+                                      <p:to>
+                                        <p:strVal val="visible"/>
+                                      </p:to>
+                                    </p:set>
+                                    <p:animEffect transition="in" filter="fade">
+                                      <p:cBhvr>
+                                        <p:cTn id="23" dur="300"/>
+                                        <p:tgtEl>
+                                          <p:spTgt spid="8"/>
+                                        </p:tgtEl>
+                                      </p:cBhvr>
+                                    </p:animEffect>
+                                  </p:childTnLst>
+                                </p:cTn>
+                              </p:par>
+                              <p:par>
+                                <p:cTn id="24" presetID="0" presetClass="path" presetSubtype="0" accel="50000" decel="50000" fill="hold" grpId="1" nodeType="withEffect">
+                                  <p:stCondLst>
+                                    <p:cond delay="0"/>
+                                  </p:stCondLst>
+                                  <p:childTnLst>
+                                    <p:animMotion origin="layout" path="M -1.38889E-6 0.0169 L -1.38889E-6 -1.11111E-6 " pathEditMode="relative" rAng="0" ptsTypes="AA">
+                                      <p:cBhvr>
+                                        <p:cTn id="25" dur="200" fill="hold"/>
+                                        <p:tgtEl>
+                                          <p:spTgt spid="8"/>
+                                        </p:tgtEl>
+                                        <p:attrNameLst>
+                                          <p:attrName>ppt_x</p:attrName>
+                                          <p:attrName>ppt_y</p:attrName>
+                                        </p:attrNameLst>
+                                      </p:cBhvr>
+                                      <p:rCtr x="0" y="-856"/>
+                                    </p:animMotion>
+                                  </p:childTnLst>
+                                </p:cTn>
+                              </p:par>
+                            </p:childTnLst>
+                          </p:cTn>
+                        </p:par>
+                        <p:par>
+                          <p:cTn id="26" fill="hold">
+                            <p:stCondLst>
+                              <p:cond delay="1600"/>
+                            </p:stCondLst>
+                            <p:childTnLst>
+                              <p:par>
+                                <p:cTn id="27" presetID="10" presetClass="entr" presetSubtype="0" fill="hold" grpId="0" nodeType="afterEffect">
+                                  <p:stCondLst>
+                                    <p:cond delay="0"/>
+                                  </p:stCondLst>
+                                  <p:childTnLst>
+                                    <p:set>
+                                      <p:cBhvr>
+                                        <p:cTn id="28" dur="1" fill="hold">
+                                          <p:stCondLst>
+                                            <p:cond delay="0"/>
+                                          </p:stCondLst>
+                                        </p:cTn>
+                                        <p:tgtEl>
+                                          <p:spTgt spid="10"/>
+                                        </p:tgtEl>
+                                        <p:attrNameLst>
+                                          <p:attrName>style.visibility</p:attrName>
+                                        </p:attrNameLst>
+                                      </p:cBhvr>
+                                      <p:to>
+                                        <p:strVal val="visible"/>
+                                      </p:to>
+                                    </p:set>
+                                    <p:animEffect transition="in" filter="fade">
+                                      <p:cBhvr>
+                                        <p:cTn id="29" dur="200"/>
+                                        <p:tgtEl>
+                                          <p:spTgt spid="10"/>
+                                        </p:tgtEl>
+                                      </p:cBhvr>
+                                    </p:animEffect>
+                                  </p:childTnLst>
+                                </p:cTn>
+                              </p:par>
+                            </p:childTnLst>
+                          </p:cTn>
+                        </p:par>
+                      </p:childTnLst>
+                    </p:cTn>
+                  </p:par>
+                </p:childTnLst>
+              </p:cTn>
+              <p:prevCondLst>
+                <p:cond evt="onPrev" delay="0">
+                  <p:tgtEl>
+                    <p:sldTgt/>
+                  </p:tgtEl>
+                </p:cond>
+              </p:prevCondLst>
+              <p:nextCondLst>
+                <p:cond evt="onNext" delay="0">
+                  <p:tgtEl>
+                    <p:sldTgt/>
+                  </p:tgtEl>
+                </p:cond>
+              </p:nextCondLst>
+            </p:seq>
+          </p:childTnLst>
+        </p:cTn>
+      </p:par>
+    </p:tnLst>
+    <p:bldLst>
+      <p:bldP spid="2" grpId="0" animBg="1"/>
+      <p:bldP spid="5" grpId="0"/>
+      <p:bldP spid="5" grpId="1"/>
+      <p:bldP spid="7" grpId="0" animBg="1"/>
+      <p:bldP spid="8" grpId="0"/>
+      <p:bldP spid="8" grpId="1"/>
+      <p:bldP spid="10" grpId="0"/>
+    </p:bldLst>
   </p:timing>
 </p:sld>
 </file>

--- a/companion-website/public/files/20. Jesus didn't claim to be God.pptx
+++ b/companion-website/public/files/20. Jesus didn't claim to be God.pptx
@@ -5,27 +5,30 @@
     <p:sldMasterId id="2147483648" r:id="rId1"/>
   </p:sldMasterIdLst>
   <p:notesMasterIdLst>
-    <p:notesMasterId r:id="rId20"/>
+    <p:notesMasterId r:id="rId23"/>
   </p:notesMasterIdLst>
   <p:sldIdLst>
     <p:sldId id="275" r:id="rId2"/>
     <p:sldId id="466" r:id="rId3"/>
-    <p:sldId id="458" r:id="rId4"/>
-    <p:sldId id="438" r:id="rId5"/>
-    <p:sldId id="457" r:id="rId6"/>
-    <p:sldId id="439" r:id="rId7"/>
-    <p:sldId id="459" r:id="rId8"/>
-    <p:sldId id="460" r:id="rId9"/>
-    <p:sldId id="453" r:id="rId10"/>
-    <p:sldId id="440" r:id="rId11"/>
-    <p:sldId id="441" r:id="rId12"/>
-    <p:sldId id="461" r:id="rId13"/>
-    <p:sldId id="442" r:id="rId14"/>
-    <p:sldId id="443" r:id="rId15"/>
-    <p:sldId id="455" r:id="rId16"/>
-    <p:sldId id="462" r:id="rId17"/>
-    <p:sldId id="464" r:id="rId18"/>
-    <p:sldId id="465" r:id="rId19"/>
+    <p:sldId id="467" r:id="rId4"/>
+    <p:sldId id="458" r:id="rId5"/>
+    <p:sldId id="438" r:id="rId6"/>
+    <p:sldId id="459" r:id="rId7"/>
+    <p:sldId id="457" r:id="rId8"/>
+    <p:sldId id="439" r:id="rId9"/>
+    <p:sldId id="460" r:id="rId10"/>
+    <p:sldId id="453" r:id="rId11"/>
+    <p:sldId id="440" r:id="rId12"/>
+    <p:sldId id="441" r:id="rId13"/>
+    <p:sldId id="461" r:id="rId14"/>
+    <p:sldId id="442" r:id="rId15"/>
+    <p:sldId id="468" r:id="rId16"/>
+    <p:sldId id="469" r:id="rId17"/>
+    <p:sldId id="443" r:id="rId18"/>
+    <p:sldId id="455" r:id="rId19"/>
+    <p:sldId id="462" r:id="rId20"/>
+    <p:sldId id="464" r:id="rId21"/>
+    <p:sldId id="465" r:id="rId22"/>
   </p:sldIdLst>
   <p:sldSz cx="9144000" cy="6858000" type="screen4x3"/>
   <p:notesSz cx="6858000" cy="9144000"/>
@@ -131,17 +134,20 @@
           <p14:sldIdLst>
             <p14:sldId id="275"/>
             <p14:sldId id="466"/>
+            <p14:sldId id="467"/>
             <p14:sldId id="458"/>
             <p14:sldId id="438"/>
+            <p14:sldId id="459"/>
             <p14:sldId id="457"/>
             <p14:sldId id="439"/>
-            <p14:sldId id="459"/>
             <p14:sldId id="460"/>
             <p14:sldId id="453"/>
             <p14:sldId id="440"/>
             <p14:sldId id="441"/>
             <p14:sldId id="461"/>
             <p14:sldId id="442"/>
+            <p14:sldId id="468"/>
+            <p14:sldId id="469"/>
             <p14:sldId id="443"/>
             <p14:sldId id="455"/>
           </p14:sldIdLst>
@@ -255,7 +261,7 @@
           <a:p>
             <a:fld id="{8F7EB338-8BB0-B64B-9F79-C87EA24D723F}" type="datetimeFigureOut">
               <a:rPr lang="en-US" smtClean="0"/>
-              <a:t>11/28/20</a:t>
+              <a:t>11/29/2020</a:t>
             </a:fld>
             <a:endParaRPr lang="en-US"/>
           </a:p>
@@ -671,7 +677,7 @@
           <a:p>
             <a:fld id="{0A2C3B37-55FA-284F-9E83-751B4EA6E9B4}" type="slidenum">
               <a:rPr lang="en-US" smtClean="0"/>
-              <a:t>15</a:t>
+              <a:t>18</a:t>
             </a:fld>
             <a:endParaRPr lang="en-US"/>
           </a:p>
@@ -874,7 +880,7 @@
             <a:fld id="{DBE77699-C466-4996-ADED-71C8160E04A2}" type="datetimeFigureOut">
               <a:rPr lang="en-US" smtClean="0"/>
               <a:pPr/>
-              <a:t>11/28/20</a:t>
+              <a:t>11/29/2020</a:t>
             </a:fld>
             <a:endParaRPr lang="en-US"/>
           </a:p>
@@ -1039,7 +1045,7 @@
             <a:fld id="{DBE77699-C466-4996-ADED-71C8160E04A2}" type="datetimeFigureOut">
               <a:rPr lang="en-US" smtClean="0"/>
               <a:pPr/>
-              <a:t>11/28/20</a:t>
+              <a:t>11/29/2020</a:t>
             </a:fld>
             <a:endParaRPr lang="en-US"/>
           </a:p>
@@ -1214,7 +1220,7 @@
             <a:fld id="{DBE77699-C466-4996-ADED-71C8160E04A2}" type="datetimeFigureOut">
               <a:rPr lang="en-US" smtClean="0"/>
               <a:pPr/>
-              <a:t>11/28/20</a:t>
+              <a:t>11/29/2020</a:t>
             </a:fld>
             <a:endParaRPr lang="en-US"/>
           </a:p>
@@ -1333,7 +1339,7 @@
             <a:fld id="{DBE77699-C466-4996-ADED-71C8160E04A2}" type="datetimeFigureOut">
               <a:rPr lang="en-US" smtClean="0"/>
               <a:pPr/>
-              <a:t>11/28/20</a:t>
+              <a:t>11/29/2020</a:t>
             </a:fld>
             <a:endParaRPr lang="en-US"/>
           </a:p>
@@ -1755,7 +1761,7 @@
             <a:fld id="{DBE77699-C466-4996-ADED-71C8160E04A2}" type="datetimeFigureOut">
               <a:rPr lang="en-US" smtClean="0"/>
               <a:pPr/>
-              <a:t>11/28/20</a:t>
+              <a:t>11/29/2020</a:t>
             </a:fld>
             <a:endParaRPr lang="en-US"/>
           </a:p>
@@ -1964,7 +1970,7 @@
             <a:fld id="{DBE77699-C466-4996-ADED-71C8160E04A2}" type="datetimeFigureOut">
               <a:rPr lang="en-US" smtClean="0"/>
               <a:pPr/>
-              <a:t>11/28/20</a:t>
+              <a:t>11/29/2020</a:t>
             </a:fld>
             <a:endParaRPr lang="en-US"/>
           </a:p>
@@ -2206,7 +2212,7 @@
             <a:fld id="{DBE77699-C466-4996-ADED-71C8160E04A2}" type="datetimeFigureOut">
               <a:rPr lang="en-US" smtClean="0"/>
               <a:pPr/>
-              <a:t>11/28/20</a:t>
+              <a:t>11/29/2020</a:t>
             </a:fld>
             <a:endParaRPr lang="en-US"/>
           </a:p>
@@ -2488,7 +2494,7 @@
             <a:fld id="{DBE77699-C466-4996-ADED-71C8160E04A2}" type="datetimeFigureOut">
               <a:rPr lang="en-US" smtClean="0"/>
               <a:pPr/>
-              <a:t>11/28/20</a:t>
+              <a:t>11/29/2020</a:t>
             </a:fld>
             <a:endParaRPr lang="en-US"/>
           </a:p>
@@ -2904,7 +2910,7 @@
             <a:fld id="{DBE77699-C466-4996-ADED-71C8160E04A2}" type="datetimeFigureOut">
               <a:rPr lang="en-US" smtClean="0"/>
               <a:pPr/>
-              <a:t>11/28/20</a:t>
+              <a:t>11/29/2020</a:t>
             </a:fld>
             <a:endParaRPr lang="en-US"/>
           </a:p>
@@ -3018,7 +3024,7 @@
             <a:fld id="{DBE77699-C466-4996-ADED-71C8160E04A2}" type="datetimeFigureOut">
               <a:rPr lang="en-US" smtClean="0"/>
               <a:pPr/>
-              <a:t>11/28/20</a:t>
+              <a:t>11/29/2020</a:t>
             </a:fld>
             <a:endParaRPr lang="en-US"/>
           </a:p>
@@ -3110,7 +3116,7 @@
             <a:fld id="{DBE77699-C466-4996-ADED-71C8160E04A2}" type="datetimeFigureOut">
               <a:rPr lang="en-US" smtClean="0"/>
               <a:pPr/>
-              <a:t>11/28/20</a:t>
+              <a:t>11/29/2020</a:t>
             </a:fld>
             <a:endParaRPr lang="en-US"/>
           </a:p>
@@ -3382,7 +3388,7 @@
             <a:fld id="{DBE77699-C466-4996-ADED-71C8160E04A2}" type="datetimeFigureOut">
               <a:rPr lang="en-US" smtClean="0"/>
               <a:pPr/>
-              <a:t>11/28/20</a:t>
+              <a:t>11/29/2020</a:t>
             </a:fld>
             <a:endParaRPr lang="en-US"/>
           </a:p>
@@ -3631,7 +3637,7 @@
             <a:fld id="{DBE77699-C466-4996-ADED-71C8160E04A2}" type="datetimeFigureOut">
               <a:rPr lang="en-US" smtClean="0"/>
               <a:pPr/>
-              <a:t>11/28/20</a:t>
+              <a:t>11/29/2020</a:t>
             </a:fld>
             <a:endParaRPr lang="en-US"/>
           </a:p>
@@ -3842,7 +3848,7 @@
             <a:fld id="{DBE77699-C466-4996-ADED-71C8160E04A2}" type="datetimeFigureOut">
               <a:rPr lang="en-US" smtClean="0"/>
               <a:pPr/>
-              <a:t>11/28/20</a:t>
+              <a:t>11/29/2020</a:t>
             </a:fld>
             <a:endParaRPr lang="en-US"/>
           </a:p>
@@ -5056,57 +5062,299 @@
           <a:chExt cx="0" cy="0"/>
         </a:xfrm>
       </p:grpSpPr>
+      <p:pic>
+        <p:nvPicPr>
+          <p:cNvPr id="12" name="Picture 2">
+            <a:extLst>
+              <a:ext uri="{FF2B5EF4-FFF2-40B4-BE49-F238E27FC236}">
+                <a16:creationId xmlns:a16="http://schemas.microsoft.com/office/drawing/2014/main" id="{7F3A231B-5D70-D046-B1D4-165C06312D6D}"/>
+              </a:ext>
+            </a:extLst>
+          </p:cNvPr>
+          <p:cNvPicPr>
+            <a:picLocks noChangeAspect="1" noChangeArrowheads="1"/>
+          </p:cNvPicPr>
+          <p:nvPr/>
+        </p:nvPicPr>
+        <p:blipFill>
+          <a:blip r:embed="rId2">
+            <a:extLst>
+              <a:ext uri="{28A0092B-C50C-407E-A947-70E740481C1C}">
+                <a14:useLocalDpi xmlns:a14="http://schemas.microsoft.com/office/drawing/2010/main" val="0"/>
+              </a:ext>
+            </a:extLst>
+          </a:blip>
+          <a:srcRect t="7806" b="7806"/>
+          <a:stretch/>
+        </p:blipFill>
+        <p:spPr bwMode="auto">
+          <a:xfrm>
+            <a:off x="2642616" y="10"/>
+            <a:ext cx="6501384" cy="6857990"/>
+          </a:xfrm>
+          <a:prstGeom prst="rect">
+            <a:avLst/>
+          </a:prstGeom>
+          <a:noFill/>
+          <a:extLst>
+            <a:ext uri="{909E8E84-426E-40DD-AFC4-6F175D3DCCD1}">
+              <a14:hiddenFill xmlns:a14="http://schemas.microsoft.com/office/drawing/2010/main">
+                <a:solidFill>
+                  <a:srgbClr val="FFFFFF"/>
+                </a:solidFill>
+              </a14:hiddenFill>
+            </a:ext>
+          </a:extLst>
+        </p:spPr>
+      </p:pic>
       <p:sp>
         <p:nvSpPr>
-          <p:cNvPr id="2" name="Title 1"/>
-          <p:cNvSpPr>
-            <a:spLocks noGrp="1"/>
-          </p:cNvSpPr>
-          <p:nvPr>
-            <p:ph type="title"/>
-          </p:nvPr>
+          <p:cNvPr id="2" name="Rectangle 1">
+            <a:extLst>
+              <a:ext uri="{FF2B5EF4-FFF2-40B4-BE49-F238E27FC236}">
+                <a16:creationId xmlns:a16="http://schemas.microsoft.com/office/drawing/2014/main" id="{83930AA5-728D-884D-A826-4D923E871B31}"/>
+              </a:ext>
+            </a:extLst>
+          </p:cNvPr>
+          <p:cNvSpPr/>
+          <p:nvPr/>
         </p:nvSpPr>
-        <p:spPr/>
+        <p:spPr>
+          <a:xfrm>
+            <a:off x="0" y="0"/>
+            <a:ext cx="6019800" cy="6858000"/>
+          </a:xfrm>
+          <a:prstGeom prst="rect">
+            <a:avLst/>
+          </a:prstGeom>
+          <a:gradFill flip="none" rotWithShape="1">
+            <a:gsLst>
+              <a:gs pos="24000">
+                <a:srgbClr val="000000"/>
+              </a:gs>
+              <a:gs pos="50000">
+                <a:srgbClr val="000000"/>
+              </a:gs>
+              <a:gs pos="0">
+                <a:schemeClr val="bg1"/>
+              </a:gs>
+              <a:gs pos="100000">
+                <a:schemeClr val="bg1">
+                  <a:alpha val="0"/>
+                </a:schemeClr>
+              </a:gs>
+            </a:gsLst>
+            <a:lin ang="0" scaled="1"/>
+            <a:tileRect/>
+          </a:gradFill>
+          <a:ln>
+            <a:noFill/>
+          </a:ln>
+        </p:spPr>
+        <p:style>
+          <a:lnRef idx="2">
+            <a:schemeClr val="accent1">
+              <a:shade val="50000"/>
+            </a:schemeClr>
+          </a:lnRef>
+          <a:fillRef idx="1">
+            <a:schemeClr val="accent1"/>
+          </a:fillRef>
+          <a:effectRef idx="0">
+            <a:schemeClr val="accent1"/>
+          </a:effectRef>
+          <a:fontRef idx="minor">
+            <a:schemeClr val="lt1"/>
+          </a:fontRef>
+        </p:style>
         <p:txBody>
-          <a:bodyPr>
-            <a:noAutofit/>
-          </a:bodyPr>
+          <a:bodyPr rtlCol="0" anchor="ctr"/>
           <a:lstStyle/>
           <a:p>
-            <a:r>
-              <a:rPr lang="en-US" dirty="0"/>
-              <a:t>Make an argument that Jesus shares the </a:t>
-            </a:r>
-            <a:r>
-              <a:rPr lang="en-US" i="1" dirty="0"/>
-              <a:t>names</a:t>
-            </a:r>
-            <a:r>
-              <a:rPr lang="en-US" dirty="0"/>
-              <a:t> of God.</a:t>
-            </a:r>
-            <a:endParaRPr lang="en-US" sz="3600" dirty="0"/>
+            <a:pPr algn="ctr"/>
+            <a:endParaRPr lang="en-US"/>
           </a:p>
         </p:txBody>
       </p:sp>
       <p:sp>
         <p:nvSpPr>
-          <p:cNvPr id="3" name="Text Placeholder 2"/>
-          <p:cNvSpPr>
-            <a:spLocks noGrp="1"/>
-          </p:cNvSpPr>
-          <p:nvPr>
-            <p:ph type="body" sz="quarter" idx="13"/>
-          </p:nvPr>
+          <p:cNvPr id="5" name="Rectangle 4"/>
+          <p:cNvSpPr/>
+          <p:nvPr/>
         </p:nvSpPr>
-        <p:spPr/>
+        <p:spPr>
+          <a:xfrm>
+            <a:off x="381000" y="2819400"/>
+            <a:ext cx="4903487" cy="2246769"/>
+          </a:xfrm>
+          <a:prstGeom prst="rect">
+            <a:avLst/>
+          </a:prstGeom>
+          <a:noFill/>
+          <a:ln>
+            <a:noFill/>
+          </a:ln>
+          <a:effectLst/>
+        </p:spPr>
+        <p:style>
+          <a:lnRef idx="1">
+            <a:schemeClr val="accent1"/>
+          </a:lnRef>
+          <a:fillRef idx="3">
+            <a:schemeClr val="accent1"/>
+          </a:fillRef>
+          <a:effectRef idx="2">
+            <a:schemeClr val="accent1"/>
+          </a:effectRef>
+          <a:fontRef idx="minor">
+            <a:schemeClr val="lt1"/>
+          </a:fontRef>
+        </p:style>
         <p:txBody>
-          <a:bodyPr/>
+          <a:bodyPr rtlCol="0" anchor="ctr"/>
           <a:lstStyle/>
           <a:p>
+            <a:endParaRPr lang="en-US" dirty="0"/>
+          </a:p>
+        </p:txBody>
+      </p:sp>
+      <p:sp>
+        <p:nvSpPr>
+          <p:cNvPr id="7" name="Rectangle 6"/>
+          <p:cNvSpPr/>
+          <p:nvPr/>
+        </p:nvSpPr>
+        <p:spPr>
+          <a:xfrm rot="5400000">
+            <a:off x="2326988" y="2914599"/>
+            <a:ext cx="49492" cy="3669094"/>
+          </a:xfrm>
+          <a:prstGeom prst="rect">
+            <a:avLst/>
+          </a:prstGeom>
+          <a:solidFill>
+            <a:srgbClr val="009EC0"/>
+          </a:solidFill>
+          <a:ln>
+            <a:noFill/>
+          </a:ln>
+          <a:effectLst/>
+        </p:spPr>
+        <p:style>
+          <a:lnRef idx="1">
+            <a:schemeClr val="accent1"/>
+          </a:lnRef>
+          <a:fillRef idx="3">
+            <a:schemeClr val="accent1"/>
+          </a:fillRef>
+          <a:effectRef idx="2">
+            <a:schemeClr val="accent1"/>
+          </a:effectRef>
+          <a:fontRef idx="minor">
+            <a:schemeClr val="lt1"/>
+          </a:fontRef>
+        </p:style>
+        <p:txBody>
+          <a:bodyPr rtlCol="0" anchor="ctr"/>
+          <a:lstStyle/>
+          <a:p>
+            <a:pPr algn="ctr"/>
+            <a:endParaRPr lang="en-US"/>
+          </a:p>
+        </p:txBody>
+      </p:sp>
+      <p:sp>
+        <p:nvSpPr>
+          <p:cNvPr id="8" name="TextBox 7"/>
+          <p:cNvSpPr txBox="1"/>
+          <p:nvPr/>
+        </p:nvSpPr>
+        <p:spPr>
+          <a:xfrm>
+            <a:off x="439096" y="1382085"/>
+            <a:ext cx="3747185" cy="3046988"/>
+          </a:xfrm>
+          <a:prstGeom prst="rect">
+            <a:avLst/>
+          </a:prstGeom>
+          <a:noFill/>
+        </p:spPr>
+        <p:txBody>
+          <a:bodyPr wrap="square" rtlCol="0">
+            <a:spAutoFit/>
+          </a:bodyPr>
+          <a:lstStyle/>
+          <a:p>
             <a:r>
-              <a:rPr lang="en-US" dirty="0"/>
-              <a:t>3</a:t>
+              <a:rPr lang="en-US" sz="3200" dirty="0"/>
+              <a:t>“Here Jesus himself fills the role of the Shekinah, God's presence, in the traditional Jewish saying.”</a:t>
+            </a:r>
+            <a:endParaRPr lang="en-US" sz="3200" dirty="0">
+              <a:latin typeface="Avenir Book"/>
+              <a:cs typeface="Avenir Book"/>
+            </a:endParaRPr>
+          </a:p>
+        </p:txBody>
+      </p:sp>
+      <p:sp>
+        <p:nvSpPr>
+          <p:cNvPr id="10" name="Rectangle 9"/>
+          <p:cNvSpPr/>
+          <p:nvPr/>
+        </p:nvSpPr>
+        <p:spPr>
+          <a:xfrm>
+            <a:off x="356243" y="5045093"/>
+            <a:ext cx="4952999" cy="1458391"/>
+          </a:xfrm>
+          <a:prstGeom prst="rect">
+            <a:avLst/>
+          </a:prstGeom>
+          <a:noFill/>
+          <a:ln>
+            <a:noFill/>
+          </a:ln>
+        </p:spPr>
+        <p:style>
+          <a:lnRef idx="1">
+            <a:schemeClr val="accent1"/>
+          </a:lnRef>
+          <a:fillRef idx="3">
+            <a:schemeClr val="accent1"/>
+          </a:fillRef>
+          <a:effectRef idx="2">
+            <a:schemeClr val="accent1"/>
+          </a:effectRef>
+          <a:fontRef idx="minor">
+            <a:schemeClr val="lt1"/>
+          </a:fontRef>
+        </p:style>
+        <p:txBody>
+          <a:bodyPr lIns="164592" rtlCol="0" anchor="t"/>
+          <a:lstStyle/>
+          <a:p>
+            <a:r>
+              <a:rPr lang="en-US" sz="2000" b="1" dirty="0">
+                <a:solidFill>
+                  <a:schemeClr val="tx1"/>
+                </a:solidFill>
+              </a:rPr>
+              <a:t>CRAIG KEENER</a:t>
+            </a:r>
+            <a:br>
+              <a:rPr lang="en-US" sz="2000" b="1" dirty="0">
+                <a:solidFill>
+                  <a:schemeClr val="tx1"/>
+                </a:solidFill>
+              </a:rPr>
+            </a:br>
+            <a:r>
+              <a:rPr lang="en-US" sz="2000" i="1" dirty="0">
+                <a:solidFill>
+                  <a:schemeClr val="tx1"/>
+                </a:solidFill>
+              </a:rPr>
+              <a:t>A Commentary on the Gospel of Matthew (page 455)</a:t>
             </a:r>
           </a:p>
         </p:txBody>
@@ -5114,13 +5362,363 @@
     </p:spTree>
     <p:extLst>
       <p:ext uri="{BB962C8B-B14F-4D97-AF65-F5344CB8AC3E}">
-        <p14:creationId xmlns:p14="http://schemas.microsoft.com/office/powerpoint/2010/main" val="1448442270"/>
+        <p14:creationId xmlns:p14="http://schemas.microsoft.com/office/powerpoint/2010/main" val="3322517470"/>
       </p:ext>
     </p:extLst>
   </p:cSld>
   <p:clrMapOvr>
     <a:masterClrMapping/>
   </p:clrMapOvr>
+  <p:timing>
+    <p:tnLst>
+      <p:par>
+        <p:cTn id="1" dur="indefinite" restart="never" nodeType="tmRoot">
+          <p:childTnLst>
+            <p:seq concurrent="1" nextAc="seek">
+              <p:cTn id="2" dur="indefinite" nodeType="mainSeq">
+                <p:childTnLst>
+                  <p:par>
+                    <p:cTn id="3" fill="hold">
+                      <p:stCondLst>
+                        <p:cond delay="indefinite"/>
+                      </p:stCondLst>
+                      <p:childTnLst>
+                        <p:par>
+                          <p:cTn id="4" fill="hold">
+                            <p:stCondLst>
+                              <p:cond delay="0"/>
+                            </p:stCondLst>
+                            <p:childTnLst>
+                              <p:par>
+                                <p:cTn id="5" presetID="1" presetClass="entr" presetSubtype="0" fill="hold" grpId="0" nodeType="clickEffect">
+                                  <p:stCondLst>
+                                    <p:cond delay="0"/>
+                                  </p:stCondLst>
+                                  <p:childTnLst>
+                                    <p:set>
+                                      <p:cBhvr>
+                                        <p:cTn id="6" dur="1" fill="hold">
+                                          <p:stCondLst>
+                                            <p:cond delay="0"/>
+                                          </p:stCondLst>
+                                        </p:cTn>
+                                        <p:tgtEl>
+                                          <p:spTgt spid="2"/>
+                                        </p:tgtEl>
+                                        <p:attrNameLst>
+                                          <p:attrName>style.visibility</p:attrName>
+                                        </p:attrNameLst>
+                                      </p:cBhvr>
+                                      <p:to>
+                                        <p:strVal val="visible"/>
+                                      </p:to>
+                                    </p:set>
+                                  </p:childTnLst>
+                                </p:cTn>
+                              </p:par>
+                            </p:childTnLst>
+                          </p:cTn>
+                        </p:par>
+                        <p:par>
+                          <p:cTn id="7" fill="hold">
+                            <p:stCondLst>
+                              <p:cond delay="0"/>
+                            </p:stCondLst>
+                            <p:childTnLst>
+                              <p:par>
+                                <p:cTn id="8" presetID="10" presetClass="entr" presetSubtype="0" fill="hold" nodeType="afterEffect">
+                                  <p:stCondLst>
+                                    <p:cond delay="0"/>
+                                  </p:stCondLst>
+                                  <p:childTnLst>
+                                    <p:set>
+                                      <p:cBhvr>
+                                        <p:cTn id="9" dur="1" fill="hold">
+                                          <p:stCondLst>
+                                            <p:cond delay="0"/>
+                                          </p:stCondLst>
+                                        </p:cTn>
+                                        <p:tgtEl>
+                                          <p:spTgt spid="12"/>
+                                        </p:tgtEl>
+                                        <p:attrNameLst>
+                                          <p:attrName>style.visibility</p:attrName>
+                                        </p:attrNameLst>
+                                      </p:cBhvr>
+                                      <p:to>
+                                        <p:strVal val="visible"/>
+                                      </p:to>
+                                    </p:set>
+                                    <p:animEffect transition="in" filter="fade">
+                                      <p:cBhvr>
+                                        <p:cTn id="10" dur="250"/>
+                                        <p:tgtEl>
+                                          <p:spTgt spid="12"/>
+                                        </p:tgtEl>
+                                      </p:cBhvr>
+                                    </p:animEffect>
+                                  </p:childTnLst>
+                                </p:cTn>
+                              </p:par>
+                            </p:childTnLst>
+                          </p:cTn>
+                        </p:par>
+                        <p:par>
+                          <p:cTn id="11" fill="hold">
+                            <p:stCondLst>
+                              <p:cond delay="250"/>
+                            </p:stCondLst>
+                            <p:childTnLst>
+                              <p:par>
+                                <p:cTn id="12" presetID="10" presetClass="entr" presetSubtype="0" fill="hold" grpId="0" nodeType="afterEffect">
+                                  <p:stCondLst>
+                                    <p:cond delay="500"/>
+                                  </p:stCondLst>
+                                  <p:childTnLst>
+                                    <p:set>
+                                      <p:cBhvr>
+                                        <p:cTn id="13" dur="1" fill="hold">
+                                          <p:stCondLst>
+                                            <p:cond delay="0"/>
+                                          </p:stCondLst>
+                                        </p:cTn>
+                                        <p:tgtEl>
+                                          <p:spTgt spid="7"/>
+                                        </p:tgtEl>
+                                        <p:attrNameLst>
+                                          <p:attrName>style.visibility</p:attrName>
+                                        </p:attrNameLst>
+                                      </p:cBhvr>
+                                      <p:to>
+                                        <p:strVal val="visible"/>
+                                      </p:to>
+                                    </p:set>
+                                    <p:animEffect transition="in" filter="fade">
+                                      <p:cBhvr>
+                                        <p:cTn id="14" dur="250"/>
+                                        <p:tgtEl>
+                                          <p:spTgt spid="7"/>
+                                        </p:tgtEl>
+                                      </p:cBhvr>
+                                    </p:animEffect>
+                                  </p:childTnLst>
+                                </p:cTn>
+                              </p:par>
+                              <p:par>
+                                <p:cTn id="15" presetID="1" presetClass="entr" presetSubtype="0" fill="hold" grpId="1" nodeType="withEffect" nodePh="1">
+                                  <p:stCondLst>
+                                    <p:cond delay="0"/>
+                                  </p:stCondLst>
+                                  <p:endCondLst>
+                                    <p:cond evt="begin" delay="0">
+                                      <p:tn val="15"/>
+                                    </p:cond>
+                                  </p:endCondLst>
+                                  <p:childTnLst>
+                                    <p:set>
+                                      <p:cBhvr>
+                                        <p:cTn id="16" dur="1" fill="hold">
+                                          <p:stCondLst>
+                                            <p:cond delay="0"/>
+                                          </p:stCondLst>
+                                        </p:cTn>
+                                        <p:tgtEl>
+                                          <p:spTgt spid="5"/>
+                                        </p:tgtEl>
+                                        <p:attrNameLst>
+                                          <p:attrName>style.visibility</p:attrName>
+                                        </p:attrNameLst>
+                                      </p:cBhvr>
+                                      <p:to>
+                                        <p:strVal val="visible"/>
+                                      </p:to>
+                                    </p:set>
+                                  </p:childTnLst>
+                                </p:cTn>
+                              </p:par>
+                            </p:childTnLst>
+                          </p:cTn>
+                        </p:par>
+                        <p:par>
+                          <p:cTn id="17" fill="hold">
+                            <p:stCondLst>
+                              <p:cond delay="1000"/>
+                            </p:stCondLst>
+                            <p:childTnLst>
+                              <p:par>
+                                <p:cTn id="18" presetID="0" presetClass="path" presetSubtype="0" accel="50000" decel="50000" fill="hold" grpId="0" nodeType="afterEffect" nodePh="1">
+                                  <p:stCondLst>
+                                    <p:cond delay="0"/>
+                                  </p:stCondLst>
+                                  <p:endCondLst>
+                                    <p:cond evt="begin" delay="0">
+                                      <p:tn val="18"/>
+                                    </p:cond>
+                                  </p:endCondLst>
+                                  <p:childTnLst>
+                                    <p:animMotion origin="layout" path="M 0.04236 -7.40741E-7 L -8.33333E-7 -7.40741E-7 " pathEditMode="relative" rAng="0" ptsTypes="AA">
+                                      <p:cBhvr>
+                                        <p:cTn id="19" dur="300" fill="hold"/>
+                                        <p:tgtEl>
+                                          <p:spTgt spid="5"/>
+                                        </p:tgtEl>
+                                        <p:attrNameLst>
+                                          <p:attrName>ppt_x</p:attrName>
+                                          <p:attrName>ppt_y</p:attrName>
+                                        </p:attrNameLst>
+                                      </p:cBhvr>
+                                      <p:rCtr x="-2118" y="0"/>
+                                    </p:animMotion>
+                                  </p:childTnLst>
+                                </p:cTn>
+                              </p:par>
+                            </p:childTnLst>
+                          </p:cTn>
+                        </p:par>
+                        <p:par>
+                          <p:cTn id="20" fill="hold">
+                            <p:stCondLst>
+                              <p:cond delay="1300"/>
+                            </p:stCondLst>
+                            <p:childTnLst>
+                              <p:par>
+                                <p:cTn id="21" presetID="10" presetClass="entr" presetSubtype="0" fill="hold" grpId="0" nodeType="afterEffect">
+                                  <p:stCondLst>
+                                    <p:cond delay="0"/>
+                                  </p:stCondLst>
+                                  <p:childTnLst>
+                                    <p:set>
+                                      <p:cBhvr>
+                                        <p:cTn id="22" dur="1" fill="hold">
+                                          <p:stCondLst>
+                                            <p:cond delay="0"/>
+                                          </p:stCondLst>
+                                        </p:cTn>
+                                        <p:tgtEl>
+                                          <p:spTgt spid="8"/>
+                                        </p:tgtEl>
+                                        <p:attrNameLst>
+                                          <p:attrName>style.visibility</p:attrName>
+                                        </p:attrNameLst>
+                                      </p:cBhvr>
+                                      <p:to>
+                                        <p:strVal val="visible"/>
+                                      </p:to>
+                                    </p:set>
+                                    <p:animEffect transition="in" filter="fade">
+                                      <p:cBhvr>
+                                        <p:cTn id="23" dur="300"/>
+                                        <p:tgtEl>
+                                          <p:spTgt spid="8"/>
+                                        </p:tgtEl>
+                                      </p:cBhvr>
+                                    </p:animEffect>
+                                  </p:childTnLst>
+                                </p:cTn>
+                              </p:par>
+                              <p:par>
+                                <p:cTn id="24" presetID="0" presetClass="path" presetSubtype="0" accel="50000" decel="50000" fill="hold" grpId="1" nodeType="withEffect">
+                                  <p:stCondLst>
+                                    <p:cond delay="0"/>
+                                  </p:stCondLst>
+                                  <p:childTnLst>
+                                    <p:animMotion origin="layout" path="M -1.38889E-6 0.0169 L -1.38889E-6 -1.11111E-6 " pathEditMode="relative" rAng="0" ptsTypes="AA">
+                                      <p:cBhvr>
+                                        <p:cTn id="25" dur="200" fill="hold"/>
+                                        <p:tgtEl>
+                                          <p:spTgt spid="8"/>
+                                        </p:tgtEl>
+                                        <p:attrNameLst>
+                                          <p:attrName>ppt_x</p:attrName>
+                                          <p:attrName>ppt_y</p:attrName>
+                                        </p:attrNameLst>
+                                      </p:cBhvr>
+                                      <p:rCtr x="0" y="-856"/>
+                                    </p:animMotion>
+                                  </p:childTnLst>
+                                </p:cTn>
+                              </p:par>
+                            </p:childTnLst>
+                          </p:cTn>
+                        </p:par>
+                        <p:par>
+                          <p:cTn id="26" fill="hold">
+                            <p:stCondLst>
+                              <p:cond delay="1600"/>
+                            </p:stCondLst>
+                            <p:childTnLst>
+                              <p:par>
+                                <p:cTn id="27" presetID="10" presetClass="entr" presetSubtype="0" fill="hold" grpId="0" nodeType="afterEffect">
+                                  <p:stCondLst>
+                                    <p:cond delay="0"/>
+                                  </p:stCondLst>
+                                  <p:childTnLst>
+                                    <p:set>
+                                      <p:cBhvr>
+                                        <p:cTn id="28" dur="1" fill="hold">
+                                          <p:stCondLst>
+                                            <p:cond delay="0"/>
+                                          </p:stCondLst>
+                                        </p:cTn>
+                                        <p:tgtEl>
+                                          <p:spTgt spid="10"/>
+                                        </p:tgtEl>
+                                        <p:attrNameLst>
+                                          <p:attrName>style.visibility</p:attrName>
+                                        </p:attrNameLst>
+                                      </p:cBhvr>
+                                      <p:to>
+                                        <p:strVal val="visible"/>
+                                      </p:to>
+                                    </p:set>
+                                    <p:animEffect transition="in" filter="fade">
+                                      <p:cBhvr>
+                                        <p:cTn id="29" dur="200"/>
+                                        <p:tgtEl>
+                                          <p:spTgt spid="10"/>
+                                        </p:tgtEl>
+                                      </p:cBhvr>
+                                    </p:animEffect>
+                                  </p:childTnLst>
+                                </p:cTn>
+                              </p:par>
+                            </p:childTnLst>
+                          </p:cTn>
+                        </p:par>
+                      </p:childTnLst>
+                    </p:cTn>
+                  </p:par>
+                </p:childTnLst>
+              </p:cTn>
+              <p:prevCondLst>
+                <p:cond evt="onPrev" delay="0">
+                  <p:tgtEl>
+                    <p:sldTgt/>
+                  </p:tgtEl>
+                </p:cond>
+              </p:prevCondLst>
+              <p:nextCondLst>
+                <p:cond evt="onNext" delay="0">
+                  <p:tgtEl>
+                    <p:sldTgt/>
+                  </p:tgtEl>
+                </p:cond>
+              </p:nextCondLst>
+            </p:seq>
+          </p:childTnLst>
+        </p:cTn>
+      </p:par>
+    </p:tnLst>
+    <p:bldLst>
+      <p:bldP spid="2" grpId="0" animBg="1"/>
+      <p:bldP spid="5" grpId="0"/>
+      <p:bldP spid="5" grpId="1"/>
+      <p:bldP spid="7" grpId="0" animBg="1"/>
+      <p:bldP spid="8" grpId="0"/>
+      <p:bldP spid="8" grpId="1"/>
+      <p:bldP spid="10" grpId="0"/>
+    </p:bldLst>
+  </p:timing>
 </p:sld>
 </file>
 
@@ -5154,22 +5752,23 @@
         <p:spPr/>
         <p:txBody>
           <a:bodyPr>
-            <a:normAutofit fontScale="90000"/>
+            <a:noAutofit/>
           </a:bodyPr>
           <a:lstStyle/>
           <a:p>
             <a:r>
               <a:rPr lang="en-US" dirty="0"/>
-              <a:t>Make an argument that Jesus shares in the </a:t>
+              <a:t>Make an argument that Jesus shares the </a:t>
             </a:r>
             <a:r>
               <a:rPr lang="en-US" i="1" dirty="0"/>
-              <a:t>deeds</a:t>
+              <a:t>names</a:t>
             </a:r>
             <a:r>
               <a:rPr lang="en-US" dirty="0"/>
-              <a:t> that God does.</a:t>
+              <a:t> of God.</a:t>
             </a:r>
+            <a:endParaRPr lang="en-US" sz="3600" dirty="0"/>
           </a:p>
         </p:txBody>
       </p:sp>
@@ -5190,6 +5789,90 @@
           <a:p>
             <a:r>
               <a:rPr lang="en-US" dirty="0"/>
+              <a:t>3</a:t>
+            </a:r>
+          </a:p>
+        </p:txBody>
+      </p:sp>
+    </p:spTree>
+    <p:extLst>
+      <p:ext uri="{BB962C8B-B14F-4D97-AF65-F5344CB8AC3E}">
+        <p14:creationId xmlns:p14="http://schemas.microsoft.com/office/powerpoint/2010/main" val="1448442270"/>
+      </p:ext>
+    </p:extLst>
+  </p:cSld>
+  <p:clrMapOvr>
+    <a:masterClrMapping/>
+  </p:clrMapOvr>
+</p:sld>
+</file>
+
+<file path=ppt/slides/slide12.xml><?xml version="1.0" encoding="utf-8"?>
+<p:sld xmlns:a="http://schemas.openxmlformats.org/drawingml/2006/main" xmlns:r="http://schemas.openxmlformats.org/officeDocument/2006/relationships" xmlns:p="http://schemas.openxmlformats.org/presentationml/2006/main">
+  <p:cSld>
+    <p:spTree>
+      <p:nvGrpSpPr>
+        <p:cNvPr id="1" name=""/>
+        <p:cNvGrpSpPr/>
+        <p:nvPr/>
+      </p:nvGrpSpPr>
+      <p:grpSpPr>
+        <a:xfrm>
+          <a:off x="0" y="0"/>
+          <a:ext cx="0" cy="0"/>
+          <a:chOff x="0" y="0"/>
+          <a:chExt cx="0" cy="0"/>
+        </a:xfrm>
+      </p:grpSpPr>
+      <p:sp>
+        <p:nvSpPr>
+          <p:cNvPr id="2" name="Title 1"/>
+          <p:cNvSpPr>
+            <a:spLocks noGrp="1"/>
+          </p:cNvSpPr>
+          <p:nvPr>
+            <p:ph type="title"/>
+          </p:nvPr>
+        </p:nvSpPr>
+        <p:spPr/>
+        <p:txBody>
+          <a:bodyPr>
+            <a:normAutofit fontScale="90000"/>
+          </a:bodyPr>
+          <a:lstStyle/>
+          <a:p>
+            <a:r>
+              <a:rPr lang="en-US" dirty="0"/>
+              <a:t>Make an argument that Jesus shares in the </a:t>
+            </a:r>
+            <a:r>
+              <a:rPr lang="en-US" i="1" dirty="0"/>
+              <a:t>deeds</a:t>
+            </a:r>
+            <a:r>
+              <a:rPr lang="en-US" dirty="0"/>
+              <a:t> that God does.</a:t>
+            </a:r>
+          </a:p>
+        </p:txBody>
+      </p:sp>
+      <p:sp>
+        <p:nvSpPr>
+          <p:cNvPr id="3" name="Text Placeholder 2"/>
+          <p:cNvSpPr>
+            <a:spLocks noGrp="1"/>
+          </p:cNvSpPr>
+          <p:nvPr>
+            <p:ph type="body" sz="quarter" idx="13"/>
+          </p:nvPr>
+        </p:nvSpPr>
+        <p:spPr/>
+        <p:txBody>
+          <a:bodyPr/>
+          <a:lstStyle/>
+          <a:p>
+            <a:r>
+              <a:rPr lang="en-US" dirty="0"/>
               <a:t>4</a:t>
             </a:r>
           </a:p>
@@ -5208,7 +5891,7 @@
 </p:sld>
 </file>
 
-<file path=ppt/slides/slide12.xml><?xml version="1.0" encoding="utf-8"?>
+<file path=ppt/slides/slide13.xml><?xml version="1.0" encoding="utf-8"?>
 <p:sld xmlns:a="http://schemas.openxmlformats.org/drawingml/2006/main" xmlns:r="http://schemas.openxmlformats.org/officeDocument/2006/relationships" xmlns:p="http://schemas.openxmlformats.org/presentationml/2006/main">
   <p:cSld>
     <p:spTree>
@@ -6843,7 +7526,7 @@
 </p:sld>
 </file>
 
-<file path=ppt/slides/slide13.xml><?xml version="1.0" encoding="utf-8"?>
+<file path=ppt/slides/slide14.xml><?xml version="1.0" encoding="utf-8"?>
 <p:sld xmlns:a="http://schemas.openxmlformats.org/drawingml/2006/main" xmlns:r="http://schemas.openxmlformats.org/officeDocument/2006/relationships" xmlns:p="http://schemas.openxmlformats.org/presentationml/2006/main">
   <p:cSld>
     <p:spTree>
@@ -6919,7 +7602,708 @@
 </p:sld>
 </file>
 
-<file path=ppt/slides/slide14.xml><?xml version="1.0" encoding="utf-8"?>
+<file path=ppt/slides/slide15.xml><?xml version="1.0" encoding="utf-8"?>
+<p:sld xmlns:a="http://schemas.openxmlformats.org/drawingml/2006/main" xmlns:r="http://schemas.openxmlformats.org/officeDocument/2006/relationships" xmlns:p="http://schemas.openxmlformats.org/presentationml/2006/main">
+  <p:cSld>
+    <p:spTree>
+      <p:nvGrpSpPr>
+        <p:cNvPr id="1" name=""/>
+        <p:cNvGrpSpPr/>
+        <p:nvPr/>
+      </p:nvGrpSpPr>
+      <p:grpSpPr>
+        <a:xfrm>
+          <a:off x="0" y="0"/>
+          <a:ext cx="0" cy="0"/>
+          <a:chOff x="0" y="0"/>
+          <a:chExt cx="0" cy="0"/>
+        </a:xfrm>
+      </p:grpSpPr>
+      <p:sp>
+        <p:nvSpPr>
+          <p:cNvPr id="2" name="Title 1">
+            <a:extLst>
+              <a:ext uri="{FF2B5EF4-FFF2-40B4-BE49-F238E27FC236}">
+                <a16:creationId xmlns:a16="http://schemas.microsoft.com/office/drawing/2014/main" id="{C8F392D1-A4F5-744A-9239-99BC6612F901}"/>
+              </a:ext>
+            </a:extLst>
+          </p:cNvPr>
+          <p:cNvSpPr>
+            <a:spLocks noGrp="1"/>
+          </p:cNvSpPr>
+          <p:nvPr>
+            <p:ph type="title"/>
+          </p:nvPr>
+        </p:nvSpPr>
+        <p:spPr>
+          <a:xfrm>
+            <a:off x="457200" y="152400"/>
+            <a:ext cx="8686800" cy="3962400"/>
+          </a:xfrm>
+        </p:spPr>
+        <p:txBody>
+          <a:bodyPr anchor="b" anchorCtr="0">
+            <a:normAutofit/>
+          </a:bodyPr>
+          <a:lstStyle/>
+          <a:p>
+            <a:pPr>
+              <a:tabLst>
+                <a:tab pos="91440" algn="l"/>
+              </a:tabLst>
+            </a:pPr>
+            <a:r>
+              <a:rPr lang="en-US" dirty="0"/>
+              <a:t>“Go to my brothers and tell them, ‘I am ascending to </a:t>
+            </a:r>
+            <a:r>
+              <a:rPr lang="en-US" b="1" dirty="0">
+                <a:highlight>
+                  <a:srgbClr val="C00002"/>
+                </a:highlight>
+              </a:rPr>
+              <a:t>my Father and your Father</a:t>
+            </a:r>
+            <a:r>
+              <a:rPr lang="en-US" dirty="0"/>
+              <a:t>, to my God and your God.’”</a:t>
+            </a:r>
+          </a:p>
+        </p:txBody>
+      </p:sp>
+      <p:sp>
+        <p:nvSpPr>
+          <p:cNvPr id="3" name="Text Placeholder 2">
+            <a:extLst>
+              <a:ext uri="{FF2B5EF4-FFF2-40B4-BE49-F238E27FC236}">
+                <a16:creationId xmlns:a16="http://schemas.microsoft.com/office/drawing/2014/main" id="{D79591E0-89A3-7048-B1C5-91B4FFFB65C9}"/>
+              </a:ext>
+            </a:extLst>
+          </p:cNvPr>
+          <p:cNvSpPr>
+            <a:spLocks noGrp="1"/>
+          </p:cNvSpPr>
+          <p:nvPr>
+            <p:ph type="body" sz="quarter" idx="13"/>
+          </p:nvPr>
+        </p:nvSpPr>
+        <p:spPr>
+          <a:xfrm>
+            <a:off x="114300" y="4495800"/>
+            <a:ext cx="8915400" cy="1371600"/>
+          </a:xfrm>
+        </p:spPr>
+        <p:txBody>
+          <a:bodyPr>
+            <a:normAutofit/>
+          </a:bodyPr>
+          <a:lstStyle/>
+          <a:p>
+            <a:pPr algn="l"/>
+            <a:r>
+              <a:rPr lang="en-US" sz="4400" b="0" i="1" dirty="0">
+                <a:solidFill>
+                  <a:srgbClr val="009EC0"/>
+                </a:solidFill>
+              </a:rPr>
+              <a:t>John 20:17</a:t>
+            </a:r>
+          </a:p>
+        </p:txBody>
+      </p:sp>
+    </p:spTree>
+    <p:extLst>
+      <p:ext uri="{BB962C8B-B14F-4D97-AF65-F5344CB8AC3E}">
+        <p14:creationId xmlns:p14="http://schemas.microsoft.com/office/powerpoint/2010/main" val="2726019658"/>
+      </p:ext>
+    </p:extLst>
+  </p:cSld>
+  <p:clrMapOvr>
+    <a:masterClrMapping/>
+  </p:clrMapOvr>
+</p:sld>
+</file>
+
+<file path=ppt/slides/slide16.xml><?xml version="1.0" encoding="utf-8"?>
+<p:sld xmlns:a="http://schemas.openxmlformats.org/drawingml/2006/main" xmlns:r="http://schemas.openxmlformats.org/officeDocument/2006/relationships" xmlns:p="http://schemas.openxmlformats.org/presentationml/2006/main">
+  <p:cSld>
+    <p:spTree>
+      <p:nvGrpSpPr>
+        <p:cNvPr id="1" name=""/>
+        <p:cNvGrpSpPr/>
+        <p:nvPr/>
+      </p:nvGrpSpPr>
+      <p:grpSpPr>
+        <a:xfrm>
+          <a:off x="0" y="0"/>
+          <a:ext cx="0" cy="0"/>
+          <a:chOff x="0" y="0"/>
+          <a:chExt cx="0" cy="0"/>
+        </a:xfrm>
+      </p:grpSpPr>
+      <p:graphicFrame>
+        <p:nvGraphicFramePr>
+          <p:cNvPr id="5" name="Table 4">
+            <a:extLst>
+              <a:ext uri="{FF2B5EF4-FFF2-40B4-BE49-F238E27FC236}">
+                <a16:creationId xmlns:a16="http://schemas.microsoft.com/office/drawing/2014/main" id="{589C607E-23F7-1D43-B569-801CED367AB1}"/>
+              </a:ext>
+            </a:extLst>
+          </p:cNvPr>
+          <p:cNvGraphicFramePr>
+            <a:graphicFrameLocks noGrp="1"/>
+          </p:cNvGraphicFramePr>
+          <p:nvPr>
+            <p:extLst>
+              <p:ext uri="{D42A27DB-BD31-4B8C-83A1-F6EECF244321}">
+                <p14:modId xmlns:p14="http://schemas.microsoft.com/office/powerpoint/2010/main" val="4028580034"/>
+              </p:ext>
+            </p:extLst>
+          </p:nvPr>
+        </p:nvGraphicFramePr>
+        <p:xfrm>
+          <a:off x="114300" y="304800"/>
+          <a:ext cx="8915400" cy="6431280"/>
+        </p:xfrm>
+        <a:graphic>
+          <a:graphicData uri="http://schemas.openxmlformats.org/drawingml/2006/table">
+            <a:tbl>
+              <a:tblPr firstRow="1" bandRow="1">
+                <a:tableStyleId>{2D5ABB26-0587-4C30-8999-92F81FD0307C}</a:tableStyleId>
+              </a:tblPr>
+              <a:tblGrid>
+                <a:gridCol w="4457700">
+                  <a:extLst>
+                    <a:ext uri="{9D8B030D-6E8A-4147-A177-3AD203B41FA5}">
+                      <a16:colId xmlns:a16="http://schemas.microsoft.com/office/drawing/2014/main" val="3623029985"/>
+                    </a:ext>
+                  </a:extLst>
+                </a:gridCol>
+                <a:gridCol w="4457700">
+                  <a:extLst>
+                    <a:ext uri="{9D8B030D-6E8A-4147-A177-3AD203B41FA5}">
+                      <a16:colId xmlns:a16="http://schemas.microsoft.com/office/drawing/2014/main" val="4294323797"/>
+                    </a:ext>
+                  </a:extLst>
+                </a:gridCol>
+              </a:tblGrid>
+              <a:tr h="0">
+                <a:tc>
+                  <a:txBody>
+                    <a:bodyPr/>
+                    <a:lstStyle/>
+                    <a:p>
+                      <a:pPr rtl="0"/>
+                      <a:r>
+                        <a:rPr lang="en-US" sz="2400" b="0" i="0" u="none" strike="noStrike" kern="1200" dirty="0">
+                          <a:solidFill>
+                            <a:schemeClr val="tx1"/>
+                          </a:solidFill>
+                          <a:effectLst/>
+                          <a:latin typeface="+mn-lt"/>
+                          <a:ea typeface="+mn-ea"/>
+                          <a:cs typeface="+mn-cs"/>
+                        </a:rPr>
+                        <a:t>“‘I am,’ said Jesus, ‘and you will see </a:t>
+                      </a:r>
+                      <a:r>
+                        <a:rPr lang="en-US" sz="2400" b="0" i="0" u="sng" kern="1200" dirty="0">
+                          <a:solidFill>
+                            <a:schemeClr val="tx1"/>
+                          </a:solidFill>
+                          <a:effectLst/>
+                          <a:highlight>
+                            <a:srgbClr val="336699"/>
+                          </a:highlight>
+                          <a:latin typeface="+mn-lt"/>
+                          <a:ea typeface="+mn-ea"/>
+                          <a:cs typeface="+mn-cs"/>
+                        </a:rPr>
+                        <a:t>the Son of Man</a:t>
+                      </a:r>
+                      <a:r>
+                        <a:rPr lang="en-US" sz="2400" b="0" i="0" u="none" strike="noStrike" kern="1200" dirty="0">
+                          <a:solidFill>
+                            <a:schemeClr val="tx1"/>
+                          </a:solidFill>
+                          <a:effectLst/>
+                          <a:latin typeface="+mn-lt"/>
+                          <a:ea typeface="+mn-ea"/>
+                          <a:cs typeface="+mn-cs"/>
+                        </a:rPr>
+                        <a:t> </a:t>
+                      </a:r>
+                      <a:r>
+                        <a:rPr lang="en-US" sz="2400" b="0" i="0" u="sng" kern="1200" dirty="0">
+                          <a:solidFill>
+                            <a:schemeClr val="tx1"/>
+                          </a:solidFill>
+                          <a:effectLst/>
+                          <a:highlight>
+                            <a:srgbClr val="009EC0"/>
+                          </a:highlight>
+                          <a:latin typeface="+mn-lt"/>
+                          <a:ea typeface="+mn-ea"/>
+                          <a:cs typeface="+mn-cs"/>
+                        </a:rPr>
+                        <a:t>sitting at the right hand</a:t>
+                      </a:r>
+                      <a:r>
+                        <a:rPr lang="en-US" sz="2400" b="0" i="0" u="none" strike="noStrike" kern="1200" dirty="0">
+                          <a:solidFill>
+                            <a:schemeClr val="tx1"/>
+                          </a:solidFill>
+                          <a:effectLst/>
+                          <a:highlight>
+                            <a:srgbClr val="009EC0"/>
+                          </a:highlight>
+                          <a:latin typeface="+mn-lt"/>
+                          <a:ea typeface="+mn-ea"/>
+                          <a:cs typeface="+mn-cs"/>
+                        </a:rPr>
+                        <a:t> </a:t>
+                      </a:r>
+                      <a:r>
+                        <a:rPr lang="en-US" sz="2400" b="0" i="0" u="none" strike="noStrike" kern="1200" dirty="0">
+                          <a:solidFill>
+                            <a:schemeClr val="tx1"/>
+                          </a:solidFill>
+                          <a:effectLst/>
+                          <a:latin typeface="+mn-lt"/>
+                          <a:ea typeface="+mn-ea"/>
+                          <a:cs typeface="+mn-cs"/>
+                        </a:rPr>
+                        <a:t>of the Power and </a:t>
+                      </a:r>
+                      <a:r>
+                        <a:rPr lang="en-US" sz="2400" b="0" i="0" u="sng" kern="1200" dirty="0">
+                          <a:solidFill>
+                            <a:schemeClr val="tx1"/>
+                          </a:solidFill>
+                          <a:effectLst/>
+                          <a:highlight>
+                            <a:srgbClr val="5F5F5F"/>
+                          </a:highlight>
+                          <a:latin typeface="+mn-lt"/>
+                          <a:ea typeface="+mn-ea"/>
+                          <a:cs typeface="+mn-cs"/>
+                        </a:rPr>
+                        <a:t>coming with the clouds of heaven</a:t>
+                      </a:r>
+                      <a:r>
+                        <a:rPr lang="en-US" sz="2400" b="0" i="0" u="none" strike="noStrike" kern="1200" dirty="0">
+                          <a:solidFill>
+                            <a:schemeClr val="tx1"/>
+                          </a:solidFill>
+                          <a:effectLst/>
+                          <a:latin typeface="+mn-lt"/>
+                          <a:ea typeface="+mn-ea"/>
+                          <a:cs typeface="+mn-cs"/>
+                        </a:rPr>
+                        <a:t>.’</a:t>
+                      </a:r>
+                      <a:endParaRPr lang="en-US" sz="2000" b="0" dirty="0">
+                        <a:effectLst/>
+                      </a:endParaRPr>
+                    </a:p>
+                    <a:p>
+                      <a:pPr rtl="0"/>
+                      <a:br>
+                        <a:rPr lang="en-US" sz="2000" b="0" dirty="0">
+                          <a:effectLst/>
+                        </a:rPr>
+                      </a:br>
+                      <a:r>
+                        <a:rPr lang="en-US" sz="2400" b="1" i="0" u="none" strike="noStrike" kern="1200" dirty="0">
+                          <a:solidFill>
+                            <a:schemeClr val="tx1"/>
+                          </a:solidFill>
+                          <a:effectLst/>
+                          <a:latin typeface="+mn-lt"/>
+                          <a:ea typeface="+mn-ea"/>
+                          <a:cs typeface="+mn-cs"/>
+                        </a:rPr>
+                        <a:t>Mark 14:62</a:t>
+                      </a:r>
+                      <a:endParaRPr lang="en-US" sz="2000" b="0" dirty="0">
+                        <a:effectLst/>
+                      </a:endParaRPr>
+                    </a:p>
+                  </a:txBody>
+                  <a:tcPr marL="137160" marR="137160" marT="228600" marB="228600">
+                    <a:lnR w="3175" cap="flat" cmpd="sng" algn="ctr">
+                      <a:solidFill>
+                        <a:schemeClr val="tx1">
+                          <a:lumMod val="65000"/>
+                        </a:schemeClr>
+                      </a:solidFill>
+                      <a:prstDash val="solid"/>
+                      <a:round/>
+                      <a:headEnd type="none" w="med" len="med"/>
+                      <a:tailEnd type="none" w="med" len="med"/>
+                    </a:lnR>
+                  </a:tcPr>
+                </a:tc>
+                <a:tc>
+                  <a:txBody>
+                    <a:bodyPr/>
+                    <a:lstStyle/>
+                    <a:p>
+                      <a:pPr rtl="0"/>
+                      <a:r>
+                        <a:rPr lang="en-US" sz="2400" b="0" i="0" u="none" strike="noStrike" kern="1200" dirty="0">
+                          <a:solidFill>
+                            <a:schemeClr val="tx1"/>
+                          </a:solidFill>
+                          <a:effectLst/>
+                          <a:latin typeface="+mn-lt"/>
+                          <a:ea typeface="+mn-ea"/>
+                          <a:cs typeface="+mn-cs"/>
+                        </a:rPr>
+                        <a:t>“Here is the Lord’s proclamation to my lord:</a:t>
+                      </a:r>
+                      <a:endParaRPr lang="en-US" sz="2000" b="0" dirty="0">
+                        <a:effectLst/>
+                      </a:endParaRPr>
+                    </a:p>
+                    <a:p>
+                      <a:pPr rtl="0"/>
+                      <a:r>
+                        <a:rPr lang="en-US" sz="1000" b="0" dirty="0">
+                          <a:effectLst/>
+                        </a:rPr>
+                        <a:t> </a:t>
+                      </a:r>
+                      <a:br>
+                        <a:rPr lang="en-US" sz="2000" b="0" dirty="0">
+                          <a:effectLst/>
+                        </a:rPr>
+                      </a:br>
+                      <a:r>
+                        <a:rPr lang="en-US" sz="2400" b="0" i="0" u="none" strike="noStrike" kern="1200" dirty="0">
+                          <a:solidFill>
+                            <a:schemeClr val="tx1"/>
+                          </a:solidFill>
+                          <a:effectLst/>
+                          <a:latin typeface="+mn-lt"/>
+                          <a:ea typeface="+mn-ea"/>
+                          <a:cs typeface="+mn-cs"/>
+                        </a:rPr>
+                        <a:t>‘</a:t>
+                      </a:r>
+                      <a:r>
+                        <a:rPr lang="en-US" sz="2400" b="0" i="0" u="sng" kern="1200" dirty="0">
+                          <a:solidFill>
+                            <a:schemeClr val="tx1"/>
+                          </a:solidFill>
+                          <a:effectLst/>
+                          <a:highlight>
+                            <a:srgbClr val="009EC0"/>
+                          </a:highlight>
+                          <a:latin typeface="+mn-lt"/>
+                          <a:ea typeface="+mn-ea"/>
+                          <a:cs typeface="+mn-cs"/>
+                        </a:rPr>
+                        <a:t>Sit down at my right hand</a:t>
+                      </a:r>
+                      <a:r>
+                        <a:rPr lang="en-US" sz="2400" b="0" i="0" u="none" strike="noStrike" kern="1200" dirty="0">
+                          <a:solidFill>
+                            <a:schemeClr val="tx1"/>
+                          </a:solidFill>
+                          <a:effectLst/>
+                          <a:latin typeface="+mn-lt"/>
+                          <a:ea typeface="+mn-ea"/>
+                          <a:cs typeface="+mn-cs"/>
+                        </a:rPr>
+                        <a:t> until I make your enemies your footstool.’”</a:t>
+                      </a:r>
+                      <a:endParaRPr lang="en-US" sz="2000" b="0" dirty="0">
+                        <a:effectLst/>
+                      </a:endParaRPr>
+                    </a:p>
+                    <a:p>
+                      <a:pPr rtl="0"/>
+                      <a:br>
+                        <a:rPr lang="en-US" sz="2000" b="0" dirty="0">
+                          <a:effectLst/>
+                        </a:rPr>
+                      </a:br>
+                      <a:r>
+                        <a:rPr lang="en-US" sz="2400" b="1" i="0" u="none" strike="noStrike" kern="1200" dirty="0">
+                          <a:solidFill>
+                            <a:schemeClr val="tx1"/>
+                          </a:solidFill>
+                          <a:effectLst/>
+                          <a:latin typeface="+mn-lt"/>
+                          <a:ea typeface="+mn-ea"/>
+                          <a:cs typeface="+mn-cs"/>
+                        </a:rPr>
+                        <a:t>Psalm 110:1</a:t>
+                      </a:r>
+                      <a:endParaRPr lang="en-US" sz="2000" b="0" dirty="0">
+                        <a:effectLst/>
+                      </a:endParaRPr>
+                    </a:p>
+                  </a:txBody>
+                  <a:tcPr marL="137160" marR="137160" marT="228600" marB="228600">
+                    <a:lnL w="3175" cap="flat" cmpd="sng" algn="ctr">
+                      <a:solidFill>
+                        <a:schemeClr val="tx1">
+                          <a:lumMod val="65000"/>
+                        </a:schemeClr>
+                      </a:solidFill>
+                      <a:prstDash val="solid"/>
+                      <a:round/>
+                      <a:headEnd type="none" w="med" len="med"/>
+                      <a:tailEnd type="none" w="med" len="med"/>
+                    </a:lnL>
+                  </a:tcPr>
+                </a:tc>
+                <a:extLst>
+                  <a:ext uri="{0D108BD9-81ED-4DB2-BD59-A6C34878D82A}">
+                    <a16:rowId xmlns:a16="http://schemas.microsoft.com/office/drawing/2014/main" val="3592000535"/>
+                  </a:ext>
+                </a:extLst>
+              </a:tr>
+              <a:tr h="0">
+                <a:tc>
+                  <a:txBody>
+                    <a:bodyPr/>
+                    <a:lstStyle/>
+                    <a:p>
+                      <a:pPr marL="0" marR="0" indent="0" algn="r" defTabSz="914400" rtl="0" eaLnBrk="1" fontAlgn="t" latinLnBrk="0" hangingPunct="1">
+                        <a:lnSpc>
+                          <a:spcPct val="100000"/>
+                        </a:lnSpc>
+                        <a:spcBef>
+                          <a:spcPts val="0"/>
+                        </a:spcBef>
+                        <a:spcAft>
+                          <a:spcPts val="0"/>
+                        </a:spcAft>
+                        <a:buClrTx/>
+                        <a:buSzTx/>
+                        <a:buFontTx/>
+                        <a:buNone/>
+                        <a:tabLst/>
+                        <a:defRPr/>
+                      </a:pPr>
+                      <a:endParaRPr lang="en-US" sz="2000" b="1" dirty="0">
+                        <a:solidFill>
+                          <a:srgbClr val="006276"/>
+                        </a:solidFill>
+                        <a:effectLst/>
+                        <a:latin typeface="+mj-lt"/>
+                      </a:endParaRPr>
+                    </a:p>
+                  </a:txBody>
+                  <a:tcPr marL="137160" marR="137160" marT="228600" marB="228600">
+                    <a:lnR w="3175" cap="flat" cmpd="sng" algn="ctr">
+                      <a:solidFill>
+                        <a:schemeClr val="tx1">
+                          <a:lumMod val="65000"/>
+                        </a:schemeClr>
+                      </a:solidFill>
+                      <a:prstDash val="solid"/>
+                      <a:round/>
+                      <a:headEnd type="none" w="med" len="med"/>
+                      <a:tailEnd type="none" w="med" len="med"/>
+                    </a:lnR>
+                  </a:tcPr>
+                </a:tc>
+                <a:tc>
+                  <a:txBody>
+                    <a:bodyPr/>
+                    <a:lstStyle/>
+                    <a:p>
+                      <a:pPr rtl="0"/>
+                      <a:endParaRPr lang="en-US" sz="2400" b="0" i="0" u="none" strike="noStrike" kern="1200" dirty="0">
+                        <a:solidFill>
+                          <a:schemeClr val="tx1"/>
+                        </a:solidFill>
+                        <a:effectLst/>
+                        <a:latin typeface="+mn-lt"/>
+                        <a:ea typeface="+mn-ea"/>
+                        <a:cs typeface="+mn-cs"/>
+                      </a:endParaRPr>
+                    </a:p>
+                    <a:p>
+                      <a:pPr rtl="0"/>
+                      <a:r>
+                        <a:rPr lang="en-US" sz="2400" b="0" i="0" u="none" strike="noStrike" kern="1200" dirty="0">
+                          <a:solidFill>
+                            <a:schemeClr val="tx1"/>
+                          </a:solidFill>
+                          <a:effectLst/>
+                          <a:latin typeface="+mn-lt"/>
+                          <a:ea typeface="+mn-ea"/>
+                          <a:cs typeface="+mn-cs"/>
+                        </a:rPr>
+                        <a:t>“And Jesus said, “I am, and you will see </a:t>
+                      </a:r>
+                      <a:r>
+                        <a:rPr lang="en-US" sz="2400" b="0" i="0" u="sng" kern="1200" dirty="0">
+                          <a:solidFill>
+                            <a:schemeClr val="tx1"/>
+                          </a:solidFill>
+                          <a:effectLst/>
+                          <a:highlight>
+                            <a:srgbClr val="336699"/>
+                          </a:highlight>
+                          <a:latin typeface="+mn-lt"/>
+                          <a:ea typeface="+mn-ea"/>
+                          <a:cs typeface="+mn-cs"/>
+                        </a:rPr>
+                        <a:t>the Son of Man</a:t>
+                      </a:r>
+                      <a:r>
+                        <a:rPr lang="en-US" sz="2400" b="0" i="0" u="none" strike="noStrike" kern="1200" dirty="0">
+                          <a:solidFill>
+                            <a:schemeClr val="tx1"/>
+                          </a:solidFill>
+                          <a:effectLst/>
+                          <a:latin typeface="+mn-lt"/>
+                          <a:ea typeface="+mn-ea"/>
+                          <a:cs typeface="+mn-cs"/>
+                        </a:rPr>
+                        <a:t> </a:t>
+                      </a:r>
+                      <a:r>
+                        <a:rPr lang="en-US" sz="2400" b="0" i="0" u="sng" kern="1200" dirty="0">
+                          <a:solidFill>
+                            <a:schemeClr val="tx1"/>
+                          </a:solidFill>
+                          <a:effectLst/>
+                          <a:highlight>
+                            <a:srgbClr val="009EC0"/>
+                          </a:highlight>
+                          <a:latin typeface="+mn-lt"/>
+                          <a:ea typeface="+mn-ea"/>
+                          <a:cs typeface="+mn-cs"/>
+                        </a:rPr>
+                        <a:t>seated at the right hand</a:t>
+                      </a:r>
+                      <a:r>
+                        <a:rPr lang="en-US" sz="2400" b="0" i="0" u="none" strike="noStrike" kern="1200" dirty="0">
+                          <a:solidFill>
+                            <a:schemeClr val="tx1"/>
+                          </a:solidFill>
+                          <a:effectLst/>
+                          <a:latin typeface="+mn-lt"/>
+                          <a:ea typeface="+mn-ea"/>
+                          <a:cs typeface="+mn-cs"/>
+                        </a:rPr>
+                        <a:t> of Power, and </a:t>
+                      </a:r>
+                      <a:r>
+                        <a:rPr lang="en-US" sz="2400" b="0" i="0" u="sng" kern="1200" dirty="0">
+                          <a:solidFill>
+                            <a:schemeClr val="tx1"/>
+                          </a:solidFill>
+                          <a:effectLst/>
+                          <a:highlight>
+                            <a:srgbClr val="5F5F5F"/>
+                          </a:highlight>
+                          <a:latin typeface="+mn-lt"/>
+                          <a:ea typeface="+mn-ea"/>
+                          <a:cs typeface="+mn-cs"/>
+                        </a:rPr>
+                        <a:t>coming with the clouds of heave</a:t>
+                      </a:r>
+                      <a:r>
+                        <a:rPr lang="en-US" sz="2400" b="0" i="0" u="sng" strike="noStrike" kern="1200" dirty="0">
+                          <a:solidFill>
+                            <a:schemeClr val="tx1"/>
+                          </a:solidFill>
+                          <a:effectLst/>
+                          <a:highlight>
+                            <a:srgbClr val="5F5F5F"/>
+                          </a:highlight>
+                          <a:latin typeface="+mn-lt"/>
+                          <a:ea typeface="+mn-ea"/>
+                          <a:cs typeface="+mn-cs"/>
+                        </a:rPr>
+                        <a:t>n</a:t>
+                      </a:r>
+                      <a:r>
+                        <a:rPr lang="en-US" sz="2400" b="0" i="0" u="none" strike="noStrike" kern="1200" dirty="0">
+                          <a:solidFill>
+                            <a:schemeClr val="tx1"/>
+                          </a:solidFill>
+                          <a:effectLst/>
+                          <a:latin typeface="+mn-lt"/>
+                          <a:ea typeface="+mn-ea"/>
+                          <a:cs typeface="+mn-cs"/>
+                        </a:rPr>
+                        <a:t>.”</a:t>
+                      </a:r>
+                      <a:endParaRPr lang="en-US" sz="2000" b="0" dirty="0">
+                        <a:effectLst/>
+                      </a:endParaRPr>
+                    </a:p>
+                    <a:p>
+                      <a:pPr rtl="0"/>
+                      <a:br>
+                        <a:rPr lang="en-US" sz="2000" b="0" dirty="0">
+                          <a:effectLst/>
+                        </a:rPr>
+                      </a:br>
+                      <a:r>
+                        <a:rPr lang="en-US" sz="2400" b="1" i="0" u="none" strike="noStrike" kern="1200" dirty="0">
+                          <a:solidFill>
+                            <a:schemeClr val="tx1"/>
+                          </a:solidFill>
+                          <a:effectLst/>
+                          <a:latin typeface="+mn-lt"/>
+                          <a:ea typeface="+mn-ea"/>
+                          <a:cs typeface="+mn-cs"/>
+                        </a:rPr>
+                        <a:t>Daniel 7:13 (ESV)</a:t>
+                      </a:r>
+                      <a:endParaRPr lang="en-US" sz="2000" b="0" dirty="0">
+                        <a:effectLst/>
+                      </a:endParaRPr>
+                    </a:p>
+                  </a:txBody>
+                  <a:tcPr marL="137160" marR="137160" marT="228600" marB="228600">
+                    <a:lnL w="3175" cap="flat" cmpd="sng" algn="ctr">
+                      <a:solidFill>
+                        <a:schemeClr val="tx1">
+                          <a:lumMod val="65000"/>
+                        </a:schemeClr>
+                      </a:solidFill>
+                      <a:prstDash val="solid"/>
+                      <a:round/>
+                      <a:headEnd type="none" w="med" len="med"/>
+                      <a:tailEnd type="none" w="med" len="med"/>
+                    </a:lnL>
+                  </a:tcPr>
+                </a:tc>
+                <a:extLst>
+                  <a:ext uri="{0D108BD9-81ED-4DB2-BD59-A6C34878D82A}">
+                    <a16:rowId xmlns:a16="http://schemas.microsoft.com/office/drawing/2014/main" val="2330484482"/>
+                  </a:ext>
+                </a:extLst>
+              </a:tr>
+            </a:tbl>
+          </a:graphicData>
+        </a:graphic>
+      </p:graphicFrame>
+    </p:spTree>
+    <p:extLst>
+      <p:ext uri="{BB962C8B-B14F-4D97-AF65-F5344CB8AC3E}">
+        <p14:creationId xmlns:p14="http://schemas.microsoft.com/office/powerpoint/2010/main" val="1417790559"/>
+      </p:ext>
+    </p:extLst>
+  </p:cSld>
+  <p:clrMapOvr>
+    <a:masterClrMapping/>
+  </p:clrMapOvr>
+</p:sld>
+</file>
+
+<file path=ppt/slides/slide17.xml><?xml version="1.0" encoding="utf-8"?>
 <p:sld xmlns:a="http://schemas.openxmlformats.org/drawingml/2006/main" xmlns:r="http://schemas.openxmlformats.org/officeDocument/2006/relationships" xmlns:p="http://schemas.openxmlformats.org/presentationml/2006/main">
   <p:cSld>
     <p:spTree>
@@ -6985,7 +8369,7 @@
 </p:sld>
 </file>
 
-<file path=ppt/slides/slide15.xml><?xml version="1.0" encoding="utf-8"?>
+<file path=ppt/slides/slide18.xml><?xml version="1.0" encoding="utf-8"?>
 <p:sld xmlns:a="http://schemas.openxmlformats.org/drawingml/2006/main" xmlns:r="http://schemas.openxmlformats.org/officeDocument/2006/relationships" xmlns:p="http://schemas.openxmlformats.org/presentationml/2006/main">
   <p:cSld>
     <p:spTree>
@@ -7161,7 +8545,7 @@
                     <a:schemeClr val="tx1"/>
                   </a:solidFill>
                 </a:rPr>
-                <a:t>There are may passages which make an argument for Jesus’ divinity based on </a:t>
+                <a:t>There are many passages which make an argument for Jesus’ divinity based on </a:t>
               </a:r>
               <a:r>
                 <a:rPr lang="en-US" sz="2400" b="1" dirty="0">
@@ -7172,7 +8556,7 @@
                     <a:srgbClr val="C00002"/>
                   </a:highlight>
                 </a:rPr>
-                <a:t>Old Testament passages</a:t>
+                <a:t>Old Testament references</a:t>
               </a:r>
             </a:p>
           </p:txBody>
@@ -7308,7 +8692,7 @@
                     <a:schemeClr val="tx1"/>
                   </a:solidFill>
                 </a:rPr>
-                <a:t>There are a number of passages the </a:t>
+                <a:t>There are several passages that </a:t>
               </a:r>
               <a:r>
                 <a:rPr lang="en-US" sz="2400" b="1" dirty="0">
@@ -7825,7 +9209,7 @@
 </p:sld>
 </file>
 
-<file path=ppt/slides/slide16.xml><?xml version="1.0" encoding="utf-8"?>
+<file path=ppt/slides/slide19.xml><?xml version="1.0" encoding="utf-8"?>
 <p:sld xmlns:a="http://schemas.openxmlformats.org/drawingml/2006/main" xmlns:r="http://schemas.openxmlformats.org/officeDocument/2006/relationships" xmlns:p="http://schemas.openxmlformats.org/presentationml/2006/main">
   <p:cSld>
     <p:spTree>
@@ -7893,7 +9277,7 @@
           <a:p>
             <a:r>
               <a:rPr lang="en-US" sz="4150" dirty="0"/>
-              <a:t>The—noun — and(</a:t>
+              <a:t>The—noun—and(</a:t>
             </a:r>
             <a:r>
               <a:rPr lang="el-GR" sz="4150" dirty="0"/>
@@ -7901,7 +9285,7 @@
             </a:r>
             <a:r>
               <a:rPr lang="en-US" sz="4150" dirty="0"/>
-              <a:t> — noun</a:t>
+              <a:t>—noun</a:t>
             </a:r>
           </a:p>
           <a:p>
@@ -7946,230 +9330,6 @@
     <p:extLst>
       <p:ext uri="{BB962C8B-B14F-4D97-AF65-F5344CB8AC3E}">
         <p14:creationId xmlns:p14="http://schemas.microsoft.com/office/powerpoint/2010/main" val="3096334093"/>
-      </p:ext>
-    </p:extLst>
-  </p:cSld>
-  <p:clrMapOvr>
-    <a:masterClrMapping/>
-  </p:clrMapOvr>
-</p:sld>
-</file>
-
-<file path=ppt/slides/slide17.xml><?xml version="1.0" encoding="utf-8"?>
-<p:sld xmlns:a="http://schemas.openxmlformats.org/drawingml/2006/main" xmlns:r="http://schemas.openxmlformats.org/officeDocument/2006/relationships" xmlns:p="http://schemas.openxmlformats.org/presentationml/2006/main">
-  <p:cSld>
-    <p:spTree>
-      <p:nvGrpSpPr>
-        <p:cNvPr id="1" name=""/>
-        <p:cNvGrpSpPr/>
-        <p:nvPr/>
-      </p:nvGrpSpPr>
-      <p:grpSpPr>
-        <a:xfrm>
-          <a:off x="0" y="0"/>
-          <a:ext cx="0" cy="0"/>
-          <a:chOff x="0" y="0"/>
-          <a:chExt cx="0" cy="0"/>
-        </a:xfrm>
-      </p:grpSpPr>
-      <p:sp>
-        <p:nvSpPr>
-          <p:cNvPr id="4" name="TextBox 3">
-            <a:extLst>
-              <a:ext uri="{FF2B5EF4-FFF2-40B4-BE49-F238E27FC236}">
-                <a16:creationId xmlns:a16="http://schemas.microsoft.com/office/drawing/2014/main" id="{474BE49A-5312-1746-BA29-03FA5DFEF491}"/>
-              </a:ext>
-            </a:extLst>
-          </p:cNvPr>
-          <p:cNvSpPr txBox="1"/>
-          <p:nvPr/>
-        </p:nvSpPr>
-        <p:spPr>
-          <a:xfrm>
-            <a:off x="76200" y="533400"/>
-            <a:ext cx="9067800" cy="3377848"/>
-          </a:xfrm>
-          <a:prstGeom prst="rect">
-            <a:avLst/>
-          </a:prstGeom>
-          <a:noFill/>
-        </p:spPr>
-        <p:txBody>
-          <a:bodyPr wrap="square" rtlCol="0">
-            <a:spAutoFit/>
-          </a:bodyPr>
-          <a:lstStyle/>
-          <a:p>
-            <a:r>
-              <a:rPr lang="en-US" sz="3500" b="1" dirty="0"/>
-              <a:t>Sharp’s Rule:</a:t>
-            </a:r>
-            <a:r>
-              <a:rPr lang="en-US" sz="2500" b="1" dirty="0"/>
-              <a:t> </a:t>
-            </a:r>
-            <a:r>
-              <a:rPr lang="en-US" sz="2500" b="1" dirty="0">
-                <a:solidFill>
-                  <a:schemeClr val="bg1">
-                    <a:lumMod val="50000"/>
-                    <a:lumOff val="50000"/>
-                  </a:schemeClr>
-                </a:solidFill>
-              </a:rPr>
-              <a:t>(Indicates that both nouns refer to same person)</a:t>
-            </a:r>
-          </a:p>
-          <a:p>
-            <a:r>
-              <a:rPr lang="en-US" sz="4150" dirty="0"/>
-              <a:t>The—noun — and(</a:t>
-            </a:r>
-            <a:r>
-              <a:rPr lang="el-GR" sz="4150" dirty="0"/>
-              <a:t>και)</a:t>
-            </a:r>
-            <a:r>
-              <a:rPr lang="en-US" sz="4150" dirty="0"/>
-              <a:t> — noun</a:t>
-            </a:r>
-          </a:p>
-          <a:p>
-            <a:r>
-              <a:rPr lang="en-US" sz="5400" dirty="0"/>
-              <a:t> </a:t>
-            </a:r>
-          </a:p>
-          <a:p>
-            <a:r>
-              <a:rPr lang="en-US" sz="4150" b="1" dirty="0"/>
-              <a:t>Titus 2:13:</a:t>
-            </a:r>
-          </a:p>
-          <a:p>
-            <a:r>
-              <a:rPr lang="en-US" sz="4150" dirty="0"/>
-              <a:t>our great God and Savior, Jesus Christ …</a:t>
-            </a:r>
-          </a:p>
-        </p:txBody>
-      </p:sp>
-    </p:spTree>
-    <p:extLst>
-      <p:ext uri="{BB962C8B-B14F-4D97-AF65-F5344CB8AC3E}">
-        <p14:creationId xmlns:p14="http://schemas.microsoft.com/office/powerpoint/2010/main" val="3609951328"/>
-      </p:ext>
-    </p:extLst>
-  </p:cSld>
-  <p:clrMapOvr>
-    <a:masterClrMapping/>
-  </p:clrMapOvr>
-</p:sld>
-</file>
-
-<file path=ppt/slides/slide18.xml><?xml version="1.0" encoding="utf-8"?>
-<p:sld xmlns:a="http://schemas.openxmlformats.org/drawingml/2006/main" xmlns:r="http://schemas.openxmlformats.org/officeDocument/2006/relationships" xmlns:p="http://schemas.openxmlformats.org/presentationml/2006/main">
-  <p:cSld>
-    <p:spTree>
-      <p:nvGrpSpPr>
-        <p:cNvPr id="1" name=""/>
-        <p:cNvGrpSpPr/>
-        <p:nvPr/>
-      </p:nvGrpSpPr>
-      <p:grpSpPr>
-        <a:xfrm>
-          <a:off x="0" y="0"/>
-          <a:ext cx="0" cy="0"/>
-          <a:chOff x="0" y="0"/>
-          <a:chExt cx="0" cy="0"/>
-        </a:xfrm>
-      </p:grpSpPr>
-      <p:sp>
-        <p:nvSpPr>
-          <p:cNvPr id="4" name="TextBox 3">
-            <a:extLst>
-              <a:ext uri="{FF2B5EF4-FFF2-40B4-BE49-F238E27FC236}">
-                <a16:creationId xmlns:a16="http://schemas.microsoft.com/office/drawing/2014/main" id="{474BE49A-5312-1746-BA29-03FA5DFEF491}"/>
-              </a:ext>
-            </a:extLst>
-          </p:cNvPr>
-          <p:cNvSpPr txBox="1"/>
-          <p:nvPr/>
-        </p:nvSpPr>
-        <p:spPr>
-          <a:xfrm>
-            <a:off x="76200" y="533400"/>
-            <a:ext cx="9067800" cy="3377848"/>
-          </a:xfrm>
-          <a:prstGeom prst="rect">
-            <a:avLst/>
-          </a:prstGeom>
-          <a:noFill/>
-        </p:spPr>
-        <p:txBody>
-          <a:bodyPr wrap="square" rtlCol="0">
-            <a:spAutoFit/>
-          </a:bodyPr>
-          <a:lstStyle/>
-          <a:p>
-            <a:r>
-              <a:rPr lang="en-US" sz="3500" b="1" dirty="0"/>
-              <a:t>Sharp’s Rule:</a:t>
-            </a:r>
-            <a:r>
-              <a:rPr lang="en-US" sz="2500" b="1" dirty="0"/>
-              <a:t> </a:t>
-            </a:r>
-            <a:r>
-              <a:rPr lang="en-US" sz="2500" b="1" dirty="0">
-                <a:solidFill>
-                  <a:schemeClr val="bg1">
-                    <a:lumMod val="50000"/>
-                    <a:lumOff val="50000"/>
-                  </a:schemeClr>
-                </a:solidFill>
-              </a:rPr>
-              <a:t>(Indicates that both nouns refer to same person)</a:t>
-            </a:r>
-          </a:p>
-          <a:p>
-            <a:r>
-              <a:rPr lang="en-US" sz="4150" dirty="0"/>
-              <a:t>The—noun — and(</a:t>
-            </a:r>
-            <a:r>
-              <a:rPr lang="el-GR" sz="4150" dirty="0"/>
-              <a:t>και)</a:t>
-            </a:r>
-            <a:r>
-              <a:rPr lang="en-US" sz="4150" dirty="0"/>
-              <a:t> — noun</a:t>
-            </a:r>
-          </a:p>
-          <a:p>
-            <a:r>
-              <a:rPr lang="en-US" sz="5400" dirty="0"/>
-              <a:t> </a:t>
-            </a:r>
-          </a:p>
-          <a:p>
-            <a:r>
-              <a:rPr lang="en-US" sz="4150" b="1" dirty="0"/>
-              <a:t>2 Peter 1:1:</a:t>
-            </a:r>
-          </a:p>
-          <a:p>
-            <a:r>
-              <a:rPr lang="en-US" sz="4150" dirty="0"/>
-              <a:t>our God and Savior, Jesus Christ …</a:t>
-            </a:r>
-          </a:p>
-        </p:txBody>
-      </p:sp>
-    </p:spTree>
-    <p:extLst>
-      <p:ext uri="{BB962C8B-B14F-4D97-AF65-F5344CB8AC3E}">
-        <p14:creationId xmlns:p14="http://schemas.microsoft.com/office/powerpoint/2010/main" val="2743171355"/>
       </p:ext>
     </p:extLst>
   </p:cSld>
@@ -9011,7 +10171,1874 @@
 </p:sld>
 </file>
 
+<file path=ppt/slides/slide20.xml><?xml version="1.0" encoding="utf-8"?>
+<p:sld xmlns:a="http://schemas.openxmlformats.org/drawingml/2006/main" xmlns:r="http://schemas.openxmlformats.org/officeDocument/2006/relationships" xmlns:p="http://schemas.openxmlformats.org/presentationml/2006/main">
+  <p:cSld>
+    <p:spTree>
+      <p:nvGrpSpPr>
+        <p:cNvPr id="1" name=""/>
+        <p:cNvGrpSpPr/>
+        <p:nvPr/>
+      </p:nvGrpSpPr>
+      <p:grpSpPr>
+        <a:xfrm>
+          <a:off x="0" y="0"/>
+          <a:ext cx="0" cy="0"/>
+          <a:chOff x="0" y="0"/>
+          <a:chExt cx="0" cy="0"/>
+        </a:xfrm>
+      </p:grpSpPr>
+      <p:sp>
+        <p:nvSpPr>
+          <p:cNvPr id="4" name="TextBox 3">
+            <a:extLst>
+              <a:ext uri="{FF2B5EF4-FFF2-40B4-BE49-F238E27FC236}">
+                <a16:creationId xmlns:a16="http://schemas.microsoft.com/office/drawing/2014/main" id="{474BE49A-5312-1746-BA29-03FA5DFEF491}"/>
+              </a:ext>
+            </a:extLst>
+          </p:cNvPr>
+          <p:cNvSpPr txBox="1"/>
+          <p:nvPr/>
+        </p:nvSpPr>
+        <p:spPr>
+          <a:xfrm>
+            <a:off x="76200" y="533400"/>
+            <a:ext cx="9067800" cy="3377848"/>
+          </a:xfrm>
+          <a:prstGeom prst="rect">
+            <a:avLst/>
+          </a:prstGeom>
+          <a:noFill/>
+        </p:spPr>
+        <p:txBody>
+          <a:bodyPr wrap="square" rtlCol="0">
+            <a:spAutoFit/>
+          </a:bodyPr>
+          <a:lstStyle/>
+          <a:p>
+            <a:r>
+              <a:rPr lang="en-US" sz="3500" b="1" dirty="0"/>
+              <a:t>Sharp’s Rule:</a:t>
+            </a:r>
+            <a:r>
+              <a:rPr lang="en-US" sz="2500" b="1" dirty="0"/>
+              <a:t> </a:t>
+            </a:r>
+            <a:r>
+              <a:rPr lang="en-US" sz="2500" b="1" dirty="0">
+                <a:solidFill>
+                  <a:schemeClr val="bg1">
+                    <a:lumMod val="50000"/>
+                    <a:lumOff val="50000"/>
+                  </a:schemeClr>
+                </a:solidFill>
+              </a:rPr>
+              <a:t>(Indicates that both nouns refer to same person)</a:t>
+            </a:r>
+          </a:p>
+          <a:p>
+            <a:r>
+              <a:rPr lang="en-US" sz="4150" dirty="0"/>
+              <a:t>The—noun—and(</a:t>
+            </a:r>
+            <a:r>
+              <a:rPr lang="el-GR" sz="4150" dirty="0"/>
+              <a:t>και)</a:t>
+            </a:r>
+            <a:r>
+              <a:rPr lang="en-US" sz="4150" dirty="0"/>
+              <a:t>—noun</a:t>
+            </a:r>
+          </a:p>
+          <a:p>
+            <a:r>
+              <a:rPr lang="en-US" sz="5400" dirty="0"/>
+              <a:t> </a:t>
+            </a:r>
+          </a:p>
+          <a:p>
+            <a:r>
+              <a:rPr lang="en-US" sz="4150" b="1" dirty="0"/>
+              <a:t>Titus 2:13:</a:t>
+            </a:r>
+          </a:p>
+          <a:p>
+            <a:r>
+              <a:rPr lang="en-US" sz="4150" dirty="0"/>
+              <a:t>our great God and Savior, Jesus Christ …</a:t>
+            </a:r>
+          </a:p>
+        </p:txBody>
+      </p:sp>
+    </p:spTree>
+    <p:extLst>
+      <p:ext uri="{BB962C8B-B14F-4D97-AF65-F5344CB8AC3E}">
+        <p14:creationId xmlns:p14="http://schemas.microsoft.com/office/powerpoint/2010/main" val="3609951328"/>
+      </p:ext>
+    </p:extLst>
+  </p:cSld>
+  <p:clrMapOvr>
+    <a:masterClrMapping/>
+  </p:clrMapOvr>
+</p:sld>
+</file>
+
+<file path=ppt/slides/slide21.xml><?xml version="1.0" encoding="utf-8"?>
+<p:sld xmlns:a="http://schemas.openxmlformats.org/drawingml/2006/main" xmlns:r="http://schemas.openxmlformats.org/officeDocument/2006/relationships" xmlns:p="http://schemas.openxmlformats.org/presentationml/2006/main">
+  <p:cSld>
+    <p:spTree>
+      <p:nvGrpSpPr>
+        <p:cNvPr id="1" name=""/>
+        <p:cNvGrpSpPr/>
+        <p:nvPr/>
+      </p:nvGrpSpPr>
+      <p:grpSpPr>
+        <a:xfrm>
+          <a:off x="0" y="0"/>
+          <a:ext cx="0" cy="0"/>
+          <a:chOff x="0" y="0"/>
+          <a:chExt cx="0" cy="0"/>
+        </a:xfrm>
+      </p:grpSpPr>
+      <p:sp>
+        <p:nvSpPr>
+          <p:cNvPr id="4" name="TextBox 3">
+            <a:extLst>
+              <a:ext uri="{FF2B5EF4-FFF2-40B4-BE49-F238E27FC236}">
+                <a16:creationId xmlns:a16="http://schemas.microsoft.com/office/drawing/2014/main" id="{474BE49A-5312-1746-BA29-03FA5DFEF491}"/>
+              </a:ext>
+            </a:extLst>
+          </p:cNvPr>
+          <p:cNvSpPr txBox="1"/>
+          <p:nvPr/>
+        </p:nvSpPr>
+        <p:spPr>
+          <a:xfrm>
+            <a:off x="76200" y="533400"/>
+            <a:ext cx="9067800" cy="3377848"/>
+          </a:xfrm>
+          <a:prstGeom prst="rect">
+            <a:avLst/>
+          </a:prstGeom>
+          <a:noFill/>
+        </p:spPr>
+        <p:txBody>
+          <a:bodyPr wrap="square" rtlCol="0">
+            <a:spAutoFit/>
+          </a:bodyPr>
+          <a:lstStyle/>
+          <a:p>
+            <a:r>
+              <a:rPr lang="en-US" sz="3500" b="1" dirty="0"/>
+              <a:t>Sharp’s Rule:</a:t>
+            </a:r>
+            <a:r>
+              <a:rPr lang="en-US" sz="2500" b="1" dirty="0"/>
+              <a:t> </a:t>
+            </a:r>
+            <a:r>
+              <a:rPr lang="en-US" sz="2500" b="1" dirty="0">
+                <a:solidFill>
+                  <a:schemeClr val="bg1">
+                    <a:lumMod val="50000"/>
+                    <a:lumOff val="50000"/>
+                  </a:schemeClr>
+                </a:solidFill>
+              </a:rPr>
+              <a:t>(Indicates that both nouns refer to same person)</a:t>
+            </a:r>
+          </a:p>
+          <a:p>
+            <a:r>
+              <a:rPr lang="en-US" sz="4150" dirty="0"/>
+              <a:t>The—noun—and(</a:t>
+            </a:r>
+            <a:r>
+              <a:rPr lang="el-GR" sz="4150" dirty="0"/>
+              <a:t>και)</a:t>
+            </a:r>
+            <a:r>
+              <a:rPr lang="en-US" sz="4150" dirty="0"/>
+              <a:t>—noun</a:t>
+            </a:r>
+          </a:p>
+          <a:p>
+            <a:r>
+              <a:rPr lang="en-US" sz="5400" dirty="0"/>
+              <a:t> </a:t>
+            </a:r>
+          </a:p>
+          <a:p>
+            <a:r>
+              <a:rPr lang="en-US" sz="4150" b="1" dirty="0"/>
+              <a:t>2 Peter 1:1:</a:t>
+            </a:r>
+          </a:p>
+          <a:p>
+            <a:r>
+              <a:rPr lang="en-US" sz="4150" dirty="0"/>
+              <a:t>our God and Savior, Jesus Christ …</a:t>
+            </a:r>
+          </a:p>
+        </p:txBody>
+      </p:sp>
+    </p:spTree>
+    <p:extLst>
+      <p:ext uri="{BB962C8B-B14F-4D97-AF65-F5344CB8AC3E}">
+        <p14:creationId xmlns:p14="http://schemas.microsoft.com/office/powerpoint/2010/main" val="2743171355"/>
+      </p:ext>
+    </p:extLst>
+  </p:cSld>
+  <p:clrMapOvr>
+    <a:masterClrMapping/>
+  </p:clrMapOvr>
+</p:sld>
+</file>
+
 <file path=ppt/slides/slide3.xml><?xml version="1.0" encoding="utf-8"?>
+<p:sld xmlns:a="http://schemas.openxmlformats.org/drawingml/2006/main" xmlns:r="http://schemas.openxmlformats.org/officeDocument/2006/relationships" xmlns:p="http://schemas.openxmlformats.org/presentationml/2006/main">
+  <p:cSld>
+    <p:spTree>
+      <p:nvGrpSpPr>
+        <p:cNvPr id="1" name=""/>
+        <p:cNvGrpSpPr/>
+        <p:nvPr/>
+      </p:nvGrpSpPr>
+      <p:grpSpPr>
+        <a:xfrm>
+          <a:off x="0" y="0"/>
+          <a:ext cx="0" cy="0"/>
+          <a:chOff x="0" y="0"/>
+          <a:chExt cx="0" cy="0"/>
+        </a:xfrm>
+      </p:grpSpPr>
+      <p:graphicFrame>
+        <p:nvGraphicFramePr>
+          <p:cNvPr id="5" name="Table 4">
+            <a:extLst>
+              <a:ext uri="{FF2B5EF4-FFF2-40B4-BE49-F238E27FC236}">
+                <a16:creationId xmlns:a16="http://schemas.microsoft.com/office/drawing/2014/main" id="{589C607E-23F7-1D43-B569-801CED367AB1}"/>
+              </a:ext>
+            </a:extLst>
+          </p:cNvPr>
+          <p:cNvGraphicFramePr>
+            <a:graphicFrameLocks noGrp="1"/>
+          </p:cNvGraphicFramePr>
+          <p:nvPr>
+            <p:extLst>
+              <p:ext uri="{D42A27DB-BD31-4B8C-83A1-F6EECF244321}">
+                <p14:modId xmlns:p14="http://schemas.microsoft.com/office/powerpoint/2010/main" val="4078390757"/>
+              </p:ext>
+            </p:extLst>
+          </p:nvPr>
+        </p:nvGraphicFramePr>
+        <p:xfrm>
+          <a:off x="114300" y="219207"/>
+          <a:ext cx="8915400" cy="6419586"/>
+        </p:xfrm>
+        <a:graphic>
+          <a:graphicData uri="http://schemas.openxmlformats.org/drawingml/2006/table">
+            <a:tbl>
+              <a:tblPr firstRow="1" bandRow="1">
+                <a:tableStyleId>{2D5ABB26-0587-4C30-8999-92F81FD0307C}</a:tableStyleId>
+              </a:tblPr>
+              <a:tblGrid>
+                <a:gridCol w="4457700">
+                  <a:extLst>
+                    <a:ext uri="{9D8B030D-6E8A-4147-A177-3AD203B41FA5}">
+                      <a16:colId xmlns:a16="http://schemas.microsoft.com/office/drawing/2014/main" val="3623029985"/>
+                    </a:ext>
+                  </a:extLst>
+                </a:gridCol>
+                <a:gridCol w="4457700">
+                  <a:extLst>
+                    <a:ext uri="{9D8B030D-6E8A-4147-A177-3AD203B41FA5}">
+                      <a16:colId xmlns:a16="http://schemas.microsoft.com/office/drawing/2014/main" val="4294323797"/>
+                    </a:ext>
+                  </a:extLst>
+                </a:gridCol>
+              </a:tblGrid>
+              <a:tr h="826506">
+                <a:tc>
+                  <a:txBody>
+                    <a:bodyPr/>
+                    <a:lstStyle/>
+                    <a:p>
+                      <a:pPr marL="0" marR="0" indent="0" algn="r" defTabSz="914400" rtl="0" eaLnBrk="1" fontAlgn="t" latinLnBrk="0" hangingPunct="1">
+                        <a:lnSpc>
+                          <a:spcPct val="100000"/>
+                        </a:lnSpc>
+                        <a:spcBef>
+                          <a:spcPts val="0"/>
+                        </a:spcBef>
+                        <a:spcAft>
+                          <a:spcPts val="0"/>
+                        </a:spcAft>
+                        <a:buClrTx/>
+                        <a:buSzTx/>
+                        <a:buFontTx/>
+                        <a:buNone/>
+                        <a:tabLst/>
+                        <a:defRPr/>
+                      </a:pPr>
+                      <a:r>
+                        <a:rPr lang="en-US" sz="2400" b="1" dirty="0">
+                          <a:solidFill>
+                            <a:srgbClr val="009EC0"/>
+                          </a:solidFill>
+                          <a:effectLst/>
+                          <a:latin typeface="+mj-lt"/>
+                        </a:rPr>
+                        <a:t>Numbers 27</a:t>
+                      </a:r>
+                      <a:endParaRPr lang="en-US" sz="2400" b="0" dirty="0">
+                        <a:solidFill>
+                          <a:srgbClr val="009EC0"/>
+                        </a:solidFill>
+                        <a:effectLst/>
+                        <a:latin typeface="+mj-lt"/>
+                      </a:endParaRPr>
+                    </a:p>
+                  </a:txBody>
+                  <a:tcPr marL="137160" marR="137160" marT="228600" marB="228600" anchor="b">
+                    <a:lnR w="3175" cap="flat" cmpd="sng" algn="ctr">
+                      <a:solidFill>
+                        <a:schemeClr val="tx1">
+                          <a:lumMod val="65000"/>
+                        </a:schemeClr>
+                      </a:solidFill>
+                      <a:prstDash val="solid"/>
+                      <a:round/>
+                      <a:headEnd type="none" w="med" len="med"/>
+                      <a:tailEnd type="none" w="med" len="med"/>
+                    </a:lnR>
+                  </a:tcPr>
+                </a:tc>
+                <a:tc>
+                  <a:txBody>
+                    <a:bodyPr/>
+                    <a:lstStyle/>
+                    <a:p>
+                      <a:pPr marL="0" marR="0" indent="0" algn="l" defTabSz="914400" rtl="0" eaLnBrk="1" fontAlgn="t" latinLnBrk="0" hangingPunct="1">
+                        <a:lnSpc>
+                          <a:spcPct val="100000"/>
+                        </a:lnSpc>
+                        <a:spcBef>
+                          <a:spcPts val="0"/>
+                        </a:spcBef>
+                        <a:spcAft>
+                          <a:spcPts val="0"/>
+                        </a:spcAft>
+                        <a:buClrTx/>
+                        <a:buSzTx/>
+                        <a:buFontTx/>
+                        <a:buNone/>
+                        <a:tabLst/>
+                        <a:defRPr/>
+                      </a:pPr>
+                      <a:r>
+                        <a:rPr lang="en-US" sz="2400" b="1" dirty="0">
+                          <a:solidFill>
+                            <a:schemeClr val="tx1"/>
+                          </a:solidFill>
+                          <a:effectLst/>
+                          <a:latin typeface="+mj-lt"/>
+                        </a:rPr>
+                        <a:t>John 10</a:t>
+                      </a:r>
+                      <a:endParaRPr lang="en-US" sz="2400" b="0" dirty="0">
+                        <a:solidFill>
+                          <a:schemeClr val="tx1"/>
+                        </a:solidFill>
+                        <a:effectLst/>
+                        <a:latin typeface="+mj-lt"/>
+                      </a:endParaRPr>
+                    </a:p>
+                  </a:txBody>
+                  <a:tcPr marL="137160" marR="137160" marT="228600" marB="228600" anchor="b">
+                    <a:lnL w="3175" cap="flat" cmpd="sng" algn="ctr">
+                      <a:solidFill>
+                        <a:schemeClr val="tx1">
+                          <a:lumMod val="65000"/>
+                        </a:schemeClr>
+                      </a:solidFill>
+                      <a:prstDash val="solid"/>
+                      <a:round/>
+                      <a:headEnd type="none" w="med" len="med"/>
+                      <a:tailEnd type="none" w="med" len="med"/>
+                    </a:lnL>
+                  </a:tcPr>
+                </a:tc>
+                <a:extLst>
+                  <a:ext uri="{0D108BD9-81ED-4DB2-BD59-A6C34878D82A}">
+                    <a16:rowId xmlns:a16="http://schemas.microsoft.com/office/drawing/2014/main" val="1136906228"/>
+                  </a:ext>
+                </a:extLst>
+              </a:tr>
+              <a:tr h="0">
+                <a:tc>
+                  <a:txBody>
+                    <a:bodyPr/>
+                    <a:lstStyle/>
+                    <a:p>
+                      <a:pPr marL="0" marR="0" lvl="0" indent="0" algn="r" defTabSz="914400" rtl="0" eaLnBrk="1" fontAlgn="t" latinLnBrk="0" hangingPunct="1">
+                        <a:lnSpc>
+                          <a:spcPct val="100000"/>
+                        </a:lnSpc>
+                        <a:spcBef>
+                          <a:spcPts val="0"/>
+                        </a:spcBef>
+                        <a:spcAft>
+                          <a:spcPts val="0"/>
+                        </a:spcAft>
+                        <a:buClrTx/>
+                        <a:buSzTx/>
+                        <a:buFontTx/>
+                        <a:buNone/>
+                        <a:tabLst/>
+                        <a:defRPr/>
+                      </a:pPr>
+                      <a:r>
+                        <a:rPr lang="en-US" sz="1700" b="1" i="0" u="none" strike="noStrike" kern="1200" dirty="0">
+                          <a:solidFill>
+                            <a:srgbClr val="006276"/>
+                          </a:solidFill>
+                          <a:effectLst/>
+                          <a:latin typeface="+mn-lt"/>
+                          <a:ea typeface="+mn-ea"/>
+                          <a:cs typeface="+mn-cs"/>
+                        </a:rPr>
+                        <a:t>(27:16) </a:t>
+                      </a:r>
+                      <a:r>
+                        <a:rPr lang="en-US" sz="1700" b="0" i="0" u="none" strike="noStrike" dirty="0">
+                          <a:solidFill>
+                            <a:srgbClr val="009EC0"/>
+                          </a:solidFill>
+                          <a:effectLst/>
+                          <a:latin typeface="+mj-lt"/>
+                        </a:rPr>
+                        <a:t>like sheep who have no shepherd</a:t>
+                      </a:r>
+                    </a:p>
+                  </a:txBody>
+                  <a:tcPr marL="137160" marR="137160" marT="228600" marB="228600">
+                    <a:lnR w="3175" cap="flat" cmpd="sng" algn="ctr">
+                      <a:solidFill>
+                        <a:schemeClr val="tx1">
+                          <a:lumMod val="65000"/>
+                        </a:schemeClr>
+                      </a:solidFill>
+                      <a:prstDash val="solid"/>
+                      <a:round/>
+                      <a:headEnd type="none" w="med" len="med"/>
+                      <a:tailEnd type="none" w="med" len="med"/>
+                    </a:lnR>
+                  </a:tcPr>
+                </a:tc>
+                <a:tc>
+                  <a:txBody>
+                    <a:bodyPr/>
+                    <a:lstStyle/>
+                    <a:p>
+                      <a:pPr rtl="0" fontAlgn="t">
+                        <a:spcBef>
+                          <a:spcPts val="0"/>
+                        </a:spcBef>
+                        <a:spcAft>
+                          <a:spcPts val="0"/>
+                        </a:spcAft>
+                      </a:pPr>
+                      <a:r>
+                        <a:rPr lang="en-US" sz="1700" b="0" i="0" u="none" strike="noStrike" dirty="0">
+                          <a:solidFill>
+                            <a:schemeClr val="tx1"/>
+                          </a:solidFill>
+                          <a:effectLst/>
+                          <a:latin typeface="+mj-lt"/>
+                        </a:rPr>
+                        <a:t>the shepherd of the sheep </a:t>
+                      </a:r>
+                      <a:r>
+                        <a:rPr lang="en-US" sz="1700" b="1" i="0" u="none" strike="noStrike" dirty="0">
+                          <a:solidFill>
+                            <a:schemeClr val="tx1">
+                              <a:lumMod val="50000"/>
+                            </a:schemeClr>
+                          </a:solidFill>
+                          <a:effectLst/>
+                          <a:latin typeface="+mj-lt"/>
+                        </a:rPr>
+                        <a:t>(10:2)</a:t>
+                      </a:r>
+                      <a:endParaRPr lang="en-US" sz="1700" b="1" dirty="0">
+                        <a:solidFill>
+                          <a:schemeClr val="tx1">
+                            <a:lumMod val="50000"/>
+                          </a:schemeClr>
+                        </a:solidFill>
+                        <a:effectLst/>
+                        <a:latin typeface="+mj-lt"/>
+                      </a:endParaRPr>
+                    </a:p>
+                  </a:txBody>
+                  <a:tcPr marL="137160" marR="137160" marT="228600" marB="228600">
+                    <a:lnL w="3175" cap="flat" cmpd="sng" algn="ctr">
+                      <a:solidFill>
+                        <a:schemeClr val="tx1">
+                          <a:lumMod val="65000"/>
+                        </a:schemeClr>
+                      </a:solidFill>
+                      <a:prstDash val="solid"/>
+                      <a:round/>
+                      <a:headEnd type="none" w="med" len="med"/>
+                      <a:tailEnd type="none" w="med" len="med"/>
+                    </a:lnL>
+                  </a:tcPr>
+                </a:tc>
+                <a:extLst>
+                  <a:ext uri="{0D108BD9-81ED-4DB2-BD59-A6C34878D82A}">
+                    <a16:rowId xmlns:a16="http://schemas.microsoft.com/office/drawing/2014/main" val="3592000535"/>
+                  </a:ext>
+                </a:extLst>
+              </a:tr>
+              <a:tr h="0">
+                <a:tc>
+                  <a:txBody>
+                    <a:bodyPr/>
+                    <a:lstStyle/>
+                    <a:p>
+                      <a:pPr marL="0" marR="0" indent="0" algn="r" defTabSz="914400" rtl="0" eaLnBrk="1" fontAlgn="t" latinLnBrk="0" hangingPunct="1">
+                        <a:lnSpc>
+                          <a:spcPct val="100000"/>
+                        </a:lnSpc>
+                        <a:spcBef>
+                          <a:spcPts val="0"/>
+                        </a:spcBef>
+                        <a:spcAft>
+                          <a:spcPts val="0"/>
+                        </a:spcAft>
+                        <a:buClrTx/>
+                        <a:buSzTx/>
+                        <a:buFontTx/>
+                        <a:buNone/>
+                        <a:tabLst/>
+                        <a:defRPr/>
+                      </a:pPr>
+                      <a:r>
+                        <a:rPr lang="en-US" sz="1700" b="1" i="0" u="none" strike="noStrike" kern="1200" dirty="0">
+                          <a:solidFill>
+                            <a:srgbClr val="006276"/>
+                          </a:solidFill>
+                          <a:effectLst/>
+                          <a:latin typeface="+mn-lt"/>
+                          <a:ea typeface="+mn-ea"/>
+                          <a:cs typeface="+mn-cs"/>
+                        </a:rPr>
+                        <a:t>(27:20)</a:t>
+                      </a:r>
+                      <a:r>
+                        <a:rPr lang="en-US" sz="1700" b="0" i="0" u="none" strike="noStrike" kern="1200" dirty="0">
+                          <a:solidFill>
+                            <a:srgbClr val="006276"/>
+                          </a:solidFill>
+                          <a:effectLst/>
+                          <a:latin typeface="+mn-lt"/>
+                          <a:ea typeface="+mn-ea"/>
+                          <a:cs typeface="+mn-cs"/>
+                        </a:rPr>
+                        <a:t> </a:t>
+                      </a:r>
+                      <a:r>
+                        <a:rPr lang="en-US" sz="1700" b="0" i="0" u="none" strike="noStrike" dirty="0">
+                          <a:solidFill>
+                            <a:srgbClr val="009EC0"/>
+                          </a:solidFill>
+                          <a:effectLst/>
+                          <a:latin typeface="+mj-lt"/>
+                        </a:rPr>
+                        <a:t>listen to him</a:t>
+                      </a:r>
+                      <a:endParaRPr lang="en-US" sz="1700" b="0" dirty="0">
+                        <a:solidFill>
+                          <a:srgbClr val="009EC0"/>
+                        </a:solidFill>
+                        <a:effectLst/>
+                        <a:latin typeface="+mj-lt"/>
+                      </a:endParaRPr>
+                    </a:p>
+                  </a:txBody>
+                  <a:tcPr marL="137160" marR="137160" marT="228600" marB="228600">
+                    <a:lnR w="3175" cap="flat" cmpd="sng" algn="ctr">
+                      <a:solidFill>
+                        <a:schemeClr val="tx1">
+                          <a:lumMod val="65000"/>
+                        </a:schemeClr>
+                      </a:solidFill>
+                      <a:prstDash val="solid"/>
+                      <a:round/>
+                      <a:headEnd type="none" w="med" len="med"/>
+                      <a:tailEnd type="none" w="med" len="med"/>
+                    </a:lnR>
+                  </a:tcPr>
+                </a:tc>
+                <a:tc>
+                  <a:txBody>
+                    <a:bodyPr/>
+                    <a:lstStyle/>
+                    <a:p>
+                      <a:pPr marL="0" marR="0" lvl="0" indent="0" algn="l" defTabSz="914400" rtl="0" eaLnBrk="1" fontAlgn="t" latinLnBrk="0" hangingPunct="1">
+                        <a:lnSpc>
+                          <a:spcPct val="100000"/>
+                        </a:lnSpc>
+                        <a:spcBef>
+                          <a:spcPts val="0"/>
+                        </a:spcBef>
+                        <a:spcAft>
+                          <a:spcPts val="0"/>
+                        </a:spcAft>
+                        <a:buClrTx/>
+                        <a:buSzTx/>
+                        <a:buFontTx/>
+                        <a:buNone/>
+                        <a:tabLst/>
+                        <a:defRPr/>
+                      </a:pPr>
+                      <a:r>
+                        <a:rPr lang="en-US" sz="1700" b="0" i="0" u="none" strike="noStrike" dirty="0">
+                          <a:solidFill>
+                            <a:schemeClr val="tx1"/>
+                          </a:solidFill>
+                          <a:effectLst/>
+                          <a:latin typeface="+mj-lt"/>
+                        </a:rPr>
+                        <a:t>hear his voice </a:t>
+                      </a:r>
+                      <a:r>
+                        <a:rPr lang="en-US" sz="1700" b="1" i="0" u="none" strike="noStrike" dirty="0">
+                          <a:solidFill>
+                            <a:schemeClr val="tx1">
+                              <a:lumMod val="50000"/>
+                            </a:schemeClr>
+                          </a:solidFill>
+                          <a:effectLst/>
+                          <a:latin typeface="+mj-lt"/>
+                        </a:rPr>
+                        <a:t>(</a:t>
+                      </a:r>
+                      <a:r>
+                        <a:rPr lang="en-US" sz="1700" b="1" i="0" u="none" strike="noStrike" kern="1200" dirty="0">
+                          <a:solidFill>
+                            <a:schemeClr val="tx1">
+                              <a:lumMod val="50000"/>
+                            </a:schemeClr>
+                          </a:solidFill>
+                          <a:effectLst/>
+                          <a:latin typeface="+mn-lt"/>
+                          <a:ea typeface="+mn-ea"/>
+                          <a:cs typeface="+mn-cs"/>
+                        </a:rPr>
+                        <a:t>10:3a</a:t>
+                      </a:r>
+                      <a:r>
+                        <a:rPr lang="en-US" sz="1700" b="1" i="0" u="none" strike="noStrike" dirty="0">
+                          <a:solidFill>
+                            <a:schemeClr val="tx1">
+                              <a:lumMod val="50000"/>
+                            </a:schemeClr>
+                          </a:solidFill>
+                          <a:effectLst/>
+                          <a:latin typeface="+mj-lt"/>
+                        </a:rPr>
+                        <a:t>)</a:t>
+                      </a:r>
+                    </a:p>
+                  </a:txBody>
+                  <a:tcPr marL="137160" marR="137160" marT="228600" marB="228600">
+                    <a:lnL w="3175" cap="flat" cmpd="sng" algn="ctr">
+                      <a:solidFill>
+                        <a:schemeClr val="tx1">
+                          <a:lumMod val="65000"/>
+                        </a:schemeClr>
+                      </a:solidFill>
+                      <a:prstDash val="solid"/>
+                      <a:round/>
+                      <a:headEnd type="none" w="med" len="med"/>
+                      <a:tailEnd type="none" w="med" len="med"/>
+                    </a:lnL>
+                  </a:tcPr>
+                </a:tc>
+                <a:extLst>
+                  <a:ext uri="{0D108BD9-81ED-4DB2-BD59-A6C34878D82A}">
+                    <a16:rowId xmlns:a16="http://schemas.microsoft.com/office/drawing/2014/main" val="2330484482"/>
+                  </a:ext>
+                </a:extLst>
+              </a:tr>
+              <a:tr h="0">
+                <a:tc>
+                  <a:txBody>
+                    <a:bodyPr/>
+                    <a:lstStyle/>
+                    <a:p>
+                      <a:pPr algn="r" rtl="0" fontAlgn="t">
+                        <a:spcBef>
+                          <a:spcPts val="0"/>
+                        </a:spcBef>
+                        <a:spcAft>
+                          <a:spcPts val="0"/>
+                        </a:spcAft>
+                      </a:pPr>
+                      <a:r>
+                        <a:rPr lang="en-US" sz="1700" b="1" i="0" u="none" strike="noStrike" kern="1200" dirty="0">
+                          <a:solidFill>
+                            <a:srgbClr val="006276"/>
+                          </a:solidFill>
+                          <a:effectLst/>
+                          <a:latin typeface="+mn-lt"/>
+                          <a:ea typeface="+mn-ea"/>
+                          <a:cs typeface="+mn-cs"/>
+                        </a:rPr>
+                        <a:t>(27:21)</a:t>
+                      </a:r>
+                      <a:r>
+                        <a:rPr lang="en-US" sz="1700" b="0" i="0" u="none" strike="noStrike" kern="1200" dirty="0">
+                          <a:solidFill>
+                            <a:srgbClr val="006276"/>
+                          </a:solidFill>
+                          <a:effectLst/>
+                          <a:latin typeface="+mn-lt"/>
+                          <a:ea typeface="+mn-ea"/>
+                          <a:cs typeface="+mn-cs"/>
+                        </a:rPr>
+                        <a:t> </a:t>
+                      </a:r>
+                      <a:r>
+                        <a:rPr lang="en-US" sz="1700" b="0" i="0" u="none" strike="noStrike" dirty="0">
+                          <a:solidFill>
+                            <a:srgbClr val="009EC0"/>
+                          </a:solidFill>
+                          <a:effectLst/>
+                          <a:latin typeface="+mj-lt"/>
+                        </a:rPr>
+                        <a:t>at his word they will go out</a:t>
+                      </a:r>
+                      <a:endParaRPr lang="en-US" sz="1700" b="0" dirty="0">
+                        <a:solidFill>
+                          <a:srgbClr val="009EC0"/>
+                        </a:solidFill>
+                        <a:effectLst/>
+                        <a:latin typeface="+mj-lt"/>
+                      </a:endParaRPr>
+                    </a:p>
+                  </a:txBody>
+                  <a:tcPr marL="137160" marR="137160" marT="228600" marB="228600">
+                    <a:lnR w="3175" cap="flat" cmpd="sng" algn="ctr">
+                      <a:solidFill>
+                        <a:schemeClr val="tx1">
+                          <a:lumMod val="65000"/>
+                        </a:schemeClr>
+                      </a:solidFill>
+                      <a:prstDash val="solid"/>
+                      <a:round/>
+                      <a:headEnd type="none" w="med" len="med"/>
+                      <a:tailEnd type="none" w="med" len="med"/>
+                    </a:lnR>
+                  </a:tcPr>
+                </a:tc>
+                <a:tc rowSpan="2">
+                  <a:txBody>
+                    <a:bodyPr/>
+                    <a:lstStyle/>
+                    <a:p>
+                      <a:pPr rtl="0" fontAlgn="t">
+                        <a:spcBef>
+                          <a:spcPts val="0"/>
+                        </a:spcBef>
+                        <a:spcAft>
+                          <a:spcPts val="0"/>
+                        </a:spcAft>
+                      </a:pPr>
+                      <a:r>
+                        <a:rPr lang="en-US" sz="1800" b="0" i="0" u="none" strike="noStrike" kern="1200" dirty="0">
+                          <a:solidFill>
+                            <a:schemeClr val="tx1"/>
+                          </a:solidFill>
+                          <a:effectLst/>
+                          <a:latin typeface="+mn-lt"/>
+                          <a:ea typeface="+mn-ea"/>
+                          <a:cs typeface="+mn-cs"/>
+                        </a:rPr>
+                        <a:t>calls his own sheep by name and he leads them out </a:t>
+                      </a:r>
+                      <a:r>
+                        <a:rPr lang="en-US" sz="1800" b="1" i="0" u="none" strike="noStrike" kern="1200" dirty="0">
+                          <a:solidFill>
+                            <a:schemeClr val="tx1">
+                              <a:lumMod val="50000"/>
+                            </a:schemeClr>
+                          </a:solidFill>
+                          <a:effectLst/>
+                          <a:latin typeface="+mn-lt"/>
+                          <a:ea typeface="+mn-ea"/>
+                          <a:cs typeface="+mn-cs"/>
+                        </a:rPr>
+                        <a:t>(10:3b)</a:t>
+                      </a:r>
+                      <a:endParaRPr lang="en-US" sz="1700" b="1" i="0" u="none" strike="noStrike" dirty="0">
+                        <a:solidFill>
+                          <a:schemeClr val="tx1">
+                            <a:lumMod val="50000"/>
+                          </a:schemeClr>
+                        </a:solidFill>
+                        <a:effectLst/>
+                        <a:latin typeface="+mj-lt"/>
+                      </a:endParaRPr>
+                    </a:p>
+                  </a:txBody>
+                  <a:tcPr marL="137160" marR="137160" marT="228600" marB="228600">
+                    <a:lnL w="3175" cap="flat" cmpd="sng" algn="ctr">
+                      <a:solidFill>
+                        <a:schemeClr val="tx1">
+                          <a:lumMod val="65000"/>
+                        </a:schemeClr>
+                      </a:solidFill>
+                      <a:prstDash val="solid"/>
+                      <a:round/>
+                      <a:headEnd type="none" w="med" len="med"/>
+                      <a:tailEnd type="none" w="med" len="med"/>
+                    </a:lnL>
+                  </a:tcPr>
+                </a:tc>
+                <a:extLst>
+                  <a:ext uri="{0D108BD9-81ED-4DB2-BD59-A6C34878D82A}">
+                    <a16:rowId xmlns:a16="http://schemas.microsoft.com/office/drawing/2014/main" val="1564031315"/>
+                  </a:ext>
+                </a:extLst>
+              </a:tr>
+              <a:tr h="558800">
+                <a:tc>
+                  <a:txBody>
+                    <a:bodyPr/>
+                    <a:lstStyle/>
+                    <a:p>
+                      <a:pPr algn="r" rtl="0" fontAlgn="t">
+                        <a:spcBef>
+                          <a:spcPts val="0"/>
+                        </a:spcBef>
+                        <a:spcAft>
+                          <a:spcPts val="0"/>
+                        </a:spcAft>
+                      </a:pPr>
+                      <a:r>
+                        <a:rPr lang="en-US" sz="1700" b="1" kern="1200" dirty="0">
+                          <a:solidFill>
+                            <a:srgbClr val="006276"/>
+                          </a:solidFill>
+                          <a:effectLst/>
+                          <a:latin typeface="+mn-lt"/>
+                          <a:ea typeface="+mn-ea"/>
+                          <a:cs typeface="+mn-cs"/>
+                        </a:rPr>
+                        <a:t>(27:17a)</a:t>
+                      </a:r>
+                      <a:r>
+                        <a:rPr lang="en-US" sz="1700" b="0" kern="1200" dirty="0">
+                          <a:solidFill>
+                            <a:srgbClr val="006276"/>
+                          </a:solidFill>
+                          <a:effectLst/>
+                          <a:latin typeface="+mn-lt"/>
+                          <a:ea typeface="+mn-ea"/>
+                          <a:cs typeface="+mn-cs"/>
+                        </a:rPr>
+                        <a:t> </a:t>
+                      </a:r>
+                      <a:r>
+                        <a:rPr lang="en-US" sz="1700" b="0" dirty="0">
+                          <a:solidFill>
+                            <a:srgbClr val="009EC0"/>
+                          </a:solidFill>
+                          <a:effectLst/>
+                          <a:latin typeface="+mj-lt"/>
+                        </a:rPr>
+                        <a:t>will lead them out</a:t>
+                      </a:r>
+                    </a:p>
+                  </a:txBody>
+                  <a:tcPr marL="137160" marR="137160" marT="228600" marB="228600">
+                    <a:lnR w="3175" cap="flat" cmpd="sng" algn="ctr">
+                      <a:solidFill>
+                        <a:schemeClr val="tx1">
+                          <a:lumMod val="65000"/>
+                        </a:schemeClr>
+                      </a:solidFill>
+                      <a:prstDash val="solid"/>
+                      <a:round/>
+                      <a:headEnd type="none" w="med" len="med"/>
+                      <a:tailEnd type="none" w="med" len="med"/>
+                    </a:lnR>
+                  </a:tcPr>
+                </a:tc>
+                <a:tc vMerge="1">
+                  <a:txBody>
+                    <a:bodyPr/>
+                    <a:lstStyle/>
+                    <a:p>
+                      <a:pPr rtl="0" fontAlgn="t">
+                        <a:spcBef>
+                          <a:spcPts val="0"/>
+                        </a:spcBef>
+                        <a:spcAft>
+                          <a:spcPts val="0"/>
+                        </a:spcAft>
+                      </a:pPr>
+                      <a:endParaRPr lang="en-US" sz="1700" dirty="0">
+                        <a:solidFill>
+                          <a:schemeClr val="tx1"/>
+                        </a:solidFill>
+                        <a:effectLst/>
+                        <a:latin typeface="+mj-lt"/>
+                      </a:endParaRPr>
+                    </a:p>
+                  </a:txBody>
+                  <a:tcPr marL="137160" marR="137160" marT="228600" marB="228600">
+                    <a:lnL w="3175" cap="flat" cmpd="sng" algn="ctr">
+                      <a:solidFill>
+                        <a:schemeClr val="tx1">
+                          <a:lumMod val="65000"/>
+                        </a:schemeClr>
+                      </a:solidFill>
+                      <a:prstDash val="solid"/>
+                      <a:round/>
+                      <a:headEnd type="none" w="med" len="med"/>
+                      <a:tailEnd type="none" w="med" len="med"/>
+                    </a:lnL>
+                  </a:tcPr>
+                </a:tc>
+                <a:extLst>
+                  <a:ext uri="{0D108BD9-81ED-4DB2-BD59-A6C34878D82A}">
+                    <a16:rowId xmlns:a16="http://schemas.microsoft.com/office/drawing/2014/main" val="3045623234"/>
+                  </a:ext>
+                </a:extLst>
+              </a:tr>
+              <a:tr h="599440">
+                <a:tc>
+                  <a:txBody>
+                    <a:bodyPr/>
+                    <a:lstStyle/>
+                    <a:p>
+                      <a:pPr marL="0" marR="0" indent="0" algn="r" defTabSz="914400" rtl="0" eaLnBrk="1" fontAlgn="t" latinLnBrk="0" hangingPunct="1">
+                        <a:lnSpc>
+                          <a:spcPct val="100000"/>
+                        </a:lnSpc>
+                        <a:spcBef>
+                          <a:spcPts val="0"/>
+                        </a:spcBef>
+                        <a:spcAft>
+                          <a:spcPts val="0"/>
+                        </a:spcAft>
+                        <a:buClrTx/>
+                        <a:buSzTx/>
+                        <a:buFontTx/>
+                        <a:buNone/>
+                        <a:tabLst/>
+                        <a:defRPr/>
+                      </a:pPr>
+                      <a:r>
+                        <a:rPr lang="en-US" sz="1700" b="1" kern="1200" dirty="0">
+                          <a:solidFill>
+                            <a:srgbClr val="006276"/>
+                          </a:solidFill>
+                          <a:effectLst/>
+                          <a:latin typeface="+mn-lt"/>
+                          <a:ea typeface="+mn-ea"/>
+                          <a:cs typeface="+mn-cs"/>
+                        </a:rPr>
+                        <a:t>(27:17b)</a:t>
+                      </a:r>
+                      <a:r>
+                        <a:rPr lang="en-US" sz="1700" b="0" kern="1200" dirty="0">
+                          <a:solidFill>
+                            <a:srgbClr val="006276"/>
+                          </a:solidFill>
+                          <a:effectLst/>
+                          <a:latin typeface="+mn-lt"/>
+                          <a:ea typeface="+mn-ea"/>
+                          <a:cs typeface="+mn-cs"/>
+                        </a:rPr>
+                        <a:t> </a:t>
+                      </a:r>
+                      <a:r>
+                        <a:rPr lang="en-US" sz="1700" b="0" dirty="0">
+                          <a:solidFill>
+                            <a:srgbClr val="009EC0"/>
+                          </a:solidFill>
+                          <a:effectLst/>
+                          <a:latin typeface="+mj-lt"/>
+                        </a:rPr>
+                        <a:t>who will go out before them</a:t>
+                      </a:r>
+                    </a:p>
+                  </a:txBody>
+                  <a:tcPr marL="137160" marR="137160" marT="228600" marB="228600">
+                    <a:lnR w="3175" cap="flat" cmpd="sng" algn="ctr">
+                      <a:solidFill>
+                        <a:schemeClr val="tx1">
+                          <a:lumMod val="65000"/>
+                        </a:schemeClr>
+                      </a:solidFill>
+                      <a:prstDash val="solid"/>
+                      <a:round/>
+                      <a:headEnd type="none" w="med" len="med"/>
+                      <a:tailEnd type="none" w="med" len="med"/>
+                    </a:lnR>
+                  </a:tcPr>
+                </a:tc>
+                <a:tc>
+                  <a:txBody>
+                    <a:bodyPr/>
+                    <a:lstStyle/>
+                    <a:p>
+                      <a:pPr rtl="0"/>
+                      <a:r>
+                        <a:rPr lang="en-US" sz="1700" b="0" dirty="0">
+                          <a:effectLst/>
+                        </a:rPr>
+                        <a:t>he goes before them </a:t>
+                      </a:r>
+                      <a:r>
+                        <a:rPr lang="en-US" sz="1700" b="1" dirty="0">
+                          <a:solidFill>
+                            <a:schemeClr val="tx1">
+                              <a:lumMod val="50000"/>
+                            </a:schemeClr>
+                          </a:solidFill>
+                          <a:effectLst/>
+                        </a:rPr>
+                        <a:t>(10:4)</a:t>
+                      </a:r>
+                    </a:p>
+                  </a:txBody>
+                  <a:tcPr marL="137160" marR="137160" marT="228600" marB="228600">
+                    <a:lnL w="3175" cap="flat" cmpd="sng" algn="ctr">
+                      <a:solidFill>
+                        <a:schemeClr val="tx1">
+                          <a:lumMod val="65000"/>
+                        </a:schemeClr>
+                      </a:solidFill>
+                      <a:prstDash val="solid"/>
+                      <a:round/>
+                      <a:headEnd type="none" w="med" len="med"/>
+                      <a:tailEnd type="none" w="med" len="med"/>
+                    </a:lnL>
+                  </a:tcPr>
+                </a:tc>
+                <a:extLst>
+                  <a:ext uri="{0D108BD9-81ED-4DB2-BD59-A6C34878D82A}">
+                    <a16:rowId xmlns:a16="http://schemas.microsoft.com/office/drawing/2014/main" val="4221996619"/>
+                  </a:ext>
+                </a:extLst>
+              </a:tr>
+              <a:tr h="599440">
+                <a:tc>
+                  <a:txBody>
+                    <a:bodyPr/>
+                    <a:lstStyle/>
+                    <a:p>
+                      <a:pPr marL="0" marR="0" indent="0" algn="r" defTabSz="914400" rtl="0" eaLnBrk="1" fontAlgn="t" latinLnBrk="0" hangingPunct="1">
+                        <a:lnSpc>
+                          <a:spcPct val="100000"/>
+                        </a:lnSpc>
+                        <a:spcBef>
+                          <a:spcPts val="0"/>
+                        </a:spcBef>
+                        <a:spcAft>
+                          <a:spcPts val="0"/>
+                        </a:spcAft>
+                        <a:buClrTx/>
+                        <a:buSzTx/>
+                        <a:buFontTx/>
+                        <a:buNone/>
+                        <a:tabLst/>
+                        <a:defRPr/>
+                      </a:pPr>
+                      <a:r>
+                        <a:rPr lang="en-US" sz="1700" b="1" kern="1200" dirty="0">
+                          <a:solidFill>
+                            <a:srgbClr val="006276"/>
+                          </a:solidFill>
+                          <a:effectLst/>
+                          <a:latin typeface="+mn-lt"/>
+                          <a:ea typeface="+mn-ea"/>
+                          <a:cs typeface="+mn-cs"/>
+                        </a:rPr>
+                        <a:t>(27:17b, 27:21)</a:t>
+                      </a:r>
+                      <a:r>
+                        <a:rPr lang="en-US" sz="1700" b="0" kern="1200" dirty="0">
+                          <a:solidFill>
+                            <a:srgbClr val="006276"/>
+                          </a:solidFill>
+                          <a:effectLst/>
+                          <a:latin typeface="+mn-lt"/>
+                          <a:ea typeface="+mn-ea"/>
+                          <a:cs typeface="+mn-cs"/>
+                        </a:rPr>
+                        <a:t> </a:t>
+                      </a:r>
+                      <a:r>
+                        <a:rPr lang="en-US" sz="1700" b="0" dirty="0">
+                          <a:solidFill>
+                            <a:srgbClr val="009EC0"/>
+                          </a:solidFill>
+                          <a:effectLst/>
+                          <a:latin typeface="+mj-lt"/>
+                        </a:rPr>
+                        <a:t>who will go out before them and who will go in before them.</a:t>
+                      </a:r>
+                    </a:p>
+                    <a:p>
+                      <a:pPr marL="0" marR="0" indent="0" algn="r" defTabSz="914400" rtl="0" eaLnBrk="1" fontAlgn="t" latinLnBrk="0" hangingPunct="1">
+                        <a:lnSpc>
+                          <a:spcPct val="100000"/>
+                        </a:lnSpc>
+                        <a:spcBef>
+                          <a:spcPts val="0"/>
+                        </a:spcBef>
+                        <a:spcAft>
+                          <a:spcPts val="0"/>
+                        </a:spcAft>
+                        <a:buClrTx/>
+                        <a:buSzTx/>
+                        <a:buFontTx/>
+                        <a:buNone/>
+                        <a:tabLst/>
+                        <a:defRPr/>
+                      </a:pPr>
+                      <a:endParaRPr lang="en-US" sz="1700" b="0" dirty="0">
+                        <a:solidFill>
+                          <a:srgbClr val="009EC0"/>
+                        </a:solidFill>
+                        <a:effectLst/>
+                        <a:latin typeface="+mj-lt"/>
+                      </a:endParaRPr>
+                    </a:p>
+                    <a:p>
+                      <a:pPr marL="0" marR="0" indent="0" algn="r" defTabSz="914400" rtl="0" eaLnBrk="1" fontAlgn="t" latinLnBrk="0" hangingPunct="1">
+                        <a:lnSpc>
+                          <a:spcPct val="100000"/>
+                        </a:lnSpc>
+                        <a:spcBef>
+                          <a:spcPts val="0"/>
+                        </a:spcBef>
+                        <a:spcAft>
+                          <a:spcPts val="0"/>
+                        </a:spcAft>
+                        <a:buClrTx/>
+                        <a:buSzTx/>
+                        <a:buFontTx/>
+                        <a:buNone/>
+                        <a:tabLst/>
+                        <a:defRPr/>
+                      </a:pPr>
+                      <a:r>
+                        <a:rPr lang="en-US" sz="1700" b="0" dirty="0">
+                          <a:solidFill>
+                            <a:srgbClr val="009EC0"/>
+                          </a:solidFill>
+                          <a:effectLst/>
+                          <a:latin typeface="+mj-lt"/>
+                        </a:rPr>
+                        <a:t>… at his word they will go out</a:t>
+                      </a:r>
+                    </a:p>
+                    <a:p>
+                      <a:pPr marL="0" marR="0" indent="0" algn="r" defTabSz="914400" rtl="0" eaLnBrk="1" fontAlgn="t" latinLnBrk="0" hangingPunct="1">
+                        <a:lnSpc>
+                          <a:spcPct val="100000"/>
+                        </a:lnSpc>
+                        <a:spcBef>
+                          <a:spcPts val="0"/>
+                        </a:spcBef>
+                        <a:spcAft>
+                          <a:spcPts val="0"/>
+                        </a:spcAft>
+                        <a:buClrTx/>
+                        <a:buSzTx/>
+                        <a:buFontTx/>
+                        <a:buNone/>
+                        <a:tabLst/>
+                        <a:defRPr/>
+                      </a:pPr>
+                      <a:r>
+                        <a:rPr lang="en-US" sz="1700" b="0" dirty="0">
+                          <a:solidFill>
+                            <a:srgbClr val="009EC0"/>
+                          </a:solidFill>
+                          <a:effectLst/>
+                          <a:latin typeface="+mj-lt"/>
+                        </a:rPr>
+                        <a:t>and at his word they will come in he and all the children of Israel.</a:t>
+                      </a:r>
+                    </a:p>
+                  </a:txBody>
+                  <a:tcPr marL="137160" marR="137160" marT="228600" marB="228600">
+                    <a:lnR w="3175" cap="flat" cmpd="sng" algn="ctr">
+                      <a:solidFill>
+                        <a:schemeClr val="tx1">
+                          <a:lumMod val="65000"/>
+                        </a:schemeClr>
+                      </a:solidFill>
+                      <a:prstDash val="solid"/>
+                      <a:round/>
+                      <a:headEnd type="none" w="med" len="med"/>
+                      <a:tailEnd type="none" w="med" len="med"/>
+                    </a:lnR>
+                  </a:tcPr>
+                </a:tc>
+                <a:tc>
+                  <a:txBody>
+                    <a:bodyPr/>
+                    <a:lstStyle/>
+                    <a:p>
+                      <a:pPr rtl="0"/>
+                      <a:r>
+                        <a:rPr lang="en-US" sz="1700" b="0" dirty="0">
+                          <a:effectLst/>
+                        </a:rPr>
+                        <a:t>if anyone enters through me, he will be saved, he will go in and </a:t>
+                      </a:r>
+                      <a:r>
+                        <a:rPr lang="en-US" sz="1700" b="0" kern="1200" dirty="0">
+                          <a:solidFill>
+                            <a:schemeClr val="tx1"/>
+                          </a:solidFill>
+                          <a:effectLst/>
+                          <a:latin typeface="+mn-lt"/>
+                          <a:ea typeface="+mn-ea"/>
+                          <a:cs typeface="+mn-cs"/>
+                        </a:rPr>
+                        <a:t>out</a:t>
+                      </a:r>
+                      <a:r>
+                        <a:rPr lang="en-US" sz="1700" b="0" dirty="0">
+                          <a:effectLst/>
+                        </a:rPr>
+                        <a:t> find pasture </a:t>
+                      </a:r>
+                      <a:r>
+                        <a:rPr lang="en-US" sz="1700" b="1" dirty="0">
+                          <a:solidFill>
+                            <a:schemeClr val="tx1">
+                              <a:lumMod val="50000"/>
+                            </a:schemeClr>
+                          </a:solidFill>
+                          <a:effectLst/>
+                        </a:rPr>
+                        <a:t>(10.9)</a:t>
+                      </a:r>
+                    </a:p>
+                  </a:txBody>
+                  <a:tcPr marL="137160" marR="137160" marT="228600" marB="228600">
+                    <a:lnL w="3175" cap="flat" cmpd="sng" algn="ctr">
+                      <a:solidFill>
+                        <a:schemeClr val="tx1">
+                          <a:lumMod val="65000"/>
+                        </a:schemeClr>
+                      </a:solidFill>
+                      <a:prstDash val="solid"/>
+                      <a:round/>
+                      <a:headEnd type="none" w="med" len="med"/>
+                      <a:tailEnd type="none" w="med" len="med"/>
+                    </a:lnL>
+                  </a:tcPr>
+                </a:tc>
+                <a:extLst>
+                  <a:ext uri="{0D108BD9-81ED-4DB2-BD59-A6C34878D82A}">
+                    <a16:rowId xmlns:a16="http://schemas.microsoft.com/office/drawing/2014/main" val="239198881"/>
+                  </a:ext>
+                </a:extLst>
+              </a:tr>
+            </a:tbl>
+          </a:graphicData>
+        </a:graphic>
+      </p:graphicFrame>
+      <p:sp>
+        <p:nvSpPr>
+          <p:cNvPr id="2" name="Rectangle 1">
+            <a:extLst>
+              <a:ext uri="{FF2B5EF4-FFF2-40B4-BE49-F238E27FC236}">
+                <a16:creationId xmlns:a16="http://schemas.microsoft.com/office/drawing/2014/main" id="{9812E12C-EFB7-4952-B2E4-EEF2C15D54B6}"/>
+              </a:ext>
+            </a:extLst>
+          </p:cNvPr>
+          <p:cNvSpPr/>
+          <p:nvPr/>
+        </p:nvSpPr>
+        <p:spPr>
+          <a:xfrm>
+            <a:off x="0" y="990600"/>
+            <a:ext cx="9144000" cy="762000"/>
+          </a:xfrm>
+          <a:prstGeom prst="rect">
+            <a:avLst/>
+          </a:prstGeom>
+          <a:solidFill>
+            <a:schemeClr val="bg1"/>
+          </a:solidFill>
+          <a:ln>
+            <a:noFill/>
+          </a:ln>
+        </p:spPr>
+        <p:style>
+          <a:lnRef idx="2">
+            <a:schemeClr val="accent1">
+              <a:shade val="50000"/>
+            </a:schemeClr>
+          </a:lnRef>
+          <a:fillRef idx="1">
+            <a:schemeClr val="accent1"/>
+          </a:fillRef>
+          <a:effectRef idx="0">
+            <a:schemeClr val="accent1"/>
+          </a:effectRef>
+          <a:fontRef idx="minor">
+            <a:schemeClr val="lt1"/>
+          </a:fontRef>
+        </p:style>
+        <p:txBody>
+          <a:bodyPr rtlCol="0" anchor="ctr"/>
+          <a:lstStyle/>
+          <a:p>
+            <a:pPr algn="ctr"/>
+            <a:endParaRPr lang="en-US"/>
+          </a:p>
+        </p:txBody>
+      </p:sp>
+      <p:sp>
+        <p:nvSpPr>
+          <p:cNvPr id="4" name="Rectangle 3">
+            <a:extLst>
+              <a:ext uri="{FF2B5EF4-FFF2-40B4-BE49-F238E27FC236}">
+                <a16:creationId xmlns:a16="http://schemas.microsoft.com/office/drawing/2014/main" id="{A30BB468-EF97-4678-A2B8-78D4A4C4F715}"/>
+              </a:ext>
+            </a:extLst>
+          </p:cNvPr>
+          <p:cNvSpPr/>
+          <p:nvPr/>
+        </p:nvSpPr>
+        <p:spPr>
+          <a:xfrm>
+            <a:off x="0" y="1720969"/>
+            <a:ext cx="9144000" cy="803023"/>
+          </a:xfrm>
+          <a:prstGeom prst="rect">
+            <a:avLst/>
+          </a:prstGeom>
+          <a:solidFill>
+            <a:schemeClr val="bg1"/>
+          </a:solidFill>
+          <a:ln>
+            <a:noFill/>
+          </a:ln>
+        </p:spPr>
+        <p:style>
+          <a:lnRef idx="2">
+            <a:schemeClr val="accent1">
+              <a:shade val="50000"/>
+            </a:schemeClr>
+          </a:lnRef>
+          <a:fillRef idx="1">
+            <a:schemeClr val="accent1"/>
+          </a:fillRef>
+          <a:effectRef idx="0">
+            <a:schemeClr val="accent1"/>
+          </a:effectRef>
+          <a:fontRef idx="minor">
+            <a:schemeClr val="lt1"/>
+          </a:fontRef>
+        </p:style>
+        <p:txBody>
+          <a:bodyPr rtlCol="0" anchor="ctr"/>
+          <a:lstStyle/>
+          <a:p>
+            <a:pPr algn="ctr"/>
+            <a:endParaRPr lang="en-US"/>
+          </a:p>
+        </p:txBody>
+      </p:sp>
+      <p:sp>
+        <p:nvSpPr>
+          <p:cNvPr id="6" name="Rectangle 5">
+            <a:extLst>
+              <a:ext uri="{FF2B5EF4-FFF2-40B4-BE49-F238E27FC236}">
+                <a16:creationId xmlns:a16="http://schemas.microsoft.com/office/drawing/2014/main" id="{36D2104A-3650-4824-ABF3-B547109DAE46}"/>
+              </a:ext>
+            </a:extLst>
+          </p:cNvPr>
+          <p:cNvSpPr/>
+          <p:nvPr/>
+        </p:nvSpPr>
+        <p:spPr>
+          <a:xfrm>
+            <a:off x="0" y="2523991"/>
+            <a:ext cx="9144000" cy="1514607"/>
+          </a:xfrm>
+          <a:prstGeom prst="rect">
+            <a:avLst/>
+          </a:prstGeom>
+          <a:solidFill>
+            <a:schemeClr val="bg1"/>
+          </a:solidFill>
+          <a:ln>
+            <a:noFill/>
+          </a:ln>
+        </p:spPr>
+        <p:style>
+          <a:lnRef idx="2">
+            <a:schemeClr val="accent1">
+              <a:shade val="50000"/>
+            </a:schemeClr>
+          </a:lnRef>
+          <a:fillRef idx="1">
+            <a:schemeClr val="accent1"/>
+          </a:fillRef>
+          <a:effectRef idx="0">
+            <a:schemeClr val="accent1"/>
+          </a:effectRef>
+          <a:fontRef idx="minor">
+            <a:schemeClr val="lt1"/>
+          </a:fontRef>
+        </p:style>
+        <p:txBody>
+          <a:bodyPr rtlCol="0" anchor="ctr"/>
+          <a:lstStyle/>
+          <a:p>
+            <a:pPr algn="ctr"/>
+            <a:endParaRPr lang="en-US"/>
+          </a:p>
+        </p:txBody>
+      </p:sp>
+      <p:sp>
+        <p:nvSpPr>
+          <p:cNvPr id="8" name="Rectangle 7">
+            <a:extLst>
+              <a:ext uri="{FF2B5EF4-FFF2-40B4-BE49-F238E27FC236}">
+                <a16:creationId xmlns:a16="http://schemas.microsoft.com/office/drawing/2014/main" id="{D1F1940F-D607-42EE-B743-2D27C7C45679}"/>
+              </a:ext>
+            </a:extLst>
+          </p:cNvPr>
+          <p:cNvSpPr/>
+          <p:nvPr/>
+        </p:nvSpPr>
+        <p:spPr>
+          <a:xfrm>
+            <a:off x="0" y="4038600"/>
+            <a:ext cx="9144000" cy="762000"/>
+          </a:xfrm>
+          <a:prstGeom prst="rect">
+            <a:avLst/>
+          </a:prstGeom>
+          <a:solidFill>
+            <a:schemeClr val="bg1"/>
+          </a:solidFill>
+          <a:ln>
+            <a:noFill/>
+          </a:ln>
+        </p:spPr>
+        <p:style>
+          <a:lnRef idx="2">
+            <a:schemeClr val="accent1">
+              <a:shade val="50000"/>
+            </a:schemeClr>
+          </a:lnRef>
+          <a:fillRef idx="1">
+            <a:schemeClr val="accent1"/>
+          </a:fillRef>
+          <a:effectRef idx="0">
+            <a:schemeClr val="accent1"/>
+          </a:effectRef>
+          <a:fontRef idx="minor">
+            <a:schemeClr val="lt1"/>
+          </a:fontRef>
+        </p:style>
+        <p:txBody>
+          <a:bodyPr rtlCol="0" anchor="ctr"/>
+          <a:lstStyle/>
+          <a:p>
+            <a:pPr algn="ctr"/>
+            <a:endParaRPr lang="en-US"/>
+          </a:p>
+        </p:txBody>
+      </p:sp>
+      <p:sp>
+        <p:nvSpPr>
+          <p:cNvPr id="9" name="Rectangle 8">
+            <a:extLst>
+              <a:ext uri="{FF2B5EF4-FFF2-40B4-BE49-F238E27FC236}">
+                <a16:creationId xmlns:a16="http://schemas.microsoft.com/office/drawing/2014/main" id="{36D800F1-826E-430F-BE43-7A71B7048593}"/>
+              </a:ext>
+            </a:extLst>
+          </p:cNvPr>
+          <p:cNvSpPr/>
+          <p:nvPr/>
+        </p:nvSpPr>
+        <p:spPr>
+          <a:xfrm>
+            <a:off x="0" y="4777017"/>
+            <a:ext cx="9144000" cy="1861775"/>
+          </a:xfrm>
+          <a:prstGeom prst="rect">
+            <a:avLst/>
+          </a:prstGeom>
+          <a:solidFill>
+            <a:schemeClr val="bg1"/>
+          </a:solidFill>
+          <a:ln>
+            <a:noFill/>
+          </a:ln>
+        </p:spPr>
+        <p:style>
+          <a:lnRef idx="2">
+            <a:schemeClr val="accent1">
+              <a:shade val="50000"/>
+            </a:schemeClr>
+          </a:lnRef>
+          <a:fillRef idx="1">
+            <a:schemeClr val="accent1"/>
+          </a:fillRef>
+          <a:effectRef idx="0">
+            <a:schemeClr val="accent1"/>
+          </a:effectRef>
+          <a:fontRef idx="minor">
+            <a:schemeClr val="lt1"/>
+          </a:fontRef>
+        </p:style>
+        <p:txBody>
+          <a:bodyPr rtlCol="0" anchor="ctr"/>
+          <a:lstStyle/>
+          <a:p>
+            <a:pPr algn="ctr"/>
+            <a:endParaRPr lang="en-US"/>
+          </a:p>
+        </p:txBody>
+      </p:sp>
+    </p:spTree>
+    <p:extLst>
+      <p:ext uri="{BB962C8B-B14F-4D97-AF65-F5344CB8AC3E}">
+        <p14:creationId xmlns:p14="http://schemas.microsoft.com/office/powerpoint/2010/main" val="274850952"/>
+      </p:ext>
+    </p:extLst>
+  </p:cSld>
+  <p:clrMapOvr>
+    <a:masterClrMapping/>
+  </p:clrMapOvr>
+  <p:timing>
+    <p:tnLst>
+      <p:par>
+        <p:cTn id="1" dur="indefinite" restart="never" nodeType="tmRoot">
+          <p:childTnLst>
+            <p:seq concurrent="1" nextAc="seek">
+              <p:cTn id="2" dur="indefinite" nodeType="mainSeq">
+                <p:childTnLst>
+                  <p:par>
+                    <p:cTn id="3" fill="hold">
+                      <p:stCondLst>
+                        <p:cond delay="indefinite"/>
+                      </p:stCondLst>
+                      <p:childTnLst>
+                        <p:par>
+                          <p:cTn id="4" fill="hold">
+                            <p:stCondLst>
+                              <p:cond delay="0"/>
+                            </p:stCondLst>
+                            <p:childTnLst>
+                              <p:par>
+                                <p:cTn id="5" presetID="10" presetClass="exit" presetSubtype="0" fill="hold" grpId="0" nodeType="clickEffect">
+                                  <p:stCondLst>
+                                    <p:cond delay="0"/>
+                                  </p:stCondLst>
+                                  <p:childTnLst>
+                                    <p:animEffect transition="out" filter="fade">
+                                      <p:cBhvr>
+                                        <p:cTn id="6" dur="250"/>
+                                        <p:tgtEl>
+                                          <p:spTgt spid="2"/>
+                                        </p:tgtEl>
+                                      </p:cBhvr>
+                                    </p:animEffect>
+                                    <p:set>
+                                      <p:cBhvr>
+                                        <p:cTn id="7" dur="1" fill="hold">
+                                          <p:stCondLst>
+                                            <p:cond delay="249"/>
+                                          </p:stCondLst>
+                                        </p:cTn>
+                                        <p:tgtEl>
+                                          <p:spTgt spid="2"/>
+                                        </p:tgtEl>
+                                        <p:attrNameLst>
+                                          <p:attrName>style.visibility</p:attrName>
+                                        </p:attrNameLst>
+                                      </p:cBhvr>
+                                      <p:to>
+                                        <p:strVal val="hidden"/>
+                                      </p:to>
+                                    </p:set>
+                                  </p:childTnLst>
+                                </p:cTn>
+                              </p:par>
+                            </p:childTnLst>
+                          </p:cTn>
+                        </p:par>
+                      </p:childTnLst>
+                    </p:cTn>
+                  </p:par>
+                  <p:par>
+                    <p:cTn id="8" fill="hold">
+                      <p:stCondLst>
+                        <p:cond delay="indefinite"/>
+                      </p:stCondLst>
+                      <p:childTnLst>
+                        <p:par>
+                          <p:cTn id="9" fill="hold">
+                            <p:stCondLst>
+                              <p:cond delay="0"/>
+                            </p:stCondLst>
+                            <p:childTnLst>
+                              <p:par>
+                                <p:cTn id="10" presetID="10" presetClass="exit" presetSubtype="0" fill="hold" grpId="0" nodeType="clickEffect">
+                                  <p:stCondLst>
+                                    <p:cond delay="0"/>
+                                  </p:stCondLst>
+                                  <p:childTnLst>
+                                    <p:animEffect transition="out" filter="fade">
+                                      <p:cBhvr>
+                                        <p:cTn id="11" dur="250"/>
+                                        <p:tgtEl>
+                                          <p:spTgt spid="4"/>
+                                        </p:tgtEl>
+                                      </p:cBhvr>
+                                    </p:animEffect>
+                                    <p:set>
+                                      <p:cBhvr>
+                                        <p:cTn id="12" dur="1" fill="hold">
+                                          <p:stCondLst>
+                                            <p:cond delay="249"/>
+                                          </p:stCondLst>
+                                        </p:cTn>
+                                        <p:tgtEl>
+                                          <p:spTgt spid="4"/>
+                                        </p:tgtEl>
+                                        <p:attrNameLst>
+                                          <p:attrName>style.visibility</p:attrName>
+                                        </p:attrNameLst>
+                                      </p:cBhvr>
+                                      <p:to>
+                                        <p:strVal val="hidden"/>
+                                      </p:to>
+                                    </p:set>
+                                  </p:childTnLst>
+                                </p:cTn>
+                              </p:par>
+                            </p:childTnLst>
+                          </p:cTn>
+                        </p:par>
+                      </p:childTnLst>
+                    </p:cTn>
+                  </p:par>
+                  <p:par>
+                    <p:cTn id="13" fill="hold">
+                      <p:stCondLst>
+                        <p:cond delay="indefinite"/>
+                      </p:stCondLst>
+                      <p:childTnLst>
+                        <p:par>
+                          <p:cTn id="14" fill="hold">
+                            <p:stCondLst>
+                              <p:cond delay="0"/>
+                            </p:stCondLst>
+                            <p:childTnLst>
+                              <p:par>
+                                <p:cTn id="15" presetID="10" presetClass="exit" presetSubtype="0" fill="hold" grpId="0" nodeType="clickEffect">
+                                  <p:stCondLst>
+                                    <p:cond delay="0"/>
+                                  </p:stCondLst>
+                                  <p:childTnLst>
+                                    <p:animEffect transition="out" filter="fade">
+                                      <p:cBhvr>
+                                        <p:cTn id="16" dur="250"/>
+                                        <p:tgtEl>
+                                          <p:spTgt spid="6"/>
+                                        </p:tgtEl>
+                                      </p:cBhvr>
+                                    </p:animEffect>
+                                    <p:set>
+                                      <p:cBhvr>
+                                        <p:cTn id="17" dur="1" fill="hold">
+                                          <p:stCondLst>
+                                            <p:cond delay="249"/>
+                                          </p:stCondLst>
+                                        </p:cTn>
+                                        <p:tgtEl>
+                                          <p:spTgt spid="6"/>
+                                        </p:tgtEl>
+                                        <p:attrNameLst>
+                                          <p:attrName>style.visibility</p:attrName>
+                                        </p:attrNameLst>
+                                      </p:cBhvr>
+                                      <p:to>
+                                        <p:strVal val="hidden"/>
+                                      </p:to>
+                                    </p:set>
+                                  </p:childTnLst>
+                                </p:cTn>
+                              </p:par>
+                            </p:childTnLst>
+                          </p:cTn>
+                        </p:par>
+                      </p:childTnLst>
+                    </p:cTn>
+                  </p:par>
+                  <p:par>
+                    <p:cTn id="18" fill="hold">
+                      <p:stCondLst>
+                        <p:cond delay="indefinite"/>
+                      </p:stCondLst>
+                      <p:childTnLst>
+                        <p:par>
+                          <p:cTn id="19" fill="hold">
+                            <p:stCondLst>
+                              <p:cond delay="0"/>
+                            </p:stCondLst>
+                            <p:childTnLst>
+                              <p:par>
+                                <p:cTn id="20" presetID="10" presetClass="exit" presetSubtype="0" fill="hold" grpId="0" nodeType="clickEffect">
+                                  <p:stCondLst>
+                                    <p:cond delay="0"/>
+                                  </p:stCondLst>
+                                  <p:childTnLst>
+                                    <p:animEffect transition="out" filter="fade">
+                                      <p:cBhvr>
+                                        <p:cTn id="21" dur="250"/>
+                                        <p:tgtEl>
+                                          <p:spTgt spid="8"/>
+                                        </p:tgtEl>
+                                      </p:cBhvr>
+                                    </p:animEffect>
+                                    <p:set>
+                                      <p:cBhvr>
+                                        <p:cTn id="22" dur="1" fill="hold">
+                                          <p:stCondLst>
+                                            <p:cond delay="249"/>
+                                          </p:stCondLst>
+                                        </p:cTn>
+                                        <p:tgtEl>
+                                          <p:spTgt spid="8"/>
+                                        </p:tgtEl>
+                                        <p:attrNameLst>
+                                          <p:attrName>style.visibility</p:attrName>
+                                        </p:attrNameLst>
+                                      </p:cBhvr>
+                                      <p:to>
+                                        <p:strVal val="hidden"/>
+                                      </p:to>
+                                    </p:set>
+                                  </p:childTnLst>
+                                </p:cTn>
+                              </p:par>
+                            </p:childTnLst>
+                          </p:cTn>
+                        </p:par>
+                      </p:childTnLst>
+                    </p:cTn>
+                  </p:par>
+                  <p:par>
+                    <p:cTn id="23" fill="hold">
+                      <p:stCondLst>
+                        <p:cond delay="indefinite"/>
+                      </p:stCondLst>
+                      <p:childTnLst>
+                        <p:par>
+                          <p:cTn id="24" fill="hold">
+                            <p:stCondLst>
+                              <p:cond delay="0"/>
+                            </p:stCondLst>
+                            <p:childTnLst>
+                              <p:par>
+                                <p:cTn id="25" presetID="10" presetClass="exit" presetSubtype="0" fill="hold" grpId="0" nodeType="clickEffect">
+                                  <p:stCondLst>
+                                    <p:cond delay="0"/>
+                                  </p:stCondLst>
+                                  <p:childTnLst>
+                                    <p:animEffect transition="out" filter="fade">
+                                      <p:cBhvr>
+                                        <p:cTn id="26" dur="250"/>
+                                        <p:tgtEl>
+                                          <p:spTgt spid="9"/>
+                                        </p:tgtEl>
+                                      </p:cBhvr>
+                                    </p:animEffect>
+                                    <p:set>
+                                      <p:cBhvr>
+                                        <p:cTn id="27" dur="1" fill="hold">
+                                          <p:stCondLst>
+                                            <p:cond delay="249"/>
+                                          </p:stCondLst>
+                                        </p:cTn>
+                                        <p:tgtEl>
+                                          <p:spTgt spid="9"/>
+                                        </p:tgtEl>
+                                        <p:attrNameLst>
+                                          <p:attrName>style.visibility</p:attrName>
+                                        </p:attrNameLst>
+                                      </p:cBhvr>
+                                      <p:to>
+                                        <p:strVal val="hidden"/>
+                                      </p:to>
+                                    </p:set>
+                                  </p:childTnLst>
+                                </p:cTn>
+                              </p:par>
+                            </p:childTnLst>
+                          </p:cTn>
+                        </p:par>
+                      </p:childTnLst>
+                    </p:cTn>
+                  </p:par>
+                </p:childTnLst>
+              </p:cTn>
+              <p:prevCondLst>
+                <p:cond evt="onPrev" delay="0">
+                  <p:tgtEl>
+                    <p:sldTgt/>
+                  </p:tgtEl>
+                </p:cond>
+              </p:prevCondLst>
+              <p:nextCondLst>
+                <p:cond evt="onNext" delay="0">
+                  <p:tgtEl>
+                    <p:sldTgt/>
+                  </p:tgtEl>
+                </p:cond>
+              </p:nextCondLst>
+            </p:seq>
+          </p:childTnLst>
+        </p:cTn>
+      </p:par>
+    </p:tnLst>
+    <p:bldLst>
+      <p:bldP spid="2" grpId="0" animBg="1"/>
+      <p:bldP spid="4" grpId="0" animBg="1"/>
+      <p:bldP spid="6" grpId="0" animBg="1"/>
+      <p:bldP spid="8" grpId="0" animBg="1"/>
+      <p:bldP spid="9" grpId="0" animBg="1"/>
+    </p:bldLst>
+  </p:timing>
+</p:sld>
+</file>
+
+<file path=ppt/slides/slide4.xml><?xml version="1.0" encoding="utf-8"?>
 <p:sld xmlns:a="http://schemas.openxmlformats.org/drawingml/2006/main" xmlns:r="http://schemas.openxmlformats.org/officeDocument/2006/relationships" xmlns:p="http://schemas.openxmlformats.org/presentationml/2006/main">
   <p:cSld>
     <p:spTree>
@@ -9696,7 +12723,7 @@
 </p:sld>
 </file>
 
-<file path=ppt/slides/slide4.xml><?xml version="1.0" encoding="utf-8"?>
+<file path=ppt/slides/slide5.xml><?xml version="1.0" encoding="utf-8"?>
 <p:sld xmlns:a="http://schemas.openxmlformats.org/drawingml/2006/main" xmlns:r="http://schemas.openxmlformats.org/officeDocument/2006/relationships" xmlns:p="http://schemas.openxmlformats.org/presentationml/2006/main">
   <p:cSld>
     <p:spTree>
@@ -9781,996 +12808,7 @@
 </p:sld>
 </file>
 
-<file path=ppt/slides/slide5.xml><?xml version="1.0" encoding="utf-8"?>
-<p:sld xmlns:a="http://schemas.openxmlformats.org/drawingml/2006/main" xmlns:r="http://schemas.openxmlformats.org/officeDocument/2006/relationships" xmlns:p="http://schemas.openxmlformats.org/presentationml/2006/main">
-  <p:cSld>
-    <p:spTree>
-      <p:nvGrpSpPr>
-        <p:cNvPr id="1" name=""/>
-        <p:cNvGrpSpPr/>
-        <p:nvPr/>
-      </p:nvGrpSpPr>
-      <p:grpSpPr>
-        <a:xfrm>
-          <a:off x="0" y="0"/>
-          <a:ext cx="0" cy="0"/>
-          <a:chOff x="0" y="0"/>
-          <a:chExt cx="0" cy="0"/>
-        </a:xfrm>
-      </p:grpSpPr>
-      <p:graphicFrame>
-        <p:nvGraphicFramePr>
-          <p:cNvPr id="5" name="Table 4">
-            <a:extLst>
-              <a:ext uri="{FF2B5EF4-FFF2-40B4-BE49-F238E27FC236}">
-                <a16:creationId xmlns:a16="http://schemas.microsoft.com/office/drawing/2014/main" id="{589C607E-23F7-1D43-B569-801CED367AB1}"/>
-              </a:ext>
-            </a:extLst>
-          </p:cNvPr>
-          <p:cNvGraphicFramePr>
-            <a:graphicFrameLocks noGrp="1"/>
-          </p:cNvGraphicFramePr>
-          <p:nvPr>
-            <p:extLst>
-              <p:ext uri="{D42A27DB-BD31-4B8C-83A1-F6EECF244321}">
-                <p14:modId xmlns:p14="http://schemas.microsoft.com/office/powerpoint/2010/main" val="3434681477"/>
-              </p:ext>
-            </p:extLst>
-          </p:nvPr>
-        </p:nvGraphicFramePr>
-        <p:xfrm>
-          <a:off x="114300" y="304800"/>
-          <a:ext cx="8915400" cy="6065520"/>
-        </p:xfrm>
-        <a:graphic>
-          <a:graphicData uri="http://schemas.openxmlformats.org/drawingml/2006/table">
-            <a:tbl>
-              <a:tblPr firstRow="1" bandRow="1">
-                <a:tableStyleId>{2D5ABB26-0587-4C30-8999-92F81FD0307C}</a:tableStyleId>
-              </a:tblPr>
-              <a:tblGrid>
-                <a:gridCol w="4457700">
-                  <a:extLst>
-                    <a:ext uri="{9D8B030D-6E8A-4147-A177-3AD203B41FA5}">
-                      <a16:colId xmlns:a16="http://schemas.microsoft.com/office/drawing/2014/main" val="3623029985"/>
-                    </a:ext>
-                  </a:extLst>
-                </a:gridCol>
-                <a:gridCol w="4457700">
-                  <a:extLst>
-                    <a:ext uri="{9D8B030D-6E8A-4147-A177-3AD203B41FA5}">
-                      <a16:colId xmlns:a16="http://schemas.microsoft.com/office/drawing/2014/main" val="4294323797"/>
-                    </a:ext>
-                  </a:extLst>
-                </a:gridCol>
-              </a:tblGrid>
-              <a:tr h="826506">
-                <a:tc>
-                  <a:txBody>
-                    <a:bodyPr/>
-                    <a:lstStyle/>
-                    <a:p>
-                      <a:pPr marL="0" marR="0" indent="0" algn="r" defTabSz="914400" rtl="0" eaLnBrk="1" fontAlgn="t" latinLnBrk="0" hangingPunct="1">
-                        <a:lnSpc>
-                          <a:spcPct val="100000"/>
-                        </a:lnSpc>
-                        <a:spcBef>
-                          <a:spcPts val="0"/>
-                        </a:spcBef>
-                        <a:spcAft>
-                          <a:spcPts val="0"/>
-                        </a:spcAft>
-                        <a:buClrTx/>
-                        <a:buSzTx/>
-                        <a:buFontTx/>
-                        <a:buNone/>
-                        <a:tabLst/>
-                        <a:defRPr/>
-                      </a:pPr>
-                      <a:r>
-                        <a:rPr lang="en-US" sz="2400" b="1" dirty="0">
-                          <a:solidFill>
-                            <a:srgbClr val="009EC0"/>
-                          </a:solidFill>
-                          <a:effectLst/>
-                          <a:latin typeface="+mj-lt"/>
-                        </a:rPr>
-                        <a:t>Worship Received by Christ</a:t>
-                      </a:r>
-                      <a:br>
-                        <a:rPr lang="en-US" sz="2400" b="1" dirty="0">
-                          <a:solidFill>
-                            <a:srgbClr val="009EC0"/>
-                          </a:solidFill>
-                          <a:effectLst/>
-                          <a:latin typeface="+mj-lt"/>
-                        </a:rPr>
-                      </a:br>
-                      <a:r>
-                        <a:rPr lang="en-US" sz="2400" b="0" dirty="0">
-                          <a:solidFill>
-                            <a:srgbClr val="009EC0"/>
-                          </a:solidFill>
-                          <a:effectLst/>
-                          <a:latin typeface="+mj-lt"/>
-                        </a:rPr>
-                        <a:t>Revelation 1:12—20</a:t>
-                      </a:r>
-                    </a:p>
-                  </a:txBody>
-                  <a:tcPr marL="137160" marR="137160" marT="228600" marB="228600" anchor="b">
-                    <a:lnR w="3175" cap="flat" cmpd="sng" algn="ctr">
-                      <a:solidFill>
-                        <a:schemeClr val="tx1">
-                          <a:lumMod val="65000"/>
-                        </a:schemeClr>
-                      </a:solidFill>
-                      <a:prstDash val="solid"/>
-                      <a:round/>
-                      <a:headEnd type="none" w="med" len="med"/>
-                      <a:tailEnd type="none" w="med" len="med"/>
-                    </a:lnR>
-                  </a:tcPr>
-                </a:tc>
-                <a:tc>
-                  <a:txBody>
-                    <a:bodyPr/>
-                    <a:lstStyle/>
-                    <a:p>
-                      <a:pPr marL="0" marR="0" indent="0" algn="l" defTabSz="914400" rtl="0" eaLnBrk="1" fontAlgn="t" latinLnBrk="0" hangingPunct="1">
-                        <a:lnSpc>
-                          <a:spcPct val="100000"/>
-                        </a:lnSpc>
-                        <a:spcBef>
-                          <a:spcPts val="0"/>
-                        </a:spcBef>
-                        <a:spcAft>
-                          <a:spcPts val="0"/>
-                        </a:spcAft>
-                        <a:buClrTx/>
-                        <a:buSzTx/>
-                        <a:buFontTx/>
-                        <a:buNone/>
-                        <a:tabLst/>
-                        <a:defRPr/>
-                      </a:pPr>
-                      <a:r>
-                        <a:rPr lang="en-US" sz="2400" b="1" dirty="0">
-                          <a:solidFill>
-                            <a:schemeClr val="tx1"/>
-                          </a:solidFill>
-                          <a:effectLst/>
-                          <a:latin typeface="+mj-lt"/>
-                        </a:rPr>
-                        <a:t>Worship Rejected by the Angel</a:t>
-                      </a:r>
-                    </a:p>
-                    <a:p>
-                      <a:pPr marL="0" marR="0" indent="0" algn="l" defTabSz="914400" rtl="0" eaLnBrk="1" fontAlgn="t" latinLnBrk="0" hangingPunct="1">
-                        <a:lnSpc>
-                          <a:spcPct val="100000"/>
-                        </a:lnSpc>
-                        <a:spcBef>
-                          <a:spcPts val="0"/>
-                        </a:spcBef>
-                        <a:spcAft>
-                          <a:spcPts val="0"/>
-                        </a:spcAft>
-                        <a:buClrTx/>
-                        <a:buSzTx/>
-                        <a:buFontTx/>
-                        <a:buNone/>
-                        <a:tabLst/>
-                        <a:defRPr/>
-                      </a:pPr>
-                      <a:r>
-                        <a:rPr lang="en-US" sz="2400" b="0" dirty="0">
-                          <a:solidFill>
-                            <a:schemeClr val="tx1"/>
-                          </a:solidFill>
-                          <a:effectLst/>
-                          <a:latin typeface="+mj-lt"/>
-                        </a:rPr>
-                        <a:t>Revelation 19—22</a:t>
-                      </a:r>
-                    </a:p>
-                  </a:txBody>
-                  <a:tcPr marL="137160" marR="137160" marT="228600" marB="228600" anchor="b">
-                    <a:lnL w="3175" cap="flat" cmpd="sng" algn="ctr">
-                      <a:solidFill>
-                        <a:schemeClr val="tx1">
-                          <a:lumMod val="65000"/>
-                        </a:schemeClr>
-                      </a:solidFill>
-                      <a:prstDash val="solid"/>
-                      <a:round/>
-                      <a:headEnd type="none" w="med" len="med"/>
-                      <a:tailEnd type="none" w="med" len="med"/>
-                    </a:lnL>
-                  </a:tcPr>
-                </a:tc>
-                <a:extLst>
-                  <a:ext uri="{0D108BD9-81ED-4DB2-BD59-A6C34878D82A}">
-                    <a16:rowId xmlns:a16="http://schemas.microsoft.com/office/drawing/2014/main" val="1136906228"/>
-                  </a:ext>
-                </a:extLst>
-              </a:tr>
-              <a:tr h="0">
-                <a:tc>
-                  <a:txBody>
-                    <a:bodyPr/>
-                    <a:lstStyle/>
-                    <a:p>
-                      <a:pPr algn="r" rtl="0" fontAlgn="t">
-                        <a:spcBef>
-                          <a:spcPts val="0"/>
-                        </a:spcBef>
-                        <a:spcAft>
-                          <a:spcPts val="0"/>
-                        </a:spcAft>
-                      </a:pPr>
-                      <a:r>
-                        <a:rPr lang="en-US" sz="1700" b="0" i="0" u="none" strike="noStrike" dirty="0">
-                          <a:solidFill>
-                            <a:srgbClr val="009EC0"/>
-                          </a:solidFill>
-                          <a:effectLst/>
-                          <a:latin typeface="+mj-lt"/>
-                        </a:rPr>
-                        <a:t>Described in detail in glorious imagery</a:t>
-                      </a:r>
-                    </a:p>
-                    <a:p>
-                      <a:pPr algn="r" rtl="0" fontAlgn="t">
-                        <a:spcBef>
-                          <a:spcPts val="0"/>
-                        </a:spcBef>
-                        <a:spcAft>
-                          <a:spcPts val="0"/>
-                        </a:spcAft>
-                      </a:pPr>
-                      <a:r>
-                        <a:rPr lang="en-US" sz="1700" b="0" i="0" u="none" strike="noStrike" dirty="0">
-                          <a:solidFill>
-                            <a:srgbClr val="009EC0"/>
-                          </a:solidFill>
-                          <a:effectLst/>
-                          <a:latin typeface="+mj-lt"/>
-                        </a:rPr>
-                        <a:t>(1:13-16)</a:t>
-                      </a:r>
-                      <a:endParaRPr lang="en-US" sz="1700" b="0" dirty="0">
-                        <a:solidFill>
-                          <a:srgbClr val="009EC0"/>
-                        </a:solidFill>
-                        <a:effectLst/>
-                        <a:latin typeface="+mj-lt"/>
-                      </a:endParaRPr>
-                    </a:p>
-                  </a:txBody>
-                  <a:tcPr marL="137160" marR="137160" marT="228600" marB="228600">
-                    <a:lnR w="3175" cap="flat" cmpd="sng" algn="ctr">
-                      <a:solidFill>
-                        <a:schemeClr val="tx1">
-                          <a:lumMod val="65000"/>
-                        </a:schemeClr>
-                      </a:solidFill>
-                      <a:prstDash val="solid"/>
-                      <a:round/>
-                      <a:headEnd type="none" w="med" len="med"/>
-                      <a:tailEnd type="none" w="med" len="med"/>
-                    </a:lnR>
-                  </a:tcPr>
-                </a:tc>
-                <a:tc>
-                  <a:txBody>
-                    <a:bodyPr/>
-                    <a:lstStyle/>
-                    <a:p>
-                      <a:pPr rtl="0" fontAlgn="t">
-                        <a:spcBef>
-                          <a:spcPts val="0"/>
-                        </a:spcBef>
-                        <a:spcAft>
-                          <a:spcPts val="0"/>
-                        </a:spcAft>
-                      </a:pPr>
-                      <a:r>
-                        <a:rPr lang="en-US" sz="1700" b="0" i="0" u="none" strike="noStrike">
-                          <a:solidFill>
-                            <a:schemeClr val="tx1"/>
-                          </a:solidFill>
-                          <a:effectLst/>
-                          <a:latin typeface="+mj-lt"/>
-                        </a:rPr>
-                        <a:t>No description of the angel is given at all</a:t>
-                      </a:r>
-                    </a:p>
-                    <a:p>
-                      <a:pPr rtl="0" fontAlgn="t">
-                        <a:spcBef>
-                          <a:spcPts val="0"/>
-                        </a:spcBef>
-                        <a:spcAft>
-                          <a:spcPts val="0"/>
-                        </a:spcAft>
-                      </a:pPr>
-                      <a:r>
-                        <a:rPr lang="en-US" sz="1700" b="0" i="0" u="none" strike="noStrike">
-                          <a:solidFill>
-                            <a:schemeClr val="tx1"/>
-                          </a:solidFill>
-                          <a:effectLst/>
-                          <a:latin typeface="+mj-lt"/>
-                        </a:rPr>
-                        <a:t>(19:12—16)</a:t>
-                      </a:r>
-                      <a:endParaRPr lang="en-US" sz="1700" dirty="0">
-                        <a:solidFill>
-                          <a:schemeClr val="tx1"/>
-                        </a:solidFill>
-                        <a:effectLst/>
-                        <a:latin typeface="+mj-lt"/>
-                      </a:endParaRPr>
-                    </a:p>
-                  </a:txBody>
-                  <a:tcPr marL="137160" marR="137160" marT="228600" marB="228600">
-                    <a:lnL w="3175" cap="flat" cmpd="sng" algn="ctr">
-                      <a:solidFill>
-                        <a:schemeClr val="tx1">
-                          <a:lumMod val="65000"/>
-                        </a:schemeClr>
-                      </a:solidFill>
-                      <a:prstDash val="solid"/>
-                      <a:round/>
-                      <a:headEnd type="none" w="med" len="med"/>
-                      <a:tailEnd type="none" w="med" len="med"/>
-                    </a:lnL>
-                  </a:tcPr>
-                </a:tc>
-                <a:extLst>
-                  <a:ext uri="{0D108BD9-81ED-4DB2-BD59-A6C34878D82A}">
-                    <a16:rowId xmlns:a16="http://schemas.microsoft.com/office/drawing/2014/main" val="3592000535"/>
-                  </a:ext>
-                </a:extLst>
-              </a:tr>
-              <a:tr h="0">
-                <a:tc>
-                  <a:txBody>
-                    <a:bodyPr/>
-                    <a:lstStyle/>
-                    <a:p>
-                      <a:pPr marL="0" marR="0" indent="0" algn="r" defTabSz="914400" rtl="0" eaLnBrk="1" fontAlgn="t" latinLnBrk="0" hangingPunct="1">
-                        <a:lnSpc>
-                          <a:spcPct val="100000"/>
-                        </a:lnSpc>
-                        <a:spcBef>
-                          <a:spcPts val="0"/>
-                        </a:spcBef>
-                        <a:spcAft>
-                          <a:spcPts val="0"/>
-                        </a:spcAft>
-                        <a:buClrTx/>
-                        <a:buSzTx/>
-                        <a:buFontTx/>
-                        <a:buNone/>
-                        <a:tabLst/>
-                        <a:defRPr/>
-                      </a:pPr>
-                      <a:r>
-                        <a:rPr lang="en-US" sz="1700" b="0" i="0" u="none" strike="noStrike" dirty="0">
-                          <a:solidFill>
-                            <a:srgbClr val="009EC0"/>
-                          </a:solidFill>
-                          <a:effectLst/>
-                          <a:latin typeface="+mj-lt"/>
-                        </a:rPr>
-                        <a:t>John fell at Jesus' feet as a dead man</a:t>
-                      </a:r>
-                    </a:p>
-                    <a:p>
-                      <a:pPr marL="0" marR="0" indent="0" algn="r" defTabSz="914400" rtl="0" eaLnBrk="1" fontAlgn="t" latinLnBrk="0" hangingPunct="1">
-                        <a:lnSpc>
-                          <a:spcPct val="100000"/>
-                        </a:lnSpc>
-                        <a:spcBef>
-                          <a:spcPts val="0"/>
-                        </a:spcBef>
-                        <a:spcAft>
-                          <a:spcPts val="0"/>
-                        </a:spcAft>
-                        <a:buClrTx/>
-                        <a:buSzTx/>
-                        <a:buFontTx/>
-                        <a:buNone/>
-                        <a:tabLst/>
-                        <a:defRPr/>
-                      </a:pPr>
-                      <a:r>
-                        <a:rPr lang="en-US" sz="1700" b="0" i="0" u="none" strike="noStrike" dirty="0">
-                          <a:solidFill>
-                            <a:srgbClr val="009EC0"/>
-                          </a:solidFill>
-                          <a:effectLst/>
-                          <a:latin typeface="+mj-lt"/>
-                        </a:rPr>
-                        <a:t>(1:17a)</a:t>
-                      </a:r>
-                      <a:endParaRPr lang="en-US" sz="1700" b="0" dirty="0">
-                        <a:solidFill>
-                          <a:srgbClr val="009EC0"/>
-                        </a:solidFill>
-                        <a:effectLst/>
-                        <a:latin typeface="+mj-lt"/>
-                      </a:endParaRPr>
-                    </a:p>
-                  </a:txBody>
-                  <a:tcPr marL="137160" marR="137160" marT="228600" marB="228600">
-                    <a:lnR w="3175" cap="flat" cmpd="sng" algn="ctr">
-                      <a:solidFill>
-                        <a:schemeClr val="tx1">
-                          <a:lumMod val="65000"/>
-                        </a:schemeClr>
-                      </a:solidFill>
-                      <a:prstDash val="solid"/>
-                      <a:round/>
-                      <a:headEnd type="none" w="med" len="med"/>
-                      <a:tailEnd type="none" w="med" len="med"/>
-                    </a:lnR>
-                  </a:tcPr>
-                </a:tc>
-                <a:tc>
-                  <a:txBody>
-                    <a:bodyPr/>
-                    <a:lstStyle/>
-                    <a:p>
-                      <a:pPr rtl="0" fontAlgn="t">
-                        <a:spcBef>
-                          <a:spcPts val="0"/>
-                        </a:spcBef>
-                        <a:spcAft>
-                          <a:spcPts val="0"/>
-                        </a:spcAft>
-                      </a:pPr>
-                      <a:r>
-                        <a:rPr lang="en-US" sz="1700" b="0" i="0" u="none" strike="noStrike" dirty="0">
-                          <a:solidFill>
-                            <a:schemeClr val="tx1"/>
-                          </a:solidFill>
-                          <a:effectLst/>
-                          <a:latin typeface="+mj-lt"/>
-                        </a:rPr>
-                        <a:t>John fell at the angel's feet to worship</a:t>
-                      </a:r>
-                    </a:p>
-                    <a:p>
-                      <a:pPr rtl="0" fontAlgn="t">
-                        <a:spcBef>
-                          <a:spcPts val="0"/>
-                        </a:spcBef>
-                        <a:spcAft>
-                          <a:spcPts val="0"/>
-                        </a:spcAft>
-                      </a:pPr>
-                      <a:r>
-                        <a:rPr lang="en-US" sz="1700" b="0" i="0" u="none" strike="noStrike" dirty="0">
-                          <a:solidFill>
-                            <a:schemeClr val="tx1"/>
-                          </a:solidFill>
-                          <a:effectLst/>
-                          <a:latin typeface="+mj-lt"/>
-                        </a:rPr>
-                        <a:t>him (19:10a; 22:8)</a:t>
-                      </a:r>
-                    </a:p>
-                  </a:txBody>
-                  <a:tcPr marL="137160" marR="137160" marT="228600" marB="228600">
-                    <a:lnL w="3175" cap="flat" cmpd="sng" algn="ctr">
-                      <a:solidFill>
-                        <a:schemeClr val="tx1">
-                          <a:lumMod val="65000"/>
-                        </a:schemeClr>
-                      </a:solidFill>
-                      <a:prstDash val="solid"/>
-                      <a:round/>
-                      <a:headEnd type="none" w="med" len="med"/>
-                      <a:tailEnd type="none" w="med" len="med"/>
-                    </a:lnL>
-                  </a:tcPr>
-                </a:tc>
-                <a:extLst>
-                  <a:ext uri="{0D108BD9-81ED-4DB2-BD59-A6C34878D82A}">
-                    <a16:rowId xmlns:a16="http://schemas.microsoft.com/office/drawing/2014/main" val="2330484482"/>
-                  </a:ext>
-                </a:extLst>
-              </a:tr>
-              <a:tr h="0">
-                <a:tc>
-                  <a:txBody>
-                    <a:bodyPr/>
-                    <a:lstStyle/>
-                    <a:p>
-                      <a:pPr algn="r" rtl="0" fontAlgn="t">
-                        <a:spcBef>
-                          <a:spcPts val="0"/>
-                        </a:spcBef>
-                        <a:spcAft>
-                          <a:spcPts val="0"/>
-                        </a:spcAft>
-                      </a:pPr>
-                      <a:r>
-                        <a:rPr lang="en-US" sz="1700" b="0" i="0" u="none" strike="noStrike" dirty="0">
-                          <a:solidFill>
-                            <a:srgbClr val="009EC0"/>
-                          </a:solidFill>
-                          <a:effectLst/>
-                          <a:latin typeface="+mj-lt"/>
-                        </a:rPr>
-                        <a:t>Jesus said, "Don't be afraid”</a:t>
-                      </a:r>
-                    </a:p>
-                    <a:p>
-                      <a:pPr algn="r" rtl="0" fontAlgn="t">
-                        <a:spcBef>
-                          <a:spcPts val="0"/>
-                        </a:spcBef>
-                        <a:spcAft>
-                          <a:spcPts val="0"/>
-                        </a:spcAft>
-                      </a:pPr>
-                      <a:r>
-                        <a:rPr lang="en-US" sz="1700" b="0" i="0" u="none" strike="noStrike" dirty="0">
-                          <a:solidFill>
-                            <a:srgbClr val="009EC0"/>
-                          </a:solidFill>
-                          <a:effectLst/>
-                          <a:latin typeface="+mj-lt"/>
-                        </a:rPr>
-                        <a:t>(1:17b)</a:t>
-                      </a:r>
-                      <a:endParaRPr lang="en-US" sz="1700" b="0" dirty="0">
-                        <a:solidFill>
-                          <a:srgbClr val="009EC0"/>
-                        </a:solidFill>
-                        <a:effectLst/>
-                        <a:latin typeface="+mj-lt"/>
-                      </a:endParaRPr>
-                    </a:p>
-                  </a:txBody>
-                  <a:tcPr marL="137160" marR="137160" marT="228600" marB="228600">
-                    <a:lnR w="3175" cap="flat" cmpd="sng" algn="ctr">
-                      <a:solidFill>
-                        <a:schemeClr val="tx1">
-                          <a:lumMod val="65000"/>
-                        </a:schemeClr>
-                      </a:solidFill>
-                      <a:prstDash val="solid"/>
-                      <a:round/>
-                      <a:headEnd type="none" w="med" len="med"/>
-                      <a:tailEnd type="none" w="med" len="med"/>
-                    </a:lnR>
-                  </a:tcPr>
-                </a:tc>
-                <a:tc>
-                  <a:txBody>
-                    <a:bodyPr/>
-                    <a:lstStyle/>
-                    <a:p>
-                      <a:pPr rtl="0" fontAlgn="t">
-                        <a:spcBef>
-                          <a:spcPts val="0"/>
-                        </a:spcBef>
-                        <a:spcAft>
-                          <a:spcPts val="0"/>
-                        </a:spcAft>
-                      </a:pPr>
-                      <a:r>
-                        <a:rPr lang="en-US" sz="1700" b="0" i="0" u="none" strike="noStrike" dirty="0">
-                          <a:solidFill>
-                            <a:schemeClr val="tx1"/>
-                          </a:solidFill>
-                          <a:effectLst/>
-                          <a:latin typeface="+mj-lt"/>
-                        </a:rPr>
-                        <a:t>"Don't do that”</a:t>
-                      </a:r>
-                    </a:p>
-                    <a:p>
-                      <a:pPr rtl="0" fontAlgn="t">
-                        <a:spcBef>
-                          <a:spcPts val="0"/>
-                        </a:spcBef>
-                        <a:spcAft>
-                          <a:spcPts val="0"/>
-                        </a:spcAft>
-                      </a:pPr>
-                      <a:r>
-                        <a:rPr lang="en-US" sz="1700" b="0" i="0" u="none" strike="noStrike" dirty="0">
-                          <a:solidFill>
-                            <a:schemeClr val="tx1"/>
-                          </a:solidFill>
-                          <a:effectLst/>
-                          <a:latin typeface="+mj-lt"/>
-                        </a:rPr>
-                        <a:t>(19:10b; 22:9a)</a:t>
-                      </a:r>
-                    </a:p>
-                  </a:txBody>
-                  <a:tcPr marL="137160" marR="137160" marT="228600" marB="228600">
-                    <a:lnL w="3175" cap="flat" cmpd="sng" algn="ctr">
-                      <a:solidFill>
-                        <a:schemeClr val="tx1">
-                          <a:lumMod val="65000"/>
-                        </a:schemeClr>
-                      </a:solidFill>
-                      <a:prstDash val="solid"/>
-                      <a:round/>
-                      <a:headEnd type="none" w="med" len="med"/>
-                      <a:tailEnd type="none" w="med" len="med"/>
-                    </a:lnL>
-                  </a:tcPr>
-                </a:tc>
-                <a:extLst>
-                  <a:ext uri="{0D108BD9-81ED-4DB2-BD59-A6C34878D82A}">
-                    <a16:rowId xmlns:a16="http://schemas.microsoft.com/office/drawing/2014/main" val="1564031315"/>
-                  </a:ext>
-                </a:extLst>
-              </a:tr>
-              <a:tr h="558800">
-                <a:tc>
-                  <a:txBody>
-                    <a:bodyPr/>
-                    <a:lstStyle/>
-                    <a:p>
-                      <a:pPr algn="r" rtl="0" fontAlgn="t">
-                        <a:spcBef>
-                          <a:spcPts val="0"/>
-                        </a:spcBef>
-                        <a:spcAft>
-                          <a:spcPts val="0"/>
-                        </a:spcAft>
-                      </a:pPr>
-                      <a:r>
-                        <a:rPr lang="en-US" sz="1700" b="0" dirty="0">
-                          <a:solidFill>
-                            <a:srgbClr val="009EC0"/>
-                          </a:solidFill>
-                          <a:effectLst/>
-                          <a:latin typeface="+mj-lt"/>
-                        </a:rPr>
-                        <a:t>Claimed to be “the first and the last”</a:t>
-                      </a:r>
-                    </a:p>
-                    <a:p>
-                      <a:pPr algn="r" rtl="0" fontAlgn="t">
-                        <a:spcBef>
-                          <a:spcPts val="0"/>
-                        </a:spcBef>
-                        <a:spcAft>
-                          <a:spcPts val="0"/>
-                        </a:spcAft>
-                      </a:pPr>
-                      <a:r>
-                        <a:rPr lang="en-US" sz="1700" b="0" dirty="0">
-                          <a:solidFill>
-                            <a:srgbClr val="009EC0"/>
-                          </a:solidFill>
-                          <a:effectLst/>
-                          <a:latin typeface="+mj-lt"/>
-                        </a:rPr>
-                        <a:t>(1:17-18)</a:t>
-                      </a:r>
-                    </a:p>
-                  </a:txBody>
-                  <a:tcPr marL="137160" marR="137160" marT="228600" marB="228600">
-                    <a:lnR w="3175" cap="flat" cmpd="sng" algn="ctr">
-                      <a:solidFill>
-                        <a:schemeClr val="tx1">
-                          <a:lumMod val="65000"/>
-                        </a:schemeClr>
-                      </a:solidFill>
-                      <a:prstDash val="solid"/>
-                      <a:round/>
-                      <a:headEnd type="none" w="med" len="med"/>
-                      <a:tailEnd type="none" w="med" len="med"/>
-                    </a:lnR>
-                  </a:tcPr>
-                </a:tc>
-                <a:tc>
-                  <a:txBody>
-                    <a:bodyPr/>
-                    <a:lstStyle/>
-                    <a:p>
-                      <a:pPr rtl="0" fontAlgn="t">
-                        <a:spcBef>
-                          <a:spcPts val="0"/>
-                        </a:spcBef>
-                        <a:spcAft>
-                          <a:spcPts val="0"/>
-                        </a:spcAft>
-                      </a:pPr>
-                      <a:r>
-                        <a:rPr lang="en-US" sz="1700" b="0" i="0" u="none" strike="noStrike" kern="1200" dirty="0">
-                          <a:solidFill>
-                            <a:schemeClr val="tx1"/>
-                          </a:solidFill>
-                          <a:effectLst/>
-                          <a:latin typeface="+mn-lt"/>
-                          <a:ea typeface="+mn-ea"/>
-                          <a:cs typeface="+mn-cs"/>
-                        </a:rPr>
-                        <a:t>Said that he was merely a fellow servant (19:10b; 22:9b)</a:t>
-                      </a:r>
-                      <a:endParaRPr lang="en-US" sz="1700" dirty="0">
-                        <a:solidFill>
-                          <a:schemeClr val="tx1"/>
-                        </a:solidFill>
-                        <a:effectLst/>
-                        <a:latin typeface="+mj-lt"/>
-                      </a:endParaRPr>
-                    </a:p>
-                  </a:txBody>
-                  <a:tcPr marL="137160" marR="137160" marT="228600" marB="228600">
-                    <a:lnL w="3175" cap="flat" cmpd="sng" algn="ctr">
-                      <a:solidFill>
-                        <a:schemeClr val="tx1">
-                          <a:lumMod val="65000"/>
-                        </a:schemeClr>
-                      </a:solidFill>
-                      <a:prstDash val="solid"/>
-                      <a:round/>
-                      <a:headEnd type="none" w="med" len="med"/>
-                      <a:tailEnd type="none" w="med" len="med"/>
-                    </a:lnL>
-                  </a:tcPr>
-                </a:tc>
-                <a:extLst>
-                  <a:ext uri="{0D108BD9-81ED-4DB2-BD59-A6C34878D82A}">
-                    <a16:rowId xmlns:a16="http://schemas.microsoft.com/office/drawing/2014/main" val="3045623234"/>
-                  </a:ext>
-                </a:extLst>
-              </a:tr>
-              <a:tr h="599440">
-                <a:tc>
-                  <a:txBody>
-                    <a:bodyPr/>
-                    <a:lstStyle/>
-                    <a:p>
-                      <a:pPr marL="0" marR="0" indent="0" algn="r" defTabSz="914400" rtl="0" eaLnBrk="1" fontAlgn="t" latinLnBrk="0" hangingPunct="1">
-                        <a:lnSpc>
-                          <a:spcPct val="100000"/>
-                        </a:lnSpc>
-                        <a:spcBef>
-                          <a:spcPts val="0"/>
-                        </a:spcBef>
-                        <a:spcAft>
-                          <a:spcPts val="0"/>
-                        </a:spcAft>
-                        <a:buClrTx/>
-                        <a:buSzTx/>
-                        <a:buFontTx/>
-                        <a:buNone/>
-                        <a:tabLst/>
-                        <a:defRPr/>
-                      </a:pPr>
-                      <a:r>
-                        <a:rPr lang="en-US" sz="1700" b="0" dirty="0">
-                          <a:solidFill>
-                            <a:srgbClr val="009EC0"/>
-                          </a:solidFill>
-                          <a:effectLst/>
-                          <a:latin typeface="+mj-lt"/>
-                        </a:rPr>
-                        <a:t>Jesus does nothing to redirect worship</a:t>
-                      </a:r>
-                    </a:p>
-                    <a:p>
-                      <a:pPr marL="0" marR="0" indent="0" algn="r" defTabSz="914400" rtl="0" eaLnBrk="1" fontAlgn="t" latinLnBrk="0" hangingPunct="1">
-                        <a:lnSpc>
-                          <a:spcPct val="100000"/>
-                        </a:lnSpc>
-                        <a:spcBef>
-                          <a:spcPts val="0"/>
-                        </a:spcBef>
-                        <a:spcAft>
-                          <a:spcPts val="0"/>
-                        </a:spcAft>
-                        <a:buClrTx/>
-                        <a:buSzTx/>
-                        <a:buFontTx/>
-                        <a:buNone/>
-                        <a:tabLst/>
-                        <a:defRPr/>
-                      </a:pPr>
-                      <a:r>
-                        <a:rPr lang="en-US" sz="1700" b="0" dirty="0">
-                          <a:solidFill>
-                            <a:srgbClr val="009EC0"/>
-                          </a:solidFill>
-                          <a:effectLst/>
-                          <a:latin typeface="+mj-lt"/>
-                        </a:rPr>
-                        <a:t>away from himself</a:t>
-                      </a:r>
-                    </a:p>
-                  </a:txBody>
-                  <a:tcPr marL="137160" marR="137160" marT="228600" marB="228600">
-                    <a:lnR w="3175" cap="flat" cmpd="sng" algn="ctr">
-                      <a:solidFill>
-                        <a:schemeClr val="tx1">
-                          <a:lumMod val="65000"/>
-                        </a:schemeClr>
-                      </a:solidFill>
-                      <a:prstDash val="solid"/>
-                      <a:round/>
-                      <a:headEnd type="none" w="med" len="med"/>
-                      <a:tailEnd type="none" w="med" len="med"/>
-                    </a:lnR>
-                  </a:tcPr>
-                </a:tc>
-                <a:tc>
-                  <a:txBody>
-                    <a:bodyPr/>
-                    <a:lstStyle/>
-                    <a:p>
-                      <a:pPr rtl="0"/>
-                      <a:r>
-                        <a:rPr lang="en-US" sz="1700" b="0" i="0" u="none" strike="noStrike" kern="1200" dirty="0">
-                          <a:solidFill>
-                            <a:schemeClr val="tx1"/>
-                          </a:solidFill>
-                          <a:effectLst/>
-                          <a:latin typeface="+mn-lt"/>
-                          <a:ea typeface="+mn-ea"/>
-                          <a:cs typeface="+mn-cs"/>
-                        </a:rPr>
-                        <a:t>Tells John to worship God</a:t>
-                      </a:r>
-                      <a:endParaRPr lang="en-US" sz="1700" b="0" dirty="0">
-                        <a:effectLst/>
-                      </a:endParaRPr>
-                    </a:p>
-                    <a:p>
-                      <a:pPr rtl="0"/>
-                      <a:r>
-                        <a:rPr lang="en-US" sz="1700" b="0" i="0" u="none" strike="noStrike" kern="1200" dirty="0">
-                          <a:solidFill>
-                            <a:schemeClr val="tx1"/>
-                          </a:solidFill>
-                          <a:effectLst/>
-                          <a:latin typeface="+mn-lt"/>
-                          <a:ea typeface="+mn-ea"/>
-                          <a:cs typeface="+mn-cs"/>
-                        </a:rPr>
-                        <a:t>(19:10c; 22:9c)</a:t>
-                      </a:r>
-                      <a:endParaRPr lang="en-US" sz="1700" b="0" dirty="0">
-                        <a:effectLst/>
-                      </a:endParaRPr>
-                    </a:p>
-                  </a:txBody>
-                  <a:tcPr marL="137160" marR="137160" marT="228600" marB="228600">
-                    <a:lnL w="3175" cap="flat" cmpd="sng" algn="ctr">
-                      <a:solidFill>
-                        <a:schemeClr val="tx1">
-                          <a:lumMod val="65000"/>
-                        </a:schemeClr>
-                      </a:solidFill>
-                      <a:prstDash val="solid"/>
-                      <a:round/>
-                      <a:headEnd type="none" w="med" len="med"/>
-                      <a:tailEnd type="none" w="med" len="med"/>
-                    </a:lnL>
-                  </a:tcPr>
-                </a:tc>
-                <a:extLst>
-                  <a:ext uri="{0D108BD9-81ED-4DB2-BD59-A6C34878D82A}">
-                    <a16:rowId xmlns:a16="http://schemas.microsoft.com/office/drawing/2014/main" val="4221996619"/>
-                  </a:ext>
-                </a:extLst>
-              </a:tr>
-            </a:tbl>
-          </a:graphicData>
-        </a:graphic>
-      </p:graphicFrame>
-    </p:spTree>
-    <p:extLst>
-      <p:ext uri="{BB962C8B-B14F-4D97-AF65-F5344CB8AC3E}">
-        <p14:creationId xmlns:p14="http://schemas.microsoft.com/office/powerpoint/2010/main" val="1493070504"/>
-      </p:ext>
-    </p:extLst>
-  </p:cSld>
-  <p:clrMapOvr>
-    <a:masterClrMapping/>
-  </p:clrMapOvr>
-</p:sld>
-</file>
-
 <file path=ppt/slides/slide6.xml><?xml version="1.0" encoding="utf-8"?>
-<p:sld xmlns:a="http://schemas.openxmlformats.org/drawingml/2006/main" xmlns:r="http://schemas.openxmlformats.org/officeDocument/2006/relationships" xmlns:p="http://schemas.openxmlformats.org/presentationml/2006/main">
-  <p:cSld>
-    <p:spTree>
-      <p:nvGrpSpPr>
-        <p:cNvPr id="1" name=""/>
-        <p:cNvGrpSpPr/>
-        <p:nvPr/>
-      </p:nvGrpSpPr>
-      <p:grpSpPr>
-        <a:xfrm>
-          <a:off x="0" y="0"/>
-          <a:ext cx="0" cy="0"/>
-          <a:chOff x="0" y="0"/>
-          <a:chExt cx="0" cy="0"/>
-        </a:xfrm>
-      </p:grpSpPr>
-      <p:sp>
-        <p:nvSpPr>
-          <p:cNvPr id="2" name="Title 1"/>
-          <p:cNvSpPr>
-            <a:spLocks noGrp="1"/>
-          </p:cNvSpPr>
-          <p:nvPr>
-            <p:ph type="title"/>
-          </p:nvPr>
-        </p:nvSpPr>
-        <p:spPr/>
-        <p:txBody>
-          <a:bodyPr>
-            <a:normAutofit fontScale="90000"/>
-          </a:bodyPr>
-          <a:lstStyle/>
-          <a:p>
-            <a:r>
-              <a:rPr lang="en-US" dirty="0"/>
-              <a:t>Make an argument that Jesus shared the </a:t>
-            </a:r>
-            <a:r>
-              <a:rPr lang="en-US" i="1" dirty="0"/>
-              <a:t>attributes</a:t>
-            </a:r>
-            <a:r>
-              <a:rPr lang="en-US" dirty="0"/>
-              <a:t> of God.</a:t>
-            </a:r>
-          </a:p>
-        </p:txBody>
-      </p:sp>
-      <p:sp>
-        <p:nvSpPr>
-          <p:cNvPr id="3" name="Text Placeholder 2"/>
-          <p:cNvSpPr>
-            <a:spLocks noGrp="1"/>
-          </p:cNvSpPr>
-          <p:nvPr>
-            <p:ph type="body" sz="quarter" idx="13"/>
-          </p:nvPr>
-        </p:nvSpPr>
-        <p:spPr/>
-        <p:txBody>
-          <a:bodyPr/>
-          <a:lstStyle/>
-          <a:p>
-            <a:r>
-              <a:rPr lang="en-US" dirty="0"/>
-              <a:t>2</a:t>
-            </a:r>
-          </a:p>
-        </p:txBody>
-      </p:sp>
-    </p:spTree>
-    <p:extLst>
-      <p:ext uri="{BB962C8B-B14F-4D97-AF65-F5344CB8AC3E}">
-        <p14:creationId xmlns:p14="http://schemas.microsoft.com/office/powerpoint/2010/main" val="439643971"/>
-      </p:ext>
-    </p:extLst>
-  </p:cSld>
-  <p:clrMapOvr>
-    <a:masterClrMapping/>
-  </p:clrMapOvr>
-</p:sld>
-</file>
-
-<file path=ppt/slides/slide7.xml><?xml version="1.0" encoding="utf-8"?>
 <p:sld xmlns:a="http://schemas.openxmlformats.org/drawingml/2006/main" xmlns:r="http://schemas.openxmlformats.org/officeDocument/2006/relationships" xmlns:p="http://schemas.openxmlformats.org/presentationml/2006/main">
   <p:cSld>
     <p:spTree>
@@ -13428,7 +15466,1017 @@
 </p:sld>
 </file>
 
+<file path=ppt/slides/slide7.xml><?xml version="1.0" encoding="utf-8"?>
+<p:sld xmlns:a="http://schemas.openxmlformats.org/drawingml/2006/main" xmlns:r="http://schemas.openxmlformats.org/officeDocument/2006/relationships" xmlns:p="http://schemas.openxmlformats.org/presentationml/2006/main">
+  <p:cSld>
+    <p:spTree>
+      <p:nvGrpSpPr>
+        <p:cNvPr id="1" name=""/>
+        <p:cNvGrpSpPr/>
+        <p:nvPr/>
+      </p:nvGrpSpPr>
+      <p:grpSpPr>
+        <a:xfrm>
+          <a:off x="0" y="0"/>
+          <a:ext cx="0" cy="0"/>
+          <a:chOff x="0" y="0"/>
+          <a:chExt cx="0" cy="0"/>
+        </a:xfrm>
+      </p:grpSpPr>
+      <p:graphicFrame>
+        <p:nvGraphicFramePr>
+          <p:cNvPr id="5" name="Table 4">
+            <a:extLst>
+              <a:ext uri="{FF2B5EF4-FFF2-40B4-BE49-F238E27FC236}">
+                <a16:creationId xmlns:a16="http://schemas.microsoft.com/office/drawing/2014/main" id="{589C607E-23F7-1D43-B569-801CED367AB1}"/>
+              </a:ext>
+            </a:extLst>
+          </p:cNvPr>
+          <p:cNvGraphicFramePr>
+            <a:graphicFrameLocks noGrp="1"/>
+          </p:cNvGraphicFramePr>
+          <p:nvPr>
+            <p:extLst>
+              <p:ext uri="{D42A27DB-BD31-4B8C-83A1-F6EECF244321}">
+                <p14:modId xmlns:p14="http://schemas.microsoft.com/office/powerpoint/2010/main" val="3398810412"/>
+              </p:ext>
+            </p:extLst>
+          </p:nvPr>
+        </p:nvGraphicFramePr>
+        <p:xfrm>
+          <a:off x="114300" y="304800"/>
+          <a:ext cx="8915400" cy="6111240"/>
+        </p:xfrm>
+        <a:graphic>
+          <a:graphicData uri="http://schemas.openxmlformats.org/drawingml/2006/table">
+            <a:tbl>
+              <a:tblPr firstRow="1" bandRow="1">
+                <a:tableStyleId>{2D5ABB26-0587-4C30-8999-92F81FD0307C}</a:tableStyleId>
+              </a:tblPr>
+              <a:tblGrid>
+                <a:gridCol w="4457700">
+                  <a:extLst>
+                    <a:ext uri="{9D8B030D-6E8A-4147-A177-3AD203B41FA5}">
+                      <a16:colId xmlns:a16="http://schemas.microsoft.com/office/drawing/2014/main" val="3623029985"/>
+                    </a:ext>
+                  </a:extLst>
+                </a:gridCol>
+                <a:gridCol w="4457700">
+                  <a:extLst>
+                    <a:ext uri="{9D8B030D-6E8A-4147-A177-3AD203B41FA5}">
+                      <a16:colId xmlns:a16="http://schemas.microsoft.com/office/drawing/2014/main" val="4294323797"/>
+                    </a:ext>
+                  </a:extLst>
+                </a:gridCol>
+              </a:tblGrid>
+              <a:tr h="826506">
+                <a:tc>
+                  <a:txBody>
+                    <a:bodyPr/>
+                    <a:lstStyle/>
+                    <a:p>
+                      <a:pPr marL="0" marR="0" indent="0" algn="r" defTabSz="914400" rtl="0" eaLnBrk="1" fontAlgn="t" latinLnBrk="0" hangingPunct="1">
+                        <a:lnSpc>
+                          <a:spcPct val="100000"/>
+                        </a:lnSpc>
+                        <a:spcBef>
+                          <a:spcPts val="0"/>
+                        </a:spcBef>
+                        <a:spcAft>
+                          <a:spcPts val="0"/>
+                        </a:spcAft>
+                        <a:buClrTx/>
+                        <a:buSzTx/>
+                        <a:buFontTx/>
+                        <a:buNone/>
+                        <a:tabLst/>
+                        <a:defRPr/>
+                      </a:pPr>
+                      <a:r>
+                        <a:rPr lang="en-US" sz="2550" b="1" dirty="0">
+                          <a:solidFill>
+                            <a:srgbClr val="009EC0"/>
+                          </a:solidFill>
+                          <a:effectLst/>
+                          <a:latin typeface="+mj-lt"/>
+                        </a:rPr>
+                        <a:t>Worship Received by Christ</a:t>
+                      </a:r>
+                      <a:br>
+                        <a:rPr lang="en-US" sz="2550" b="1" dirty="0">
+                          <a:solidFill>
+                            <a:srgbClr val="009EC0"/>
+                          </a:solidFill>
+                          <a:effectLst/>
+                          <a:latin typeface="+mj-lt"/>
+                        </a:rPr>
+                      </a:br>
+                      <a:r>
+                        <a:rPr lang="en-US" sz="2550" b="0" dirty="0">
+                          <a:solidFill>
+                            <a:srgbClr val="009EC0"/>
+                          </a:solidFill>
+                          <a:effectLst/>
+                          <a:latin typeface="+mj-lt"/>
+                        </a:rPr>
+                        <a:t>Revelation 1:12-20</a:t>
+                      </a:r>
+                    </a:p>
+                  </a:txBody>
+                  <a:tcPr marL="137160" marR="137160" marT="228600" marB="228600" anchor="b">
+                    <a:lnR w="3175" cap="flat" cmpd="sng" algn="ctr">
+                      <a:solidFill>
+                        <a:schemeClr val="tx1">
+                          <a:lumMod val="65000"/>
+                        </a:schemeClr>
+                      </a:solidFill>
+                      <a:prstDash val="solid"/>
+                      <a:round/>
+                      <a:headEnd type="none" w="med" len="med"/>
+                      <a:tailEnd type="none" w="med" len="med"/>
+                    </a:lnR>
+                  </a:tcPr>
+                </a:tc>
+                <a:tc>
+                  <a:txBody>
+                    <a:bodyPr/>
+                    <a:lstStyle/>
+                    <a:p>
+                      <a:pPr marL="0" marR="0" indent="0" algn="l" defTabSz="914400" rtl="0" eaLnBrk="1" fontAlgn="t" latinLnBrk="0" hangingPunct="1">
+                        <a:lnSpc>
+                          <a:spcPct val="100000"/>
+                        </a:lnSpc>
+                        <a:spcBef>
+                          <a:spcPts val="0"/>
+                        </a:spcBef>
+                        <a:spcAft>
+                          <a:spcPts val="0"/>
+                        </a:spcAft>
+                        <a:buClrTx/>
+                        <a:buSzTx/>
+                        <a:buFontTx/>
+                        <a:buNone/>
+                        <a:tabLst/>
+                        <a:defRPr/>
+                      </a:pPr>
+                      <a:r>
+                        <a:rPr lang="en-US" sz="2550" b="1" dirty="0">
+                          <a:solidFill>
+                            <a:schemeClr val="tx1"/>
+                          </a:solidFill>
+                          <a:effectLst/>
+                          <a:latin typeface="+mj-lt"/>
+                        </a:rPr>
+                        <a:t>Worship Rejected by the Angel</a:t>
+                      </a:r>
+                    </a:p>
+                    <a:p>
+                      <a:pPr marL="0" marR="0" indent="0" algn="l" defTabSz="914400" rtl="0" eaLnBrk="1" fontAlgn="t" latinLnBrk="0" hangingPunct="1">
+                        <a:lnSpc>
+                          <a:spcPct val="100000"/>
+                        </a:lnSpc>
+                        <a:spcBef>
+                          <a:spcPts val="0"/>
+                        </a:spcBef>
+                        <a:spcAft>
+                          <a:spcPts val="0"/>
+                        </a:spcAft>
+                        <a:buClrTx/>
+                        <a:buSzTx/>
+                        <a:buFontTx/>
+                        <a:buNone/>
+                        <a:tabLst/>
+                        <a:defRPr/>
+                      </a:pPr>
+                      <a:r>
+                        <a:rPr lang="en-US" sz="2550" b="0" dirty="0">
+                          <a:solidFill>
+                            <a:schemeClr val="tx1"/>
+                          </a:solidFill>
+                          <a:effectLst/>
+                          <a:latin typeface="+mj-lt"/>
+                        </a:rPr>
+                        <a:t>Revelation 19-22</a:t>
+                      </a:r>
+                    </a:p>
+                  </a:txBody>
+                  <a:tcPr marL="137160" marR="137160" marT="228600" marB="228600" anchor="b">
+                    <a:lnL w="3175" cap="flat" cmpd="sng" algn="ctr">
+                      <a:solidFill>
+                        <a:schemeClr val="tx1">
+                          <a:lumMod val="65000"/>
+                        </a:schemeClr>
+                      </a:solidFill>
+                      <a:prstDash val="solid"/>
+                      <a:round/>
+                      <a:headEnd type="none" w="med" len="med"/>
+                      <a:tailEnd type="none" w="med" len="med"/>
+                    </a:lnL>
+                  </a:tcPr>
+                </a:tc>
+                <a:extLst>
+                  <a:ext uri="{0D108BD9-81ED-4DB2-BD59-A6C34878D82A}">
+                    <a16:rowId xmlns:a16="http://schemas.microsoft.com/office/drawing/2014/main" val="1136906228"/>
+                  </a:ext>
+                </a:extLst>
+              </a:tr>
+              <a:tr h="0">
+                <a:tc>
+                  <a:txBody>
+                    <a:bodyPr/>
+                    <a:lstStyle/>
+                    <a:p>
+                      <a:pPr algn="r" rtl="0" fontAlgn="t">
+                        <a:spcBef>
+                          <a:spcPts val="0"/>
+                        </a:spcBef>
+                        <a:spcAft>
+                          <a:spcPts val="0"/>
+                        </a:spcAft>
+                      </a:pPr>
+                      <a:r>
+                        <a:rPr lang="en-US" sz="1700" b="0" i="0" u="none" strike="noStrike" dirty="0">
+                          <a:solidFill>
+                            <a:srgbClr val="009EC0"/>
+                          </a:solidFill>
+                          <a:effectLst/>
+                          <a:latin typeface="+mj-lt"/>
+                        </a:rPr>
+                        <a:t>Described in detail in glorious imagery</a:t>
+                      </a:r>
+                    </a:p>
+                    <a:p>
+                      <a:pPr algn="r" rtl="0" fontAlgn="t">
+                        <a:spcBef>
+                          <a:spcPts val="0"/>
+                        </a:spcBef>
+                        <a:spcAft>
+                          <a:spcPts val="0"/>
+                        </a:spcAft>
+                      </a:pPr>
+                      <a:r>
+                        <a:rPr lang="en-US" sz="1700" b="1" i="0" u="none" strike="noStrike" dirty="0">
+                          <a:solidFill>
+                            <a:srgbClr val="006276"/>
+                          </a:solidFill>
+                          <a:effectLst/>
+                          <a:latin typeface="+mj-lt"/>
+                        </a:rPr>
+                        <a:t>(1:13-16)</a:t>
+                      </a:r>
+                      <a:endParaRPr lang="en-US" sz="1700" b="1" dirty="0">
+                        <a:solidFill>
+                          <a:srgbClr val="006276"/>
+                        </a:solidFill>
+                        <a:effectLst/>
+                        <a:latin typeface="+mj-lt"/>
+                      </a:endParaRPr>
+                    </a:p>
+                  </a:txBody>
+                  <a:tcPr marL="137160" marR="137160" marT="228600" marB="228600">
+                    <a:lnR w="3175" cap="flat" cmpd="sng" algn="ctr">
+                      <a:solidFill>
+                        <a:schemeClr val="tx1">
+                          <a:lumMod val="65000"/>
+                        </a:schemeClr>
+                      </a:solidFill>
+                      <a:prstDash val="solid"/>
+                      <a:round/>
+                      <a:headEnd type="none" w="med" len="med"/>
+                      <a:tailEnd type="none" w="med" len="med"/>
+                    </a:lnR>
+                  </a:tcPr>
+                </a:tc>
+                <a:tc>
+                  <a:txBody>
+                    <a:bodyPr/>
+                    <a:lstStyle/>
+                    <a:p>
+                      <a:pPr rtl="0" fontAlgn="t">
+                        <a:spcBef>
+                          <a:spcPts val="0"/>
+                        </a:spcBef>
+                        <a:spcAft>
+                          <a:spcPts val="0"/>
+                        </a:spcAft>
+                      </a:pPr>
+                      <a:r>
+                        <a:rPr lang="en-US" sz="1700" b="0" i="0" u="none" strike="noStrike" dirty="0">
+                          <a:solidFill>
+                            <a:schemeClr val="tx1"/>
+                          </a:solidFill>
+                          <a:effectLst/>
+                          <a:latin typeface="+mj-lt"/>
+                        </a:rPr>
+                        <a:t>No description of the angel is given at all</a:t>
+                      </a:r>
+                    </a:p>
+                    <a:p>
+                      <a:pPr rtl="0" fontAlgn="t">
+                        <a:spcBef>
+                          <a:spcPts val="0"/>
+                        </a:spcBef>
+                        <a:spcAft>
+                          <a:spcPts val="0"/>
+                        </a:spcAft>
+                      </a:pPr>
+                      <a:r>
+                        <a:rPr lang="en-US" sz="1700" b="1" i="0" u="none" strike="noStrike" dirty="0">
+                          <a:solidFill>
+                            <a:schemeClr val="tx1">
+                              <a:lumMod val="50000"/>
+                            </a:schemeClr>
+                          </a:solidFill>
+                          <a:effectLst/>
+                          <a:latin typeface="+mj-lt"/>
+                        </a:rPr>
+                        <a:t>(19:12—16)</a:t>
+                      </a:r>
+                      <a:endParaRPr lang="en-US" sz="1700" b="1" dirty="0">
+                        <a:solidFill>
+                          <a:schemeClr val="tx1">
+                            <a:lumMod val="50000"/>
+                          </a:schemeClr>
+                        </a:solidFill>
+                        <a:effectLst/>
+                        <a:latin typeface="+mj-lt"/>
+                      </a:endParaRPr>
+                    </a:p>
+                  </a:txBody>
+                  <a:tcPr marL="137160" marR="137160" marT="228600" marB="228600">
+                    <a:lnL w="3175" cap="flat" cmpd="sng" algn="ctr">
+                      <a:solidFill>
+                        <a:schemeClr val="tx1">
+                          <a:lumMod val="65000"/>
+                        </a:schemeClr>
+                      </a:solidFill>
+                      <a:prstDash val="solid"/>
+                      <a:round/>
+                      <a:headEnd type="none" w="med" len="med"/>
+                      <a:tailEnd type="none" w="med" len="med"/>
+                    </a:lnL>
+                  </a:tcPr>
+                </a:tc>
+                <a:extLst>
+                  <a:ext uri="{0D108BD9-81ED-4DB2-BD59-A6C34878D82A}">
+                    <a16:rowId xmlns:a16="http://schemas.microsoft.com/office/drawing/2014/main" val="3592000535"/>
+                  </a:ext>
+                </a:extLst>
+              </a:tr>
+              <a:tr h="0">
+                <a:tc>
+                  <a:txBody>
+                    <a:bodyPr/>
+                    <a:lstStyle/>
+                    <a:p>
+                      <a:pPr marL="0" marR="0" indent="0" algn="r" defTabSz="914400" rtl="0" eaLnBrk="1" fontAlgn="t" latinLnBrk="0" hangingPunct="1">
+                        <a:lnSpc>
+                          <a:spcPct val="100000"/>
+                        </a:lnSpc>
+                        <a:spcBef>
+                          <a:spcPts val="0"/>
+                        </a:spcBef>
+                        <a:spcAft>
+                          <a:spcPts val="0"/>
+                        </a:spcAft>
+                        <a:buClrTx/>
+                        <a:buSzTx/>
+                        <a:buFontTx/>
+                        <a:buNone/>
+                        <a:tabLst/>
+                        <a:defRPr/>
+                      </a:pPr>
+                      <a:r>
+                        <a:rPr lang="en-US" sz="1700" b="0" i="0" u="none" strike="noStrike" dirty="0">
+                          <a:solidFill>
+                            <a:srgbClr val="009EC0"/>
+                          </a:solidFill>
+                          <a:effectLst/>
+                          <a:latin typeface="+mj-lt"/>
+                        </a:rPr>
+                        <a:t>John fell at Jesus' feet as a dead man</a:t>
+                      </a:r>
+                    </a:p>
+                    <a:p>
+                      <a:pPr marL="0" marR="0" indent="0" algn="r" defTabSz="914400" rtl="0" eaLnBrk="1" fontAlgn="t" latinLnBrk="0" hangingPunct="1">
+                        <a:lnSpc>
+                          <a:spcPct val="100000"/>
+                        </a:lnSpc>
+                        <a:spcBef>
+                          <a:spcPts val="0"/>
+                        </a:spcBef>
+                        <a:spcAft>
+                          <a:spcPts val="0"/>
+                        </a:spcAft>
+                        <a:buClrTx/>
+                        <a:buSzTx/>
+                        <a:buFontTx/>
+                        <a:buNone/>
+                        <a:tabLst/>
+                        <a:defRPr/>
+                      </a:pPr>
+                      <a:r>
+                        <a:rPr lang="en-US" sz="1700" b="1" i="0" u="none" strike="noStrike" dirty="0">
+                          <a:solidFill>
+                            <a:srgbClr val="006276"/>
+                          </a:solidFill>
+                          <a:effectLst/>
+                          <a:latin typeface="+mj-lt"/>
+                        </a:rPr>
+                        <a:t>(1:17a)</a:t>
+                      </a:r>
+                      <a:endParaRPr lang="en-US" sz="1700" b="1" dirty="0">
+                        <a:solidFill>
+                          <a:srgbClr val="006276"/>
+                        </a:solidFill>
+                        <a:effectLst/>
+                        <a:latin typeface="+mj-lt"/>
+                      </a:endParaRPr>
+                    </a:p>
+                  </a:txBody>
+                  <a:tcPr marL="137160" marR="137160" marT="228600" marB="228600">
+                    <a:lnR w="3175" cap="flat" cmpd="sng" algn="ctr">
+                      <a:solidFill>
+                        <a:schemeClr val="tx1">
+                          <a:lumMod val="65000"/>
+                        </a:schemeClr>
+                      </a:solidFill>
+                      <a:prstDash val="solid"/>
+                      <a:round/>
+                      <a:headEnd type="none" w="med" len="med"/>
+                      <a:tailEnd type="none" w="med" len="med"/>
+                    </a:lnR>
+                  </a:tcPr>
+                </a:tc>
+                <a:tc>
+                  <a:txBody>
+                    <a:bodyPr/>
+                    <a:lstStyle/>
+                    <a:p>
+                      <a:pPr rtl="0" fontAlgn="t">
+                        <a:spcBef>
+                          <a:spcPts val="0"/>
+                        </a:spcBef>
+                        <a:spcAft>
+                          <a:spcPts val="0"/>
+                        </a:spcAft>
+                      </a:pPr>
+                      <a:r>
+                        <a:rPr lang="en-US" sz="1700" b="0" i="0" u="none" strike="noStrike" dirty="0">
+                          <a:solidFill>
+                            <a:schemeClr val="tx1"/>
+                          </a:solidFill>
+                          <a:effectLst/>
+                          <a:latin typeface="+mj-lt"/>
+                        </a:rPr>
+                        <a:t>John fell at the angel's feet to worship him </a:t>
+                      </a:r>
+                      <a:r>
+                        <a:rPr lang="en-US" sz="1700" b="1" i="0" u="none" strike="noStrike" dirty="0">
+                          <a:solidFill>
+                            <a:schemeClr val="tx1">
+                              <a:lumMod val="50000"/>
+                            </a:schemeClr>
+                          </a:solidFill>
+                          <a:effectLst/>
+                          <a:latin typeface="+mj-lt"/>
+                        </a:rPr>
+                        <a:t>(19:10a; 22:8)</a:t>
+                      </a:r>
+                    </a:p>
+                  </a:txBody>
+                  <a:tcPr marL="137160" marR="137160" marT="228600" marB="228600">
+                    <a:lnL w="3175" cap="flat" cmpd="sng" algn="ctr">
+                      <a:solidFill>
+                        <a:schemeClr val="tx1">
+                          <a:lumMod val="65000"/>
+                        </a:schemeClr>
+                      </a:solidFill>
+                      <a:prstDash val="solid"/>
+                      <a:round/>
+                      <a:headEnd type="none" w="med" len="med"/>
+                      <a:tailEnd type="none" w="med" len="med"/>
+                    </a:lnL>
+                  </a:tcPr>
+                </a:tc>
+                <a:extLst>
+                  <a:ext uri="{0D108BD9-81ED-4DB2-BD59-A6C34878D82A}">
+                    <a16:rowId xmlns:a16="http://schemas.microsoft.com/office/drawing/2014/main" val="2330484482"/>
+                  </a:ext>
+                </a:extLst>
+              </a:tr>
+              <a:tr h="0">
+                <a:tc>
+                  <a:txBody>
+                    <a:bodyPr/>
+                    <a:lstStyle/>
+                    <a:p>
+                      <a:pPr algn="r" rtl="0" fontAlgn="t">
+                        <a:spcBef>
+                          <a:spcPts val="0"/>
+                        </a:spcBef>
+                        <a:spcAft>
+                          <a:spcPts val="0"/>
+                        </a:spcAft>
+                      </a:pPr>
+                      <a:r>
+                        <a:rPr lang="en-US" sz="1700" b="0" i="0" u="none" strike="noStrike" dirty="0">
+                          <a:solidFill>
+                            <a:srgbClr val="009EC0"/>
+                          </a:solidFill>
+                          <a:effectLst/>
+                          <a:latin typeface="+mj-lt"/>
+                        </a:rPr>
+                        <a:t>Jesus said, "Don't be afraid”</a:t>
+                      </a:r>
+                    </a:p>
+                    <a:p>
+                      <a:pPr algn="r" rtl="0" fontAlgn="t">
+                        <a:spcBef>
+                          <a:spcPts val="0"/>
+                        </a:spcBef>
+                        <a:spcAft>
+                          <a:spcPts val="0"/>
+                        </a:spcAft>
+                      </a:pPr>
+                      <a:r>
+                        <a:rPr lang="en-US" sz="1700" b="1" i="0" u="none" strike="noStrike" dirty="0">
+                          <a:solidFill>
+                            <a:srgbClr val="006276"/>
+                          </a:solidFill>
+                          <a:effectLst/>
+                          <a:latin typeface="+mj-lt"/>
+                        </a:rPr>
+                        <a:t>(1:17b)</a:t>
+                      </a:r>
+                      <a:endParaRPr lang="en-US" sz="1700" b="1" dirty="0">
+                        <a:solidFill>
+                          <a:srgbClr val="006276"/>
+                        </a:solidFill>
+                        <a:effectLst/>
+                        <a:latin typeface="+mj-lt"/>
+                      </a:endParaRPr>
+                    </a:p>
+                  </a:txBody>
+                  <a:tcPr marL="137160" marR="137160" marT="228600" marB="228600">
+                    <a:lnR w="3175" cap="flat" cmpd="sng" algn="ctr">
+                      <a:solidFill>
+                        <a:schemeClr val="tx1">
+                          <a:lumMod val="65000"/>
+                        </a:schemeClr>
+                      </a:solidFill>
+                      <a:prstDash val="solid"/>
+                      <a:round/>
+                      <a:headEnd type="none" w="med" len="med"/>
+                      <a:tailEnd type="none" w="med" len="med"/>
+                    </a:lnR>
+                  </a:tcPr>
+                </a:tc>
+                <a:tc>
+                  <a:txBody>
+                    <a:bodyPr/>
+                    <a:lstStyle/>
+                    <a:p>
+                      <a:pPr rtl="0" fontAlgn="t">
+                        <a:spcBef>
+                          <a:spcPts val="0"/>
+                        </a:spcBef>
+                        <a:spcAft>
+                          <a:spcPts val="0"/>
+                        </a:spcAft>
+                      </a:pPr>
+                      <a:r>
+                        <a:rPr lang="en-US" sz="1700" b="0" i="0" u="none" strike="noStrike" dirty="0">
+                          <a:solidFill>
+                            <a:schemeClr val="tx1"/>
+                          </a:solidFill>
+                          <a:effectLst/>
+                          <a:latin typeface="+mj-lt"/>
+                        </a:rPr>
+                        <a:t>"Don't do that”</a:t>
+                      </a:r>
+                    </a:p>
+                    <a:p>
+                      <a:pPr rtl="0" fontAlgn="t">
+                        <a:spcBef>
+                          <a:spcPts val="0"/>
+                        </a:spcBef>
+                        <a:spcAft>
+                          <a:spcPts val="0"/>
+                        </a:spcAft>
+                      </a:pPr>
+                      <a:r>
+                        <a:rPr lang="en-US" sz="1700" b="1" i="0" u="none" strike="noStrike" dirty="0">
+                          <a:solidFill>
+                            <a:schemeClr val="tx1">
+                              <a:lumMod val="50000"/>
+                            </a:schemeClr>
+                          </a:solidFill>
+                          <a:effectLst/>
+                          <a:latin typeface="+mj-lt"/>
+                        </a:rPr>
+                        <a:t>(19:10b; 22:9a)</a:t>
+                      </a:r>
+                    </a:p>
+                  </a:txBody>
+                  <a:tcPr marL="137160" marR="137160" marT="228600" marB="228600">
+                    <a:lnL w="3175" cap="flat" cmpd="sng" algn="ctr">
+                      <a:solidFill>
+                        <a:schemeClr val="tx1">
+                          <a:lumMod val="65000"/>
+                        </a:schemeClr>
+                      </a:solidFill>
+                      <a:prstDash val="solid"/>
+                      <a:round/>
+                      <a:headEnd type="none" w="med" len="med"/>
+                      <a:tailEnd type="none" w="med" len="med"/>
+                    </a:lnL>
+                  </a:tcPr>
+                </a:tc>
+                <a:extLst>
+                  <a:ext uri="{0D108BD9-81ED-4DB2-BD59-A6C34878D82A}">
+                    <a16:rowId xmlns:a16="http://schemas.microsoft.com/office/drawing/2014/main" val="1564031315"/>
+                  </a:ext>
+                </a:extLst>
+              </a:tr>
+              <a:tr h="558800">
+                <a:tc>
+                  <a:txBody>
+                    <a:bodyPr/>
+                    <a:lstStyle/>
+                    <a:p>
+                      <a:pPr algn="r" rtl="0" fontAlgn="t">
+                        <a:spcBef>
+                          <a:spcPts val="0"/>
+                        </a:spcBef>
+                        <a:spcAft>
+                          <a:spcPts val="0"/>
+                        </a:spcAft>
+                      </a:pPr>
+                      <a:r>
+                        <a:rPr lang="en-US" sz="1700" b="0" dirty="0">
+                          <a:solidFill>
+                            <a:srgbClr val="009EC0"/>
+                          </a:solidFill>
+                          <a:effectLst/>
+                          <a:latin typeface="+mj-lt"/>
+                        </a:rPr>
+                        <a:t>Claimed to be “the first and the last”</a:t>
+                      </a:r>
+                    </a:p>
+                    <a:p>
+                      <a:pPr algn="r" rtl="0" fontAlgn="t">
+                        <a:spcBef>
+                          <a:spcPts val="0"/>
+                        </a:spcBef>
+                        <a:spcAft>
+                          <a:spcPts val="0"/>
+                        </a:spcAft>
+                      </a:pPr>
+                      <a:r>
+                        <a:rPr lang="en-US" sz="1700" b="1" dirty="0">
+                          <a:solidFill>
+                            <a:srgbClr val="006276"/>
+                          </a:solidFill>
+                          <a:effectLst/>
+                          <a:latin typeface="+mj-lt"/>
+                        </a:rPr>
+                        <a:t>(1:17-18)</a:t>
+                      </a:r>
+                    </a:p>
+                  </a:txBody>
+                  <a:tcPr marL="137160" marR="137160" marT="228600" marB="228600">
+                    <a:lnR w="3175" cap="flat" cmpd="sng" algn="ctr">
+                      <a:solidFill>
+                        <a:schemeClr val="tx1">
+                          <a:lumMod val="65000"/>
+                        </a:schemeClr>
+                      </a:solidFill>
+                      <a:prstDash val="solid"/>
+                      <a:round/>
+                      <a:headEnd type="none" w="med" len="med"/>
+                      <a:tailEnd type="none" w="med" len="med"/>
+                    </a:lnR>
+                  </a:tcPr>
+                </a:tc>
+                <a:tc>
+                  <a:txBody>
+                    <a:bodyPr/>
+                    <a:lstStyle/>
+                    <a:p>
+                      <a:pPr rtl="0" fontAlgn="t">
+                        <a:spcBef>
+                          <a:spcPts val="0"/>
+                        </a:spcBef>
+                        <a:spcAft>
+                          <a:spcPts val="0"/>
+                        </a:spcAft>
+                      </a:pPr>
+                      <a:r>
+                        <a:rPr lang="en-US" sz="1700" b="0" i="0" u="none" strike="noStrike" kern="1200" dirty="0">
+                          <a:solidFill>
+                            <a:schemeClr val="tx1"/>
+                          </a:solidFill>
+                          <a:effectLst/>
+                          <a:latin typeface="+mn-lt"/>
+                          <a:ea typeface="+mn-ea"/>
+                          <a:cs typeface="+mn-cs"/>
+                        </a:rPr>
+                        <a:t>Said that he was merely a fellow servant </a:t>
+                      </a:r>
+                      <a:r>
+                        <a:rPr lang="en-US" sz="1700" b="1" i="0" u="none" strike="noStrike" kern="1200" dirty="0">
+                          <a:solidFill>
+                            <a:schemeClr val="tx1">
+                              <a:lumMod val="50000"/>
+                            </a:schemeClr>
+                          </a:solidFill>
+                          <a:effectLst/>
+                          <a:latin typeface="+mn-lt"/>
+                          <a:ea typeface="+mn-ea"/>
+                          <a:cs typeface="+mn-cs"/>
+                        </a:rPr>
+                        <a:t>(19:10b; 22:9b)</a:t>
+                      </a:r>
+                      <a:endParaRPr lang="en-US" sz="1700" b="1" dirty="0">
+                        <a:solidFill>
+                          <a:schemeClr val="tx1">
+                            <a:lumMod val="50000"/>
+                          </a:schemeClr>
+                        </a:solidFill>
+                        <a:effectLst/>
+                        <a:latin typeface="+mj-lt"/>
+                      </a:endParaRPr>
+                    </a:p>
+                  </a:txBody>
+                  <a:tcPr marL="137160" marR="137160" marT="228600" marB="228600">
+                    <a:lnL w="3175" cap="flat" cmpd="sng" algn="ctr">
+                      <a:solidFill>
+                        <a:schemeClr val="tx1">
+                          <a:lumMod val="65000"/>
+                        </a:schemeClr>
+                      </a:solidFill>
+                      <a:prstDash val="solid"/>
+                      <a:round/>
+                      <a:headEnd type="none" w="med" len="med"/>
+                      <a:tailEnd type="none" w="med" len="med"/>
+                    </a:lnL>
+                  </a:tcPr>
+                </a:tc>
+                <a:extLst>
+                  <a:ext uri="{0D108BD9-81ED-4DB2-BD59-A6C34878D82A}">
+                    <a16:rowId xmlns:a16="http://schemas.microsoft.com/office/drawing/2014/main" val="3045623234"/>
+                  </a:ext>
+                </a:extLst>
+              </a:tr>
+              <a:tr h="599440">
+                <a:tc>
+                  <a:txBody>
+                    <a:bodyPr/>
+                    <a:lstStyle/>
+                    <a:p>
+                      <a:pPr marL="0" marR="0" indent="0" algn="r" defTabSz="914400" rtl="0" eaLnBrk="1" fontAlgn="t" latinLnBrk="0" hangingPunct="1">
+                        <a:lnSpc>
+                          <a:spcPct val="100000"/>
+                        </a:lnSpc>
+                        <a:spcBef>
+                          <a:spcPts val="0"/>
+                        </a:spcBef>
+                        <a:spcAft>
+                          <a:spcPts val="0"/>
+                        </a:spcAft>
+                        <a:buClrTx/>
+                        <a:buSzTx/>
+                        <a:buFontTx/>
+                        <a:buNone/>
+                        <a:tabLst/>
+                        <a:defRPr/>
+                      </a:pPr>
+                      <a:r>
+                        <a:rPr lang="en-US" sz="1700" b="0" dirty="0">
+                          <a:solidFill>
+                            <a:srgbClr val="009EC0"/>
+                          </a:solidFill>
+                          <a:effectLst/>
+                          <a:latin typeface="+mj-lt"/>
+                        </a:rPr>
+                        <a:t>Jesus does nothing to redirect worship</a:t>
+                      </a:r>
+                    </a:p>
+                    <a:p>
+                      <a:pPr marL="0" marR="0" indent="0" algn="r" defTabSz="914400" rtl="0" eaLnBrk="1" fontAlgn="t" latinLnBrk="0" hangingPunct="1">
+                        <a:lnSpc>
+                          <a:spcPct val="100000"/>
+                        </a:lnSpc>
+                        <a:spcBef>
+                          <a:spcPts val="0"/>
+                        </a:spcBef>
+                        <a:spcAft>
+                          <a:spcPts val="0"/>
+                        </a:spcAft>
+                        <a:buClrTx/>
+                        <a:buSzTx/>
+                        <a:buFontTx/>
+                        <a:buNone/>
+                        <a:tabLst/>
+                        <a:defRPr/>
+                      </a:pPr>
+                      <a:r>
+                        <a:rPr lang="en-US" sz="1700" b="0" dirty="0">
+                          <a:solidFill>
+                            <a:srgbClr val="009EC0"/>
+                          </a:solidFill>
+                          <a:effectLst/>
+                          <a:latin typeface="+mj-lt"/>
+                        </a:rPr>
+                        <a:t>away from himself</a:t>
+                      </a:r>
+                    </a:p>
+                  </a:txBody>
+                  <a:tcPr marL="137160" marR="137160" marT="228600" marB="228600">
+                    <a:lnR w="3175" cap="flat" cmpd="sng" algn="ctr">
+                      <a:solidFill>
+                        <a:schemeClr val="tx1">
+                          <a:lumMod val="65000"/>
+                        </a:schemeClr>
+                      </a:solidFill>
+                      <a:prstDash val="solid"/>
+                      <a:round/>
+                      <a:headEnd type="none" w="med" len="med"/>
+                      <a:tailEnd type="none" w="med" len="med"/>
+                    </a:lnR>
+                  </a:tcPr>
+                </a:tc>
+                <a:tc>
+                  <a:txBody>
+                    <a:bodyPr/>
+                    <a:lstStyle/>
+                    <a:p>
+                      <a:pPr rtl="0"/>
+                      <a:r>
+                        <a:rPr lang="en-US" sz="1700" b="0" i="0" u="none" strike="noStrike" kern="1200" dirty="0">
+                          <a:solidFill>
+                            <a:schemeClr val="tx1"/>
+                          </a:solidFill>
+                          <a:effectLst/>
+                          <a:latin typeface="+mn-lt"/>
+                          <a:ea typeface="+mn-ea"/>
+                          <a:cs typeface="+mn-cs"/>
+                        </a:rPr>
+                        <a:t>Tells John to worship God</a:t>
+                      </a:r>
+                      <a:endParaRPr lang="en-US" sz="1700" b="0" dirty="0">
+                        <a:effectLst/>
+                      </a:endParaRPr>
+                    </a:p>
+                    <a:p>
+                      <a:pPr rtl="0"/>
+                      <a:r>
+                        <a:rPr lang="en-US" sz="1700" b="1" i="0" u="none" strike="noStrike" kern="1200" dirty="0">
+                          <a:solidFill>
+                            <a:schemeClr val="tx1">
+                              <a:lumMod val="50000"/>
+                            </a:schemeClr>
+                          </a:solidFill>
+                          <a:effectLst/>
+                          <a:latin typeface="+mn-lt"/>
+                          <a:ea typeface="+mn-ea"/>
+                          <a:cs typeface="+mn-cs"/>
+                        </a:rPr>
+                        <a:t>(19:10c; 22:9c)</a:t>
+                      </a:r>
+                      <a:endParaRPr lang="en-US" sz="1700" b="1" dirty="0">
+                        <a:solidFill>
+                          <a:schemeClr val="tx1">
+                            <a:lumMod val="50000"/>
+                          </a:schemeClr>
+                        </a:solidFill>
+                        <a:effectLst/>
+                      </a:endParaRPr>
+                    </a:p>
+                  </a:txBody>
+                  <a:tcPr marL="137160" marR="137160" marT="228600" marB="228600">
+                    <a:lnL w="3175" cap="flat" cmpd="sng" algn="ctr">
+                      <a:solidFill>
+                        <a:schemeClr val="tx1">
+                          <a:lumMod val="65000"/>
+                        </a:schemeClr>
+                      </a:solidFill>
+                      <a:prstDash val="solid"/>
+                      <a:round/>
+                      <a:headEnd type="none" w="med" len="med"/>
+                      <a:tailEnd type="none" w="med" len="med"/>
+                    </a:lnL>
+                  </a:tcPr>
+                </a:tc>
+                <a:extLst>
+                  <a:ext uri="{0D108BD9-81ED-4DB2-BD59-A6C34878D82A}">
+                    <a16:rowId xmlns:a16="http://schemas.microsoft.com/office/drawing/2014/main" val="4221996619"/>
+                  </a:ext>
+                </a:extLst>
+              </a:tr>
+            </a:tbl>
+          </a:graphicData>
+        </a:graphic>
+      </p:graphicFrame>
+    </p:spTree>
+    <p:extLst>
+      <p:ext uri="{BB962C8B-B14F-4D97-AF65-F5344CB8AC3E}">
+        <p14:creationId xmlns:p14="http://schemas.microsoft.com/office/powerpoint/2010/main" val="1493070504"/>
+      </p:ext>
+    </p:extLst>
+  </p:cSld>
+  <p:clrMapOvr>
+    <a:masterClrMapping/>
+  </p:clrMapOvr>
+</p:sld>
+</file>
+
 <file path=ppt/slides/slide8.xml><?xml version="1.0" encoding="utf-8"?>
+<p:sld xmlns:a="http://schemas.openxmlformats.org/drawingml/2006/main" xmlns:r="http://schemas.openxmlformats.org/officeDocument/2006/relationships" xmlns:p="http://schemas.openxmlformats.org/presentationml/2006/main">
+  <p:cSld>
+    <p:spTree>
+      <p:nvGrpSpPr>
+        <p:cNvPr id="1" name=""/>
+        <p:cNvGrpSpPr/>
+        <p:nvPr/>
+      </p:nvGrpSpPr>
+      <p:grpSpPr>
+        <a:xfrm>
+          <a:off x="0" y="0"/>
+          <a:ext cx="0" cy="0"/>
+          <a:chOff x="0" y="0"/>
+          <a:chExt cx="0" cy="0"/>
+        </a:xfrm>
+      </p:grpSpPr>
+      <p:sp>
+        <p:nvSpPr>
+          <p:cNvPr id="2" name="Title 1"/>
+          <p:cNvSpPr>
+            <a:spLocks noGrp="1"/>
+          </p:cNvSpPr>
+          <p:nvPr>
+            <p:ph type="title"/>
+          </p:nvPr>
+        </p:nvSpPr>
+        <p:spPr/>
+        <p:txBody>
+          <a:bodyPr>
+            <a:normAutofit fontScale="90000"/>
+          </a:bodyPr>
+          <a:lstStyle/>
+          <a:p>
+            <a:r>
+              <a:rPr lang="en-US" dirty="0"/>
+              <a:t>Make an argument that Jesus shared the </a:t>
+            </a:r>
+            <a:r>
+              <a:rPr lang="en-US" i="1" dirty="0"/>
+              <a:t>attributes</a:t>
+            </a:r>
+            <a:r>
+              <a:rPr lang="en-US" dirty="0"/>
+              <a:t> of God.</a:t>
+            </a:r>
+          </a:p>
+        </p:txBody>
+      </p:sp>
+      <p:sp>
+        <p:nvSpPr>
+          <p:cNvPr id="3" name="Text Placeholder 2"/>
+          <p:cNvSpPr>
+            <a:spLocks noGrp="1"/>
+          </p:cNvSpPr>
+          <p:nvPr>
+            <p:ph type="body" sz="quarter" idx="13"/>
+          </p:nvPr>
+        </p:nvSpPr>
+        <p:spPr/>
+        <p:txBody>
+          <a:bodyPr/>
+          <a:lstStyle/>
+          <a:p>
+            <a:r>
+              <a:rPr lang="en-US" dirty="0"/>
+              <a:t>2</a:t>
+            </a:r>
+          </a:p>
+        </p:txBody>
+      </p:sp>
+    </p:spTree>
+    <p:extLst>
+      <p:ext uri="{BB962C8B-B14F-4D97-AF65-F5344CB8AC3E}">
+        <p14:creationId xmlns:p14="http://schemas.microsoft.com/office/powerpoint/2010/main" val="439643971"/>
+      </p:ext>
+    </p:extLst>
+  </p:cSld>
+  <p:clrMapOvr>
+    <a:masterClrMapping/>
+  </p:clrMapOvr>
+</p:sld>
+</file>
+
+<file path=ppt/slides/slide9.xml><?xml version="1.0" encoding="utf-8"?>
 <p:sld xmlns:a="http://schemas.openxmlformats.org/drawingml/2006/main" xmlns:r="http://schemas.openxmlformats.org/officeDocument/2006/relationships" xmlns:p="http://schemas.openxmlformats.org/presentationml/2006/main">
   <p:cSld>
     <p:spTree>
@@ -13708,683 +16756,6 @@
     </p:tnLst>
     <p:bldLst>
       <p:bldP spid="4" grpId="0"/>
-    </p:bldLst>
-  </p:timing>
-</p:sld>
-</file>
-
-<file path=ppt/slides/slide9.xml><?xml version="1.0" encoding="utf-8"?>
-<p:sld xmlns:a="http://schemas.openxmlformats.org/drawingml/2006/main" xmlns:r="http://schemas.openxmlformats.org/officeDocument/2006/relationships" xmlns:p="http://schemas.openxmlformats.org/presentationml/2006/main">
-  <p:cSld>
-    <p:spTree>
-      <p:nvGrpSpPr>
-        <p:cNvPr id="1" name=""/>
-        <p:cNvGrpSpPr/>
-        <p:nvPr/>
-      </p:nvGrpSpPr>
-      <p:grpSpPr>
-        <a:xfrm>
-          <a:off x="0" y="0"/>
-          <a:ext cx="0" cy="0"/>
-          <a:chOff x="0" y="0"/>
-          <a:chExt cx="0" cy="0"/>
-        </a:xfrm>
-      </p:grpSpPr>
-      <p:pic>
-        <p:nvPicPr>
-          <p:cNvPr id="12" name="Picture 2">
-            <a:extLst>
-              <a:ext uri="{FF2B5EF4-FFF2-40B4-BE49-F238E27FC236}">
-                <a16:creationId xmlns:a16="http://schemas.microsoft.com/office/drawing/2014/main" id="{7F3A231B-5D70-D046-B1D4-165C06312D6D}"/>
-              </a:ext>
-            </a:extLst>
-          </p:cNvPr>
-          <p:cNvPicPr>
-            <a:picLocks noChangeAspect="1" noChangeArrowheads="1"/>
-          </p:cNvPicPr>
-          <p:nvPr/>
-        </p:nvPicPr>
-        <p:blipFill>
-          <a:blip r:embed="rId2">
-            <a:extLst>
-              <a:ext uri="{28A0092B-C50C-407E-A947-70E740481C1C}">
-                <a14:useLocalDpi xmlns:a14="http://schemas.microsoft.com/office/drawing/2010/main" val="0"/>
-              </a:ext>
-            </a:extLst>
-          </a:blip>
-          <a:srcRect t="7806" b="7806"/>
-          <a:stretch/>
-        </p:blipFill>
-        <p:spPr bwMode="auto">
-          <a:xfrm>
-            <a:off x="2642616" y="10"/>
-            <a:ext cx="6501384" cy="6857990"/>
-          </a:xfrm>
-          <a:prstGeom prst="rect">
-            <a:avLst/>
-          </a:prstGeom>
-          <a:noFill/>
-          <a:extLst>
-            <a:ext uri="{909E8E84-426E-40DD-AFC4-6F175D3DCCD1}">
-              <a14:hiddenFill xmlns:a14="http://schemas.microsoft.com/office/drawing/2010/main">
-                <a:solidFill>
-                  <a:srgbClr val="FFFFFF"/>
-                </a:solidFill>
-              </a14:hiddenFill>
-            </a:ext>
-          </a:extLst>
-        </p:spPr>
-      </p:pic>
-      <p:sp>
-        <p:nvSpPr>
-          <p:cNvPr id="2" name="Rectangle 1">
-            <a:extLst>
-              <a:ext uri="{FF2B5EF4-FFF2-40B4-BE49-F238E27FC236}">
-                <a16:creationId xmlns:a16="http://schemas.microsoft.com/office/drawing/2014/main" id="{83930AA5-728D-884D-A826-4D923E871B31}"/>
-              </a:ext>
-            </a:extLst>
-          </p:cNvPr>
-          <p:cNvSpPr/>
-          <p:nvPr/>
-        </p:nvSpPr>
-        <p:spPr>
-          <a:xfrm>
-            <a:off x="0" y="0"/>
-            <a:ext cx="6019800" cy="6858000"/>
-          </a:xfrm>
-          <a:prstGeom prst="rect">
-            <a:avLst/>
-          </a:prstGeom>
-          <a:gradFill flip="none" rotWithShape="1">
-            <a:gsLst>
-              <a:gs pos="24000">
-                <a:srgbClr val="000000"/>
-              </a:gs>
-              <a:gs pos="50000">
-                <a:srgbClr val="000000"/>
-              </a:gs>
-              <a:gs pos="0">
-                <a:schemeClr val="bg1"/>
-              </a:gs>
-              <a:gs pos="100000">
-                <a:schemeClr val="bg1">
-                  <a:alpha val="0"/>
-                </a:schemeClr>
-              </a:gs>
-            </a:gsLst>
-            <a:lin ang="0" scaled="1"/>
-            <a:tileRect/>
-          </a:gradFill>
-          <a:ln>
-            <a:noFill/>
-          </a:ln>
-        </p:spPr>
-        <p:style>
-          <a:lnRef idx="2">
-            <a:schemeClr val="accent1">
-              <a:shade val="50000"/>
-            </a:schemeClr>
-          </a:lnRef>
-          <a:fillRef idx="1">
-            <a:schemeClr val="accent1"/>
-          </a:fillRef>
-          <a:effectRef idx="0">
-            <a:schemeClr val="accent1"/>
-          </a:effectRef>
-          <a:fontRef idx="minor">
-            <a:schemeClr val="lt1"/>
-          </a:fontRef>
-        </p:style>
-        <p:txBody>
-          <a:bodyPr rtlCol="0" anchor="ctr"/>
-          <a:lstStyle/>
-          <a:p>
-            <a:pPr algn="ctr"/>
-            <a:endParaRPr lang="en-US"/>
-          </a:p>
-        </p:txBody>
-      </p:sp>
-      <p:sp>
-        <p:nvSpPr>
-          <p:cNvPr id="5" name="Rectangle 4"/>
-          <p:cNvSpPr/>
-          <p:nvPr/>
-        </p:nvSpPr>
-        <p:spPr>
-          <a:xfrm>
-            <a:off x="381000" y="2819400"/>
-            <a:ext cx="4903487" cy="2246769"/>
-          </a:xfrm>
-          <a:prstGeom prst="rect">
-            <a:avLst/>
-          </a:prstGeom>
-          <a:noFill/>
-          <a:ln>
-            <a:noFill/>
-          </a:ln>
-          <a:effectLst/>
-        </p:spPr>
-        <p:style>
-          <a:lnRef idx="1">
-            <a:schemeClr val="accent1"/>
-          </a:lnRef>
-          <a:fillRef idx="3">
-            <a:schemeClr val="accent1"/>
-          </a:fillRef>
-          <a:effectRef idx="2">
-            <a:schemeClr val="accent1"/>
-          </a:effectRef>
-          <a:fontRef idx="minor">
-            <a:schemeClr val="lt1"/>
-          </a:fontRef>
-        </p:style>
-        <p:txBody>
-          <a:bodyPr rtlCol="0" anchor="ctr"/>
-          <a:lstStyle/>
-          <a:p>
-            <a:endParaRPr lang="en-US" dirty="0"/>
-          </a:p>
-        </p:txBody>
-      </p:sp>
-      <p:sp>
-        <p:nvSpPr>
-          <p:cNvPr id="7" name="Rectangle 6"/>
-          <p:cNvSpPr/>
-          <p:nvPr/>
-        </p:nvSpPr>
-        <p:spPr>
-          <a:xfrm rot="5400000">
-            <a:off x="2326988" y="2914599"/>
-            <a:ext cx="49492" cy="3669094"/>
-          </a:xfrm>
-          <a:prstGeom prst="rect">
-            <a:avLst/>
-          </a:prstGeom>
-          <a:solidFill>
-            <a:srgbClr val="009EC0"/>
-          </a:solidFill>
-          <a:ln>
-            <a:noFill/>
-          </a:ln>
-          <a:effectLst/>
-        </p:spPr>
-        <p:style>
-          <a:lnRef idx="1">
-            <a:schemeClr val="accent1"/>
-          </a:lnRef>
-          <a:fillRef idx="3">
-            <a:schemeClr val="accent1"/>
-          </a:fillRef>
-          <a:effectRef idx="2">
-            <a:schemeClr val="accent1"/>
-          </a:effectRef>
-          <a:fontRef idx="minor">
-            <a:schemeClr val="lt1"/>
-          </a:fontRef>
-        </p:style>
-        <p:txBody>
-          <a:bodyPr rtlCol="0" anchor="ctr"/>
-          <a:lstStyle/>
-          <a:p>
-            <a:pPr algn="ctr"/>
-            <a:endParaRPr lang="en-US"/>
-          </a:p>
-        </p:txBody>
-      </p:sp>
-      <p:sp>
-        <p:nvSpPr>
-          <p:cNvPr id="8" name="TextBox 7"/>
-          <p:cNvSpPr txBox="1"/>
-          <p:nvPr/>
-        </p:nvSpPr>
-        <p:spPr>
-          <a:xfrm>
-            <a:off x="439096" y="1382085"/>
-            <a:ext cx="3747185" cy="3046988"/>
-          </a:xfrm>
-          <a:prstGeom prst="rect">
-            <a:avLst/>
-          </a:prstGeom>
-          <a:noFill/>
-        </p:spPr>
-        <p:txBody>
-          <a:bodyPr wrap="square" rtlCol="0">
-            <a:spAutoFit/>
-          </a:bodyPr>
-          <a:lstStyle/>
-          <a:p>
-            <a:r>
-              <a:rPr lang="en-US" sz="3200" dirty="0"/>
-              <a:t>“Here Jesus himself fills the role of the Shekinah, God's presence, in the traditional Jewish saying.”</a:t>
-            </a:r>
-            <a:endParaRPr lang="en-US" sz="3200" dirty="0">
-              <a:latin typeface="Avenir Book"/>
-              <a:cs typeface="Avenir Book"/>
-            </a:endParaRPr>
-          </a:p>
-        </p:txBody>
-      </p:sp>
-      <p:sp>
-        <p:nvSpPr>
-          <p:cNvPr id="10" name="Rectangle 9"/>
-          <p:cNvSpPr/>
-          <p:nvPr/>
-        </p:nvSpPr>
-        <p:spPr>
-          <a:xfrm>
-            <a:off x="356243" y="5045093"/>
-            <a:ext cx="4952999" cy="1458391"/>
-          </a:xfrm>
-          <a:prstGeom prst="rect">
-            <a:avLst/>
-          </a:prstGeom>
-          <a:noFill/>
-          <a:ln>
-            <a:noFill/>
-          </a:ln>
-        </p:spPr>
-        <p:style>
-          <a:lnRef idx="1">
-            <a:schemeClr val="accent1"/>
-          </a:lnRef>
-          <a:fillRef idx="3">
-            <a:schemeClr val="accent1"/>
-          </a:fillRef>
-          <a:effectRef idx="2">
-            <a:schemeClr val="accent1"/>
-          </a:effectRef>
-          <a:fontRef idx="minor">
-            <a:schemeClr val="lt1"/>
-          </a:fontRef>
-        </p:style>
-        <p:txBody>
-          <a:bodyPr lIns="164592" rtlCol="0" anchor="t"/>
-          <a:lstStyle/>
-          <a:p>
-            <a:r>
-              <a:rPr lang="en-US" sz="2000" b="1" dirty="0">
-                <a:solidFill>
-                  <a:schemeClr val="tx1"/>
-                </a:solidFill>
-              </a:rPr>
-              <a:t>CRAIG KEENER</a:t>
-            </a:r>
-            <a:br>
-              <a:rPr lang="en-US" sz="2000" b="1" dirty="0">
-                <a:solidFill>
-                  <a:schemeClr val="tx1"/>
-                </a:solidFill>
-              </a:rPr>
-            </a:br>
-            <a:r>
-              <a:rPr lang="en-US" sz="2000" i="1" dirty="0">
-                <a:solidFill>
-                  <a:schemeClr val="tx1"/>
-                </a:solidFill>
-              </a:rPr>
-              <a:t>A Commentary on the Gospel of Matthew (page 455)</a:t>
-            </a:r>
-          </a:p>
-        </p:txBody>
-      </p:sp>
-    </p:spTree>
-    <p:extLst>
-      <p:ext uri="{BB962C8B-B14F-4D97-AF65-F5344CB8AC3E}">
-        <p14:creationId xmlns:p14="http://schemas.microsoft.com/office/powerpoint/2010/main" val="3322517470"/>
-      </p:ext>
-    </p:extLst>
-  </p:cSld>
-  <p:clrMapOvr>
-    <a:masterClrMapping/>
-  </p:clrMapOvr>
-  <p:timing>
-    <p:tnLst>
-      <p:par>
-        <p:cTn id="1" dur="indefinite" restart="never" nodeType="tmRoot">
-          <p:childTnLst>
-            <p:seq concurrent="1" nextAc="seek">
-              <p:cTn id="2" dur="indefinite" nodeType="mainSeq">
-                <p:childTnLst>
-                  <p:par>
-                    <p:cTn id="3" fill="hold">
-                      <p:stCondLst>
-                        <p:cond delay="indefinite"/>
-                      </p:stCondLst>
-                      <p:childTnLst>
-                        <p:par>
-                          <p:cTn id="4" fill="hold">
-                            <p:stCondLst>
-                              <p:cond delay="0"/>
-                            </p:stCondLst>
-                            <p:childTnLst>
-                              <p:par>
-                                <p:cTn id="5" presetID="1" presetClass="entr" presetSubtype="0" fill="hold" grpId="0" nodeType="clickEffect">
-                                  <p:stCondLst>
-                                    <p:cond delay="0"/>
-                                  </p:stCondLst>
-                                  <p:childTnLst>
-                                    <p:set>
-                                      <p:cBhvr>
-                                        <p:cTn id="6" dur="1" fill="hold">
-                                          <p:stCondLst>
-                                            <p:cond delay="0"/>
-                                          </p:stCondLst>
-                                        </p:cTn>
-                                        <p:tgtEl>
-                                          <p:spTgt spid="2"/>
-                                        </p:tgtEl>
-                                        <p:attrNameLst>
-                                          <p:attrName>style.visibility</p:attrName>
-                                        </p:attrNameLst>
-                                      </p:cBhvr>
-                                      <p:to>
-                                        <p:strVal val="visible"/>
-                                      </p:to>
-                                    </p:set>
-                                  </p:childTnLst>
-                                </p:cTn>
-                              </p:par>
-                            </p:childTnLst>
-                          </p:cTn>
-                        </p:par>
-                        <p:par>
-                          <p:cTn id="7" fill="hold">
-                            <p:stCondLst>
-                              <p:cond delay="0"/>
-                            </p:stCondLst>
-                            <p:childTnLst>
-                              <p:par>
-                                <p:cTn id="8" presetID="10" presetClass="entr" presetSubtype="0" fill="hold" nodeType="afterEffect">
-                                  <p:stCondLst>
-                                    <p:cond delay="0"/>
-                                  </p:stCondLst>
-                                  <p:childTnLst>
-                                    <p:set>
-                                      <p:cBhvr>
-                                        <p:cTn id="9" dur="1" fill="hold">
-                                          <p:stCondLst>
-                                            <p:cond delay="0"/>
-                                          </p:stCondLst>
-                                        </p:cTn>
-                                        <p:tgtEl>
-                                          <p:spTgt spid="12"/>
-                                        </p:tgtEl>
-                                        <p:attrNameLst>
-                                          <p:attrName>style.visibility</p:attrName>
-                                        </p:attrNameLst>
-                                      </p:cBhvr>
-                                      <p:to>
-                                        <p:strVal val="visible"/>
-                                      </p:to>
-                                    </p:set>
-                                    <p:animEffect transition="in" filter="fade">
-                                      <p:cBhvr>
-                                        <p:cTn id="10" dur="250"/>
-                                        <p:tgtEl>
-                                          <p:spTgt spid="12"/>
-                                        </p:tgtEl>
-                                      </p:cBhvr>
-                                    </p:animEffect>
-                                  </p:childTnLst>
-                                </p:cTn>
-                              </p:par>
-                            </p:childTnLst>
-                          </p:cTn>
-                        </p:par>
-                        <p:par>
-                          <p:cTn id="11" fill="hold">
-                            <p:stCondLst>
-                              <p:cond delay="250"/>
-                            </p:stCondLst>
-                            <p:childTnLst>
-                              <p:par>
-                                <p:cTn id="12" presetID="10" presetClass="entr" presetSubtype="0" fill="hold" grpId="0" nodeType="afterEffect">
-                                  <p:stCondLst>
-                                    <p:cond delay="500"/>
-                                  </p:stCondLst>
-                                  <p:childTnLst>
-                                    <p:set>
-                                      <p:cBhvr>
-                                        <p:cTn id="13" dur="1" fill="hold">
-                                          <p:stCondLst>
-                                            <p:cond delay="0"/>
-                                          </p:stCondLst>
-                                        </p:cTn>
-                                        <p:tgtEl>
-                                          <p:spTgt spid="7"/>
-                                        </p:tgtEl>
-                                        <p:attrNameLst>
-                                          <p:attrName>style.visibility</p:attrName>
-                                        </p:attrNameLst>
-                                      </p:cBhvr>
-                                      <p:to>
-                                        <p:strVal val="visible"/>
-                                      </p:to>
-                                    </p:set>
-                                    <p:animEffect transition="in" filter="fade">
-                                      <p:cBhvr>
-                                        <p:cTn id="14" dur="250"/>
-                                        <p:tgtEl>
-                                          <p:spTgt spid="7"/>
-                                        </p:tgtEl>
-                                      </p:cBhvr>
-                                    </p:animEffect>
-                                  </p:childTnLst>
-                                </p:cTn>
-                              </p:par>
-                              <p:par>
-                                <p:cTn id="15" presetID="1" presetClass="entr" presetSubtype="0" fill="hold" grpId="1" nodeType="withEffect" nodePh="1">
-                                  <p:stCondLst>
-                                    <p:cond delay="0"/>
-                                  </p:stCondLst>
-                                  <p:endCondLst>
-                                    <p:cond evt="begin" delay="0">
-                                      <p:tn val="15"/>
-                                    </p:cond>
-                                  </p:endCondLst>
-                                  <p:childTnLst>
-                                    <p:set>
-                                      <p:cBhvr>
-                                        <p:cTn id="16" dur="1" fill="hold">
-                                          <p:stCondLst>
-                                            <p:cond delay="0"/>
-                                          </p:stCondLst>
-                                        </p:cTn>
-                                        <p:tgtEl>
-                                          <p:spTgt spid="5"/>
-                                        </p:tgtEl>
-                                        <p:attrNameLst>
-                                          <p:attrName>style.visibility</p:attrName>
-                                        </p:attrNameLst>
-                                      </p:cBhvr>
-                                      <p:to>
-                                        <p:strVal val="visible"/>
-                                      </p:to>
-                                    </p:set>
-                                  </p:childTnLst>
-                                </p:cTn>
-                              </p:par>
-                            </p:childTnLst>
-                          </p:cTn>
-                        </p:par>
-                        <p:par>
-                          <p:cTn id="17" fill="hold">
-                            <p:stCondLst>
-                              <p:cond delay="1000"/>
-                            </p:stCondLst>
-                            <p:childTnLst>
-                              <p:par>
-                                <p:cTn id="18" presetID="0" presetClass="path" presetSubtype="0" accel="50000" decel="50000" fill="hold" grpId="0" nodeType="afterEffect" nodePh="1">
-                                  <p:stCondLst>
-                                    <p:cond delay="0"/>
-                                  </p:stCondLst>
-                                  <p:endCondLst>
-                                    <p:cond evt="begin" delay="0">
-                                      <p:tn val="18"/>
-                                    </p:cond>
-                                  </p:endCondLst>
-                                  <p:childTnLst>
-                                    <p:animMotion origin="layout" path="M 0.04236 -7.40741E-7 L -8.33333E-7 -7.40741E-7 " pathEditMode="relative" rAng="0" ptsTypes="AA">
-                                      <p:cBhvr>
-                                        <p:cTn id="19" dur="300" fill="hold"/>
-                                        <p:tgtEl>
-                                          <p:spTgt spid="5"/>
-                                        </p:tgtEl>
-                                        <p:attrNameLst>
-                                          <p:attrName>ppt_x</p:attrName>
-                                          <p:attrName>ppt_y</p:attrName>
-                                        </p:attrNameLst>
-                                      </p:cBhvr>
-                                      <p:rCtr x="-2118" y="0"/>
-                                    </p:animMotion>
-                                  </p:childTnLst>
-                                </p:cTn>
-                              </p:par>
-                            </p:childTnLst>
-                          </p:cTn>
-                        </p:par>
-                        <p:par>
-                          <p:cTn id="20" fill="hold">
-                            <p:stCondLst>
-                              <p:cond delay="1300"/>
-                            </p:stCondLst>
-                            <p:childTnLst>
-                              <p:par>
-                                <p:cTn id="21" presetID="10" presetClass="entr" presetSubtype="0" fill="hold" grpId="0" nodeType="afterEffect">
-                                  <p:stCondLst>
-                                    <p:cond delay="0"/>
-                                  </p:stCondLst>
-                                  <p:childTnLst>
-                                    <p:set>
-                                      <p:cBhvr>
-                                        <p:cTn id="22" dur="1" fill="hold">
-                                          <p:stCondLst>
-                                            <p:cond delay="0"/>
-                                          </p:stCondLst>
-                                        </p:cTn>
-                                        <p:tgtEl>
-                                          <p:spTgt spid="8"/>
-                                        </p:tgtEl>
-                                        <p:attrNameLst>
-                                          <p:attrName>style.visibility</p:attrName>
-                                        </p:attrNameLst>
-                                      </p:cBhvr>
-                                      <p:to>
-                                        <p:strVal val="visible"/>
-                                      </p:to>
-                                    </p:set>
-                                    <p:animEffect transition="in" filter="fade">
-                                      <p:cBhvr>
-                                        <p:cTn id="23" dur="300"/>
-                                        <p:tgtEl>
-                                          <p:spTgt spid="8"/>
-                                        </p:tgtEl>
-                                      </p:cBhvr>
-                                    </p:animEffect>
-                                  </p:childTnLst>
-                                </p:cTn>
-                              </p:par>
-                              <p:par>
-                                <p:cTn id="24" presetID="0" presetClass="path" presetSubtype="0" accel="50000" decel="50000" fill="hold" grpId="1" nodeType="withEffect">
-                                  <p:stCondLst>
-                                    <p:cond delay="0"/>
-                                  </p:stCondLst>
-                                  <p:childTnLst>
-                                    <p:animMotion origin="layout" path="M -1.38889E-6 0.0169 L -1.38889E-6 -1.11111E-6 " pathEditMode="relative" rAng="0" ptsTypes="AA">
-                                      <p:cBhvr>
-                                        <p:cTn id="25" dur="200" fill="hold"/>
-                                        <p:tgtEl>
-                                          <p:spTgt spid="8"/>
-                                        </p:tgtEl>
-                                        <p:attrNameLst>
-                                          <p:attrName>ppt_x</p:attrName>
-                                          <p:attrName>ppt_y</p:attrName>
-                                        </p:attrNameLst>
-                                      </p:cBhvr>
-                                      <p:rCtr x="0" y="-856"/>
-                                    </p:animMotion>
-                                  </p:childTnLst>
-                                </p:cTn>
-                              </p:par>
-                            </p:childTnLst>
-                          </p:cTn>
-                        </p:par>
-                        <p:par>
-                          <p:cTn id="26" fill="hold">
-                            <p:stCondLst>
-                              <p:cond delay="1600"/>
-                            </p:stCondLst>
-                            <p:childTnLst>
-                              <p:par>
-                                <p:cTn id="27" presetID="10" presetClass="entr" presetSubtype="0" fill="hold" grpId="0" nodeType="afterEffect">
-                                  <p:stCondLst>
-                                    <p:cond delay="0"/>
-                                  </p:stCondLst>
-                                  <p:childTnLst>
-                                    <p:set>
-                                      <p:cBhvr>
-                                        <p:cTn id="28" dur="1" fill="hold">
-                                          <p:stCondLst>
-                                            <p:cond delay="0"/>
-                                          </p:stCondLst>
-                                        </p:cTn>
-                                        <p:tgtEl>
-                                          <p:spTgt spid="10"/>
-                                        </p:tgtEl>
-                                        <p:attrNameLst>
-                                          <p:attrName>style.visibility</p:attrName>
-                                        </p:attrNameLst>
-                                      </p:cBhvr>
-                                      <p:to>
-                                        <p:strVal val="visible"/>
-                                      </p:to>
-                                    </p:set>
-                                    <p:animEffect transition="in" filter="fade">
-                                      <p:cBhvr>
-                                        <p:cTn id="29" dur="200"/>
-                                        <p:tgtEl>
-                                          <p:spTgt spid="10"/>
-                                        </p:tgtEl>
-                                      </p:cBhvr>
-                                    </p:animEffect>
-                                  </p:childTnLst>
-                                </p:cTn>
-                              </p:par>
-                            </p:childTnLst>
-                          </p:cTn>
-                        </p:par>
-                      </p:childTnLst>
-                    </p:cTn>
-                  </p:par>
-                </p:childTnLst>
-              </p:cTn>
-              <p:prevCondLst>
-                <p:cond evt="onPrev" delay="0">
-                  <p:tgtEl>
-                    <p:sldTgt/>
-                  </p:tgtEl>
-                </p:cond>
-              </p:prevCondLst>
-              <p:nextCondLst>
-                <p:cond evt="onNext" delay="0">
-                  <p:tgtEl>
-                    <p:sldTgt/>
-                  </p:tgtEl>
-                </p:cond>
-              </p:nextCondLst>
-            </p:seq>
-          </p:childTnLst>
-        </p:cTn>
-      </p:par>
-    </p:tnLst>
-    <p:bldLst>
-      <p:bldP spid="2" grpId="0" animBg="1"/>
-      <p:bldP spid="5" grpId="0"/>
-      <p:bldP spid="5" grpId="1"/>
-      <p:bldP spid="7" grpId="0" animBg="1"/>
-      <p:bldP spid="8" grpId="0"/>
-      <p:bldP spid="8" grpId="1"/>
-      <p:bldP spid="10" grpId="0"/>
     </p:bldLst>
   </p:timing>
 </p:sld>
